--- a/Reports/LRA.pptx
+++ b/Reports/LRA.pptx
@@ -5,7 +5,7 @@
     <p:sldMasterId id="2147483677" r:id="rId1"/>
   </p:sldMasterIdLst>
   <p:notesMasterIdLst>
-    <p:notesMasterId r:id="rId26"/>
+    <p:notesMasterId r:id="rId36"/>
   </p:notesMasterIdLst>
   <p:sldIdLst>
     <p:sldId id="256" r:id="rId2"/>
@@ -32,6 +32,16 @@
     <p:sldId id="276" r:id="rId23"/>
     <p:sldId id="281" r:id="rId24"/>
     <p:sldId id="270" r:id="rId25"/>
+    <p:sldId id="283" r:id="rId26"/>
+    <p:sldId id="284" r:id="rId27"/>
+    <p:sldId id="282" r:id="rId28"/>
+    <p:sldId id="285" r:id="rId29"/>
+    <p:sldId id="287" r:id="rId30"/>
+    <p:sldId id="286" r:id="rId31"/>
+    <p:sldId id="288" r:id="rId32"/>
+    <p:sldId id="289" r:id="rId33"/>
+    <p:sldId id="290" r:id="rId34"/>
+    <p:sldId id="291" r:id="rId35"/>
   </p:sldIdLst>
   <p:sldSz cx="12192000" cy="6858000"/>
   <p:notesSz cx="6858000" cy="9144000"/>
@@ -2380,6 +2390,753 @@
 </file>
 
 <file path=ppt/diagrams/colors4.xml><?xml version="1.0" encoding="utf-8"?>
+<dgm:colorsDef xmlns:dgm="http://schemas.openxmlformats.org/drawingml/2006/diagram" xmlns:a="http://schemas.openxmlformats.org/drawingml/2006/main" uniqueId="urn:microsoft.com/office/officeart/2005/8/colors/accent1_2">
+  <dgm:title val=""/>
+  <dgm:desc val=""/>
+  <dgm:catLst>
+    <dgm:cat type="accent1" pri="11200"/>
+  </dgm:catLst>
+  <dgm:styleLbl name="node0">
+    <dgm:fillClrLst meth="repeat">
+      <a:schemeClr val="accent1"/>
+    </dgm:fillClrLst>
+    <dgm:linClrLst meth="repeat">
+      <a:schemeClr val="lt1"/>
+    </dgm:linClrLst>
+    <dgm:effectClrLst/>
+    <dgm:txLinClrLst/>
+    <dgm:txFillClrLst/>
+    <dgm:txEffectClrLst/>
+  </dgm:styleLbl>
+  <dgm:styleLbl name="alignNode1">
+    <dgm:fillClrLst meth="repeat">
+      <a:schemeClr val="accent1"/>
+    </dgm:fillClrLst>
+    <dgm:linClrLst meth="repeat">
+      <a:schemeClr val="accent1"/>
+    </dgm:linClrLst>
+    <dgm:effectClrLst/>
+    <dgm:txLinClrLst/>
+    <dgm:txFillClrLst/>
+    <dgm:txEffectClrLst/>
+  </dgm:styleLbl>
+  <dgm:styleLbl name="node1">
+    <dgm:fillClrLst meth="repeat">
+      <a:schemeClr val="accent1"/>
+    </dgm:fillClrLst>
+    <dgm:linClrLst meth="repeat">
+      <a:schemeClr val="lt1"/>
+    </dgm:linClrLst>
+    <dgm:effectClrLst/>
+    <dgm:txLinClrLst/>
+    <dgm:txFillClrLst/>
+    <dgm:txEffectClrLst/>
+  </dgm:styleLbl>
+  <dgm:styleLbl name="lnNode1">
+    <dgm:fillClrLst meth="repeat">
+      <a:schemeClr val="accent1"/>
+    </dgm:fillClrLst>
+    <dgm:linClrLst meth="repeat">
+      <a:schemeClr val="lt1"/>
+    </dgm:linClrLst>
+    <dgm:effectClrLst/>
+    <dgm:txLinClrLst/>
+    <dgm:txFillClrLst/>
+    <dgm:txEffectClrLst/>
+  </dgm:styleLbl>
+  <dgm:styleLbl name="vennNode1">
+    <dgm:fillClrLst meth="repeat">
+      <a:schemeClr val="accent1">
+        <a:alpha val="50000"/>
+      </a:schemeClr>
+    </dgm:fillClrLst>
+    <dgm:linClrLst meth="repeat">
+      <a:schemeClr val="lt1"/>
+    </dgm:linClrLst>
+    <dgm:effectClrLst/>
+    <dgm:txLinClrLst/>
+    <dgm:txFillClrLst/>
+    <dgm:txEffectClrLst/>
+  </dgm:styleLbl>
+  <dgm:styleLbl name="node2">
+    <dgm:fillClrLst meth="repeat">
+      <a:schemeClr val="accent1"/>
+    </dgm:fillClrLst>
+    <dgm:linClrLst meth="repeat">
+      <a:schemeClr val="lt1"/>
+    </dgm:linClrLst>
+    <dgm:effectClrLst/>
+    <dgm:txLinClrLst/>
+    <dgm:txFillClrLst/>
+    <dgm:txEffectClrLst/>
+  </dgm:styleLbl>
+  <dgm:styleLbl name="node3">
+    <dgm:fillClrLst meth="repeat">
+      <a:schemeClr val="accent1"/>
+    </dgm:fillClrLst>
+    <dgm:linClrLst meth="repeat">
+      <a:schemeClr val="lt1"/>
+    </dgm:linClrLst>
+    <dgm:effectClrLst/>
+    <dgm:txLinClrLst/>
+    <dgm:txFillClrLst/>
+    <dgm:txEffectClrLst/>
+  </dgm:styleLbl>
+  <dgm:styleLbl name="node4">
+    <dgm:fillClrLst meth="repeat">
+      <a:schemeClr val="accent1"/>
+    </dgm:fillClrLst>
+    <dgm:linClrLst meth="repeat">
+      <a:schemeClr val="lt1"/>
+    </dgm:linClrLst>
+    <dgm:effectClrLst/>
+    <dgm:txLinClrLst/>
+    <dgm:txFillClrLst/>
+    <dgm:txEffectClrLst/>
+  </dgm:styleLbl>
+  <dgm:styleLbl name="fgImgPlace1">
+    <dgm:fillClrLst meth="repeat">
+      <a:schemeClr val="accent1">
+        <a:tint val="50000"/>
+      </a:schemeClr>
+    </dgm:fillClrLst>
+    <dgm:linClrLst meth="repeat">
+      <a:schemeClr val="lt1"/>
+    </dgm:linClrLst>
+    <dgm:effectClrLst/>
+    <dgm:txLinClrLst/>
+    <dgm:txFillClrLst meth="repeat">
+      <a:schemeClr val="lt1"/>
+    </dgm:txFillClrLst>
+    <dgm:txEffectClrLst/>
+  </dgm:styleLbl>
+  <dgm:styleLbl name="alignImgPlace1">
+    <dgm:fillClrLst meth="repeat">
+      <a:schemeClr val="accent1">
+        <a:tint val="50000"/>
+      </a:schemeClr>
+    </dgm:fillClrLst>
+    <dgm:linClrLst meth="repeat">
+      <a:schemeClr val="lt1"/>
+    </dgm:linClrLst>
+    <dgm:effectClrLst/>
+    <dgm:txLinClrLst/>
+    <dgm:txFillClrLst meth="repeat">
+      <a:schemeClr val="lt1"/>
+    </dgm:txFillClrLst>
+    <dgm:txEffectClrLst/>
+  </dgm:styleLbl>
+  <dgm:styleLbl name="bgImgPlace1">
+    <dgm:fillClrLst meth="repeat">
+      <a:schemeClr val="accent1">
+        <a:tint val="50000"/>
+      </a:schemeClr>
+    </dgm:fillClrLst>
+    <dgm:linClrLst meth="repeat">
+      <a:schemeClr val="lt1"/>
+    </dgm:linClrLst>
+    <dgm:effectClrLst/>
+    <dgm:txLinClrLst/>
+    <dgm:txFillClrLst meth="repeat">
+      <a:schemeClr val="lt1"/>
+    </dgm:txFillClrLst>
+    <dgm:txEffectClrLst/>
+  </dgm:styleLbl>
+  <dgm:styleLbl name="sibTrans2D1">
+    <dgm:fillClrLst meth="repeat">
+      <a:schemeClr val="accent1">
+        <a:tint val="60000"/>
+      </a:schemeClr>
+    </dgm:fillClrLst>
+    <dgm:linClrLst meth="repeat">
+      <a:schemeClr val="accent1">
+        <a:tint val="60000"/>
+      </a:schemeClr>
+    </dgm:linClrLst>
+    <dgm:effectClrLst/>
+    <dgm:txLinClrLst/>
+    <dgm:txFillClrLst/>
+    <dgm:txEffectClrLst/>
+  </dgm:styleLbl>
+  <dgm:styleLbl name="fgSibTrans2D1">
+    <dgm:fillClrLst meth="repeat">
+      <a:schemeClr val="accent1">
+        <a:tint val="60000"/>
+      </a:schemeClr>
+    </dgm:fillClrLst>
+    <dgm:linClrLst meth="repeat">
+      <a:schemeClr val="accent1">
+        <a:tint val="60000"/>
+      </a:schemeClr>
+    </dgm:linClrLst>
+    <dgm:effectClrLst/>
+    <dgm:txLinClrLst/>
+    <dgm:txFillClrLst/>
+    <dgm:txEffectClrLst/>
+  </dgm:styleLbl>
+  <dgm:styleLbl name="bgSibTrans2D1">
+    <dgm:fillClrLst meth="repeat">
+      <a:schemeClr val="accent1">
+        <a:tint val="60000"/>
+      </a:schemeClr>
+    </dgm:fillClrLst>
+    <dgm:linClrLst meth="repeat">
+      <a:schemeClr val="accent1">
+        <a:tint val="60000"/>
+      </a:schemeClr>
+    </dgm:linClrLst>
+    <dgm:effectClrLst/>
+    <dgm:txLinClrLst/>
+    <dgm:txFillClrLst/>
+    <dgm:txEffectClrLst/>
+  </dgm:styleLbl>
+  <dgm:styleLbl name="sibTrans1D1">
+    <dgm:fillClrLst meth="repeat">
+      <a:schemeClr val="accent1"/>
+    </dgm:fillClrLst>
+    <dgm:linClrLst meth="repeat">
+      <a:schemeClr val="accent1"/>
+    </dgm:linClrLst>
+    <dgm:effectClrLst/>
+    <dgm:txLinClrLst/>
+    <dgm:txFillClrLst meth="repeat">
+      <a:schemeClr val="tx1"/>
+    </dgm:txFillClrLst>
+    <dgm:txEffectClrLst/>
+  </dgm:styleLbl>
+  <dgm:styleLbl name="callout">
+    <dgm:fillClrLst meth="repeat">
+      <a:schemeClr val="accent1"/>
+    </dgm:fillClrLst>
+    <dgm:linClrLst meth="repeat">
+      <a:schemeClr val="accent1">
+        <a:tint val="50000"/>
+      </a:schemeClr>
+    </dgm:linClrLst>
+    <dgm:effectClrLst/>
+    <dgm:txLinClrLst/>
+    <dgm:txFillClrLst meth="repeat">
+      <a:schemeClr val="tx1"/>
+    </dgm:txFillClrLst>
+    <dgm:txEffectClrLst/>
+  </dgm:styleLbl>
+  <dgm:styleLbl name="asst0">
+    <dgm:fillClrLst meth="repeat">
+      <a:schemeClr val="accent1"/>
+    </dgm:fillClrLst>
+    <dgm:linClrLst meth="repeat">
+      <a:schemeClr val="lt1"/>
+    </dgm:linClrLst>
+    <dgm:effectClrLst/>
+    <dgm:txLinClrLst/>
+    <dgm:txFillClrLst/>
+    <dgm:txEffectClrLst/>
+  </dgm:styleLbl>
+  <dgm:styleLbl name="asst1">
+    <dgm:fillClrLst meth="repeat">
+      <a:schemeClr val="accent1"/>
+    </dgm:fillClrLst>
+    <dgm:linClrLst meth="repeat">
+      <a:schemeClr val="lt1"/>
+    </dgm:linClrLst>
+    <dgm:effectClrLst/>
+    <dgm:txLinClrLst/>
+    <dgm:txFillClrLst/>
+    <dgm:txEffectClrLst/>
+  </dgm:styleLbl>
+  <dgm:styleLbl name="asst2">
+    <dgm:fillClrLst meth="repeat">
+      <a:schemeClr val="accent1"/>
+    </dgm:fillClrLst>
+    <dgm:linClrLst meth="repeat">
+      <a:schemeClr val="lt1"/>
+    </dgm:linClrLst>
+    <dgm:effectClrLst/>
+    <dgm:txLinClrLst/>
+    <dgm:txFillClrLst/>
+    <dgm:txEffectClrLst/>
+  </dgm:styleLbl>
+  <dgm:styleLbl name="asst3">
+    <dgm:fillClrLst meth="repeat">
+      <a:schemeClr val="accent1"/>
+    </dgm:fillClrLst>
+    <dgm:linClrLst meth="repeat">
+      <a:schemeClr val="lt1"/>
+    </dgm:linClrLst>
+    <dgm:effectClrLst/>
+    <dgm:txLinClrLst/>
+    <dgm:txFillClrLst/>
+    <dgm:txEffectClrLst/>
+  </dgm:styleLbl>
+  <dgm:styleLbl name="asst4">
+    <dgm:fillClrLst meth="repeat">
+      <a:schemeClr val="accent1"/>
+    </dgm:fillClrLst>
+    <dgm:linClrLst meth="repeat">
+      <a:schemeClr val="lt1"/>
+    </dgm:linClrLst>
+    <dgm:effectClrLst/>
+    <dgm:txLinClrLst/>
+    <dgm:txFillClrLst/>
+    <dgm:txEffectClrLst/>
+  </dgm:styleLbl>
+  <dgm:styleLbl name="parChTrans2D1">
+    <dgm:fillClrLst meth="repeat">
+      <a:schemeClr val="accent1">
+        <a:tint val="60000"/>
+      </a:schemeClr>
+    </dgm:fillClrLst>
+    <dgm:linClrLst meth="repeat">
+      <a:schemeClr val="accent1">
+        <a:tint val="60000"/>
+      </a:schemeClr>
+    </dgm:linClrLst>
+    <dgm:effectClrLst/>
+    <dgm:txLinClrLst/>
+    <dgm:txFillClrLst meth="repeat">
+      <a:schemeClr val="lt1"/>
+    </dgm:txFillClrLst>
+    <dgm:txEffectClrLst/>
+  </dgm:styleLbl>
+  <dgm:styleLbl name="parChTrans2D2">
+    <dgm:fillClrLst meth="repeat">
+      <a:schemeClr val="accent1"/>
+    </dgm:fillClrLst>
+    <dgm:linClrLst meth="repeat">
+      <a:schemeClr val="accent1"/>
+    </dgm:linClrLst>
+    <dgm:effectClrLst/>
+    <dgm:txLinClrLst/>
+    <dgm:txFillClrLst meth="repeat">
+      <a:schemeClr val="lt1"/>
+    </dgm:txFillClrLst>
+    <dgm:txEffectClrLst/>
+  </dgm:styleLbl>
+  <dgm:styleLbl name="parChTrans2D3">
+    <dgm:fillClrLst meth="repeat">
+      <a:schemeClr val="accent1"/>
+    </dgm:fillClrLst>
+    <dgm:linClrLst meth="repeat">
+      <a:schemeClr val="accent1"/>
+    </dgm:linClrLst>
+    <dgm:effectClrLst/>
+    <dgm:txLinClrLst/>
+    <dgm:txFillClrLst meth="repeat">
+      <a:schemeClr val="lt1"/>
+    </dgm:txFillClrLst>
+    <dgm:txEffectClrLst/>
+  </dgm:styleLbl>
+  <dgm:styleLbl name="parChTrans2D4">
+    <dgm:fillClrLst meth="repeat">
+      <a:schemeClr val="accent1"/>
+    </dgm:fillClrLst>
+    <dgm:linClrLst meth="repeat">
+      <a:schemeClr val="accent1"/>
+    </dgm:linClrLst>
+    <dgm:effectClrLst/>
+    <dgm:txLinClrLst/>
+    <dgm:txFillClrLst meth="repeat">
+      <a:schemeClr val="lt1"/>
+    </dgm:txFillClrLst>
+    <dgm:txEffectClrLst/>
+  </dgm:styleLbl>
+  <dgm:styleLbl name="parChTrans1D1">
+    <dgm:fillClrLst meth="repeat">
+      <a:schemeClr val="accent1"/>
+    </dgm:fillClrLst>
+    <dgm:linClrLst meth="repeat">
+      <a:schemeClr val="accent1">
+        <a:shade val="60000"/>
+      </a:schemeClr>
+    </dgm:linClrLst>
+    <dgm:effectClrLst/>
+    <dgm:txLinClrLst/>
+    <dgm:txFillClrLst meth="repeat">
+      <a:schemeClr val="tx1"/>
+    </dgm:txFillClrLst>
+    <dgm:txEffectClrLst/>
+  </dgm:styleLbl>
+  <dgm:styleLbl name="parChTrans1D2">
+    <dgm:fillClrLst meth="repeat">
+      <a:schemeClr val="accent1"/>
+    </dgm:fillClrLst>
+    <dgm:linClrLst meth="repeat">
+      <a:schemeClr val="accent1">
+        <a:shade val="60000"/>
+      </a:schemeClr>
+    </dgm:linClrLst>
+    <dgm:effectClrLst/>
+    <dgm:txLinClrLst/>
+    <dgm:txFillClrLst meth="repeat">
+      <a:schemeClr val="tx1"/>
+    </dgm:txFillClrLst>
+    <dgm:txEffectClrLst/>
+  </dgm:styleLbl>
+  <dgm:styleLbl name="parChTrans1D3">
+    <dgm:fillClrLst meth="repeat">
+      <a:schemeClr val="accent1"/>
+    </dgm:fillClrLst>
+    <dgm:linClrLst meth="repeat">
+      <a:schemeClr val="accent1">
+        <a:shade val="80000"/>
+      </a:schemeClr>
+    </dgm:linClrLst>
+    <dgm:effectClrLst/>
+    <dgm:txLinClrLst/>
+    <dgm:txFillClrLst meth="repeat">
+      <a:schemeClr val="tx1"/>
+    </dgm:txFillClrLst>
+    <dgm:txEffectClrLst/>
+  </dgm:styleLbl>
+  <dgm:styleLbl name="parChTrans1D4">
+    <dgm:fillClrLst meth="repeat">
+      <a:schemeClr val="accent1"/>
+    </dgm:fillClrLst>
+    <dgm:linClrLst meth="repeat">
+      <a:schemeClr val="accent1">
+        <a:shade val="80000"/>
+      </a:schemeClr>
+    </dgm:linClrLst>
+    <dgm:effectClrLst/>
+    <dgm:txLinClrLst/>
+    <dgm:txFillClrLst meth="repeat">
+      <a:schemeClr val="tx1"/>
+    </dgm:txFillClrLst>
+    <dgm:txEffectClrLst/>
+  </dgm:styleLbl>
+  <dgm:styleLbl name="fgAcc1">
+    <dgm:fillClrLst meth="repeat">
+      <a:schemeClr val="lt1">
+        <a:alpha val="90000"/>
+      </a:schemeClr>
+    </dgm:fillClrLst>
+    <dgm:linClrLst meth="repeat">
+      <a:schemeClr val="accent1"/>
+    </dgm:linClrLst>
+    <dgm:effectClrLst/>
+    <dgm:txLinClrLst/>
+    <dgm:txFillClrLst meth="repeat">
+      <a:schemeClr val="dk1"/>
+    </dgm:txFillClrLst>
+    <dgm:txEffectClrLst/>
+  </dgm:styleLbl>
+  <dgm:styleLbl name="conFgAcc1">
+    <dgm:fillClrLst meth="repeat">
+      <a:schemeClr val="lt1">
+        <a:alpha val="90000"/>
+      </a:schemeClr>
+    </dgm:fillClrLst>
+    <dgm:linClrLst meth="repeat">
+      <a:schemeClr val="accent1"/>
+    </dgm:linClrLst>
+    <dgm:effectClrLst/>
+    <dgm:txLinClrLst/>
+    <dgm:txFillClrLst meth="repeat">
+      <a:schemeClr val="dk1"/>
+    </dgm:txFillClrLst>
+    <dgm:txEffectClrLst/>
+  </dgm:styleLbl>
+  <dgm:styleLbl name="alignAcc1">
+    <dgm:fillClrLst meth="repeat">
+      <a:schemeClr val="lt1">
+        <a:alpha val="90000"/>
+      </a:schemeClr>
+    </dgm:fillClrLst>
+    <dgm:linClrLst meth="repeat">
+      <a:schemeClr val="accent1"/>
+    </dgm:linClrLst>
+    <dgm:effectClrLst/>
+    <dgm:txLinClrLst/>
+    <dgm:txFillClrLst meth="repeat">
+      <a:schemeClr val="dk1"/>
+    </dgm:txFillClrLst>
+    <dgm:txEffectClrLst/>
+  </dgm:styleLbl>
+  <dgm:styleLbl name="trAlignAcc1">
+    <dgm:fillClrLst meth="repeat">
+      <a:schemeClr val="lt1">
+        <a:alpha val="40000"/>
+      </a:schemeClr>
+    </dgm:fillClrLst>
+    <dgm:linClrLst meth="repeat">
+      <a:schemeClr val="accent1"/>
+    </dgm:linClrLst>
+    <dgm:effectClrLst/>
+    <dgm:txLinClrLst/>
+    <dgm:txFillClrLst meth="repeat">
+      <a:schemeClr val="dk1"/>
+    </dgm:txFillClrLst>
+    <dgm:txEffectClrLst/>
+  </dgm:styleLbl>
+  <dgm:styleLbl name="bgAcc1">
+    <dgm:fillClrLst meth="repeat">
+      <a:schemeClr val="lt1">
+        <a:alpha val="90000"/>
+      </a:schemeClr>
+    </dgm:fillClrLst>
+    <dgm:linClrLst meth="repeat">
+      <a:schemeClr val="accent1"/>
+    </dgm:linClrLst>
+    <dgm:effectClrLst/>
+    <dgm:txLinClrLst/>
+    <dgm:txFillClrLst meth="repeat">
+      <a:schemeClr val="dk1"/>
+    </dgm:txFillClrLst>
+    <dgm:txEffectClrLst/>
+  </dgm:styleLbl>
+  <dgm:styleLbl name="solidFgAcc1">
+    <dgm:fillClrLst meth="repeat">
+      <a:schemeClr val="lt1"/>
+    </dgm:fillClrLst>
+    <dgm:linClrLst meth="repeat">
+      <a:schemeClr val="accent1"/>
+    </dgm:linClrLst>
+    <dgm:effectClrLst/>
+    <dgm:txLinClrLst/>
+    <dgm:txFillClrLst meth="repeat">
+      <a:schemeClr val="dk1"/>
+    </dgm:txFillClrLst>
+    <dgm:txEffectClrLst/>
+  </dgm:styleLbl>
+  <dgm:styleLbl name="solidAlignAcc1">
+    <dgm:fillClrLst meth="repeat">
+      <a:schemeClr val="lt1"/>
+    </dgm:fillClrLst>
+    <dgm:linClrLst meth="repeat">
+      <a:schemeClr val="accent1"/>
+    </dgm:linClrLst>
+    <dgm:effectClrLst/>
+    <dgm:txLinClrLst/>
+    <dgm:txFillClrLst meth="repeat">
+      <a:schemeClr val="dk1"/>
+    </dgm:txFillClrLst>
+    <dgm:txEffectClrLst/>
+  </dgm:styleLbl>
+  <dgm:styleLbl name="solidBgAcc1">
+    <dgm:fillClrLst meth="repeat">
+      <a:schemeClr val="lt1"/>
+    </dgm:fillClrLst>
+    <dgm:linClrLst meth="repeat">
+      <a:schemeClr val="accent1"/>
+    </dgm:linClrLst>
+    <dgm:effectClrLst/>
+    <dgm:txLinClrLst/>
+    <dgm:txFillClrLst meth="repeat">
+      <a:schemeClr val="dk1"/>
+    </dgm:txFillClrLst>
+    <dgm:txEffectClrLst/>
+  </dgm:styleLbl>
+  <dgm:styleLbl name="fgAccFollowNode1">
+    <dgm:fillClrLst meth="repeat">
+      <a:schemeClr val="accent1">
+        <a:alpha val="90000"/>
+        <a:tint val="40000"/>
+      </a:schemeClr>
+    </dgm:fillClrLst>
+    <dgm:linClrLst meth="repeat">
+      <a:schemeClr val="accent1">
+        <a:alpha val="90000"/>
+        <a:tint val="40000"/>
+      </a:schemeClr>
+    </dgm:linClrLst>
+    <dgm:effectClrLst/>
+    <dgm:txLinClrLst/>
+    <dgm:txFillClrLst meth="repeat">
+      <a:schemeClr val="dk1"/>
+    </dgm:txFillClrLst>
+    <dgm:txEffectClrLst/>
+  </dgm:styleLbl>
+  <dgm:styleLbl name="alignAccFollowNode1">
+    <dgm:fillClrLst meth="repeat">
+      <a:schemeClr val="accent1">
+        <a:alpha val="90000"/>
+        <a:tint val="40000"/>
+      </a:schemeClr>
+    </dgm:fillClrLst>
+    <dgm:linClrLst meth="repeat">
+      <a:schemeClr val="accent1">
+        <a:alpha val="90000"/>
+        <a:tint val="40000"/>
+      </a:schemeClr>
+    </dgm:linClrLst>
+    <dgm:effectClrLst/>
+    <dgm:txLinClrLst/>
+    <dgm:txFillClrLst meth="repeat">
+      <a:schemeClr val="dk1"/>
+    </dgm:txFillClrLst>
+    <dgm:txEffectClrLst/>
+  </dgm:styleLbl>
+  <dgm:styleLbl name="bgAccFollowNode1">
+    <dgm:fillClrLst meth="repeat">
+      <a:schemeClr val="accent1">
+        <a:alpha val="90000"/>
+        <a:tint val="40000"/>
+      </a:schemeClr>
+    </dgm:fillClrLst>
+    <dgm:linClrLst meth="repeat">
+      <a:schemeClr val="accent1">
+        <a:alpha val="90000"/>
+        <a:tint val="40000"/>
+      </a:schemeClr>
+    </dgm:linClrLst>
+    <dgm:effectClrLst/>
+    <dgm:txLinClrLst/>
+    <dgm:txFillClrLst meth="repeat">
+      <a:schemeClr val="dk1"/>
+    </dgm:txFillClrLst>
+    <dgm:txEffectClrLst/>
+  </dgm:styleLbl>
+  <dgm:styleLbl name="fgAcc0">
+    <dgm:fillClrLst meth="repeat">
+      <a:schemeClr val="lt1">
+        <a:alpha val="90000"/>
+      </a:schemeClr>
+    </dgm:fillClrLst>
+    <dgm:linClrLst meth="repeat">
+      <a:schemeClr val="accent1"/>
+    </dgm:linClrLst>
+    <dgm:effectClrLst/>
+    <dgm:txLinClrLst/>
+    <dgm:txFillClrLst meth="repeat">
+      <a:schemeClr val="dk1"/>
+    </dgm:txFillClrLst>
+    <dgm:txEffectClrLst/>
+  </dgm:styleLbl>
+  <dgm:styleLbl name="fgAcc2">
+    <dgm:fillClrLst meth="repeat">
+      <a:schemeClr val="lt1">
+        <a:alpha val="90000"/>
+      </a:schemeClr>
+    </dgm:fillClrLst>
+    <dgm:linClrLst meth="repeat">
+      <a:schemeClr val="accent1"/>
+    </dgm:linClrLst>
+    <dgm:effectClrLst/>
+    <dgm:txLinClrLst/>
+    <dgm:txFillClrLst meth="repeat">
+      <a:schemeClr val="dk1"/>
+    </dgm:txFillClrLst>
+    <dgm:txEffectClrLst/>
+  </dgm:styleLbl>
+  <dgm:styleLbl name="fgAcc3">
+    <dgm:fillClrLst meth="repeat">
+      <a:schemeClr val="lt1">
+        <a:alpha val="90000"/>
+      </a:schemeClr>
+    </dgm:fillClrLst>
+    <dgm:linClrLst meth="repeat">
+      <a:schemeClr val="accent1"/>
+    </dgm:linClrLst>
+    <dgm:effectClrLst/>
+    <dgm:txLinClrLst/>
+    <dgm:txFillClrLst meth="repeat">
+      <a:schemeClr val="dk1"/>
+    </dgm:txFillClrLst>
+    <dgm:txEffectClrLst/>
+  </dgm:styleLbl>
+  <dgm:styleLbl name="fgAcc4">
+    <dgm:fillClrLst meth="repeat">
+      <a:schemeClr val="lt1">
+        <a:alpha val="90000"/>
+      </a:schemeClr>
+    </dgm:fillClrLst>
+    <dgm:linClrLst meth="repeat">
+      <a:schemeClr val="accent1"/>
+    </dgm:linClrLst>
+    <dgm:effectClrLst/>
+    <dgm:txLinClrLst/>
+    <dgm:txFillClrLst meth="repeat">
+      <a:schemeClr val="dk1"/>
+    </dgm:txFillClrLst>
+    <dgm:txEffectClrLst/>
+  </dgm:styleLbl>
+  <dgm:styleLbl name="bgShp">
+    <dgm:fillClrLst meth="repeat">
+      <a:schemeClr val="accent1">
+        <a:tint val="40000"/>
+      </a:schemeClr>
+    </dgm:fillClrLst>
+    <dgm:linClrLst meth="repeat">
+      <a:schemeClr val="accent1"/>
+    </dgm:linClrLst>
+    <dgm:effectClrLst/>
+    <dgm:txLinClrLst/>
+    <dgm:txFillClrLst meth="repeat">
+      <a:schemeClr val="dk1"/>
+    </dgm:txFillClrLst>
+    <dgm:txEffectClrLst/>
+  </dgm:styleLbl>
+  <dgm:styleLbl name="dkBgShp">
+    <dgm:fillClrLst meth="repeat">
+      <a:schemeClr val="accent1">
+        <a:shade val="80000"/>
+      </a:schemeClr>
+    </dgm:fillClrLst>
+    <dgm:linClrLst meth="repeat">
+      <a:schemeClr val="accent1"/>
+    </dgm:linClrLst>
+    <dgm:effectClrLst/>
+    <dgm:txLinClrLst/>
+    <dgm:txFillClrLst meth="repeat">
+      <a:schemeClr val="lt1"/>
+    </dgm:txFillClrLst>
+    <dgm:txEffectClrLst/>
+  </dgm:styleLbl>
+  <dgm:styleLbl name="trBgShp">
+    <dgm:fillClrLst meth="repeat">
+      <a:schemeClr val="accent1">
+        <a:tint val="50000"/>
+        <a:alpha val="40000"/>
+      </a:schemeClr>
+    </dgm:fillClrLst>
+    <dgm:linClrLst meth="repeat">
+      <a:schemeClr val="accent1"/>
+    </dgm:linClrLst>
+    <dgm:effectClrLst/>
+    <dgm:txLinClrLst/>
+    <dgm:txFillClrLst meth="repeat">
+      <a:schemeClr val="lt1"/>
+    </dgm:txFillClrLst>
+    <dgm:txEffectClrLst/>
+  </dgm:styleLbl>
+  <dgm:styleLbl name="fgShp">
+    <dgm:fillClrLst meth="repeat">
+      <a:schemeClr val="accent1">
+        <a:tint val="60000"/>
+      </a:schemeClr>
+    </dgm:fillClrLst>
+    <dgm:linClrLst meth="repeat">
+      <a:schemeClr val="lt1"/>
+    </dgm:linClrLst>
+    <dgm:effectClrLst/>
+    <dgm:txLinClrLst/>
+    <dgm:txFillClrLst meth="repeat">
+      <a:schemeClr val="dk1"/>
+    </dgm:txFillClrLst>
+    <dgm:txEffectClrLst/>
+  </dgm:styleLbl>
+  <dgm:styleLbl name="revTx">
+    <dgm:fillClrLst meth="repeat">
+      <a:schemeClr val="lt1">
+        <a:alpha val="0"/>
+      </a:schemeClr>
+    </dgm:fillClrLst>
+    <dgm:linClrLst meth="repeat">
+      <a:schemeClr val="dk1">
+        <a:alpha val="0"/>
+      </a:schemeClr>
+    </dgm:linClrLst>
+    <dgm:effectClrLst/>
+    <dgm:txLinClrLst/>
+    <dgm:txFillClrLst meth="repeat">
+      <a:schemeClr val="tx1"/>
+    </dgm:txFillClrLst>
+    <dgm:txEffectClrLst/>
+  </dgm:styleLbl>
+</dgm:colorsDef>
+</file>
+
+<file path=ppt/diagrams/colors5.xml><?xml version="1.0" encoding="utf-8"?>
 <dgm:colorsDef xmlns:dgm="http://schemas.openxmlformats.org/drawingml/2006/diagram" xmlns:a="http://schemas.openxmlformats.org/drawingml/2006/main" uniqueId="urn:microsoft.com/office/officeart/2005/8/colors/accent1_2">
   <dgm:title val=""/>
   <dgm:desc val=""/>
@@ -5213,6 +5970,506 @@
 </dgm:dataModel>
 </file>
 
+<file path=ppt/diagrams/data5.xml><?xml version="1.0" encoding="utf-8"?>
+<dgm:dataModel xmlns:dgm="http://schemas.openxmlformats.org/drawingml/2006/diagram" xmlns:a="http://schemas.openxmlformats.org/drawingml/2006/main">
+  <dgm:ptLst>
+    <dgm:pt modelId="{494D11BF-2D98-4173-BACD-F1000D645904}" type="doc">
+      <dgm:prSet loTypeId="urn:microsoft.com/office/officeart/2005/8/layout/pList1" loCatId="picture" qsTypeId="urn:microsoft.com/office/officeart/2005/8/quickstyle/3d3" qsCatId="3D" csTypeId="urn:microsoft.com/office/officeart/2005/8/colors/accent1_2" csCatId="accent1" phldr="1"/>
+      <dgm:spPr/>
+      <dgm:t>
+        <a:bodyPr/>
+        <a:lstStyle/>
+        <a:p>
+          <a:endParaRPr lang="en-GB"/>
+        </a:p>
+      </dgm:t>
+    </dgm:pt>
+    <dgm:pt modelId="{04AD746E-8E68-4392-9A62-A2FC85A9D0C5}">
+      <dgm:prSet phldrT="[Text]"/>
+      <dgm:spPr/>
+      <dgm:t>
+        <a:bodyPr/>
+        <a:lstStyle/>
+        <a:p>
+          <a:r>
+            <a:rPr lang="en-US" dirty="0" smtClean="0"/>
+            <a:t>Search</a:t>
+          </a:r>
+          <a:endParaRPr lang="en-GB" dirty="0"/>
+        </a:p>
+      </dgm:t>
+    </dgm:pt>
+    <dgm:pt modelId="{3D401397-142B-44CA-A59F-E3F0D189A84B}" type="parTrans" cxnId="{37B5463D-FF7A-46CC-95C1-C10C0C81A0E1}">
+      <dgm:prSet/>
+      <dgm:spPr/>
+      <dgm:t>
+        <a:bodyPr/>
+        <a:lstStyle/>
+        <a:p>
+          <a:endParaRPr lang="en-GB"/>
+        </a:p>
+      </dgm:t>
+    </dgm:pt>
+    <dgm:pt modelId="{6D5C9105-0581-4715-9FD1-70D5A8D11C9C}" type="sibTrans" cxnId="{37B5463D-FF7A-46CC-95C1-C10C0C81A0E1}">
+      <dgm:prSet/>
+      <dgm:spPr/>
+      <dgm:t>
+        <a:bodyPr/>
+        <a:lstStyle/>
+        <a:p>
+          <a:endParaRPr lang="en-GB"/>
+        </a:p>
+      </dgm:t>
+    </dgm:pt>
+    <dgm:pt modelId="{B16AD185-1391-4E39-9BAF-A732DB967608}">
+      <dgm:prSet phldrT="[Text]"/>
+      <dgm:spPr/>
+      <dgm:t>
+        <a:bodyPr/>
+        <a:lstStyle/>
+        <a:p>
+          <a:r>
+            <a:rPr lang="en-US" smtClean="0"/>
+            <a:t>Report comment</a:t>
+          </a:r>
+          <a:endParaRPr lang="en-GB" dirty="0"/>
+        </a:p>
+      </dgm:t>
+    </dgm:pt>
+    <dgm:pt modelId="{D535AE7F-4A1D-4F50-AA42-BCA16F25D400}" type="parTrans" cxnId="{071CD12D-3139-42AC-B5F3-1BC8C6AE8D91}">
+      <dgm:prSet/>
+      <dgm:spPr/>
+      <dgm:t>
+        <a:bodyPr/>
+        <a:lstStyle/>
+        <a:p>
+          <a:endParaRPr lang="en-GB"/>
+        </a:p>
+      </dgm:t>
+    </dgm:pt>
+    <dgm:pt modelId="{B7CBB414-2922-46D6-B611-97803FA2EA87}" type="sibTrans" cxnId="{071CD12D-3139-42AC-B5F3-1BC8C6AE8D91}">
+      <dgm:prSet/>
+      <dgm:spPr/>
+      <dgm:t>
+        <a:bodyPr/>
+        <a:lstStyle/>
+        <a:p>
+          <a:endParaRPr lang="en-GB"/>
+        </a:p>
+      </dgm:t>
+    </dgm:pt>
+    <dgm:pt modelId="{C8464284-228C-4A68-B873-0718032E1E61}">
+      <dgm:prSet phldrT="[Text]"/>
+      <dgm:spPr/>
+      <dgm:t>
+        <a:bodyPr/>
+        <a:lstStyle/>
+        <a:p>
+          <a:r>
+            <a:rPr lang="en-US" smtClean="0"/>
+            <a:t>Recommend product</a:t>
+          </a:r>
+          <a:endParaRPr lang="en-GB" dirty="0"/>
+        </a:p>
+      </dgm:t>
+    </dgm:pt>
+    <dgm:pt modelId="{AEAC7AAB-36D0-4D36-A21B-0E3C889E47D9}" type="parTrans" cxnId="{F2E58148-8F68-4995-B72E-F508C2F6AFEE}">
+      <dgm:prSet/>
+      <dgm:spPr/>
+      <dgm:t>
+        <a:bodyPr/>
+        <a:lstStyle/>
+        <a:p>
+          <a:endParaRPr lang="en-GB"/>
+        </a:p>
+      </dgm:t>
+    </dgm:pt>
+    <dgm:pt modelId="{74753ABF-0F1C-41F7-A0EA-534D9E890088}" type="sibTrans" cxnId="{F2E58148-8F68-4995-B72E-F508C2F6AFEE}">
+      <dgm:prSet/>
+      <dgm:spPr/>
+      <dgm:t>
+        <a:bodyPr/>
+        <a:lstStyle/>
+        <a:p>
+          <a:endParaRPr lang="en-GB"/>
+        </a:p>
+      </dgm:t>
+    </dgm:pt>
+    <dgm:pt modelId="{0332B7DE-AD17-4C1F-8900-FB918E76237C}">
+      <dgm:prSet phldrT="[Text]"/>
+      <dgm:spPr/>
+      <dgm:t>
+        <a:bodyPr/>
+        <a:lstStyle/>
+        <a:p>
+          <a:r>
+            <a:rPr lang="en-GB" smtClean="0"/>
+            <a:t>Write comment</a:t>
+          </a:r>
+          <a:endParaRPr lang="en-GB" dirty="0"/>
+        </a:p>
+      </dgm:t>
+    </dgm:pt>
+    <dgm:pt modelId="{EF332AF7-8197-4800-BF05-75E1990B01F8}" type="parTrans" cxnId="{CE913807-4BBA-485A-B7C2-EB1E69388204}">
+      <dgm:prSet/>
+      <dgm:spPr/>
+      <dgm:t>
+        <a:bodyPr/>
+        <a:lstStyle/>
+        <a:p>
+          <a:endParaRPr lang="en-GB"/>
+        </a:p>
+      </dgm:t>
+    </dgm:pt>
+    <dgm:pt modelId="{12F4197F-58D0-4E5A-BE66-7777118A1034}" type="sibTrans" cxnId="{CE913807-4BBA-485A-B7C2-EB1E69388204}">
+      <dgm:prSet/>
+      <dgm:spPr/>
+      <dgm:t>
+        <a:bodyPr/>
+        <a:lstStyle/>
+        <a:p>
+          <a:endParaRPr lang="en-GB"/>
+        </a:p>
+      </dgm:t>
+    </dgm:pt>
+    <dgm:pt modelId="{718C467A-847A-4B70-BBBD-A1F0C172C58F}">
+      <dgm:prSet phldrT="[Text]"/>
+      <dgm:spPr/>
+      <dgm:t>
+        <a:bodyPr/>
+        <a:lstStyle/>
+        <a:p>
+          <a:r>
+            <a:rPr lang="en-GB" smtClean="0"/>
+            <a:t>Add favorite product</a:t>
+          </a:r>
+          <a:endParaRPr lang="en-GB" dirty="0"/>
+        </a:p>
+      </dgm:t>
+    </dgm:pt>
+    <dgm:pt modelId="{F9006E65-1DF8-485B-BE60-10465CF9C0C6}" type="parTrans" cxnId="{E223BD1D-FA1D-45EB-B029-78AFFC0C3491}">
+      <dgm:prSet/>
+      <dgm:spPr/>
+      <dgm:t>
+        <a:bodyPr/>
+        <a:lstStyle/>
+        <a:p>
+          <a:endParaRPr lang="en-GB"/>
+        </a:p>
+      </dgm:t>
+    </dgm:pt>
+    <dgm:pt modelId="{29D0DBE8-8877-4EE0-8982-49B95F362E57}" type="sibTrans" cxnId="{E223BD1D-FA1D-45EB-B029-78AFFC0C3491}">
+      <dgm:prSet/>
+      <dgm:spPr/>
+      <dgm:t>
+        <a:bodyPr/>
+        <a:lstStyle/>
+        <a:p>
+          <a:endParaRPr lang="en-GB"/>
+        </a:p>
+      </dgm:t>
+    </dgm:pt>
+    <dgm:pt modelId="{E9CC8302-00BD-4FDD-BBB3-EFB1ABC4C93C}" type="pres">
+      <dgm:prSet presAssocID="{494D11BF-2D98-4173-BACD-F1000D645904}" presName="Name0" presStyleCnt="0">
+        <dgm:presLayoutVars>
+          <dgm:dir/>
+          <dgm:resizeHandles val="exact"/>
+        </dgm:presLayoutVars>
+      </dgm:prSet>
+      <dgm:spPr/>
+      <dgm:t>
+        <a:bodyPr/>
+        <a:lstStyle/>
+        <a:p>
+          <a:endParaRPr lang="en-GB"/>
+        </a:p>
+      </dgm:t>
+    </dgm:pt>
+    <dgm:pt modelId="{8BB36275-E7F0-4A62-8059-5368D93228A2}" type="pres">
+      <dgm:prSet presAssocID="{04AD746E-8E68-4392-9A62-A2FC85A9D0C5}" presName="compNode" presStyleCnt="0"/>
+      <dgm:spPr/>
+    </dgm:pt>
+    <dgm:pt modelId="{38D94112-4B62-4450-BAB0-6C010E898920}" type="pres">
+      <dgm:prSet presAssocID="{04AD746E-8E68-4392-9A62-A2FC85A9D0C5}" presName="pictRect" presStyleLbl="node1" presStyleIdx="0" presStyleCnt="5"/>
+      <dgm:spPr>
+        <a:blipFill dpi="0" rotWithShape="1">
+          <a:blip xmlns:r="http://schemas.openxmlformats.org/officeDocument/2006/relationships" r:embed="rId1" cstate="print">
+            <a:extLst>
+              <a:ext uri="{28A0092B-C50C-407E-A947-70E740481C1C}">
+                <a14:useLocalDpi xmlns:a14="http://schemas.microsoft.com/office/drawing/2010/main" val="0"/>
+              </a:ext>
+            </a:extLst>
+          </a:blip>
+          <a:srcRect/>
+          <a:stretch>
+            <a:fillRect l="15550" r="15550"/>
+          </a:stretch>
+        </a:blipFill>
+      </dgm:spPr>
+      <dgm:t>
+        <a:bodyPr/>
+        <a:lstStyle/>
+        <a:p>
+          <a:endParaRPr lang="en-US"/>
+        </a:p>
+      </dgm:t>
+    </dgm:pt>
+    <dgm:pt modelId="{50032E18-2E0A-4D65-A348-2C9C3E9B8328}" type="pres">
+      <dgm:prSet presAssocID="{04AD746E-8E68-4392-9A62-A2FC85A9D0C5}" presName="textRect" presStyleLbl="revTx" presStyleIdx="0" presStyleCnt="5">
+        <dgm:presLayoutVars>
+          <dgm:bulletEnabled val="1"/>
+        </dgm:presLayoutVars>
+      </dgm:prSet>
+      <dgm:spPr/>
+      <dgm:t>
+        <a:bodyPr/>
+        <a:lstStyle/>
+        <a:p>
+          <a:endParaRPr lang="en-GB"/>
+        </a:p>
+      </dgm:t>
+    </dgm:pt>
+    <dgm:pt modelId="{FC755826-ECAD-4F40-B435-FEBA5291562C}" type="pres">
+      <dgm:prSet presAssocID="{6D5C9105-0581-4715-9FD1-70D5A8D11C9C}" presName="sibTrans" presStyleLbl="sibTrans2D1" presStyleIdx="0" presStyleCnt="0"/>
+      <dgm:spPr/>
+      <dgm:t>
+        <a:bodyPr/>
+        <a:lstStyle/>
+        <a:p>
+          <a:endParaRPr lang="en-GB"/>
+        </a:p>
+      </dgm:t>
+    </dgm:pt>
+    <dgm:pt modelId="{5F1E0AA5-3E18-4D8E-9B0A-B3CCC142EC1C}" type="pres">
+      <dgm:prSet presAssocID="{C8464284-228C-4A68-B873-0718032E1E61}" presName="compNode" presStyleCnt="0"/>
+      <dgm:spPr/>
+    </dgm:pt>
+    <dgm:pt modelId="{36FAAB07-1BD4-42B4-8036-62B0F623ED4C}" type="pres">
+      <dgm:prSet presAssocID="{C8464284-228C-4A68-B873-0718032E1E61}" presName="pictRect" presStyleLbl="node1" presStyleIdx="1" presStyleCnt="5"/>
+      <dgm:spPr>
+        <a:blipFill rotWithShape="1">
+          <a:blip xmlns:r="http://schemas.openxmlformats.org/officeDocument/2006/relationships" r:embed="rId2"/>
+          <a:stretch>
+            <a:fillRect/>
+          </a:stretch>
+        </a:blipFill>
+      </dgm:spPr>
+      <dgm:t>
+        <a:bodyPr/>
+        <a:lstStyle/>
+        <a:p>
+          <a:endParaRPr lang="en-GB"/>
+        </a:p>
+      </dgm:t>
+    </dgm:pt>
+    <dgm:pt modelId="{AB026361-32AF-4200-8E3C-B6BC87A0F3C1}" type="pres">
+      <dgm:prSet presAssocID="{C8464284-228C-4A68-B873-0718032E1E61}" presName="textRect" presStyleLbl="revTx" presStyleIdx="1" presStyleCnt="5">
+        <dgm:presLayoutVars>
+          <dgm:bulletEnabled val="1"/>
+        </dgm:presLayoutVars>
+      </dgm:prSet>
+      <dgm:spPr/>
+      <dgm:t>
+        <a:bodyPr/>
+        <a:lstStyle/>
+        <a:p>
+          <a:endParaRPr lang="en-GB"/>
+        </a:p>
+      </dgm:t>
+    </dgm:pt>
+    <dgm:pt modelId="{94E030C4-E9DF-4330-8488-9C7EEDE89341}" type="pres">
+      <dgm:prSet presAssocID="{74753ABF-0F1C-41F7-A0EA-534D9E890088}" presName="sibTrans" presStyleLbl="sibTrans2D1" presStyleIdx="0" presStyleCnt="0"/>
+      <dgm:spPr/>
+      <dgm:t>
+        <a:bodyPr/>
+        <a:lstStyle/>
+        <a:p>
+          <a:endParaRPr lang="en-GB"/>
+        </a:p>
+      </dgm:t>
+    </dgm:pt>
+    <dgm:pt modelId="{742F499D-E874-47BF-B42F-0CE2A0FAE01D}" type="pres">
+      <dgm:prSet presAssocID="{B16AD185-1391-4E39-9BAF-A732DB967608}" presName="compNode" presStyleCnt="0"/>
+      <dgm:spPr/>
+    </dgm:pt>
+    <dgm:pt modelId="{DB4DFF25-2111-49EB-BC56-4ACC6D2E3C4A}" type="pres">
+      <dgm:prSet presAssocID="{B16AD185-1391-4E39-9BAF-A732DB967608}" presName="pictRect" presStyleLbl="node1" presStyleIdx="2" presStyleCnt="5"/>
+      <dgm:spPr>
+        <a:blipFill rotWithShape="1">
+          <a:blip xmlns:r="http://schemas.openxmlformats.org/officeDocument/2006/relationships" r:embed="rId3"/>
+          <a:stretch>
+            <a:fillRect/>
+          </a:stretch>
+        </a:blipFill>
+      </dgm:spPr>
+      <dgm:t>
+        <a:bodyPr/>
+        <a:lstStyle/>
+        <a:p>
+          <a:endParaRPr lang="en-US"/>
+        </a:p>
+      </dgm:t>
+    </dgm:pt>
+    <dgm:pt modelId="{E88444CE-513E-46DB-98BB-1DE2BC38E1BB}" type="pres">
+      <dgm:prSet presAssocID="{B16AD185-1391-4E39-9BAF-A732DB967608}" presName="textRect" presStyleLbl="revTx" presStyleIdx="2" presStyleCnt="5">
+        <dgm:presLayoutVars>
+          <dgm:bulletEnabled val="1"/>
+        </dgm:presLayoutVars>
+      </dgm:prSet>
+      <dgm:spPr/>
+      <dgm:t>
+        <a:bodyPr/>
+        <a:lstStyle/>
+        <a:p>
+          <a:endParaRPr lang="en-GB"/>
+        </a:p>
+      </dgm:t>
+    </dgm:pt>
+    <dgm:pt modelId="{B757D4AA-FA2C-4215-8650-9A3D2455F1DC}" type="pres">
+      <dgm:prSet presAssocID="{B7CBB414-2922-46D6-B611-97803FA2EA87}" presName="sibTrans" presStyleLbl="sibTrans2D1" presStyleIdx="0" presStyleCnt="0"/>
+      <dgm:spPr/>
+      <dgm:t>
+        <a:bodyPr/>
+        <a:lstStyle/>
+        <a:p>
+          <a:endParaRPr lang="en-GB"/>
+        </a:p>
+      </dgm:t>
+    </dgm:pt>
+    <dgm:pt modelId="{70F74CA5-9F6A-4B7A-9221-F4AD7AAC9A13}" type="pres">
+      <dgm:prSet presAssocID="{718C467A-847A-4B70-BBBD-A1F0C172C58F}" presName="compNode" presStyleCnt="0"/>
+      <dgm:spPr/>
+    </dgm:pt>
+    <dgm:pt modelId="{B77A94D5-558B-4298-8C2F-665637DEF3C5}" type="pres">
+      <dgm:prSet presAssocID="{718C467A-847A-4B70-BBBD-A1F0C172C58F}" presName="pictRect" presStyleLbl="node1" presStyleIdx="3" presStyleCnt="5"/>
+      <dgm:spPr>
+        <a:blipFill rotWithShape="1">
+          <a:blip xmlns:r="http://schemas.openxmlformats.org/officeDocument/2006/relationships" r:embed="rId4"/>
+          <a:stretch>
+            <a:fillRect/>
+          </a:stretch>
+        </a:blipFill>
+      </dgm:spPr>
+      <dgm:t>
+        <a:bodyPr/>
+        <a:lstStyle/>
+        <a:p>
+          <a:endParaRPr lang="en-GB"/>
+        </a:p>
+      </dgm:t>
+    </dgm:pt>
+    <dgm:pt modelId="{0DA19ACC-408E-4451-802F-CB6DD2B511B0}" type="pres">
+      <dgm:prSet presAssocID="{718C467A-847A-4B70-BBBD-A1F0C172C58F}" presName="textRect" presStyleLbl="revTx" presStyleIdx="3" presStyleCnt="5">
+        <dgm:presLayoutVars>
+          <dgm:bulletEnabled val="1"/>
+        </dgm:presLayoutVars>
+      </dgm:prSet>
+      <dgm:spPr/>
+      <dgm:t>
+        <a:bodyPr/>
+        <a:lstStyle/>
+        <a:p>
+          <a:endParaRPr lang="en-GB"/>
+        </a:p>
+      </dgm:t>
+    </dgm:pt>
+    <dgm:pt modelId="{727ECDE9-FDCC-49DC-B5D7-440767CDB634}" type="pres">
+      <dgm:prSet presAssocID="{29D0DBE8-8877-4EE0-8982-49B95F362E57}" presName="sibTrans" presStyleLbl="sibTrans2D1" presStyleIdx="0" presStyleCnt="0"/>
+      <dgm:spPr/>
+      <dgm:t>
+        <a:bodyPr/>
+        <a:lstStyle/>
+        <a:p>
+          <a:endParaRPr lang="en-US"/>
+        </a:p>
+      </dgm:t>
+    </dgm:pt>
+    <dgm:pt modelId="{9E92DAB2-612C-446B-B2AF-22AEB9B1AF59}" type="pres">
+      <dgm:prSet presAssocID="{0332B7DE-AD17-4C1F-8900-FB918E76237C}" presName="compNode" presStyleCnt="0"/>
+      <dgm:spPr/>
+    </dgm:pt>
+    <dgm:pt modelId="{42108F33-182C-4014-975C-104417C9CEFC}" type="pres">
+      <dgm:prSet presAssocID="{0332B7DE-AD17-4C1F-8900-FB918E76237C}" presName="pictRect" presStyleLbl="node1" presStyleIdx="4" presStyleCnt="5"/>
+      <dgm:spPr>
+        <a:blipFill rotWithShape="1">
+          <a:blip xmlns:r="http://schemas.openxmlformats.org/officeDocument/2006/relationships" r:embed="rId5"/>
+          <a:stretch>
+            <a:fillRect/>
+          </a:stretch>
+        </a:blipFill>
+      </dgm:spPr>
+      <dgm:t>
+        <a:bodyPr/>
+        <a:lstStyle/>
+        <a:p>
+          <a:endParaRPr lang="en-US"/>
+        </a:p>
+      </dgm:t>
+    </dgm:pt>
+    <dgm:pt modelId="{8ABD6398-AAB5-46D3-9A57-5E4F4E5ECD95}" type="pres">
+      <dgm:prSet presAssocID="{0332B7DE-AD17-4C1F-8900-FB918E76237C}" presName="textRect" presStyleLbl="revTx" presStyleIdx="4" presStyleCnt="5">
+        <dgm:presLayoutVars>
+          <dgm:bulletEnabled val="1"/>
+        </dgm:presLayoutVars>
+      </dgm:prSet>
+      <dgm:spPr/>
+      <dgm:t>
+        <a:bodyPr/>
+        <a:lstStyle/>
+        <a:p>
+          <a:endParaRPr lang="en-GB"/>
+        </a:p>
+      </dgm:t>
+    </dgm:pt>
+  </dgm:ptLst>
+  <dgm:cxnLst>
+    <dgm:cxn modelId="{2770C1B3-E504-4CC9-9378-45BD234F3006}" type="presOf" srcId="{718C467A-847A-4B70-BBBD-A1F0C172C58F}" destId="{0DA19ACC-408E-4451-802F-CB6DD2B511B0}" srcOrd="0" destOrd="0" presId="urn:microsoft.com/office/officeart/2005/8/layout/pList1"/>
+    <dgm:cxn modelId="{3D99DA7C-1FC8-4953-94F6-FC399EB072B4}" type="presOf" srcId="{B7CBB414-2922-46D6-B611-97803FA2EA87}" destId="{B757D4AA-FA2C-4215-8650-9A3D2455F1DC}" srcOrd="0" destOrd="0" presId="urn:microsoft.com/office/officeart/2005/8/layout/pList1"/>
+    <dgm:cxn modelId="{3986FF1D-F71C-4E0F-A3CB-771056F955CA}" type="presOf" srcId="{494D11BF-2D98-4173-BACD-F1000D645904}" destId="{E9CC8302-00BD-4FDD-BBB3-EFB1ABC4C93C}" srcOrd="0" destOrd="0" presId="urn:microsoft.com/office/officeart/2005/8/layout/pList1"/>
+    <dgm:cxn modelId="{CE7F7A27-D55F-4B1B-9CED-40DF564DF54A}" type="presOf" srcId="{6D5C9105-0581-4715-9FD1-70D5A8D11C9C}" destId="{FC755826-ECAD-4F40-B435-FEBA5291562C}" srcOrd="0" destOrd="0" presId="urn:microsoft.com/office/officeart/2005/8/layout/pList1"/>
+    <dgm:cxn modelId="{071CD12D-3139-42AC-B5F3-1BC8C6AE8D91}" srcId="{494D11BF-2D98-4173-BACD-F1000D645904}" destId="{B16AD185-1391-4E39-9BAF-A732DB967608}" srcOrd="2" destOrd="0" parTransId="{D535AE7F-4A1D-4F50-AA42-BCA16F25D400}" sibTransId="{B7CBB414-2922-46D6-B611-97803FA2EA87}"/>
+    <dgm:cxn modelId="{41D07078-86B6-48B4-8F4D-6FC7022E7DA7}" type="presOf" srcId="{0332B7DE-AD17-4C1F-8900-FB918E76237C}" destId="{8ABD6398-AAB5-46D3-9A57-5E4F4E5ECD95}" srcOrd="0" destOrd="0" presId="urn:microsoft.com/office/officeart/2005/8/layout/pList1"/>
+    <dgm:cxn modelId="{CE913807-4BBA-485A-B7C2-EB1E69388204}" srcId="{494D11BF-2D98-4173-BACD-F1000D645904}" destId="{0332B7DE-AD17-4C1F-8900-FB918E76237C}" srcOrd="4" destOrd="0" parTransId="{EF332AF7-8197-4800-BF05-75E1990B01F8}" sibTransId="{12F4197F-58D0-4E5A-BE66-7777118A1034}"/>
+    <dgm:cxn modelId="{F2E58148-8F68-4995-B72E-F508C2F6AFEE}" srcId="{494D11BF-2D98-4173-BACD-F1000D645904}" destId="{C8464284-228C-4A68-B873-0718032E1E61}" srcOrd="1" destOrd="0" parTransId="{AEAC7AAB-36D0-4D36-A21B-0E3C889E47D9}" sibTransId="{74753ABF-0F1C-41F7-A0EA-534D9E890088}"/>
+    <dgm:cxn modelId="{EB0C6C2D-3D0D-401F-B2A2-59161B15C738}" type="presOf" srcId="{74753ABF-0F1C-41F7-A0EA-534D9E890088}" destId="{94E030C4-E9DF-4330-8488-9C7EEDE89341}" srcOrd="0" destOrd="0" presId="urn:microsoft.com/office/officeart/2005/8/layout/pList1"/>
+    <dgm:cxn modelId="{290AA4ED-F57A-472C-A540-B14EABFF9C92}" type="presOf" srcId="{C8464284-228C-4A68-B873-0718032E1E61}" destId="{AB026361-32AF-4200-8E3C-B6BC87A0F3C1}" srcOrd="0" destOrd="0" presId="urn:microsoft.com/office/officeart/2005/8/layout/pList1"/>
+    <dgm:cxn modelId="{2619DA24-9878-44BB-B8C8-264A7ADCF3F1}" type="presOf" srcId="{B16AD185-1391-4E39-9BAF-A732DB967608}" destId="{E88444CE-513E-46DB-98BB-1DE2BC38E1BB}" srcOrd="0" destOrd="0" presId="urn:microsoft.com/office/officeart/2005/8/layout/pList1"/>
+    <dgm:cxn modelId="{4F577222-46C5-4346-976F-8F252884CE0E}" type="presOf" srcId="{29D0DBE8-8877-4EE0-8982-49B95F362E57}" destId="{727ECDE9-FDCC-49DC-B5D7-440767CDB634}" srcOrd="0" destOrd="0" presId="urn:microsoft.com/office/officeart/2005/8/layout/pList1"/>
+    <dgm:cxn modelId="{BC03793C-38FC-4F0D-91F4-110C2B5B668D}" type="presOf" srcId="{04AD746E-8E68-4392-9A62-A2FC85A9D0C5}" destId="{50032E18-2E0A-4D65-A348-2C9C3E9B8328}" srcOrd="0" destOrd="0" presId="urn:microsoft.com/office/officeart/2005/8/layout/pList1"/>
+    <dgm:cxn modelId="{37B5463D-FF7A-46CC-95C1-C10C0C81A0E1}" srcId="{494D11BF-2D98-4173-BACD-F1000D645904}" destId="{04AD746E-8E68-4392-9A62-A2FC85A9D0C5}" srcOrd="0" destOrd="0" parTransId="{3D401397-142B-44CA-A59F-E3F0D189A84B}" sibTransId="{6D5C9105-0581-4715-9FD1-70D5A8D11C9C}"/>
+    <dgm:cxn modelId="{E223BD1D-FA1D-45EB-B029-78AFFC0C3491}" srcId="{494D11BF-2D98-4173-BACD-F1000D645904}" destId="{718C467A-847A-4B70-BBBD-A1F0C172C58F}" srcOrd="3" destOrd="0" parTransId="{F9006E65-1DF8-485B-BE60-10465CF9C0C6}" sibTransId="{29D0DBE8-8877-4EE0-8982-49B95F362E57}"/>
+    <dgm:cxn modelId="{A541B246-1A36-4AC0-8529-03D81CBBC131}" type="presParOf" srcId="{E9CC8302-00BD-4FDD-BBB3-EFB1ABC4C93C}" destId="{8BB36275-E7F0-4A62-8059-5368D93228A2}" srcOrd="0" destOrd="0" presId="urn:microsoft.com/office/officeart/2005/8/layout/pList1"/>
+    <dgm:cxn modelId="{A8823D4C-C6CA-4D06-873E-BCD7705E83AC}" type="presParOf" srcId="{8BB36275-E7F0-4A62-8059-5368D93228A2}" destId="{38D94112-4B62-4450-BAB0-6C010E898920}" srcOrd="0" destOrd="0" presId="urn:microsoft.com/office/officeart/2005/8/layout/pList1"/>
+    <dgm:cxn modelId="{1B605301-23AA-4299-BBC7-0EAB600EBA81}" type="presParOf" srcId="{8BB36275-E7F0-4A62-8059-5368D93228A2}" destId="{50032E18-2E0A-4D65-A348-2C9C3E9B8328}" srcOrd="1" destOrd="0" presId="urn:microsoft.com/office/officeart/2005/8/layout/pList1"/>
+    <dgm:cxn modelId="{8DB10E49-E68D-4DAE-A246-B32A2A2CAEA0}" type="presParOf" srcId="{E9CC8302-00BD-4FDD-BBB3-EFB1ABC4C93C}" destId="{FC755826-ECAD-4F40-B435-FEBA5291562C}" srcOrd="1" destOrd="0" presId="urn:microsoft.com/office/officeart/2005/8/layout/pList1"/>
+    <dgm:cxn modelId="{A938229E-8B68-4F34-A3A3-3D86001B3F2B}" type="presParOf" srcId="{E9CC8302-00BD-4FDD-BBB3-EFB1ABC4C93C}" destId="{5F1E0AA5-3E18-4D8E-9B0A-B3CCC142EC1C}" srcOrd="2" destOrd="0" presId="urn:microsoft.com/office/officeart/2005/8/layout/pList1"/>
+    <dgm:cxn modelId="{22345B5B-54E9-4732-BBC5-86C786D684E5}" type="presParOf" srcId="{5F1E0AA5-3E18-4D8E-9B0A-B3CCC142EC1C}" destId="{36FAAB07-1BD4-42B4-8036-62B0F623ED4C}" srcOrd="0" destOrd="0" presId="urn:microsoft.com/office/officeart/2005/8/layout/pList1"/>
+    <dgm:cxn modelId="{5CE6E6FF-7131-44B5-ADFC-AAAE991B66F8}" type="presParOf" srcId="{5F1E0AA5-3E18-4D8E-9B0A-B3CCC142EC1C}" destId="{AB026361-32AF-4200-8E3C-B6BC87A0F3C1}" srcOrd="1" destOrd="0" presId="urn:microsoft.com/office/officeart/2005/8/layout/pList1"/>
+    <dgm:cxn modelId="{76E4BD3A-2F84-41FE-8FC0-5F5D8DC73822}" type="presParOf" srcId="{E9CC8302-00BD-4FDD-BBB3-EFB1ABC4C93C}" destId="{94E030C4-E9DF-4330-8488-9C7EEDE89341}" srcOrd="3" destOrd="0" presId="urn:microsoft.com/office/officeart/2005/8/layout/pList1"/>
+    <dgm:cxn modelId="{8B2578D1-F11E-4947-92D0-E8FC87895D73}" type="presParOf" srcId="{E9CC8302-00BD-4FDD-BBB3-EFB1ABC4C93C}" destId="{742F499D-E874-47BF-B42F-0CE2A0FAE01D}" srcOrd="4" destOrd="0" presId="urn:microsoft.com/office/officeart/2005/8/layout/pList1"/>
+    <dgm:cxn modelId="{B2D84A2A-4FC3-4BFE-AF51-E3913B5D3BC6}" type="presParOf" srcId="{742F499D-E874-47BF-B42F-0CE2A0FAE01D}" destId="{DB4DFF25-2111-49EB-BC56-4ACC6D2E3C4A}" srcOrd="0" destOrd="0" presId="urn:microsoft.com/office/officeart/2005/8/layout/pList1"/>
+    <dgm:cxn modelId="{AAD380C0-CAB7-4C93-B1E3-39FC91BB2AB3}" type="presParOf" srcId="{742F499D-E874-47BF-B42F-0CE2A0FAE01D}" destId="{E88444CE-513E-46DB-98BB-1DE2BC38E1BB}" srcOrd="1" destOrd="0" presId="urn:microsoft.com/office/officeart/2005/8/layout/pList1"/>
+    <dgm:cxn modelId="{8838E549-7D79-463A-A476-F8F08D5DE4A7}" type="presParOf" srcId="{E9CC8302-00BD-4FDD-BBB3-EFB1ABC4C93C}" destId="{B757D4AA-FA2C-4215-8650-9A3D2455F1DC}" srcOrd="5" destOrd="0" presId="urn:microsoft.com/office/officeart/2005/8/layout/pList1"/>
+    <dgm:cxn modelId="{BADC2A74-CAA4-4AC9-AEAC-BF28B21AD7B8}" type="presParOf" srcId="{E9CC8302-00BD-4FDD-BBB3-EFB1ABC4C93C}" destId="{70F74CA5-9F6A-4B7A-9221-F4AD7AAC9A13}" srcOrd="6" destOrd="0" presId="urn:microsoft.com/office/officeart/2005/8/layout/pList1"/>
+    <dgm:cxn modelId="{C6DCF36A-CBE7-47EB-B83D-0CB68533D127}" type="presParOf" srcId="{70F74CA5-9F6A-4B7A-9221-F4AD7AAC9A13}" destId="{B77A94D5-558B-4298-8C2F-665637DEF3C5}" srcOrd="0" destOrd="0" presId="urn:microsoft.com/office/officeart/2005/8/layout/pList1"/>
+    <dgm:cxn modelId="{E6256DEF-53A7-4DAF-8A2E-FA73CB339F02}" type="presParOf" srcId="{70F74CA5-9F6A-4B7A-9221-F4AD7AAC9A13}" destId="{0DA19ACC-408E-4451-802F-CB6DD2B511B0}" srcOrd="1" destOrd="0" presId="urn:microsoft.com/office/officeart/2005/8/layout/pList1"/>
+    <dgm:cxn modelId="{EC241240-A6A8-403D-978E-81B4BCA6879B}" type="presParOf" srcId="{E9CC8302-00BD-4FDD-BBB3-EFB1ABC4C93C}" destId="{727ECDE9-FDCC-49DC-B5D7-440767CDB634}" srcOrd="7" destOrd="0" presId="urn:microsoft.com/office/officeart/2005/8/layout/pList1"/>
+    <dgm:cxn modelId="{4A623B71-3D19-4D57-A03A-DC98821C46A1}" type="presParOf" srcId="{E9CC8302-00BD-4FDD-BBB3-EFB1ABC4C93C}" destId="{9E92DAB2-612C-446B-B2AF-22AEB9B1AF59}" srcOrd="8" destOrd="0" presId="urn:microsoft.com/office/officeart/2005/8/layout/pList1"/>
+    <dgm:cxn modelId="{360DC693-A2BD-4CC3-86A2-3A8333EA7455}" type="presParOf" srcId="{9E92DAB2-612C-446B-B2AF-22AEB9B1AF59}" destId="{42108F33-182C-4014-975C-104417C9CEFC}" srcOrd="0" destOrd="0" presId="urn:microsoft.com/office/officeart/2005/8/layout/pList1"/>
+    <dgm:cxn modelId="{D0C3DD65-53D1-403F-BCAB-31C4DDAF9380}" type="presParOf" srcId="{9E92DAB2-612C-446B-B2AF-22AEB9B1AF59}" destId="{8ABD6398-AAB5-46D3-9A57-5E4F4E5ECD95}" srcOrd="1" destOrd="0" presId="urn:microsoft.com/office/officeart/2005/8/layout/pList1"/>
+  </dgm:cxnLst>
+  <dgm:bg>
+    <a:noFill/>
+  </dgm:bg>
+  <dgm:whole/>
+  <dgm:extLst>
+    <a:ext uri="http://schemas.microsoft.com/office/drawing/2008/diagram">
+      <dsp:dataModelExt xmlns:dsp="http://schemas.microsoft.com/office/drawing/2008/diagram" relId="rId6" minVer="http://schemas.openxmlformats.org/drawingml/2006/diagram"/>
+    </a:ext>
+  </dgm:extLst>
+</dgm:dataModel>
+</file>
+
 <file path=ppt/diagrams/drawing1.xml><?xml version="1.0" encoding="utf-8"?>
 <dsp:drawing xmlns:dgm="http://schemas.openxmlformats.org/drawingml/2006/diagram" xmlns:dsp="http://schemas.microsoft.com/office/drawing/2008/diagram" xmlns:a="http://schemas.openxmlformats.org/drawingml/2006/main">
   <dsp:spTree>
@@ -5221,61 +6478,31 @@
       <dsp:cNvGrpSpPr/>
     </dsp:nvGrpSpPr>
     <dsp:grpSpPr/>
-  </dsp:spTree>
-</dsp:drawing>
-</file>
-
-<file path=ppt/diagrams/drawing2.xml><?xml version="1.0" encoding="utf-8"?>
-<dsp:drawing xmlns:dgm="http://schemas.openxmlformats.org/drawingml/2006/diagram" xmlns:dsp="http://schemas.microsoft.com/office/drawing/2008/diagram" xmlns:a="http://schemas.openxmlformats.org/drawingml/2006/main">
-  <dsp:spTree>
-    <dsp:nvGrpSpPr>
-      <dsp:cNvPr id="0" name=""/>
-      <dsp:cNvGrpSpPr/>
-    </dsp:nvGrpSpPr>
-    <dsp:grpSpPr/>
-  </dsp:spTree>
-</dsp:drawing>
-</file>
-
-<file path=ppt/diagrams/drawing3.xml><?xml version="1.0" encoding="utf-8"?>
-<dsp:drawing xmlns:dgm="http://schemas.openxmlformats.org/drawingml/2006/diagram" xmlns:dsp="http://schemas.microsoft.com/office/drawing/2008/diagram" xmlns:a="http://schemas.openxmlformats.org/drawingml/2006/main">
-  <dsp:spTree>
-    <dsp:nvGrpSpPr>
-      <dsp:cNvPr id="0" name=""/>
-      <dsp:cNvGrpSpPr/>
-    </dsp:nvGrpSpPr>
-    <dsp:grpSpPr/>
-    <dsp:sp modelId="{13A32406-3E38-4FE5-AC82-5B375F270D7B}">
+    <dsp:sp modelId="{7F97EF2C-D1D3-407C-B712-7E8F0B03591C}">
       <dsp:nvSpPr>
         <dsp:cNvPr id="0" name=""/>
         <dsp:cNvSpPr/>
       </dsp:nvSpPr>
       <dsp:spPr>
         <a:xfrm>
-          <a:off x="4042" y="934290"/>
-          <a:ext cx="1904523" cy="1904523"/>
+          <a:off x="0" y="309738"/>
+          <a:ext cx="8596312" cy="428400"/>
         </a:xfrm>
-        <a:prstGeom prst="roundRect">
-          <a:avLst>
-            <a:gd name="adj" fmla="val 10000"/>
-          </a:avLst>
+        <a:prstGeom prst="rect">
+          <a:avLst/>
         </a:prstGeom>
-        <a:blipFill>
-          <a:blip xmlns:r="http://schemas.openxmlformats.org/officeDocument/2006/relationships" r:embed="rId1">
-            <a:extLst>
-              <a:ext uri="{28A0092B-C50C-407E-A947-70E740481C1C}">
-                <a14:useLocalDpi xmlns:a14="http://schemas.microsoft.com/office/drawing/2010/main" val="0"/>
-              </a:ext>
-            </a:extLst>
-          </a:blip>
-          <a:srcRect/>
-          <a:stretch>
-            <a:fillRect l="-13000" r="-13000"/>
-          </a:stretch>
-        </a:blipFill>
+        <a:solidFill>
+          <a:schemeClr val="lt1">
+            <a:alpha val="90000"/>
+            <a:hueOff val="0"/>
+            <a:satOff val="0"/>
+            <a:lumOff val="0"/>
+            <a:alphaOff val="0"/>
+          </a:schemeClr>
+        </a:solidFill>
         <a:ln w="19050" cap="rnd" cmpd="sng" algn="ctr">
           <a:solidFill>
-            <a:schemeClr val="lt1">
+            <a:schemeClr val="accent1">
               <a:hueOff val="0"/>
               <a:satOff val="0"/>
               <a:lumOff val="0"/>
@@ -5299,20 +6526,18 @@
         <a:fontRef idx="minor"/>
       </dsp:style>
     </dsp:sp>
-    <dsp:sp modelId="{2D6711A0-775D-4EF7-ADE9-52C1DBCAC128}">
+    <dsp:sp modelId="{A5610C14-E0AA-4A9C-A2C2-61BB5F9CD5FE}">
       <dsp:nvSpPr>
         <dsp:cNvPr id="0" name=""/>
         <dsp:cNvSpPr/>
       </dsp:nvSpPr>
       <dsp:spPr>
         <a:xfrm>
-          <a:off x="0" y="2759586"/>
-          <a:ext cx="1904523" cy="1904523"/>
+          <a:off x="429815" y="58818"/>
+          <a:ext cx="6017418" cy="501840"/>
         </a:xfrm>
         <a:prstGeom prst="roundRect">
-          <a:avLst>
-            <a:gd name="adj" fmla="val 10000"/>
-          </a:avLst>
+          <a:avLst/>
         </a:prstGeom>
         <a:solidFill>
           <a:schemeClr val="accent1">
@@ -5350,12 +6575,12 @@
         </a:fontRef>
       </dsp:style>
       <dsp:txBody>
-        <a:bodyPr spcFirstLastPara="0" vert="horz" wrap="square" lIns="110490" tIns="110490" rIns="110490" bIns="110490" numCol="1" spcCol="1270" anchor="ctr" anchorCtr="0">
+        <a:bodyPr spcFirstLastPara="0" vert="horz" wrap="square" lIns="227444" tIns="0" rIns="227444" bIns="0" numCol="1" spcCol="1270" anchor="ctr" anchorCtr="0">
           <a:noAutofit/>
         </a:bodyPr>
         <a:lstStyle/>
         <a:p>
-          <a:pPr lvl="0" algn="ctr" defTabSz="1289050">
+          <a:pPr lvl="0" algn="l" defTabSz="755650">
             <a:lnSpc>
               <a:spcPct val="90000"/>
             </a:lnSpc>
@@ -5367,117 +6592,83 @@
             </a:spcAft>
           </a:pPr>
           <a:r>
-            <a:rPr lang="en-US" sz="2900" kern="1200" dirty="0" smtClean="0"/>
-            <a:t>Collect data</a:t>
+            <a:rPr lang="en-US" sz="1700" kern="1200" dirty="0" smtClean="0">
+              <a:latin typeface="+mn-lt"/>
+              <a:cs typeface="Arial" panose="020B0604020202020204" pitchFamily="34" charset="0"/>
+            </a:rPr>
+            <a:t>Supervisor: Mr. </a:t>
           </a:r>
-          <a:endParaRPr lang="en-GB" sz="2900" kern="1200" dirty="0"/>
+          <a:r>
+            <a:rPr lang="en-US" sz="1700" kern="1200" dirty="0" err="1" smtClean="0">
+              <a:latin typeface="+mn-lt"/>
+              <a:cs typeface="Arial" panose="020B0604020202020204" pitchFamily="34" charset="0"/>
+            </a:rPr>
+            <a:t>Kiều</a:t>
+          </a:r>
+          <a:r>
+            <a:rPr lang="en-US" sz="1700" kern="1200" dirty="0" smtClean="0">
+              <a:latin typeface="+mn-lt"/>
+              <a:cs typeface="Arial" panose="020B0604020202020204" pitchFamily="34" charset="0"/>
+            </a:rPr>
+            <a:t> </a:t>
+          </a:r>
+          <a:r>
+            <a:rPr lang="en-US" sz="1700" kern="1200" dirty="0" err="1" smtClean="0">
+              <a:latin typeface="+mn-lt"/>
+              <a:cs typeface="Arial" panose="020B0604020202020204" pitchFamily="34" charset="0"/>
+            </a:rPr>
+            <a:t>Trọng</a:t>
+          </a:r>
+          <a:r>
+            <a:rPr lang="en-US" sz="1700" kern="1200" dirty="0" smtClean="0">
+              <a:latin typeface="+mn-lt"/>
+              <a:cs typeface="Arial" panose="020B0604020202020204" pitchFamily="34" charset="0"/>
+            </a:rPr>
+            <a:t> </a:t>
+          </a:r>
+          <a:r>
+            <a:rPr lang="en-US" sz="1700" kern="1200" dirty="0" err="1" smtClean="0">
+              <a:latin typeface="+mn-lt"/>
+              <a:cs typeface="Arial" panose="020B0604020202020204" pitchFamily="34" charset="0"/>
+            </a:rPr>
+            <a:t>Khánh</a:t>
+          </a:r>
+          <a:endParaRPr lang="en-US" sz="1700" kern="1200" dirty="0">
+            <a:latin typeface="+mn-lt"/>
+            <a:cs typeface="Arial" panose="020B0604020202020204" pitchFamily="34" charset="0"/>
+          </a:endParaRPr>
         </a:p>
       </dsp:txBody>
       <dsp:txXfrm>
-        <a:off x="55782" y="2815368"/>
-        <a:ext cx="1792959" cy="1792959"/>
+        <a:off x="454313" y="83316"/>
+        <a:ext cx="5968422" cy="452844"/>
       </dsp:txXfrm>
     </dsp:sp>
-    <dsp:sp modelId="{D0BF7A67-8420-4D4D-8BE3-5D6439E20DDB}">
+    <dsp:sp modelId="{B76114F4-1452-489C-8950-3EF40BEA76C9}">
       <dsp:nvSpPr>
         <dsp:cNvPr id="0" name=""/>
         <dsp:cNvSpPr/>
       </dsp:nvSpPr>
       <dsp:spPr>
         <a:xfrm>
-          <a:off x="2275419" y="1657737"/>
-          <a:ext cx="366853" cy="457630"/>
+          <a:off x="0" y="1080858"/>
+          <a:ext cx="8596312" cy="428400"/>
         </a:xfrm>
-        <a:prstGeom prst="rightArrow">
-          <a:avLst>
-            <a:gd name="adj1" fmla="val 60000"/>
-            <a:gd name="adj2" fmla="val 50000"/>
-          </a:avLst>
+        <a:prstGeom prst="rect">
+          <a:avLst/>
         </a:prstGeom>
         <a:solidFill>
-          <a:schemeClr val="accent1">
-            <a:tint val="60000"/>
+          <a:schemeClr val="lt1">
+            <a:alpha val="90000"/>
             <a:hueOff val="0"/>
             <a:satOff val="0"/>
             <a:lumOff val="0"/>
             <a:alphaOff val="0"/>
           </a:schemeClr>
         </a:solidFill>
-        <a:ln>
-          <a:noFill/>
-        </a:ln>
-        <a:effectLst/>
-      </dsp:spPr>
-      <dsp:style>
-        <a:lnRef idx="0">
-          <a:scrgbClr r="0" g="0" b="0"/>
-        </a:lnRef>
-        <a:fillRef idx="1">
-          <a:scrgbClr r="0" g="0" b="0"/>
-        </a:fillRef>
-        <a:effectRef idx="0">
-          <a:scrgbClr r="0" g="0" b="0"/>
-        </a:effectRef>
-        <a:fontRef idx="minor">
-          <a:schemeClr val="lt1"/>
-        </a:fontRef>
-      </dsp:style>
-      <dsp:txBody>
-        <a:bodyPr spcFirstLastPara="0" vert="horz" wrap="square" lIns="0" tIns="0" rIns="0" bIns="0" numCol="1" spcCol="1270" anchor="ctr" anchorCtr="0">
-          <a:noAutofit/>
-        </a:bodyPr>
-        <a:lstStyle/>
-        <a:p>
-          <a:pPr lvl="0" algn="ctr" defTabSz="889000">
-            <a:lnSpc>
-              <a:spcPct val="90000"/>
-            </a:lnSpc>
-            <a:spcBef>
-              <a:spcPct val="0"/>
-            </a:spcBef>
-            <a:spcAft>
-              <a:spcPct val="35000"/>
-            </a:spcAft>
-          </a:pPr>
-          <a:endParaRPr lang="en-GB" sz="2000" kern="1200"/>
-        </a:p>
-      </dsp:txBody>
-      <dsp:txXfrm>
-        <a:off x="2275419" y="1749263"/>
-        <a:ext cx="256797" cy="274578"/>
-      </dsp:txXfrm>
-    </dsp:sp>
-    <dsp:sp modelId="{BB91645B-F2AF-490E-83D8-AA69E8F22538}">
-      <dsp:nvSpPr>
-        <dsp:cNvPr id="0" name=""/>
-        <dsp:cNvSpPr/>
-      </dsp:nvSpPr>
-      <dsp:spPr>
-        <a:xfrm>
-          <a:off x="2956718" y="934290"/>
-          <a:ext cx="1904523" cy="1904523"/>
-        </a:xfrm>
-        <a:prstGeom prst="roundRect">
-          <a:avLst>
-            <a:gd name="adj" fmla="val 10000"/>
-          </a:avLst>
-        </a:prstGeom>
-        <a:blipFill>
-          <a:blip xmlns:r="http://schemas.openxmlformats.org/officeDocument/2006/relationships" r:embed="rId2">
-            <a:extLst>
-              <a:ext uri="{28A0092B-C50C-407E-A947-70E740481C1C}">
-                <a14:useLocalDpi xmlns:a14="http://schemas.microsoft.com/office/drawing/2010/main" val="0"/>
-              </a:ext>
-            </a:extLst>
-          </a:blip>
-          <a:srcRect/>
-          <a:stretch>
-            <a:fillRect l="-17000" r="-17000"/>
-          </a:stretch>
-        </a:blipFill>
         <a:ln w="19050" cap="rnd" cmpd="sng" algn="ctr">
           <a:solidFill>
-            <a:schemeClr val="lt1">
+            <a:schemeClr val="accent1">
               <a:hueOff val="0"/>
               <a:satOff val="0"/>
               <a:lumOff val="0"/>
@@ -5501,20 +6692,18 @@
         <a:fontRef idx="minor"/>
       </dsp:style>
     </dsp:sp>
-    <dsp:sp modelId="{E65AE26C-C7C3-47F3-B3E8-7DF6636223EB}">
+    <dsp:sp modelId="{9997FC91-E67B-4F28-A3CB-5778A5EA7F65}">
       <dsp:nvSpPr>
         <dsp:cNvPr id="0" name=""/>
         <dsp:cNvSpPr/>
       </dsp:nvSpPr>
       <dsp:spPr>
         <a:xfrm>
-          <a:off x="2983421" y="2746673"/>
-          <a:ext cx="1904523" cy="1904523"/>
+          <a:off x="429815" y="829938"/>
+          <a:ext cx="6017418" cy="501840"/>
         </a:xfrm>
         <a:prstGeom prst="roundRect">
-          <a:avLst>
-            <a:gd name="adj" fmla="val 10000"/>
-          </a:avLst>
+          <a:avLst/>
         </a:prstGeom>
         <a:solidFill>
           <a:schemeClr val="accent1">
@@ -5552,12 +6741,12 @@
         </a:fontRef>
       </dsp:style>
       <dsp:txBody>
-        <a:bodyPr spcFirstLastPara="0" vert="horz" wrap="square" lIns="110490" tIns="110490" rIns="110490" bIns="110490" numCol="1" spcCol="1270" anchor="ctr" anchorCtr="0">
+        <a:bodyPr spcFirstLastPara="0" vert="horz" wrap="square" lIns="227444" tIns="0" rIns="227444" bIns="0" numCol="1" spcCol="1270" anchor="ctr" anchorCtr="0">
           <a:noAutofit/>
         </a:bodyPr>
         <a:lstStyle/>
         <a:p>
-          <a:pPr lvl="0" algn="ctr" defTabSz="1289050">
+          <a:pPr lvl="0" algn="l" defTabSz="755650">
             <a:lnSpc>
               <a:spcPct val="90000"/>
             </a:lnSpc>
@@ -5569,127 +6758,48 @@
             </a:spcAft>
           </a:pPr>
           <a:r>
-            <a:rPr lang="en-US" sz="2900" kern="1200" smtClean="0"/>
-            <a:t>Build</a:t>
+            <a:rPr lang="en-US" sz="1700" kern="1200" smtClean="0">
+              <a:latin typeface="+mn-lt"/>
+              <a:cs typeface="Arial" panose="020B0604020202020204" pitchFamily="34" charset="0"/>
+            </a:rPr>
+            <a:t>Võ Thị Minh Châu</a:t>
           </a:r>
-        </a:p>
-        <a:p>
-          <a:pPr lvl="0" algn="ctr" defTabSz="1289050">
-            <a:lnSpc>
-              <a:spcPct val="90000"/>
-            </a:lnSpc>
-            <a:spcBef>
-              <a:spcPct val="0"/>
-            </a:spcBef>
-            <a:spcAft>
-              <a:spcPct val="35000"/>
-            </a:spcAft>
-          </a:pPr>
-          <a:r>
-            <a:rPr lang="en-US" sz="2900" kern="1200" smtClean="0"/>
-            <a:t>structure</a:t>
-          </a:r>
-          <a:endParaRPr lang="en-GB" sz="2900" kern="1200" dirty="0"/>
+          <a:endParaRPr lang="en-US" sz="1700" kern="1200" dirty="0">
+            <a:latin typeface="+mn-lt"/>
+            <a:cs typeface="Arial" panose="020B0604020202020204" pitchFamily="34" charset="0"/>
+          </a:endParaRPr>
         </a:p>
       </dsp:txBody>
       <dsp:txXfrm>
-        <a:off x="3039203" y="2802455"/>
-        <a:ext cx="1792959" cy="1792959"/>
+        <a:off x="454313" y="854436"/>
+        <a:ext cx="5968422" cy="452844"/>
       </dsp:txXfrm>
     </dsp:sp>
-    <dsp:sp modelId="{D502E3EC-61B5-4BD1-8CD0-CD98ACA241A7}">
+    <dsp:sp modelId="{C68C39B0-AFAA-4F4C-8C62-75168747EDA9}">
       <dsp:nvSpPr>
         <dsp:cNvPr id="0" name=""/>
         <dsp:cNvSpPr/>
       </dsp:nvSpPr>
       <dsp:spPr>
         <a:xfrm>
-          <a:off x="5228095" y="1657737"/>
-          <a:ext cx="366853" cy="457630"/>
+          <a:off x="0" y="1851978"/>
+          <a:ext cx="8596312" cy="428400"/>
         </a:xfrm>
-        <a:prstGeom prst="rightArrow">
-          <a:avLst>
-            <a:gd name="adj1" fmla="val 60000"/>
-            <a:gd name="adj2" fmla="val 50000"/>
-          </a:avLst>
+        <a:prstGeom prst="rect">
+          <a:avLst/>
         </a:prstGeom>
         <a:solidFill>
-          <a:schemeClr val="accent1">
-            <a:tint val="60000"/>
+          <a:schemeClr val="lt1">
+            <a:alpha val="90000"/>
             <a:hueOff val="0"/>
             <a:satOff val="0"/>
             <a:lumOff val="0"/>
             <a:alphaOff val="0"/>
           </a:schemeClr>
         </a:solidFill>
-        <a:ln>
-          <a:noFill/>
-        </a:ln>
-        <a:effectLst/>
-      </dsp:spPr>
-      <dsp:style>
-        <a:lnRef idx="0">
-          <a:scrgbClr r="0" g="0" b="0"/>
-        </a:lnRef>
-        <a:fillRef idx="1">
-          <a:scrgbClr r="0" g="0" b="0"/>
-        </a:fillRef>
-        <a:effectRef idx="0">
-          <a:scrgbClr r="0" g="0" b="0"/>
-        </a:effectRef>
-        <a:fontRef idx="minor">
-          <a:schemeClr val="lt1"/>
-        </a:fontRef>
-      </dsp:style>
-      <dsp:txBody>
-        <a:bodyPr spcFirstLastPara="0" vert="horz" wrap="square" lIns="0" tIns="0" rIns="0" bIns="0" numCol="1" spcCol="1270" anchor="ctr" anchorCtr="0">
-          <a:noAutofit/>
-        </a:bodyPr>
-        <a:lstStyle/>
-        <a:p>
-          <a:pPr lvl="0" algn="ctr" defTabSz="889000">
-            <a:lnSpc>
-              <a:spcPct val="90000"/>
-            </a:lnSpc>
-            <a:spcBef>
-              <a:spcPct val="0"/>
-            </a:spcBef>
-            <a:spcAft>
-              <a:spcPct val="35000"/>
-            </a:spcAft>
-          </a:pPr>
-          <a:endParaRPr lang="en-GB" sz="2000" kern="1200"/>
-        </a:p>
-      </dsp:txBody>
-      <dsp:txXfrm>
-        <a:off x="5228095" y="1749263"/>
-        <a:ext cx="256797" cy="274578"/>
-      </dsp:txXfrm>
-    </dsp:sp>
-    <dsp:sp modelId="{F617E2D9-F114-4D20-84E2-44F3833F28F3}">
-      <dsp:nvSpPr>
-        <dsp:cNvPr id="0" name=""/>
-        <dsp:cNvSpPr/>
-      </dsp:nvSpPr>
-      <dsp:spPr>
-        <a:xfrm>
-          <a:off x="5909394" y="934290"/>
-          <a:ext cx="1904523" cy="1904523"/>
-        </a:xfrm>
-        <a:prstGeom prst="roundRect">
-          <a:avLst>
-            <a:gd name="adj" fmla="val 10000"/>
-          </a:avLst>
-        </a:prstGeom>
-        <a:blipFill rotWithShape="1">
-          <a:blip xmlns:r="http://schemas.openxmlformats.org/officeDocument/2006/relationships" r:embed="rId3"/>
-          <a:stretch>
-            <a:fillRect/>
-          </a:stretch>
-        </a:blipFill>
         <a:ln w="19050" cap="rnd" cmpd="sng" algn="ctr">
           <a:solidFill>
-            <a:schemeClr val="lt1">
+            <a:schemeClr val="accent1">
               <a:hueOff val="0"/>
               <a:satOff val="0"/>
               <a:lumOff val="0"/>
@@ -5713,20 +6823,18 @@
         <a:fontRef idx="minor"/>
       </dsp:style>
     </dsp:sp>
-    <dsp:sp modelId="{710611F9-6C1A-4787-A7CF-DB4A30C258E0}">
+    <dsp:sp modelId="{26107A49-F3E7-4FF8-987F-B52360DE0CF9}">
       <dsp:nvSpPr>
         <dsp:cNvPr id="0" name=""/>
         <dsp:cNvSpPr/>
       </dsp:nvSpPr>
       <dsp:spPr>
         <a:xfrm>
-          <a:off x="6000489" y="2746692"/>
-          <a:ext cx="1904523" cy="1904523"/>
+          <a:off x="429815" y="1601058"/>
+          <a:ext cx="6017418" cy="501840"/>
         </a:xfrm>
         <a:prstGeom prst="roundRect">
-          <a:avLst>
-            <a:gd name="adj" fmla="val 10000"/>
-          </a:avLst>
+          <a:avLst/>
         </a:prstGeom>
         <a:solidFill>
           <a:schemeClr val="accent1">
@@ -5764,12 +6872,12 @@
         </a:fontRef>
       </dsp:style>
       <dsp:txBody>
-        <a:bodyPr spcFirstLastPara="0" vert="horz" wrap="square" lIns="110490" tIns="110490" rIns="110490" bIns="110490" numCol="1" spcCol="1270" anchor="ctr" anchorCtr="0">
+        <a:bodyPr spcFirstLastPara="0" vert="horz" wrap="square" lIns="227444" tIns="0" rIns="227444" bIns="0" numCol="1" spcCol="1270" anchor="ctr" anchorCtr="0">
           <a:noAutofit/>
         </a:bodyPr>
         <a:lstStyle/>
         <a:p>
-          <a:pPr lvl="0" algn="ctr" defTabSz="1289050">
+          <a:pPr lvl="0" algn="l" defTabSz="755650">
             <a:lnSpc>
               <a:spcPct val="90000"/>
             </a:lnSpc>
@@ -5781,17 +6889,1098 @@
             </a:spcAft>
           </a:pPr>
           <a:r>
-            <a:rPr lang="en-US" sz="2900" kern="1200" dirty="0" smtClean="0"/>
-            <a:t>Public to end user</a:t>
+            <a:rPr lang="en-US" sz="1700" kern="1200" smtClean="0">
+              <a:latin typeface="+mn-lt"/>
+              <a:cs typeface="Arial" panose="020B0604020202020204" pitchFamily="34" charset="0"/>
+            </a:rPr>
+            <a:t>Nguyễn Văn Hơn (Dropped out)</a:t>
           </a:r>
-          <a:endParaRPr lang="en-GB" sz="2900" kern="1200" dirty="0"/>
+          <a:endParaRPr lang="en-US" sz="1700" kern="1200" dirty="0">
+            <a:latin typeface="+mn-lt"/>
+            <a:cs typeface="Arial" panose="020B0604020202020204" pitchFamily="34" charset="0"/>
+          </a:endParaRPr>
         </a:p>
       </dsp:txBody>
       <dsp:txXfrm>
-        <a:off x="6056271" y="2802474"/>
-        <a:ext cx="1792959" cy="1792959"/>
+        <a:off x="454313" y="1625556"/>
+        <a:ext cx="5968422" cy="452844"/>
       </dsp:txXfrm>
     </dsp:sp>
+    <dsp:sp modelId="{32A26F07-CDDE-4F79-B11B-5969CD89CEDF}">
+      <dsp:nvSpPr>
+        <dsp:cNvPr id="0" name=""/>
+        <dsp:cNvSpPr/>
+      </dsp:nvSpPr>
+      <dsp:spPr>
+        <a:xfrm>
+          <a:off x="0" y="2623098"/>
+          <a:ext cx="8596312" cy="428400"/>
+        </a:xfrm>
+        <a:prstGeom prst="rect">
+          <a:avLst/>
+        </a:prstGeom>
+        <a:solidFill>
+          <a:schemeClr val="lt1">
+            <a:alpha val="90000"/>
+            <a:hueOff val="0"/>
+            <a:satOff val="0"/>
+            <a:lumOff val="0"/>
+            <a:alphaOff val="0"/>
+          </a:schemeClr>
+        </a:solidFill>
+        <a:ln w="19050" cap="rnd" cmpd="sng" algn="ctr">
+          <a:solidFill>
+            <a:schemeClr val="accent1">
+              <a:hueOff val="0"/>
+              <a:satOff val="0"/>
+              <a:lumOff val="0"/>
+              <a:alphaOff val="0"/>
+            </a:schemeClr>
+          </a:solidFill>
+          <a:prstDash val="solid"/>
+        </a:ln>
+        <a:effectLst/>
+      </dsp:spPr>
+      <dsp:style>
+        <a:lnRef idx="2">
+          <a:scrgbClr r="0" g="0" b="0"/>
+        </a:lnRef>
+        <a:fillRef idx="1">
+          <a:scrgbClr r="0" g="0" b="0"/>
+        </a:fillRef>
+        <a:effectRef idx="0">
+          <a:scrgbClr r="0" g="0" b="0"/>
+        </a:effectRef>
+        <a:fontRef idx="minor"/>
+      </dsp:style>
+    </dsp:sp>
+    <dsp:sp modelId="{7E196D49-A2A9-4C9E-96AB-923CC9BC339C}">
+      <dsp:nvSpPr>
+        <dsp:cNvPr id="0" name=""/>
+        <dsp:cNvSpPr/>
+      </dsp:nvSpPr>
+      <dsp:spPr>
+        <a:xfrm>
+          <a:off x="429815" y="2372178"/>
+          <a:ext cx="6017418" cy="501840"/>
+        </a:xfrm>
+        <a:prstGeom prst="roundRect">
+          <a:avLst/>
+        </a:prstGeom>
+        <a:solidFill>
+          <a:schemeClr val="accent1">
+            <a:hueOff val="0"/>
+            <a:satOff val="0"/>
+            <a:lumOff val="0"/>
+            <a:alphaOff val="0"/>
+          </a:schemeClr>
+        </a:solidFill>
+        <a:ln w="19050" cap="rnd" cmpd="sng" algn="ctr">
+          <a:solidFill>
+            <a:schemeClr val="lt1">
+              <a:hueOff val="0"/>
+              <a:satOff val="0"/>
+              <a:lumOff val="0"/>
+              <a:alphaOff val="0"/>
+            </a:schemeClr>
+          </a:solidFill>
+          <a:prstDash val="solid"/>
+        </a:ln>
+        <a:effectLst/>
+      </dsp:spPr>
+      <dsp:style>
+        <a:lnRef idx="2">
+          <a:scrgbClr r="0" g="0" b="0"/>
+        </a:lnRef>
+        <a:fillRef idx="1">
+          <a:scrgbClr r="0" g="0" b="0"/>
+        </a:fillRef>
+        <a:effectRef idx="0">
+          <a:scrgbClr r="0" g="0" b="0"/>
+        </a:effectRef>
+        <a:fontRef idx="minor">
+          <a:schemeClr val="lt1"/>
+        </a:fontRef>
+      </dsp:style>
+      <dsp:txBody>
+        <a:bodyPr spcFirstLastPara="0" vert="horz" wrap="square" lIns="227444" tIns="0" rIns="227444" bIns="0" numCol="1" spcCol="1270" anchor="ctr" anchorCtr="0">
+          <a:noAutofit/>
+        </a:bodyPr>
+        <a:lstStyle/>
+        <a:p>
+          <a:pPr lvl="0" algn="l" defTabSz="755650">
+            <a:lnSpc>
+              <a:spcPct val="90000"/>
+            </a:lnSpc>
+            <a:spcBef>
+              <a:spcPct val="0"/>
+            </a:spcBef>
+            <a:spcAft>
+              <a:spcPct val="35000"/>
+            </a:spcAft>
+          </a:pPr>
+          <a:r>
+            <a:rPr lang="en-US" sz="1700" kern="1200" smtClean="0">
+              <a:latin typeface="+mn-lt"/>
+              <a:cs typeface="Arial" panose="020B0604020202020204" pitchFamily="34" charset="0"/>
+            </a:rPr>
+            <a:t>Đinh Hữu Toàn</a:t>
+          </a:r>
+          <a:endParaRPr lang="en-US" sz="1700" kern="1200" dirty="0">
+            <a:latin typeface="+mn-lt"/>
+            <a:cs typeface="Arial" panose="020B0604020202020204" pitchFamily="34" charset="0"/>
+          </a:endParaRPr>
+        </a:p>
+      </dsp:txBody>
+      <dsp:txXfrm>
+        <a:off x="454313" y="2396676"/>
+        <a:ext cx="5968422" cy="452844"/>
+      </dsp:txXfrm>
+    </dsp:sp>
+    <dsp:sp modelId="{9210F838-80AB-491A-BF7F-79F02E5AF258}">
+      <dsp:nvSpPr>
+        <dsp:cNvPr id="0" name=""/>
+        <dsp:cNvSpPr/>
+      </dsp:nvSpPr>
+      <dsp:spPr>
+        <a:xfrm>
+          <a:off x="0" y="3394218"/>
+          <a:ext cx="8596312" cy="428400"/>
+        </a:xfrm>
+        <a:prstGeom prst="rect">
+          <a:avLst/>
+        </a:prstGeom>
+        <a:solidFill>
+          <a:schemeClr val="lt1">
+            <a:alpha val="90000"/>
+            <a:hueOff val="0"/>
+            <a:satOff val="0"/>
+            <a:lumOff val="0"/>
+            <a:alphaOff val="0"/>
+          </a:schemeClr>
+        </a:solidFill>
+        <a:ln w="19050" cap="rnd" cmpd="sng" algn="ctr">
+          <a:solidFill>
+            <a:schemeClr val="accent1">
+              <a:hueOff val="0"/>
+              <a:satOff val="0"/>
+              <a:lumOff val="0"/>
+              <a:alphaOff val="0"/>
+            </a:schemeClr>
+          </a:solidFill>
+          <a:prstDash val="solid"/>
+        </a:ln>
+        <a:effectLst/>
+      </dsp:spPr>
+      <dsp:style>
+        <a:lnRef idx="2">
+          <a:scrgbClr r="0" g="0" b="0"/>
+        </a:lnRef>
+        <a:fillRef idx="1">
+          <a:scrgbClr r="0" g="0" b="0"/>
+        </a:fillRef>
+        <a:effectRef idx="0">
+          <a:scrgbClr r="0" g="0" b="0"/>
+        </a:effectRef>
+        <a:fontRef idx="minor"/>
+      </dsp:style>
+    </dsp:sp>
+    <dsp:sp modelId="{7C1901E6-FDBA-4CC7-AB56-D83CAE005503}">
+      <dsp:nvSpPr>
+        <dsp:cNvPr id="0" name=""/>
+        <dsp:cNvSpPr/>
+      </dsp:nvSpPr>
+      <dsp:spPr>
+        <a:xfrm>
+          <a:off x="429815" y="3143298"/>
+          <a:ext cx="6017418" cy="501840"/>
+        </a:xfrm>
+        <a:prstGeom prst="roundRect">
+          <a:avLst/>
+        </a:prstGeom>
+        <a:solidFill>
+          <a:schemeClr val="accent1">
+            <a:hueOff val="0"/>
+            <a:satOff val="0"/>
+            <a:lumOff val="0"/>
+            <a:alphaOff val="0"/>
+          </a:schemeClr>
+        </a:solidFill>
+        <a:ln w="19050" cap="rnd" cmpd="sng" algn="ctr">
+          <a:solidFill>
+            <a:schemeClr val="lt1">
+              <a:hueOff val="0"/>
+              <a:satOff val="0"/>
+              <a:lumOff val="0"/>
+              <a:alphaOff val="0"/>
+            </a:schemeClr>
+          </a:solidFill>
+          <a:prstDash val="solid"/>
+        </a:ln>
+        <a:effectLst/>
+      </dsp:spPr>
+      <dsp:style>
+        <a:lnRef idx="2">
+          <a:scrgbClr r="0" g="0" b="0"/>
+        </a:lnRef>
+        <a:fillRef idx="1">
+          <a:scrgbClr r="0" g="0" b="0"/>
+        </a:fillRef>
+        <a:effectRef idx="0">
+          <a:scrgbClr r="0" g="0" b="0"/>
+        </a:effectRef>
+        <a:fontRef idx="minor">
+          <a:schemeClr val="lt1"/>
+        </a:fontRef>
+      </dsp:style>
+      <dsp:txBody>
+        <a:bodyPr spcFirstLastPara="0" vert="horz" wrap="square" lIns="227444" tIns="0" rIns="227444" bIns="0" numCol="1" spcCol="1270" anchor="ctr" anchorCtr="0">
+          <a:noAutofit/>
+        </a:bodyPr>
+        <a:lstStyle/>
+        <a:p>
+          <a:pPr lvl="0" algn="l" defTabSz="755650">
+            <a:lnSpc>
+              <a:spcPct val="90000"/>
+            </a:lnSpc>
+            <a:spcBef>
+              <a:spcPct val="0"/>
+            </a:spcBef>
+            <a:spcAft>
+              <a:spcPct val="35000"/>
+            </a:spcAft>
+          </a:pPr>
+          <a:r>
+            <a:rPr lang="en-US" sz="1700" kern="1200" smtClean="0">
+              <a:latin typeface="+mn-lt"/>
+              <a:cs typeface="Arial" panose="020B0604020202020204" pitchFamily="34" charset="0"/>
+            </a:rPr>
+            <a:t>Nguyễn Mạnh Khương</a:t>
+          </a:r>
+          <a:endParaRPr lang="en-US" sz="1700" kern="1200" dirty="0">
+            <a:latin typeface="+mn-lt"/>
+            <a:cs typeface="Arial" panose="020B0604020202020204" pitchFamily="34" charset="0"/>
+          </a:endParaRPr>
+        </a:p>
+      </dsp:txBody>
+      <dsp:txXfrm>
+        <a:off x="454313" y="3167796"/>
+        <a:ext cx="5968422" cy="452844"/>
+      </dsp:txXfrm>
+    </dsp:sp>
+  </dsp:spTree>
+</dsp:drawing>
+</file>
+
+<file path=ppt/diagrams/drawing2.xml><?xml version="1.0" encoding="utf-8"?>
+<dsp:drawing xmlns:dgm="http://schemas.openxmlformats.org/drawingml/2006/diagram" xmlns:dsp="http://schemas.microsoft.com/office/drawing/2008/diagram" xmlns:a="http://schemas.openxmlformats.org/drawingml/2006/main">
+  <dsp:spTree>
+    <dsp:nvGrpSpPr>
+      <dsp:cNvPr id="0" name=""/>
+      <dsp:cNvGrpSpPr/>
+    </dsp:nvGrpSpPr>
+    <dsp:grpSpPr/>
+    <dsp:sp modelId="{C910D5EA-8AFD-434E-8158-334518A10346}">
+      <dsp:nvSpPr>
+        <dsp:cNvPr id="0" name=""/>
+        <dsp:cNvSpPr/>
+      </dsp:nvSpPr>
+      <dsp:spPr>
+        <a:xfrm>
+          <a:off x="-4387787" y="-673007"/>
+          <a:ext cx="5227451" cy="5227451"/>
+        </a:xfrm>
+        <a:prstGeom prst="blockArc">
+          <a:avLst>
+            <a:gd name="adj1" fmla="val 18900000"/>
+            <a:gd name="adj2" fmla="val 2700000"/>
+            <a:gd name="adj3" fmla="val 413"/>
+          </a:avLst>
+        </a:prstGeom>
+        <a:noFill/>
+        <a:ln w="19050" cap="rnd" cmpd="sng" algn="ctr">
+          <a:solidFill>
+            <a:schemeClr val="accent1">
+              <a:shade val="60000"/>
+              <a:hueOff val="0"/>
+              <a:satOff val="0"/>
+              <a:lumOff val="0"/>
+              <a:alphaOff val="0"/>
+            </a:schemeClr>
+          </a:solidFill>
+          <a:prstDash val="solid"/>
+        </a:ln>
+        <a:effectLst/>
+      </dsp:spPr>
+      <dsp:style>
+        <a:lnRef idx="2">
+          <a:scrgbClr r="0" g="0" b="0"/>
+        </a:lnRef>
+        <a:fillRef idx="0">
+          <a:scrgbClr r="0" g="0" b="0"/>
+        </a:fillRef>
+        <a:effectRef idx="0">
+          <a:scrgbClr r="0" g="0" b="0"/>
+        </a:effectRef>
+        <a:fontRef idx="minor"/>
+      </dsp:style>
+    </dsp:sp>
+    <dsp:sp modelId="{B7992BCE-B142-45A5-B992-B9BFD54A33DC}">
+      <dsp:nvSpPr>
+        <dsp:cNvPr id="0" name=""/>
+        <dsp:cNvSpPr/>
+      </dsp:nvSpPr>
+      <dsp:spPr>
+        <a:xfrm>
+          <a:off x="313716" y="204396"/>
+          <a:ext cx="8230292" cy="408637"/>
+        </a:xfrm>
+        <a:prstGeom prst="rect">
+          <a:avLst/>
+        </a:prstGeom>
+        <a:solidFill>
+          <a:schemeClr val="accent1">
+            <a:hueOff val="0"/>
+            <a:satOff val="0"/>
+            <a:lumOff val="0"/>
+            <a:alphaOff val="0"/>
+          </a:schemeClr>
+        </a:solidFill>
+        <a:ln w="19050" cap="rnd" cmpd="sng" algn="ctr">
+          <a:solidFill>
+            <a:schemeClr val="lt1">
+              <a:hueOff val="0"/>
+              <a:satOff val="0"/>
+              <a:lumOff val="0"/>
+              <a:alphaOff val="0"/>
+            </a:schemeClr>
+          </a:solidFill>
+          <a:prstDash val="solid"/>
+        </a:ln>
+        <a:effectLst/>
+      </dsp:spPr>
+      <dsp:style>
+        <a:lnRef idx="2">
+          <a:scrgbClr r="0" g="0" b="0"/>
+        </a:lnRef>
+        <a:fillRef idx="1">
+          <a:scrgbClr r="0" g="0" b="0"/>
+        </a:fillRef>
+        <a:effectRef idx="0">
+          <a:scrgbClr r="0" g="0" b="0"/>
+        </a:effectRef>
+        <a:fontRef idx="minor">
+          <a:schemeClr val="lt1"/>
+        </a:fontRef>
+      </dsp:style>
+      <dsp:txBody>
+        <a:bodyPr spcFirstLastPara="0" vert="horz" wrap="square" lIns="324356" tIns="55880" rIns="55880" bIns="55880" numCol="1" spcCol="1270" anchor="ctr" anchorCtr="0">
+          <a:noAutofit/>
+        </a:bodyPr>
+        <a:lstStyle/>
+        <a:p>
+          <a:pPr lvl="0" algn="l" defTabSz="977900">
+            <a:lnSpc>
+              <a:spcPct val="90000"/>
+            </a:lnSpc>
+            <a:spcBef>
+              <a:spcPct val="0"/>
+            </a:spcBef>
+            <a:spcAft>
+              <a:spcPct val="35000"/>
+            </a:spcAft>
+          </a:pPr>
+          <a:r>
+            <a:rPr lang="en-US" sz="2200" kern="1200" dirty="0" smtClean="0"/>
+            <a:t>Scenario problem</a:t>
+          </a:r>
+          <a:endParaRPr lang="en-US" sz="2200" kern="1200" dirty="0"/>
+        </a:p>
+      </dsp:txBody>
+      <dsp:txXfrm>
+        <a:off x="313716" y="204396"/>
+        <a:ext cx="8230292" cy="408637"/>
+      </dsp:txXfrm>
+    </dsp:sp>
+    <dsp:sp modelId="{C9E57088-7F31-4051-BBDF-42D864EC9EBE}">
+      <dsp:nvSpPr>
+        <dsp:cNvPr id="0" name=""/>
+        <dsp:cNvSpPr/>
+      </dsp:nvSpPr>
+      <dsp:spPr>
+        <a:xfrm>
+          <a:off x="58317" y="153316"/>
+          <a:ext cx="510797" cy="510797"/>
+        </a:xfrm>
+        <a:prstGeom prst="ellipse">
+          <a:avLst/>
+        </a:prstGeom>
+        <a:solidFill>
+          <a:schemeClr val="lt1">
+            <a:hueOff val="0"/>
+            <a:satOff val="0"/>
+            <a:lumOff val="0"/>
+            <a:alphaOff val="0"/>
+          </a:schemeClr>
+        </a:solidFill>
+        <a:ln w="19050" cap="rnd" cmpd="sng" algn="ctr">
+          <a:solidFill>
+            <a:schemeClr val="accent1">
+              <a:hueOff val="0"/>
+              <a:satOff val="0"/>
+              <a:lumOff val="0"/>
+              <a:alphaOff val="0"/>
+            </a:schemeClr>
+          </a:solidFill>
+          <a:prstDash val="solid"/>
+        </a:ln>
+        <a:effectLst/>
+      </dsp:spPr>
+      <dsp:style>
+        <a:lnRef idx="2">
+          <a:scrgbClr r="0" g="0" b="0"/>
+        </a:lnRef>
+        <a:fillRef idx="1">
+          <a:scrgbClr r="0" g="0" b="0"/>
+        </a:fillRef>
+        <a:effectRef idx="0">
+          <a:scrgbClr r="0" g="0" b="0"/>
+        </a:effectRef>
+        <a:fontRef idx="minor"/>
+      </dsp:style>
+    </dsp:sp>
+    <dsp:sp modelId="{DBEA5A4D-DC1C-462E-A97D-F8D8F0DBA4EA}">
+      <dsp:nvSpPr>
+        <dsp:cNvPr id="0" name=""/>
+        <dsp:cNvSpPr/>
+      </dsp:nvSpPr>
+      <dsp:spPr>
+        <a:xfrm>
+          <a:off x="649848" y="817275"/>
+          <a:ext cx="7894160" cy="408637"/>
+        </a:xfrm>
+        <a:prstGeom prst="rect">
+          <a:avLst/>
+        </a:prstGeom>
+        <a:solidFill>
+          <a:schemeClr val="accent1">
+            <a:hueOff val="0"/>
+            <a:satOff val="0"/>
+            <a:lumOff val="0"/>
+            <a:alphaOff val="0"/>
+          </a:schemeClr>
+        </a:solidFill>
+        <a:ln w="19050" cap="rnd" cmpd="sng" algn="ctr">
+          <a:solidFill>
+            <a:schemeClr val="lt1">
+              <a:hueOff val="0"/>
+              <a:satOff val="0"/>
+              <a:lumOff val="0"/>
+              <a:alphaOff val="0"/>
+            </a:schemeClr>
+          </a:solidFill>
+          <a:prstDash val="solid"/>
+        </a:ln>
+        <a:effectLst/>
+      </dsp:spPr>
+      <dsp:style>
+        <a:lnRef idx="2">
+          <a:scrgbClr r="0" g="0" b="0"/>
+        </a:lnRef>
+        <a:fillRef idx="1">
+          <a:scrgbClr r="0" g="0" b="0"/>
+        </a:fillRef>
+        <a:effectRef idx="0">
+          <a:scrgbClr r="0" g="0" b="0"/>
+        </a:effectRef>
+        <a:fontRef idx="minor">
+          <a:schemeClr val="lt1"/>
+        </a:fontRef>
+      </dsp:style>
+      <dsp:txBody>
+        <a:bodyPr spcFirstLastPara="0" vert="horz" wrap="square" lIns="324356" tIns="55880" rIns="55880" bIns="55880" numCol="1" spcCol="1270" anchor="ctr" anchorCtr="0">
+          <a:noAutofit/>
+        </a:bodyPr>
+        <a:lstStyle/>
+        <a:p>
+          <a:pPr lvl="0" algn="l" defTabSz="977900">
+            <a:lnSpc>
+              <a:spcPct val="90000"/>
+            </a:lnSpc>
+            <a:spcBef>
+              <a:spcPct val="0"/>
+            </a:spcBef>
+            <a:spcAft>
+              <a:spcPct val="35000"/>
+            </a:spcAft>
+          </a:pPr>
+          <a:r>
+            <a:rPr lang="en-US" sz="2200" kern="1200" dirty="0" smtClean="0"/>
+            <a:t>Our solution</a:t>
+          </a:r>
+          <a:endParaRPr lang="en-US" sz="2200" kern="1200" dirty="0"/>
+        </a:p>
+      </dsp:txBody>
+      <dsp:txXfrm>
+        <a:off x="649848" y="817275"/>
+        <a:ext cx="7894160" cy="408637"/>
+      </dsp:txXfrm>
+    </dsp:sp>
+    <dsp:sp modelId="{3F9611C8-2EA6-4382-A181-A07FAC782B2A}">
+      <dsp:nvSpPr>
+        <dsp:cNvPr id="0" name=""/>
+        <dsp:cNvSpPr/>
+      </dsp:nvSpPr>
+      <dsp:spPr>
+        <a:xfrm>
+          <a:off x="394450" y="766195"/>
+          <a:ext cx="510797" cy="510797"/>
+        </a:xfrm>
+        <a:prstGeom prst="ellipse">
+          <a:avLst/>
+        </a:prstGeom>
+        <a:solidFill>
+          <a:schemeClr val="lt1">
+            <a:hueOff val="0"/>
+            <a:satOff val="0"/>
+            <a:lumOff val="0"/>
+            <a:alphaOff val="0"/>
+          </a:schemeClr>
+        </a:solidFill>
+        <a:ln w="19050" cap="rnd" cmpd="sng" algn="ctr">
+          <a:solidFill>
+            <a:schemeClr val="accent1">
+              <a:hueOff val="0"/>
+              <a:satOff val="0"/>
+              <a:lumOff val="0"/>
+              <a:alphaOff val="0"/>
+            </a:schemeClr>
+          </a:solidFill>
+          <a:prstDash val="solid"/>
+        </a:ln>
+        <a:effectLst/>
+      </dsp:spPr>
+      <dsp:style>
+        <a:lnRef idx="2">
+          <a:scrgbClr r="0" g="0" b="0"/>
+        </a:lnRef>
+        <a:fillRef idx="1">
+          <a:scrgbClr r="0" g="0" b="0"/>
+        </a:fillRef>
+        <a:effectRef idx="0">
+          <a:scrgbClr r="0" g="0" b="0"/>
+        </a:effectRef>
+        <a:fontRef idx="minor"/>
+      </dsp:style>
+    </dsp:sp>
+    <dsp:sp modelId="{DEAD63F9-F31B-4458-82AD-896585277AE5}">
+      <dsp:nvSpPr>
+        <dsp:cNvPr id="0" name=""/>
+        <dsp:cNvSpPr/>
+      </dsp:nvSpPr>
+      <dsp:spPr>
+        <a:xfrm>
+          <a:off x="803553" y="1430154"/>
+          <a:ext cx="7740455" cy="408637"/>
+        </a:xfrm>
+        <a:prstGeom prst="rect">
+          <a:avLst/>
+        </a:prstGeom>
+        <a:solidFill>
+          <a:schemeClr val="accent1">
+            <a:hueOff val="0"/>
+            <a:satOff val="0"/>
+            <a:lumOff val="0"/>
+            <a:alphaOff val="0"/>
+          </a:schemeClr>
+        </a:solidFill>
+        <a:ln w="19050" cap="rnd" cmpd="sng" algn="ctr">
+          <a:solidFill>
+            <a:schemeClr val="lt1">
+              <a:hueOff val="0"/>
+              <a:satOff val="0"/>
+              <a:lumOff val="0"/>
+              <a:alphaOff val="0"/>
+            </a:schemeClr>
+          </a:solidFill>
+          <a:prstDash val="solid"/>
+        </a:ln>
+        <a:effectLst/>
+      </dsp:spPr>
+      <dsp:style>
+        <a:lnRef idx="2">
+          <a:scrgbClr r="0" g="0" b="0"/>
+        </a:lnRef>
+        <a:fillRef idx="1">
+          <a:scrgbClr r="0" g="0" b="0"/>
+        </a:fillRef>
+        <a:effectRef idx="0">
+          <a:scrgbClr r="0" g="0" b="0"/>
+        </a:effectRef>
+        <a:fontRef idx="minor">
+          <a:schemeClr val="lt1"/>
+        </a:fontRef>
+      </dsp:style>
+      <dsp:txBody>
+        <a:bodyPr spcFirstLastPara="0" vert="horz" wrap="square" lIns="324356" tIns="55880" rIns="55880" bIns="55880" numCol="1" spcCol="1270" anchor="ctr" anchorCtr="0">
+          <a:noAutofit/>
+        </a:bodyPr>
+        <a:lstStyle/>
+        <a:p>
+          <a:pPr lvl="0" algn="l" defTabSz="977900">
+            <a:lnSpc>
+              <a:spcPct val="90000"/>
+            </a:lnSpc>
+            <a:spcBef>
+              <a:spcPct val="0"/>
+            </a:spcBef>
+            <a:spcAft>
+              <a:spcPct val="35000"/>
+            </a:spcAft>
+          </a:pPr>
+          <a:r>
+            <a:rPr lang="en-US" sz="2200" kern="1200" dirty="0" smtClean="0"/>
+            <a:t>Demonstration</a:t>
+          </a:r>
+          <a:endParaRPr lang="en-US" sz="2200" kern="1200" dirty="0"/>
+        </a:p>
+      </dsp:txBody>
+      <dsp:txXfrm>
+        <a:off x="803553" y="1430154"/>
+        <a:ext cx="7740455" cy="408637"/>
+      </dsp:txXfrm>
+    </dsp:sp>
+    <dsp:sp modelId="{010430AD-B9EC-40B7-8F4B-70207320A234}">
+      <dsp:nvSpPr>
+        <dsp:cNvPr id="0" name=""/>
+        <dsp:cNvSpPr/>
+      </dsp:nvSpPr>
+      <dsp:spPr>
+        <a:xfrm>
+          <a:off x="548155" y="1379074"/>
+          <a:ext cx="510797" cy="510797"/>
+        </a:xfrm>
+        <a:prstGeom prst="ellipse">
+          <a:avLst/>
+        </a:prstGeom>
+        <a:solidFill>
+          <a:schemeClr val="lt1">
+            <a:hueOff val="0"/>
+            <a:satOff val="0"/>
+            <a:lumOff val="0"/>
+            <a:alphaOff val="0"/>
+          </a:schemeClr>
+        </a:solidFill>
+        <a:ln w="19050" cap="rnd" cmpd="sng" algn="ctr">
+          <a:solidFill>
+            <a:schemeClr val="accent1">
+              <a:hueOff val="0"/>
+              <a:satOff val="0"/>
+              <a:lumOff val="0"/>
+              <a:alphaOff val="0"/>
+            </a:schemeClr>
+          </a:solidFill>
+          <a:prstDash val="solid"/>
+        </a:ln>
+        <a:effectLst/>
+      </dsp:spPr>
+      <dsp:style>
+        <a:lnRef idx="2">
+          <a:scrgbClr r="0" g="0" b="0"/>
+        </a:lnRef>
+        <a:fillRef idx="1">
+          <a:scrgbClr r="0" g="0" b="0"/>
+        </a:fillRef>
+        <a:effectRef idx="0">
+          <a:scrgbClr r="0" g="0" b="0"/>
+        </a:effectRef>
+        <a:fontRef idx="minor"/>
+      </dsp:style>
+    </dsp:sp>
+    <dsp:sp modelId="{0535E955-B7AE-48FC-969B-539B2C245666}">
+      <dsp:nvSpPr>
+        <dsp:cNvPr id="0" name=""/>
+        <dsp:cNvSpPr/>
+      </dsp:nvSpPr>
+      <dsp:spPr>
+        <a:xfrm>
+          <a:off x="803553" y="2042645"/>
+          <a:ext cx="7740455" cy="408637"/>
+        </a:xfrm>
+        <a:prstGeom prst="rect">
+          <a:avLst/>
+        </a:prstGeom>
+        <a:solidFill>
+          <a:schemeClr val="accent1">
+            <a:hueOff val="0"/>
+            <a:satOff val="0"/>
+            <a:lumOff val="0"/>
+            <a:alphaOff val="0"/>
+          </a:schemeClr>
+        </a:solidFill>
+        <a:ln w="19050" cap="rnd" cmpd="sng" algn="ctr">
+          <a:solidFill>
+            <a:schemeClr val="lt1">
+              <a:hueOff val="0"/>
+              <a:satOff val="0"/>
+              <a:lumOff val="0"/>
+              <a:alphaOff val="0"/>
+            </a:schemeClr>
+          </a:solidFill>
+          <a:prstDash val="solid"/>
+        </a:ln>
+        <a:effectLst/>
+      </dsp:spPr>
+      <dsp:style>
+        <a:lnRef idx="2">
+          <a:scrgbClr r="0" g="0" b="0"/>
+        </a:lnRef>
+        <a:fillRef idx="1">
+          <a:scrgbClr r="0" g="0" b="0"/>
+        </a:fillRef>
+        <a:effectRef idx="0">
+          <a:scrgbClr r="0" g="0" b="0"/>
+        </a:effectRef>
+        <a:fontRef idx="minor">
+          <a:schemeClr val="lt1"/>
+        </a:fontRef>
+      </dsp:style>
+      <dsp:txBody>
+        <a:bodyPr spcFirstLastPara="0" vert="horz" wrap="square" lIns="324356" tIns="55880" rIns="55880" bIns="55880" numCol="1" spcCol="1270" anchor="ctr" anchorCtr="0">
+          <a:noAutofit/>
+        </a:bodyPr>
+        <a:lstStyle/>
+        <a:p>
+          <a:pPr lvl="0" algn="l" defTabSz="977900">
+            <a:lnSpc>
+              <a:spcPct val="90000"/>
+            </a:lnSpc>
+            <a:spcBef>
+              <a:spcPct val="0"/>
+            </a:spcBef>
+            <a:spcAft>
+              <a:spcPct val="35000"/>
+            </a:spcAft>
+          </a:pPr>
+          <a:r>
+            <a:rPr lang="en-US" sz="2200" kern="1200" dirty="0" smtClean="0"/>
+            <a:t>Advantages and disadvantages of current solution</a:t>
+          </a:r>
+          <a:endParaRPr lang="en-US" sz="2200" kern="1200" dirty="0"/>
+        </a:p>
+      </dsp:txBody>
+      <dsp:txXfrm>
+        <a:off x="803553" y="2042645"/>
+        <a:ext cx="7740455" cy="408637"/>
+      </dsp:txXfrm>
+    </dsp:sp>
+    <dsp:sp modelId="{6FD9C734-BB88-4BF5-89B2-11AEF22AF11D}">
+      <dsp:nvSpPr>
+        <dsp:cNvPr id="0" name=""/>
+        <dsp:cNvSpPr/>
+      </dsp:nvSpPr>
+      <dsp:spPr>
+        <a:xfrm>
+          <a:off x="548155" y="1991565"/>
+          <a:ext cx="510797" cy="510797"/>
+        </a:xfrm>
+        <a:prstGeom prst="ellipse">
+          <a:avLst/>
+        </a:prstGeom>
+        <a:solidFill>
+          <a:schemeClr val="lt1">
+            <a:hueOff val="0"/>
+            <a:satOff val="0"/>
+            <a:lumOff val="0"/>
+            <a:alphaOff val="0"/>
+          </a:schemeClr>
+        </a:solidFill>
+        <a:ln w="19050" cap="rnd" cmpd="sng" algn="ctr">
+          <a:solidFill>
+            <a:schemeClr val="accent1">
+              <a:hueOff val="0"/>
+              <a:satOff val="0"/>
+              <a:lumOff val="0"/>
+              <a:alphaOff val="0"/>
+            </a:schemeClr>
+          </a:solidFill>
+          <a:prstDash val="solid"/>
+        </a:ln>
+        <a:effectLst/>
+      </dsp:spPr>
+      <dsp:style>
+        <a:lnRef idx="2">
+          <a:scrgbClr r="0" g="0" b="0"/>
+        </a:lnRef>
+        <a:fillRef idx="1">
+          <a:scrgbClr r="0" g="0" b="0"/>
+        </a:fillRef>
+        <a:effectRef idx="0">
+          <a:scrgbClr r="0" g="0" b="0"/>
+        </a:effectRef>
+        <a:fontRef idx="minor"/>
+      </dsp:style>
+    </dsp:sp>
+    <dsp:sp modelId="{5E7565C0-5287-4E4D-8626-67E866958165}">
+      <dsp:nvSpPr>
+        <dsp:cNvPr id="0" name=""/>
+        <dsp:cNvSpPr/>
+      </dsp:nvSpPr>
+      <dsp:spPr>
+        <a:xfrm>
+          <a:off x="649848" y="2655523"/>
+          <a:ext cx="7894160" cy="408637"/>
+        </a:xfrm>
+        <a:prstGeom prst="rect">
+          <a:avLst/>
+        </a:prstGeom>
+        <a:solidFill>
+          <a:schemeClr val="accent1">
+            <a:hueOff val="0"/>
+            <a:satOff val="0"/>
+            <a:lumOff val="0"/>
+            <a:alphaOff val="0"/>
+          </a:schemeClr>
+        </a:solidFill>
+        <a:ln w="19050" cap="rnd" cmpd="sng" algn="ctr">
+          <a:solidFill>
+            <a:schemeClr val="lt1">
+              <a:hueOff val="0"/>
+              <a:satOff val="0"/>
+              <a:lumOff val="0"/>
+              <a:alphaOff val="0"/>
+            </a:schemeClr>
+          </a:solidFill>
+          <a:prstDash val="solid"/>
+        </a:ln>
+        <a:effectLst/>
+      </dsp:spPr>
+      <dsp:style>
+        <a:lnRef idx="2">
+          <a:scrgbClr r="0" g="0" b="0"/>
+        </a:lnRef>
+        <a:fillRef idx="1">
+          <a:scrgbClr r="0" g="0" b="0"/>
+        </a:fillRef>
+        <a:effectRef idx="0">
+          <a:scrgbClr r="0" g="0" b="0"/>
+        </a:effectRef>
+        <a:fontRef idx="minor">
+          <a:schemeClr val="lt1"/>
+        </a:fontRef>
+      </dsp:style>
+      <dsp:txBody>
+        <a:bodyPr spcFirstLastPara="0" vert="horz" wrap="square" lIns="324356" tIns="55880" rIns="55880" bIns="55880" numCol="1" spcCol="1270" anchor="ctr" anchorCtr="0">
+          <a:noAutofit/>
+        </a:bodyPr>
+        <a:lstStyle/>
+        <a:p>
+          <a:pPr lvl="0" algn="l" defTabSz="977900">
+            <a:lnSpc>
+              <a:spcPct val="90000"/>
+            </a:lnSpc>
+            <a:spcBef>
+              <a:spcPct val="0"/>
+            </a:spcBef>
+            <a:spcAft>
+              <a:spcPct val="35000"/>
+            </a:spcAft>
+          </a:pPr>
+          <a:r>
+            <a:rPr lang="en-US" sz="2200" kern="1200" dirty="0" smtClean="0"/>
+            <a:t>Future Plans</a:t>
+          </a:r>
+          <a:endParaRPr lang="en-US" sz="2200" kern="1200" dirty="0"/>
+        </a:p>
+      </dsp:txBody>
+      <dsp:txXfrm>
+        <a:off x="649848" y="2655523"/>
+        <a:ext cx="7894160" cy="408637"/>
+      </dsp:txXfrm>
+    </dsp:sp>
+    <dsp:sp modelId="{EDBC188B-E862-403F-B5EF-6CB003C2307F}">
+      <dsp:nvSpPr>
+        <dsp:cNvPr id="0" name=""/>
+        <dsp:cNvSpPr/>
+      </dsp:nvSpPr>
+      <dsp:spPr>
+        <a:xfrm>
+          <a:off x="394450" y="2604444"/>
+          <a:ext cx="510797" cy="510797"/>
+        </a:xfrm>
+        <a:prstGeom prst="ellipse">
+          <a:avLst/>
+        </a:prstGeom>
+        <a:solidFill>
+          <a:schemeClr val="lt1">
+            <a:hueOff val="0"/>
+            <a:satOff val="0"/>
+            <a:lumOff val="0"/>
+            <a:alphaOff val="0"/>
+          </a:schemeClr>
+        </a:solidFill>
+        <a:ln w="19050" cap="rnd" cmpd="sng" algn="ctr">
+          <a:solidFill>
+            <a:schemeClr val="accent1">
+              <a:hueOff val="0"/>
+              <a:satOff val="0"/>
+              <a:lumOff val="0"/>
+              <a:alphaOff val="0"/>
+            </a:schemeClr>
+          </a:solidFill>
+          <a:prstDash val="solid"/>
+        </a:ln>
+        <a:effectLst/>
+      </dsp:spPr>
+      <dsp:style>
+        <a:lnRef idx="2">
+          <a:scrgbClr r="0" g="0" b="0"/>
+        </a:lnRef>
+        <a:fillRef idx="1">
+          <a:scrgbClr r="0" g="0" b="0"/>
+        </a:fillRef>
+        <a:effectRef idx="0">
+          <a:scrgbClr r="0" g="0" b="0"/>
+        </a:effectRef>
+        <a:fontRef idx="minor"/>
+      </dsp:style>
+    </dsp:sp>
+    <dsp:sp modelId="{FAB83880-1EBC-461E-8EE0-4812DFE2F361}">
+      <dsp:nvSpPr>
+        <dsp:cNvPr id="0" name=""/>
+        <dsp:cNvSpPr/>
+      </dsp:nvSpPr>
+      <dsp:spPr>
+        <a:xfrm>
+          <a:off x="313716" y="3268402"/>
+          <a:ext cx="8230292" cy="408637"/>
+        </a:xfrm>
+        <a:prstGeom prst="rect">
+          <a:avLst/>
+        </a:prstGeom>
+        <a:solidFill>
+          <a:schemeClr val="accent1">
+            <a:hueOff val="0"/>
+            <a:satOff val="0"/>
+            <a:lumOff val="0"/>
+            <a:alphaOff val="0"/>
+          </a:schemeClr>
+        </a:solidFill>
+        <a:ln w="19050" cap="rnd" cmpd="sng" algn="ctr">
+          <a:solidFill>
+            <a:schemeClr val="lt1">
+              <a:hueOff val="0"/>
+              <a:satOff val="0"/>
+              <a:lumOff val="0"/>
+              <a:alphaOff val="0"/>
+            </a:schemeClr>
+          </a:solidFill>
+          <a:prstDash val="solid"/>
+        </a:ln>
+        <a:effectLst/>
+      </dsp:spPr>
+      <dsp:style>
+        <a:lnRef idx="2">
+          <a:scrgbClr r="0" g="0" b="0"/>
+        </a:lnRef>
+        <a:fillRef idx="1">
+          <a:scrgbClr r="0" g="0" b="0"/>
+        </a:fillRef>
+        <a:effectRef idx="0">
+          <a:scrgbClr r="0" g="0" b="0"/>
+        </a:effectRef>
+        <a:fontRef idx="minor">
+          <a:schemeClr val="lt1"/>
+        </a:fontRef>
+      </dsp:style>
+      <dsp:txBody>
+        <a:bodyPr spcFirstLastPara="0" vert="horz" wrap="square" lIns="324356" tIns="55880" rIns="55880" bIns="55880" numCol="1" spcCol="1270" anchor="ctr" anchorCtr="0">
+          <a:noAutofit/>
+        </a:bodyPr>
+        <a:lstStyle/>
+        <a:p>
+          <a:pPr lvl="0" algn="l" defTabSz="977900">
+            <a:lnSpc>
+              <a:spcPct val="90000"/>
+            </a:lnSpc>
+            <a:spcBef>
+              <a:spcPct val="0"/>
+            </a:spcBef>
+            <a:spcAft>
+              <a:spcPct val="35000"/>
+            </a:spcAft>
+          </a:pPr>
+          <a:r>
+            <a:rPr lang="en-US" sz="2200" kern="1200" dirty="0" smtClean="0"/>
+            <a:t>Questions and answers</a:t>
+          </a:r>
+          <a:endParaRPr lang="en-US" sz="2200" kern="1200" dirty="0"/>
+        </a:p>
+      </dsp:txBody>
+      <dsp:txXfrm>
+        <a:off x="313716" y="3268402"/>
+        <a:ext cx="8230292" cy="408637"/>
+      </dsp:txXfrm>
+    </dsp:sp>
+    <dsp:sp modelId="{8123A840-A704-4828-A5B4-AE7CA5C16305}">
+      <dsp:nvSpPr>
+        <dsp:cNvPr id="0" name=""/>
+        <dsp:cNvSpPr/>
+      </dsp:nvSpPr>
+      <dsp:spPr>
+        <a:xfrm>
+          <a:off x="58317" y="3217323"/>
+          <a:ext cx="510797" cy="510797"/>
+        </a:xfrm>
+        <a:prstGeom prst="ellipse">
+          <a:avLst/>
+        </a:prstGeom>
+        <a:solidFill>
+          <a:schemeClr val="lt1">
+            <a:hueOff val="0"/>
+            <a:satOff val="0"/>
+            <a:lumOff val="0"/>
+            <a:alphaOff val="0"/>
+          </a:schemeClr>
+        </a:solidFill>
+        <a:ln w="19050" cap="rnd" cmpd="sng" algn="ctr">
+          <a:solidFill>
+            <a:schemeClr val="accent1">
+              <a:hueOff val="0"/>
+              <a:satOff val="0"/>
+              <a:lumOff val="0"/>
+              <a:alphaOff val="0"/>
+            </a:schemeClr>
+          </a:solidFill>
+          <a:prstDash val="solid"/>
+        </a:ln>
+        <a:effectLst/>
+      </dsp:spPr>
+      <dsp:style>
+        <a:lnRef idx="2">
+          <a:scrgbClr r="0" g="0" b="0"/>
+        </a:lnRef>
+        <a:fillRef idx="1">
+          <a:scrgbClr r="0" g="0" b="0"/>
+        </a:fillRef>
+        <a:effectRef idx="0">
+          <a:scrgbClr r="0" g="0" b="0"/>
+        </a:effectRef>
+        <a:fontRef idx="minor"/>
+      </dsp:style>
+    </dsp:sp>
+  </dsp:spTree>
+</dsp:drawing>
+</file>
+
+<file path=ppt/diagrams/drawing3.xml><?xml version="1.0" encoding="utf-8"?>
+<dsp:drawing xmlns:dgm="http://schemas.openxmlformats.org/drawingml/2006/diagram" xmlns:dsp="http://schemas.microsoft.com/office/drawing/2008/diagram" xmlns:a="http://schemas.openxmlformats.org/drawingml/2006/main">
+  <dsp:spTree>
+    <dsp:nvGrpSpPr>
+      <dsp:cNvPr id="0" name=""/>
+      <dsp:cNvGrpSpPr/>
+    </dsp:nvGrpSpPr>
+    <dsp:grpSpPr/>
   </dsp:spTree>
 </dsp:drawing>
 </file>
@@ -6712,6 +8901,655 @@
       <dsp:txXfrm>
         <a:off x="6090593" y="3841126"/>
         <a:ext cx="2076152" cy="770252"/>
+      </dsp:txXfrm>
+    </dsp:sp>
+  </dsp:spTree>
+</dsp:drawing>
+</file>
+
+<file path=ppt/diagrams/drawing5.xml><?xml version="1.0" encoding="utf-8"?>
+<dsp:drawing xmlns:dgm="http://schemas.openxmlformats.org/drawingml/2006/diagram" xmlns:dsp="http://schemas.microsoft.com/office/drawing/2008/diagram" xmlns:a="http://schemas.openxmlformats.org/drawingml/2006/main">
+  <dsp:spTree>
+    <dsp:nvGrpSpPr>
+      <dsp:cNvPr id="0" name=""/>
+      <dsp:cNvGrpSpPr/>
+    </dsp:nvGrpSpPr>
+    <dsp:grpSpPr/>
+    <dsp:sp modelId="{38D94112-4B62-4450-BAB0-6C010E898920}">
+      <dsp:nvSpPr>
+        <dsp:cNvPr id="0" name=""/>
+        <dsp:cNvSpPr/>
+      </dsp:nvSpPr>
+      <dsp:spPr>
+        <a:xfrm>
+          <a:off x="841796" y="699"/>
+          <a:ext cx="1808986" cy="1246392"/>
+        </a:xfrm>
+        <a:prstGeom prst="roundRect">
+          <a:avLst/>
+        </a:prstGeom>
+        <a:blipFill dpi="0" rotWithShape="1">
+          <a:blip xmlns:r="http://schemas.openxmlformats.org/officeDocument/2006/relationships" r:embed="rId1" cstate="print">
+            <a:extLst>
+              <a:ext uri="{28A0092B-C50C-407E-A947-70E740481C1C}">
+                <a14:useLocalDpi xmlns:a14="http://schemas.microsoft.com/office/drawing/2010/main" val="0"/>
+              </a:ext>
+            </a:extLst>
+          </a:blip>
+          <a:srcRect/>
+          <a:stretch>
+            <a:fillRect l="15550" r="15550"/>
+          </a:stretch>
+        </a:blipFill>
+        <a:ln>
+          <a:noFill/>
+        </a:ln>
+        <a:effectLst>
+          <a:outerShdw blurRad="38100" dist="25400" dir="5400000" rotWithShape="0">
+            <a:srgbClr val="000000">
+              <a:alpha val="35000"/>
+            </a:srgbClr>
+          </a:outerShdw>
+        </a:effectLst>
+        <a:scene3d>
+          <a:camera prst="orthographicFront">
+            <a:rot lat="0" lon="0" rev="0"/>
+          </a:camera>
+          <a:lightRig rig="contrasting" dir="t">
+            <a:rot lat="0" lon="0" rev="1200000"/>
+          </a:lightRig>
+        </a:scene3d>
+        <a:sp3d contourW="19050" prstMaterial="metal">
+          <a:bevelT w="88900" h="203200"/>
+          <a:bevelB w="165100" h="254000"/>
+        </a:sp3d>
+      </dsp:spPr>
+      <dsp:style>
+        <a:lnRef idx="0">
+          <a:scrgbClr r="0" g="0" b="0"/>
+        </a:lnRef>
+        <a:fillRef idx="1">
+          <a:scrgbClr r="0" g="0" b="0"/>
+        </a:fillRef>
+        <a:effectRef idx="2">
+          <a:scrgbClr r="0" g="0" b="0"/>
+        </a:effectRef>
+        <a:fontRef idx="minor">
+          <a:schemeClr val="lt1"/>
+        </a:fontRef>
+      </dsp:style>
+    </dsp:sp>
+    <dsp:sp modelId="{50032E18-2E0A-4D65-A348-2C9C3E9B8328}">
+      <dsp:nvSpPr>
+        <dsp:cNvPr id="0" name=""/>
+        <dsp:cNvSpPr/>
+      </dsp:nvSpPr>
+      <dsp:spPr>
+        <a:xfrm>
+          <a:off x="841796" y="1247091"/>
+          <a:ext cx="1808986" cy="671134"/>
+        </a:xfrm>
+        <a:prstGeom prst="rect">
+          <a:avLst/>
+        </a:prstGeom>
+        <a:noFill/>
+        <a:ln w="12700" cap="rnd" cmpd="sng" algn="ctr">
+          <a:solidFill>
+            <a:schemeClr val="dk1">
+              <a:alpha val="0"/>
+              <a:hueOff val="0"/>
+              <a:satOff val="0"/>
+              <a:lumOff val="0"/>
+              <a:alphaOff val="0"/>
+            </a:schemeClr>
+          </a:solidFill>
+          <a:prstDash val="solid"/>
+        </a:ln>
+        <a:effectLst/>
+      </dsp:spPr>
+      <dsp:style>
+        <a:lnRef idx="1">
+          <a:scrgbClr r="0" g="0" b="0"/>
+        </a:lnRef>
+        <a:fillRef idx="0">
+          <a:scrgbClr r="0" g="0" b="0"/>
+        </a:fillRef>
+        <a:effectRef idx="0">
+          <a:scrgbClr r="0" g="0" b="0"/>
+        </a:effectRef>
+        <a:fontRef idx="minor"/>
+      </dsp:style>
+      <dsp:txBody>
+        <a:bodyPr spcFirstLastPara="0" vert="horz" wrap="square" lIns="135128" tIns="135128" rIns="135128" bIns="0" numCol="1" spcCol="1270" anchor="t" anchorCtr="0">
+          <a:noAutofit/>
+        </a:bodyPr>
+        <a:lstStyle/>
+        <a:p>
+          <a:pPr lvl="0" algn="ctr" defTabSz="844550">
+            <a:lnSpc>
+              <a:spcPct val="90000"/>
+            </a:lnSpc>
+            <a:spcBef>
+              <a:spcPct val="0"/>
+            </a:spcBef>
+            <a:spcAft>
+              <a:spcPct val="35000"/>
+            </a:spcAft>
+          </a:pPr>
+          <a:r>
+            <a:rPr lang="en-US" sz="1900" kern="1200" dirty="0" smtClean="0"/>
+            <a:t>Search</a:t>
+          </a:r>
+          <a:endParaRPr lang="en-GB" sz="1900" kern="1200" dirty="0"/>
+        </a:p>
+      </dsp:txBody>
+      <dsp:txXfrm>
+        <a:off x="841796" y="1247091"/>
+        <a:ext cx="1808986" cy="671134"/>
+      </dsp:txXfrm>
+    </dsp:sp>
+    <dsp:sp modelId="{36FAAB07-1BD4-42B4-8036-62B0F623ED4C}">
+      <dsp:nvSpPr>
+        <dsp:cNvPr id="0" name=""/>
+        <dsp:cNvSpPr/>
+      </dsp:nvSpPr>
+      <dsp:spPr>
+        <a:xfrm>
+          <a:off x="2831758" y="699"/>
+          <a:ext cx="1808986" cy="1246392"/>
+        </a:xfrm>
+        <a:prstGeom prst="roundRect">
+          <a:avLst/>
+        </a:prstGeom>
+        <a:blipFill rotWithShape="1">
+          <a:blip xmlns:r="http://schemas.openxmlformats.org/officeDocument/2006/relationships" r:embed="rId2"/>
+          <a:stretch>
+            <a:fillRect/>
+          </a:stretch>
+        </a:blipFill>
+        <a:ln>
+          <a:noFill/>
+        </a:ln>
+        <a:effectLst>
+          <a:outerShdw blurRad="38100" dist="25400" dir="5400000" rotWithShape="0">
+            <a:srgbClr val="000000">
+              <a:alpha val="35000"/>
+            </a:srgbClr>
+          </a:outerShdw>
+        </a:effectLst>
+        <a:scene3d>
+          <a:camera prst="orthographicFront">
+            <a:rot lat="0" lon="0" rev="0"/>
+          </a:camera>
+          <a:lightRig rig="contrasting" dir="t">
+            <a:rot lat="0" lon="0" rev="1200000"/>
+          </a:lightRig>
+        </a:scene3d>
+        <a:sp3d contourW="19050" prstMaterial="metal">
+          <a:bevelT w="88900" h="203200"/>
+          <a:bevelB w="165100" h="254000"/>
+        </a:sp3d>
+      </dsp:spPr>
+      <dsp:style>
+        <a:lnRef idx="0">
+          <a:scrgbClr r="0" g="0" b="0"/>
+        </a:lnRef>
+        <a:fillRef idx="1">
+          <a:scrgbClr r="0" g="0" b="0"/>
+        </a:fillRef>
+        <a:effectRef idx="2">
+          <a:scrgbClr r="0" g="0" b="0"/>
+        </a:effectRef>
+        <a:fontRef idx="minor">
+          <a:schemeClr val="lt1"/>
+        </a:fontRef>
+      </dsp:style>
+    </dsp:sp>
+    <dsp:sp modelId="{AB026361-32AF-4200-8E3C-B6BC87A0F3C1}">
+      <dsp:nvSpPr>
+        <dsp:cNvPr id="0" name=""/>
+        <dsp:cNvSpPr/>
+      </dsp:nvSpPr>
+      <dsp:spPr>
+        <a:xfrm>
+          <a:off x="2831758" y="1247091"/>
+          <a:ext cx="1808986" cy="671134"/>
+        </a:xfrm>
+        <a:prstGeom prst="rect">
+          <a:avLst/>
+        </a:prstGeom>
+        <a:noFill/>
+        <a:ln w="12700" cap="rnd" cmpd="sng" algn="ctr">
+          <a:solidFill>
+            <a:schemeClr val="dk1">
+              <a:alpha val="0"/>
+              <a:hueOff val="0"/>
+              <a:satOff val="0"/>
+              <a:lumOff val="0"/>
+              <a:alphaOff val="0"/>
+            </a:schemeClr>
+          </a:solidFill>
+          <a:prstDash val="solid"/>
+        </a:ln>
+        <a:effectLst/>
+      </dsp:spPr>
+      <dsp:style>
+        <a:lnRef idx="1">
+          <a:scrgbClr r="0" g="0" b="0"/>
+        </a:lnRef>
+        <a:fillRef idx="0">
+          <a:scrgbClr r="0" g="0" b="0"/>
+        </a:fillRef>
+        <a:effectRef idx="0">
+          <a:scrgbClr r="0" g="0" b="0"/>
+        </a:effectRef>
+        <a:fontRef idx="minor"/>
+      </dsp:style>
+      <dsp:txBody>
+        <a:bodyPr spcFirstLastPara="0" vert="horz" wrap="square" lIns="135128" tIns="135128" rIns="135128" bIns="0" numCol="1" spcCol="1270" anchor="t" anchorCtr="0">
+          <a:noAutofit/>
+        </a:bodyPr>
+        <a:lstStyle/>
+        <a:p>
+          <a:pPr lvl="0" algn="ctr" defTabSz="844550">
+            <a:lnSpc>
+              <a:spcPct val="90000"/>
+            </a:lnSpc>
+            <a:spcBef>
+              <a:spcPct val="0"/>
+            </a:spcBef>
+            <a:spcAft>
+              <a:spcPct val="35000"/>
+            </a:spcAft>
+          </a:pPr>
+          <a:r>
+            <a:rPr lang="en-US" sz="1900" kern="1200" smtClean="0"/>
+            <a:t>Recommend product</a:t>
+          </a:r>
+          <a:endParaRPr lang="en-GB" sz="1900" kern="1200" dirty="0"/>
+        </a:p>
+      </dsp:txBody>
+      <dsp:txXfrm>
+        <a:off x="2831758" y="1247091"/>
+        <a:ext cx="1808986" cy="671134"/>
+      </dsp:txXfrm>
+    </dsp:sp>
+    <dsp:sp modelId="{DB4DFF25-2111-49EB-BC56-4ACC6D2E3C4A}">
+      <dsp:nvSpPr>
+        <dsp:cNvPr id="0" name=""/>
+        <dsp:cNvSpPr/>
+      </dsp:nvSpPr>
+      <dsp:spPr>
+        <a:xfrm>
+          <a:off x="4821720" y="699"/>
+          <a:ext cx="1808986" cy="1246392"/>
+        </a:xfrm>
+        <a:prstGeom prst="roundRect">
+          <a:avLst/>
+        </a:prstGeom>
+        <a:blipFill rotWithShape="1">
+          <a:blip xmlns:r="http://schemas.openxmlformats.org/officeDocument/2006/relationships" r:embed="rId3"/>
+          <a:stretch>
+            <a:fillRect/>
+          </a:stretch>
+        </a:blipFill>
+        <a:ln>
+          <a:noFill/>
+        </a:ln>
+        <a:effectLst>
+          <a:outerShdw blurRad="38100" dist="25400" dir="5400000" rotWithShape="0">
+            <a:srgbClr val="000000">
+              <a:alpha val="35000"/>
+            </a:srgbClr>
+          </a:outerShdw>
+        </a:effectLst>
+        <a:scene3d>
+          <a:camera prst="orthographicFront">
+            <a:rot lat="0" lon="0" rev="0"/>
+          </a:camera>
+          <a:lightRig rig="contrasting" dir="t">
+            <a:rot lat="0" lon="0" rev="1200000"/>
+          </a:lightRig>
+        </a:scene3d>
+        <a:sp3d contourW="19050" prstMaterial="metal">
+          <a:bevelT w="88900" h="203200"/>
+          <a:bevelB w="165100" h="254000"/>
+        </a:sp3d>
+      </dsp:spPr>
+      <dsp:style>
+        <a:lnRef idx="0">
+          <a:scrgbClr r="0" g="0" b="0"/>
+        </a:lnRef>
+        <a:fillRef idx="1">
+          <a:scrgbClr r="0" g="0" b="0"/>
+        </a:fillRef>
+        <a:effectRef idx="2">
+          <a:scrgbClr r="0" g="0" b="0"/>
+        </a:effectRef>
+        <a:fontRef idx="minor">
+          <a:schemeClr val="lt1"/>
+        </a:fontRef>
+      </dsp:style>
+    </dsp:sp>
+    <dsp:sp modelId="{E88444CE-513E-46DB-98BB-1DE2BC38E1BB}">
+      <dsp:nvSpPr>
+        <dsp:cNvPr id="0" name=""/>
+        <dsp:cNvSpPr/>
+      </dsp:nvSpPr>
+      <dsp:spPr>
+        <a:xfrm>
+          <a:off x="4821720" y="1247091"/>
+          <a:ext cx="1808986" cy="671134"/>
+        </a:xfrm>
+        <a:prstGeom prst="rect">
+          <a:avLst/>
+        </a:prstGeom>
+        <a:noFill/>
+        <a:ln w="12700" cap="rnd" cmpd="sng" algn="ctr">
+          <a:solidFill>
+            <a:schemeClr val="dk1">
+              <a:alpha val="0"/>
+              <a:hueOff val="0"/>
+              <a:satOff val="0"/>
+              <a:lumOff val="0"/>
+              <a:alphaOff val="0"/>
+            </a:schemeClr>
+          </a:solidFill>
+          <a:prstDash val="solid"/>
+        </a:ln>
+        <a:effectLst/>
+      </dsp:spPr>
+      <dsp:style>
+        <a:lnRef idx="1">
+          <a:scrgbClr r="0" g="0" b="0"/>
+        </a:lnRef>
+        <a:fillRef idx="0">
+          <a:scrgbClr r="0" g="0" b="0"/>
+        </a:fillRef>
+        <a:effectRef idx="0">
+          <a:scrgbClr r="0" g="0" b="0"/>
+        </a:effectRef>
+        <a:fontRef idx="minor"/>
+      </dsp:style>
+      <dsp:txBody>
+        <a:bodyPr spcFirstLastPara="0" vert="horz" wrap="square" lIns="135128" tIns="135128" rIns="135128" bIns="0" numCol="1" spcCol="1270" anchor="t" anchorCtr="0">
+          <a:noAutofit/>
+        </a:bodyPr>
+        <a:lstStyle/>
+        <a:p>
+          <a:pPr lvl="0" algn="ctr" defTabSz="844550">
+            <a:lnSpc>
+              <a:spcPct val="90000"/>
+            </a:lnSpc>
+            <a:spcBef>
+              <a:spcPct val="0"/>
+            </a:spcBef>
+            <a:spcAft>
+              <a:spcPct val="35000"/>
+            </a:spcAft>
+          </a:pPr>
+          <a:r>
+            <a:rPr lang="en-US" sz="1900" kern="1200" smtClean="0"/>
+            <a:t>Report comment</a:t>
+          </a:r>
+          <a:endParaRPr lang="en-GB" sz="1900" kern="1200" dirty="0"/>
+        </a:p>
+      </dsp:txBody>
+      <dsp:txXfrm>
+        <a:off x="4821720" y="1247091"/>
+        <a:ext cx="1808986" cy="671134"/>
+      </dsp:txXfrm>
+    </dsp:sp>
+    <dsp:sp modelId="{B77A94D5-558B-4298-8C2F-665637DEF3C5}">
+      <dsp:nvSpPr>
+        <dsp:cNvPr id="0" name=""/>
+        <dsp:cNvSpPr/>
+      </dsp:nvSpPr>
+      <dsp:spPr>
+        <a:xfrm>
+          <a:off x="1836777" y="2099124"/>
+          <a:ext cx="1808986" cy="1246392"/>
+        </a:xfrm>
+        <a:prstGeom prst="roundRect">
+          <a:avLst/>
+        </a:prstGeom>
+        <a:blipFill rotWithShape="1">
+          <a:blip xmlns:r="http://schemas.openxmlformats.org/officeDocument/2006/relationships" r:embed="rId4"/>
+          <a:stretch>
+            <a:fillRect/>
+          </a:stretch>
+        </a:blipFill>
+        <a:ln>
+          <a:noFill/>
+        </a:ln>
+        <a:effectLst>
+          <a:outerShdw blurRad="38100" dist="25400" dir="5400000" rotWithShape="0">
+            <a:srgbClr val="000000">
+              <a:alpha val="35000"/>
+            </a:srgbClr>
+          </a:outerShdw>
+        </a:effectLst>
+        <a:scene3d>
+          <a:camera prst="orthographicFront">
+            <a:rot lat="0" lon="0" rev="0"/>
+          </a:camera>
+          <a:lightRig rig="contrasting" dir="t">
+            <a:rot lat="0" lon="0" rev="1200000"/>
+          </a:lightRig>
+        </a:scene3d>
+        <a:sp3d contourW="19050" prstMaterial="metal">
+          <a:bevelT w="88900" h="203200"/>
+          <a:bevelB w="165100" h="254000"/>
+        </a:sp3d>
+      </dsp:spPr>
+      <dsp:style>
+        <a:lnRef idx="0">
+          <a:scrgbClr r="0" g="0" b="0"/>
+        </a:lnRef>
+        <a:fillRef idx="1">
+          <a:scrgbClr r="0" g="0" b="0"/>
+        </a:fillRef>
+        <a:effectRef idx="2">
+          <a:scrgbClr r="0" g="0" b="0"/>
+        </a:effectRef>
+        <a:fontRef idx="minor">
+          <a:schemeClr val="lt1"/>
+        </a:fontRef>
+      </dsp:style>
+    </dsp:sp>
+    <dsp:sp modelId="{0DA19ACC-408E-4451-802F-CB6DD2B511B0}">
+      <dsp:nvSpPr>
+        <dsp:cNvPr id="0" name=""/>
+        <dsp:cNvSpPr/>
+      </dsp:nvSpPr>
+      <dsp:spPr>
+        <a:xfrm>
+          <a:off x="1836777" y="3345516"/>
+          <a:ext cx="1808986" cy="671134"/>
+        </a:xfrm>
+        <a:prstGeom prst="rect">
+          <a:avLst/>
+        </a:prstGeom>
+        <a:noFill/>
+        <a:ln w="12700" cap="rnd" cmpd="sng" algn="ctr">
+          <a:solidFill>
+            <a:schemeClr val="dk1">
+              <a:alpha val="0"/>
+              <a:hueOff val="0"/>
+              <a:satOff val="0"/>
+              <a:lumOff val="0"/>
+              <a:alphaOff val="0"/>
+            </a:schemeClr>
+          </a:solidFill>
+          <a:prstDash val="solid"/>
+        </a:ln>
+        <a:effectLst/>
+      </dsp:spPr>
+      <dsp:style>
+        <a:lnRef idx="1">
+          <a:scrgbClr r="0" g="0" b="0"/>
+        </a:lnRef>
+        <a:fillRef idx="0">
+          <a:scrgbClr r="0" g="0" b="0"/>
+        </a:fillRef>
+        <a:effectRef idx="0">
+          <a:scrgbClr r="0" g="0" b="0"/>
+        </a:effectRef>
+        <a:fontRef idx="minor"/>
+      </dsp:style>
+      <dsp:txBody>
+        <a:bodyPr spcFirstLastPara="0" vert="horz" wrap="square" lIns="135128" tIns="135128" rIns="135128" bIns="0" numCol="1" spcCol="1270" anchor="t" anchorCtr="0">
+          <a:noAutofit/>
+        </a:bodyPr>
+        <a:lstStyle/>
+        <a:p>
+          <a:pPr lvl="0" algn="ctr" defTabSz="844550">
+            <a:lnSpc>
+              <a:spcPct val="90000"/>
+            </a:lnSpc>
+            <a:spcBef>
+              <a:spcPct val="0"/>
+            </a:spcBef>
+            <a:spcAft>
+              <a:spcPct val="35000"/>
+            </a:spcAft>
+          </a:pPr>
+          <a:r>
+            <a:rPr lang="en-GB" sz="1900" kern="1200" smtClean="0"/>
+            <a:t>Add favorite product</a:t>
+          </a:r>
+          <a:endParaRPr lang="en-GB" sz="1900" kern="1200" dirty="0"/>
+        </a:p>
+      </dsp:txBody>
+      <dsp:txXfrm>
+        <a:off x="1836777" y="3345516"/>
+        <a:ext cx="1808986" cy="671134"/>
+      </dsp:txXfrm>
+    </dsp:sp>
+    <dsp:sp modelId="{42108F33-182C-4014-975C-104417C9CEFC}">
+      <dsp:nvSpPr>
+        <dsp:cNvPr id="0" name=""/>
+        <dsp:cNvSpPr/>
+      </dsp:nvSpPr>
+      <dsp:spPr>
+        <a:xfrm>
+          <a:off x="3826739" y="2099124"/>
+          <a:ext cx="1808986" cy="1246392"/>
+        </a:xfrm>
+        <a:prstGeom prst="roundRect">
+          <a:avLst/>
+        </a:prstGeom>
+        <a:blipFill rotWithShape="1">
+          <a:blip xmlns:r="http://schemas.openxmlformats.org/officeDocument/2006/relationships" r:embed="rId5"/>
+          <a:stretch>
+            <a:fillRect/>
+          </a:stretch>
+        </a:blipFill>
+        <a:ln>
+          <a:noFill/>
+        </a:ln>
+        <a:effectLst>
+          <a:outerShdw blurRad="38100" dist="25400" dir="5400000" rotWithShape="0">
+            <a:srgbClr val="000000">
+              <a:alpha val="35000"/>
+            </a:srgbClr>
+          </a:outerShdw>
+        </a:effectLst>
+        <a:scene3d>
+          <a:camera prst="orthographicFront">
+            <a:rot lat="0" lon="0" rev="0"/>
+          </a:camera>
+          <a:lightRig rig="contrasting" dir="t">
+            <a:rot lat="0" lon="0" rev="1200000"/>
+          </a:lightRig>
+        </a:scene3d>
+        <a:sp3d contourW="19050" prstMaterial="metal">
+          <a:bevelT w="88900" h="203200"/>
+          <a:bevelB w="165100" h="254000"/>
+        </a:sp3d>
+      </dsp:spPr>
+      <dsp:style>
+        <a:lnRef idx="0">
+          <a:scrgbClr r="0" g="0" b="0"/>
+        </a:lnRef>
+        <a:fillRef idx="1">
+          <a:scrgbClr r="0" g="0" b="0"/>
+        </a:fillRef>
+        <a:effectRef idx="2">
+          <a:scrgbClr r="0" g="0" b="0"/>
+        </a:effectRef>
+        <a:fontRef idx="minor">
+          <a:schemeClr val="lt1"/>
+        </a:fontRef>
+      </dsp:style>
+    </dsp:sp>
+    <dsp:sp modelId="{8ABD6398-AAB5-46D3-9A57-5E4F4E5ECD95}">
+      <dsp:nvSpPr>
+        <dsp:cNvPr id="0" name=""/>
+        <dsp:cNvSpPr/>
+      </dsp:nvSpPr>
+      <dsp:spPr>
+        <a:xfrm>
+          <a:off x="3826739" y="3345516"/>
+          <a:ext cx="1808986" cy="671134"/>
+        </a:xfrm>
+        <a:prstGeom prst="rect">
+          <a:avLst/>
+        </a:prstGeom>
+        <a:noFill/>
+        <a:ln w="12700" cap="rnd" cmpd="sng" algn="ctr">
+          <a:solidFill>
+            <a:schemeClr val="dk1">
+              <a:alpha val="0"/>
+              <a:hueOff val="0"/>
+              <a:satOff val="0"/>
+              <a:lumOff val="0"/>
+              <a:alphaOff val="0"/>
+            </a:schemeClr>
+          </a:solidFill>
+          <a:prstDash val="solid"/>
+        </a:ln>
+        <a:effectLst/>
+      </dsp:spPr>
+      <dsp:style>
+        <a:lnRef idx="1">
+          <a:scrgbClr r="0" g="0" b="0"/>
+        </a:lnRef>
+        <a:fillRef idx="0">
+          <a:scrgbClr r="0" g="0" b="0"/>
+        </a:fillRef>
+        <a:effectRef idx="0">
+          <a:scrgbClr r="0" g="0" b="0"/>
+        </a:effectRef>
+        <a:fontRef idx="minor"/>
+      </dsp:style>
+      <dsp:txBody>
+        <a:bodyPr spcFirstLastPara="0" vert="horz" wrap="square" lIns="135128" tIns="135128" rIns="135128" bIns="0" numCol="1" spcCol="1270" anchor="t" anchorCtr="0">
+          <a:noAutofit/>
+        </a:bodyPr>
+        <a:lstStyle/>
+        <a:p>
+          <a:pPr lvl="0" algn="ctr" defTabSz="844550">
+            <a:lnSpc>
+              <a:spcPct val="90000"/>
+            </a:lnSpc>
+            <a:spcBef>
+              <a:spcPct val="0"/>
+            </a:spcBef>
+            <a:spcAft>
+              <a:spcPct val="35000"/>
+            </a:spcAft>
+          </a:pPr>
+          <a:r>
+            <a:rPr lang="en-GB" sz="1900" kern="1200" smtClean="0"/>
+            <a:t>Write comment</a:t>
+          </a:r>
+          <a:endParaRPr lang="en-GB" sz="1900" kern="1200" dirty="0"/>
+        </a:p>
+      </dsp:txBody>
+      <dsp:txXfrm>
+        <a:off x="3826739" y="3345516"/>
+        <a:ext cx="1808986" cy="671134"/>
       </dsp:txXfrm>
     </dsp:sp>
   </dsp:spTree>
@@ -8622,6 +11460,167 @@
 </dgm:layoutDef>
 </file>
 
+<file path=ppt/diagrams/layout5.xml><?xml version="1.0" encoding="utf-8"?>
+<dgm:layoutDef xmlns:dgm="http://schemas.openxmlformats.org/drawingml/2006/diagram" xmlns:a="http://schemas.openxmlformats.org/drawingml/2006/main" uniqueId="urn:microsoft.com/office/officeart/2005/8/layout/pList1">
+  <dgm:title val=""/>
+  <dgm:desc val=""/>
+  <dgm:catLst>
+    <dgm:cat type="list" pri="2000"/>
+    <dgm:cat type="picture" pri="2500"/>
+    <dgm:cat type="pictureconvert" pri="2500"/>
+  </dgm:catLst>
+  <dgm:sampData>
+    <dgm:dataModel>
+      <dgm:ptLst>
+        <dgm:pt modelId="0" type="doc"/>
+        <dgm:pt modelId="1">
+          <dgm:prSet phldr="1"/>
+        </dgm:pt>
+        <dgm:pt modelId="2">
+          <dgm:prSet phldr="1"/>
+        </dgm:pt>
+        <dgm:pt modelId="3">
+          <dgm:prSet phldr="1"/>
+        </dgm:pt>
+        <dgm:pt modelId="4">
+          <dgm:prSet phldr="1"/>
+        </dgm:pt>
+      </dgm:ptLst>
+      <dgm:cxnLst>
+        <dgm:cxn modelId="7" srcId="0" destId="1" srcOrd="0" destOrd="0"/>
+        <dgm:cxn modelId="8" srcId="0" destId="2" srcOrd="1" destOrd="0"/>
+        <dgm:cxn modelId="9" srcId="0" destId="3" srcOrd="2" destOrd="0"/>
+        <dgm:cxn modelId="10" srcId="0" destId="4" srcOrd="3" destOrd="0"/>
+      </dgm:cxnLst>
+      <dgm:bg/>
+      <dgm:whole/>
+    </dgm:dataModel>
+  </dgm:sampData>
+  <dgm:styleData>
+    <dgm:dataModel>
+      <dgm:ptLst>
+        <dgm:pt modelId="0" type="doc"/>
+        <dgm:pt modelId="1"/>
+        <dgm:pt modelId="2"/>
+      </dgm:ptLst>
+      <dgm:cxnLst>
+        <dgm:cxn modelId="3" srcId="0" destId="1" srcOrd="0" destOrd="0"/>
+        <dgm:cxn modelId="4" srcId="0" destId="2" srcOrd="1" destOrd="0"/>
+      </dgm:cxnLst>
+      <dgm:bg/>
+      <dgm:whole/>
+    </dgm:dataModel>
+  </dgm:styleData>
+  <dgm:clrData useDef="1">
+    <dgm:dataModel>
+      <dgm:ptLst/>
+      <dgm:bg/>
+      <dgm:whole/>
+    </dgm:dataModel>
+  </dgm:clrData>
+  <dgm:layoutNode name="Name0">
+    <dgm:varLst>
+      <dgm:dir/>
+      <dgm:resizeHandles val="exact"/>
+    </dgm:varLst>
+    <dgm:choose name="Name1">
+      <dgm:if name="Name2" axis="self" func="var" arg="dir" op="equ" val="norm">
+        <dgm:alg type="snake">
+          <dgm:param type="grDir" val="tL"/>
+          <dgm:param type="flowDir" val="row"/>
+          <dgm:param type="contDir" val="sameDir"/>
+          <dgm:param type="off" val="ctr"/>
+          <dgm:param type="vertAlign" val="mid"/>
+          <dgm:param type="horzAlign" val="ctr"/>
+        </dgm:alg>
+      </dgm:if>
+      <dgm:else name="Name3">
+        <dgm:alg type="snake">
+          <dgm:param type="grDir" val="tR"/>
+          <dgm:param type="flowDir" val="row"/>
+          <dgm:param type="contDir" val="sameDir"/>
+          <dgm:param type="off" val="ctr"/>
+          <dgm:param type="vertAlign" val="mid"/>
+          <dgm:param type="horzAlign" val="ctr"/>
+        </dgm:alg>
+      </dgm:else>
+    </dgm:choose>
+    <dgm:shape xmlns:r="http://schemas.openxmlformats.org/officeDocument/2006/relationships" r:blip="">
+      <dgm:adjLst/>
+    </dgm:shape>
+    <dgm:presOf/>
+    <dgm:constrLst>
+      <dgm:constr type="w" for="ch" forName="compNode" refType="w"/>
+      <dgm:constr type="w" for="ch" ptType="sibTrans" refType="w" refFor="ch" refForName="compNode" op="equ" fact="0.1"/>
+      <dgm:constr type="sp" refType="w" refFor="ch" refForName="compNode" op="equ" fact="0.1"/>
+      <dgm:constr type="primFontSz" for="des" ptType="node" op="equ" val="65"/>
+    </dgm:constrLst>
+    <dgm:ruleLst/>
+    <dgm:forEach name="Name4" axis="ch" ptType="node">
+      <dgm:layoutNode name="compNode">
+        <dgm:alg type="composite">
+          <dgm:param type="ar" val="0.943"/>
+        </dgm:alg>
+        <dgm:shape xmlns:r="http://schemas.openxmlformats.org/officeDocument/2006/relationships" r:blip="">
+          <dgm:adjLst/>
+        </dgm:shape>
+        <dgm:presOf axis="self"/>
+        <dgm:constrLst>
+          <dgm:constr type="h" refType="w" fact="1.06"/>
+          <dgm:constr type="h" for="ch" forName="pictRect" refType="h" fact="0.65"/>
+          <dgm:constr type="w" for="ch" forName="pictRect" refType="w"/>
+          <dgm:constr type="l" for="ch" forName="pictRect"/>
+          <dgm:constr type="t" for="ch" forName="pictRect"/>
+          <dgm:constr type="w" for="ch" forName="textRect" refType="w"/>
+          <dgm:constr type="h" for="ch" forName="textRect" refType="h" fact="0.35"/>
+          <dgm:constr type="l" for="ch" forName="textRect"/>
+          <dgm:constr type="t" for="ch" forName="textRect" refType="b" refFor="ch" refForName="pictRect"/>
+        </dgm:constrLst>
+        <dgm:ruleLst/>
+        <dgm:layoutNode name="pictRect">
+          <dgm:alg type="sp"/>
+          <dgm:shape xmlns:r="http://schemas.openxmlformats.org/officeDocument/2006/relationships" type="roundRect" r:blip="" blipPhldr="1">
+            <dgm:adjLst/>
+          </dgm:shape>
+          <dgm:presOf/>
+          <dgm:constrLst/>
+          <dgm:ruleLst/>
+        </dgm:layoutNode>
+        <dgm:layoutNode name="textRect" styleLbl="revTx">
+          <dgm:varLst>
+            <dgm:bulletEnabled val="1"/>
+          </dgm:varLst>
+          <dgm:alg type="tx">
+            <dgm:param type="txAnchorVert" val="t"/>
+          </dgm:alg>
+          <dgm:shape xmlns:r="http://schemas.openxmlformats.org/officeDocument/2006/relationships" type="rect" r:blip="">
+            <dgm:adjLst/>
+          </dgm:shape>
+          <dgm:presOf axis="desOrSelf" ptType="node"/>
+          <dgm:constrLst>
+            <dgm:constr type="bMarg"/>
+          </dgm:constrLst>
+          <dgm:ruleLst>
+            <dgm:rule type="primFontSz" val="5" fact="NaN" max="NaN"/>
+          </dgm:ruleLst>
+        </dgm:layoutNode>
+      </dgm:layoutNode>
+      <dgm:forEach name="Name5" axis="followSib" ptType="sibTrans" cnt="1">
+        <dgm:layoutNode name="sibTrans">
+          <dgm:alg type="sp"/>
+          <dgm:shape xmlns:r="http://schemas.openxmlformats.org/officeDocument/2006/relationships" type="rect" r:blip="" hideGeom="1">
+            <dgm:adjLst/>
+          </dgm:shape>
+          <dgm:presOf axis="self"/>
+          <dgm:constrLst/>
+          <dgm:ruleLst/>
+        </dgm:layoutNode>
+      </dgm:forEach>
+    </dgm:forEach>
+  </dgm:layoutNode>
+</dgm:layoutDef>
+</file>
+
 <file path=ppt/diagrams/quickStyle1.xml><?xml version="1.0" encoding="utf-8"?>
 <dgm:styleDef xmlns:dgm="http://schemas.openxmlformats.org/drawingml/2006/diagram" xmlns:a="http://schemas.openxmlformats.org/drawingml/2006/main" uniqueId="urn:microsoft.com/office/officeart/2005/8/quickstyle/simple1">
   <dgm:title val=""/>
@@ -11725,6 +14724,1336 @@
 </file>
 
 <file path=ppt/diagrams/quickStyle4.xml><?xml version="1.0" encoding="utf-8"?>
+<dgm:styleDef xmlns:dgm="http://schemas.openxmlformats.org/drawingml/2006/diagram" xmlns:a="http://schemas.openxmlformats.org/drawingml/2006/main" uniqueId="urn:microsoft.com/office/officeart/2005/8/quickstyle/3d3">
+  <dgm:title val=""/>
+  <dgm:desc val=""/>
+  <dgm:catLst>
+    <dgm:cat type="3D" pri="11300"/>
+  </dgm:catLst>
+  <dgm:scene3d>
+    <a:camera prst="orthographicFront"/>
+    <a:lightRig rig="threePt" dir="t"/>
+  </dgm:scene3d>
+  <dgm:styleLbl name="node0">
+    <dgm:scene3d>
+      <a:camera prst="orthographicFront">
+        <a:rot lat="0" lon="0" rev="0"/>
+      </a:camera>
+      <a:lightRig rig="contrasting" dir="t">
+        <a:rot lat="0" lon="0" rev="1200000"/>
+      </a:lightRig>
+    </dgm:scene3d>
+    <dgm:sp3d contourW="19050" prstMaterial="metal">
+      <a:bevelT w="88900" h="203200"/>
+      <a:bevelB w="165100" h="254000"/>
+    </dgm:sp3d>
+    <dgm:txPr/>
+    <dgm:style>
+      <a:lnRef idx="0">
+        <a:scrgbClr r="0" g="0" b="0"/>
+      </a:lnRef>
+      <a:fillRef idx="1">
+        <a:scrgbClr r="0" g="0" b="0"/>
+      </a:fillRef>
+      <a:effectRef idx="1">
+        <a:scrgbClr r="0" g="0" b="0"/>
+      </a:effectRef>
+      <a:fontRef idx="minor">
+        <a:schemeClr val="lt1"/>
+      </a:fontRef>
+    </dgm:style>
+  </dgm:styleLbl>
+  <dgm:styleLbl name="lnNode1">
+    <dgm:scene3d>
+      <a:camera prst="orthographicFront">
+        <a:rot lat="0" lon="0" rev="0"/>
+      </a:camera>
+      <a:lightRig rig="contrasting" dir="t">
+        <a:rot lat="0" lon="0" rev="1200000"/>
+      </a:lightRig>
+    </dgm:scene3d>
+    <dgm:sp3d contourW="19050" prstMaterial="metal">
+      <a:bevelT w="88900" h="203200"/>
+      <a:bevelB w="165100" h="254000"/>
+    </dgm:sp3d>
+    <dgm:txPr/>
+    <dgm:style>
+      <a:lnRef idx="0">
+        <a:scrgbClr r="0" g="0" b="0"/>
+      </a:lnRef>
+      <a:fillRef idx="1">
+        <a:scrgbClr r="0" g="0" b="0"/>
+      </a:fillRef>
+      <a:effectRef idx="1">
+        <a:scrgbClr r="0" g="0" b="0"/>
+      </a:effectRef>
+      <a:fontRef idx="minor">
+        <a:schemeClr val="lt1"/>
+      </a:fontRef>
+    </dgm:style>
+  </dgm:styleLbl>
+  <dgm:styleLbl name="vennNode1">
+    <dgm:scene3d>
+      <a:camera prst="orthographicFront">
+        <a:rot lat="0" lon="0" rev="0"/>
+      </a:camera>
+      <a:lightRig rig="contrasting" dir="t">
+        <a:rot lat="0" lon="0" rev="1200000"/>
+      </a:lightRig>
+    </dgm:scene3d>
+    <dgm:sp3d contourW="12700" prstMaterial="clear">
+      <a:bevelT w="177800" h="254000"/>
+      <a:bevelB w="152400"/>
+    </dgm:sp3d>
+    <dgm:txPr/>
+    <dgm:style>
+      <a:lnRef idx="0">
+        <a:scrgbClr r="0" g="0" b="0"/>
+      </a:lnRef>
+      <a:fillRef idx="1">
+        <a:scrgbClr r="0" g="0" b="0"/>
+      </a:fillRef>
+      <a:effectRef idx="0">
+        <a:scrgbClr r="0" g="0" b="0"/>
+      </a:effectRef>
+      <a:fontRef idx="minor">
+        <a:schemeClr val="tx1"/>
+      </a:fontRef>
+    </dgm:style>
+  </dgm:styleLbl>
+  <dgm:styleLbl name="alignNode1">
+    <dgm:scene3d>
+      <a:camera prst="orthographicFront">
+        <a:rot lat="0" lon="0" rev="0"/>
+      </a:camera>
+      <a:lightRig rig="contrasting" dir="t">
+        <a:rot lat="0" lon="0" rev="1200000"/>
+      </a:lightRig>
+    </dgm:scene3d>
+    <dgm:sp3d contourW="19050" prstMaterial="metal">
+      <a:bevelT w="88900" h="203200"/>
+      <a:bevelB w="165100" h="254000"/>
+    </dgm:sp3d>
+    <dgm:txPr/>
+    <dgm:style>
+      <a:lnRef idx="0">
+        <a:scrgbClr r="0" g="0" b="0"/>
+      </a:lnRef>
+      <a:fillRef idx="1">
+        <a:scrgbClr r="0" g="0" b="0"/>
+      </a:fillRef>
+      <a:effectRef idx="2">
+        <a:scrgbClr r="0" g="0" b="0"/>
+      </a:effectRef>
+      <a:fontRef idx="minor">
+        <a:schemeClr val="lt1"/>
+      </a:fontRef>
+    </dgm:style>
+  </dgm:styleLbl>
+  <dgm:styleLbl name="node1">
+    <dgm:scene3d>
+      <a:camera prst="orthographicFront">
+        <a:rot lat="0" lon="0" rev="0"/>
+      </a:camera>
+      <a:lightRig rig="contrasting" dir="t">
+        <a:rot lat="0" lon="0" rev="1200000"/>
+      </a:lightRig>
+    </dgm:scene3d>
+    <dgm:sp3d contourW="19050" prstMaterial="metal">
+      <a:bevelT w="88900" h="203200"/>
+      <a:bevelB w="165100" h="254000"/>
+    </dgm:sp3d>
+    <dgm:txPr/>
+    <dgm:style>
+      <a:lnRef idx="0">
+        <a:scrgbClr r="0" g="0" b="0"/>
+      </a:lnRef>
+      <a:fillRef idx="1">
+        <a:scrgbClr r="0" g="0" b="0"/>
+      </a:fillRef>
+      <a:effectRef idx="2">
+        <a:scrgbClr r="0" g="0" b="0"/>
+      </a:effectRef>
+      <a:fontRef idx="minor">
+        <a:schemeClr val="lt1"/>
+      </a:fontRef>
+    </dgm:style>
+  </dgm:styleLbl>
+  <dgm:styleLbl name="node2">
+    <dgm:scene3d>
+      <a:camera prst="orthographicFront">
+        <a:rot lat="0" lon="0" rev="0"/>
+      </a:camera>
+      <a:lightRig rig="contrasting" dir="t">
+        <a:rot lat="0" lon="0" rev="1200000"/>
+      </a:lightRig>
+    </dgm:scene3d>
+    <dgm:sp3d contourW="19050" prstMaterial="metal">
+      <a:bevelT w="88900" h="203200"/>
+      <a:bevelB w="165100" h="254000"/>
+    </dgm:sp3d>
+    <dgm:txPr/>
+    <dgm:style>
+      <a:lnRef idx="0">
+        <a:scrgbClr r="0" g="0" b="0"/>
+      </a:lnRef>
+      <a:fillRef idx="1">
+        <a:scrgbClr r="0" g="0" b="0"/>
+      </a:fillRef>
+      <a:effectRef idx="1">
+        <a:scrgbClr r="0" g="0" b="0"/>
+      </a:effectRef>
+      <a:fontRef idx="minor">
+        <a:schemeClr val="lt1"/>
+      </a:fontRef>
+    </dgm:style>
+  </dgm:styleLbl>
+  <dgm:styleLbl name="node3">
+    <dgm:scene3d>
+      <a:camera prst="orthographicFront">
+        <a:rot lat="0" lon="0" rev="0"/>
+      </a:camera>
+      <a:lightRig rig="contrasting" dir="t">
+        <a:rot lat="0" lon="0" rev="1200000"/>
+      </a:lightRig>
+    </dgm:scene3d>
+    <dgm:sp3d contourW="19050" prstMaterial="metal">
+      <a:bevelT w="88900" h="203200"/>
+      <a:bevelB w="165100" h="254000"/>
+    </dgm:sp3d>
+    <dgm:txPr/>
+    <dgm:style>
+      <a:lnRef idx="0">
+        <a:scrgbClr r="0" g="0" b="0"/>
+      </a:lnRef>
+      <a:fillRef idx="1">
+        <a:scrgbClr r="0" g="0" b="0"/>
+      </a:fillRef>
+      <a:effectRef idx="1">
+        <a:scrgbClr r="0" g="0" b="0"/>
+      </a:effectRef>
+      <a:fontRef idx="minor">
+        <a:schemeClr val="lt1"/>
+      </a:fontRef>
+    </dgm:style>
+  </dgm:styleLbl>
+  <dgm:styleLbl name="node4">
+    <dgm:scene3d>
+      <a:camera prst="orthographicFront">
+        <a:rot lat="0" lon="0" rev="0"/>
+      </a:camera>
+      <a:lightRig rig="contrasting" dir="t">
+        <a:rot lat="0" lon="0" rev="1200000"/>
+      </a:lightRig>
+    </dgm:scene3d>
+    <dgm:sp3d contourW="19050" prstMaterial="metal">
+      <a:bevelT w="88900" h="203200"/>
+      <a:bevelB w="165100" h="254000"/>
+    </dgm:sp3d>
+    <dgm:txPr/>
+    <dgm:style>
+      <a:lnRef idx="0">
+        <a:scrgbClr r="0" g="0" b="0"/>
+      </a:lnRef>
+      <a:fillRef idx="1">
+        <a:scrgbClr r="0" g="0" b="0"/>
+      </a:fillRef>
+      <a:effectRef idx="1">
+        <a:scrgbClr r="0" g="0" b="0"/>
+      </a:effectRef>
+      <a:fontRef idx="minor">
+        <a:schemeClr val="lt1"/>
+      </a:fontRef>
+    </dgm:style>
+  </dgm:styleLbl>
+  <dgm:styleLbl name="fgImgPlace1">
+    <dgm:scene3d>
+      <a:camera prst="orthographicFront">
+        <a:rot lat="0" lon="0" rev="0"/>
+      </a:camera>
+      <a:lightRig rig="contrasting" dir="t">
+        <a:rot lat="0" lon="0" rev="1200000"/>
+      </a:lightRig>
+    </dgm:scene3d>
+    <dgm:sp3d z="300000" contourW="19050" prstMaterial="metal">
+      <a:bevelT w="88900" h="203200"/>
+      <a:bevelB w="165100" h="254000"/>
+    </dgm:sp3d>
+    <dgm:txPr/>
+    <dgm:style>
+      <a:lnRef idx="0">
+        <a:scrgbClr r="0" g="0" b="0"/>
+      </a:lnRef>
+      <a:fillRef idx="1">
+        <a:scrgbClr r="0" g="0" b="0"/>
+      </a:fillRef>
+      <a:effectRef idx="1">
+        <a:scrgbClr r="0" g="0" b="0"/>
+      </a:effectRef>
+      <a:fontRef idx="minor"/>
+    </dgm:style>
+  </dgm:styleLbl>
+  <dgm:styleLbl name="alignImgPlace1">
+    <dgm:scene3d>
+      <a:camera prst="orthographicFront">
+        <a:rot lat="0" lon="0" rev="0"/>
+      </a:camera>
+      <a:lightRig rig="contrasting" dir="t">
+        <a:rot lat="0" lon="0" rev="1200000"/>
+      </a:lightRig>
+    </dgm:scene3d>
+    <dgm:sp3d contourW="12700" prstMaterial="flat">
+      <a:bevelT w="177800" h="254000"/>
+      <a:bevelB w="152400"/>
+    </dgm:sp3d>
+    <dgm:txPr/>
+    <dgm:style>
+      <a:lnRef idx="0">
+        <a:scrgbClr r="0" g="0" b="0"/>
+      </a:lnRef>
+      <a:fillRef idx="1">
+        <a:scrgbClr r="0" g="0" b="0"/>
+      </a:fillRef>
+      <a:effectRef idx="1">
+        <a:scrgbClr r="0" g="0" b="0"/>
+      </a:effectRef>
+      <a:fontRef idx="minor"/>
+    </dgm:style>
+  </dgm:styleLbl>
+  <dgm:styleLbl name="bgImgPlace1">
+    <dgm:scene3d>
+      <a:camera prst="orthographicFront">
+        <a:rot lat="0" lon="0" rev="0"/>
+      </a:camera>
+      <a:lightRig rig="contrasting" dir="t">
+        <a:rot lat="0" lon="0" rev="1200000"/>
+      </a:lightRig>
+    </dgm:scene3d>
+    <dgm:sp3d z="-300000" contourW="19050" prstMaterial="metal">
+      <a:bevelT w="88900" h="203200"/>
+      <a:bevelB w="165100" h="254000"/>
+    </dgm:sp3d>
+    <dgm:txPr/>
+    <dgm:style>
+      <a:lnRef idx="0">
+        <a:scrgbClr r="0" g="0" b="0"/>
+      </a:lnRef>
+      <a:fillRef idx="1">
+        <a:scrgbClr r="0" g="0" b="0"/>
+      </a:fillRef>
+      <a:effectRef idx="1">
+        <a:scrgbClr r="0" g="0" b="0"/>
+      </a:effectRef>
+      <a:fontRef idx="minor"/>
+    </dgm:style>
+  </dgm:styleLbl>
+  <dgm:styleLbl name="sibTrans2D1">
+    <dgm:scene3d>
+      <a:camera prst="orthographicFront">
+        <a:rot lat="0" lon="0" rev="0"/>
+      </a:camera>
+      <a:lightRig rig="contrasting" dir="t">
+        <a:rot lat="0" lon="0" rev="1200000"/>
+      </a:lightRig>
+    </dgm:scene3d>
+    <dgm:sp3d z="-182000" contourW="19050" prstMaterial="metal">
+      <a:bevelT w="88900" h="203200"/>
+      <a:bevelB w="165100" h="254000"/>
+    </dgm:sp3d>
+    <dgm:txPr/>
+    <dgm:style>
+      <a:lnRef idx="0">
+        <a:scrgbClr r="0" g="0" b="0"/>
+      </a:lnRef>
+      <a:fillRef idx="1">
+        <a:scrgbClr r="0" g="0" b="0"/>
+      </a:fillRef>
+      <a:effectRef idx="0">
+        <a:scrgbClr r="0" g="0" b="0"/>
+      </a:effectRef>
+      <a:fontRef idx="minor">
+        <a:schemeClr val="lt1"/>
+      </a:fontRef>
+    </dgm:style>
+  </dgm:styleLbl>
+  <dgm:styleLbl name="fgSibTrans2D1">
+    <dgm:scene3d>
+      <a:camera prst="orthographicFront">
+        <a:rot lat="0" lon="0" rev="0"/>
+      </a:camera>
+      <a:lightRig rig="contrasting" dir="t">
+        <a:rot lat="0" lon="0" rev="1200000"/>
+      </a:lightRig>
+    </dgm:scene3d>
+    <dgm:sp3d z="300000" contourW="19050" prstMaterial="metal">
+      <a:bevelT w="88900" h="203200"/>
+      <a:bevelB w="165100" h="254000"/>
+    </dgm:sp3d>
+    <dgm:txPr/>
+    <dgm:style>
+      <a:lnRef idx="0">
+        <a:scrgbClr r="0" g="0" b="0"/>
+      </a:lnRef>
+      <a:fillRef idx="1">
+        <a:scrgbClr r="0" g="0" b="0"/>
+      </a:fillRef>
+      <a:effectRef idx="0">
+        <a:scrgbClr r="0" g="0" b="0"/>
+      </a:effectRef>
+      <a:fontRef idx="minor"/>
+    </dgm:style>
+  </dgm:styleLbl>
+  <dgm:styleLbl name="bgSibTrans2D1">
+    <dgm:scene3d>
+      <a:camera prst="orthographicFront">
+        <a:rot lat="0" lon="0" rev="0"/>
+      </a:camera>
+      <a:lightRig rig="contrasting" dir="t">
+        <a:rot lat="0" lon="0" rev="1200000"/>
+      </a:lightRig>
+    </dgm:scene3d>
+    <dgm:sp3d z="-300000" contourW="19050" prstMaterial="metal">
+      <a:bevelT w="88900" h="203200"/>
+      <a:bevelB w="165100" h="254000"/>
+    </dgm:sp3d>
+    <dgm:txPr/>
+    <dgm:style>
+      <a:lnRef idx="0">
+        <a:scrgbClr r="0" g="0" b="0"/>
+      </a:lnRef>
+      <a:fillRef idx="1">
+        <a:scrgbClr r="0" g="0" b="0"/>
+      </a:fillRef>
+      <a:effectRef idx="0">
+        <a:scrgbClr r="0" g="0" b="0"/>
+      </a:effectRef>
+      <a:fontRef idx="minor"/>
+    </dgm:style>
+  </dgm:styleLbl>
+  <dgm:styleLbl name="sibTrans1D1">
+    <dgm:scene3d>
+      <a:camera prst="orthographicFront">
+        <a:rot lat="0" lon="0" rev="0"/>
+      </a:camera>
+      <a:lightRig rig="contrasting" dir="t">
+        <a:rot lat="0" lon="0" rev="1200000"/>
+      </a:lightRig>
+    </dgm:scene3d>
+    <dgm:sp3d z="-110000"/>
+    <dgm:txPr/>
+    <dgm:style>
+      <a:lnRef idx="1">
+        <a:scrgbClr r="0" g="0" b="0"/>
+      </a:lnRef>
+      <a:fillRef idx="0">
+        <a:scrgbClr r="0" g="0" b="0"/>
+      </a:fillRef>
+      <a:effectRef idx="0">
+        <a:scrgbClr r="0" g="0" b="0"/>
+      </a:effectRef>
+      <a:fontRef idx="minor"/>
+    </dgm:style>
+  </dgm:styleLbl>
+  <dgm:styleLbl name="callout">
+    <dgm:scene3d>
+      <a:camera prst="orthographicFront">
+        <a:rot lat="0" lon="0" rev="0"/>
+      </a:camera>
+      <a:lightRig rig="contrasting" dir="t">
+        <a:rot lat="0" lon="0" rev="1200000"/>
+      </a:lightRig>
+    </dgm:scene3d>
+    <dgm:sp3d z="10000"/>
+    <dgm:txPr/>
+    <dgm:style>
+      <a:lnRef idx="2">
+        <a:scrgbClr r="0" g="0" b="0"/>
+      </a:lnRef>
+      <a:fillRef idx="1">
+        <a:scrgbClr r="0" g="0" b="0"/>
+      </a:fillRef>
+      <a:effectRef idx="0">
+        <a:scrgbClr r="0" g="0" b="0"/>
+      </a:effectRef>
+      <a:fontRef idx="minor"/>
+    </dgm:style>
+  </dgm:styleLbl>
+  <dgm:styleLbl name="asst0">
+    <dgm:scene3d>
+      <a:camera prst="orthographicFront">
+        <a:rot lat="0" lon="0" rev="0"/>
+      </a:camera>
+      <a:lightRig rig="contrasting" dir="t">
+        <a:rot lat="0" lon="0" rev="1200000"/>
+      </a:lightRig>
+    </dgm:scene3d>
+    <dgm:sp3d contourW="19050" prstMaterial="metal">
+      <a:bevelT w="88900" h="203200"/>
+      <a:bevelB w="165100" h="254000"/>
+    </dgm:sp3d>
+    <dgm:txPr/>
+    <dgm:style>
+      <a:lnRef idx="0">
+        <a:scrgbClr r="0" g="0" b="0"/>
+      </a:lnRef>
+      <a:fillRef idx="1">
+        <a:scrgbClr r="0" g="0" b="0"/>
+      </a:fillRef>
+      <a:effectRef idx="1">
+        <a:scrgbClr r="0" g="0" b="0"/>
+      </a:effectRef>
+      <a:fontRef idx="minor">
+        <a:schemeClr val="lt1"/>
+      </a:fontRef>
+    </dgm:style>
+  </dgm:styleLbl>
+  <dgm:styleLbl name="asst1">
+    <dgm:scene3d>
+      <a:camera prst="orthographicFront">
+        <a:rot lat="0" lon="0" rev="0"/>
+      </a:camera>
+      <a:lightRig rig="contrasting" dir="t">
+        <a:rot lat="0" lon="0" rev="1200000"/>
+      </a:lightRig>
+    </dgm:scene3d>
+    <dgm:sp3d contourW="19050" prstMaterial="metal">
+      <a:bevelT w="88900" h="203200"/>
+      <a:bevelB w="165100" h="254000"/>
+    </dgm:sp3d>
+    <dgm:txPr/>
+    <dgm:style>
+      <a:lnRef idx="0">
+        <a:scrgbClr r="0" g="0" b="0"/>
+      </a:lnRef>
+      <a:fillRef idx="1">
+        <a:scrgbClr r="0" g="0" b="0"/>
+      </a:fillRef>
+      <a:effectRef idx="1">
+        <a:scrgbClr r="0" g="0" b="0"/>
+      </a:effectRef>
+      <a:fontRef idx="minor">
+        <a:schemeClr val="lt1"/>
+      </a:fontRef>
+    </dgm:style>
+  </dgm:styleLbl>
+  <dgm:styleLbl name="asst2">
+    <dgm:scene3d>
+      <a:camera prst="orthographicFront">
+        <a:rot lat="0" lon="0" rev="0"/>
+      </a:camera>
+      <a:lightRig rig="contrasting" dir="t">
+        <a:rot lat="0" lon="0" rev="1200000"/>
+      </a:lightRig>
+    </dgm:scene3d>
+    <dgm:sp3d contourW="19050" prstMaterial="metal">
+      <a:bevelT w="88900" h="203200"/>
+      <a:bevelB w="165100" h="254000"/>
+    </dgm:sp3d>
+    <dgm:txPr/>
+    <dgm:style>
+      <a:lnRef idx="0">
+        <a:scrgbClr r="0" g="0" b="0"/>
+      </a:lnRef>
+      <a:fillRef idx="1">
+        <a:scrgbClr r="0" g="0" b="0"/>
+      </a:fillRef>
+      <a:effectRef idx="1">
+        <a:scrgbClr r="0" g="0" b="0"/>
+      </a:effectRef>
+      <a:fontRef idx="minor">
+        <a:schemeClr val="lt1"/>
+      </a:fontRef>
+    </dgm:style>
+  </dgm:styleLbl>
+  <dgm:styleLbl name="asst3">
+    <dgm:scene3d>
+      <a:camera prst="orthographicFront">
+        <a:rot lat="0" lon="0" rev="0"/>
+      </a:camera>
+      <a:lightRig rig="contrasting" dir="t">
+        <a:rot lat="0" lon="0" rev="1200000"/>
+      </a:lightRig>
+    </dgm:scene3d>
+    <dgm:sp3d contourW="19050" prstMaterial="metal">
+      <a:bevelT w="88900" h="203200"/>
+      <a:bevelB w="165100" h="254000"/>
+    </dgm:sp3d>
+    <dgm:txPr/>
+    <dgm:style>
+      <a:lnRef idx="0">
+        <a:scrgbClr r="0" g="0" b="0"/>
+      </a:lnRef>
+      <a:fillRef idx="1">
+        <a:scrgbClr r="0" g="0" b="0"/>
+      </a:fillRef>
+      <a:effectRef idx="1">
+        <a:scrgbClr r="0" g="0" b="0"/>
+      </a:effectRef>
+      <a:fontRef idx="minor">
+        <a:schemeClr val="lt1"/>
+      </a:fontRef>
+    </dgm:style>
+  </dgm:styleLbl>
+  <dgm:styleLbl name="asst4">
+    <dgm:scene3d>
+      <a:camera prst="orthographicFront"/>
+      <a:lightRig rig="threePt" dir="t"/>
+    </dgm:scene3d>
+    <dgm:sp3d contourW="19050" prstMaterial="metal">
+      <a:bevelT w="88900" h="203200"/>
+      <a:bevelB w="165100" h="254000"/>
+    </dgm:sp3d>
+    <dgm:txPr/>
+    <dgm:style>
+      <a:lnRef idx="0">
+        <a:scrgbClr r="0" g="0" b="0"/>
+      </a:lnRef>
+      <a:fillRef idx="1">
+        <a:scrgbClr r="0" g="0" b="0"/>
+      </a:fillRef>
+      <a:effectRef idx="1">
+        <a:scrgbClr r="0" g="0" b="0"/>
+      </a:effectRef>
+      <a:fontRef idx="minor">
+        <a:schemeClr val="lt1"/>
+      </a:fontRef>
+    </dgm:style>
+  </dgm:styleLbl>
+  <dgm:styleLbl name="parChTrans2D1">
+    <dgm:scene3d>
+      <a:camera prst="orthographicFront">
+        <a:rot lat="0" lon="0" rev="0"/>
+      </a:camera>
+      <a:lightRig rig="contrasting" dir="t">
+        <a:rot lat="0" lon="0" rev="1200000"/>
+      </a:lightRig>
+    </dgm:scene3d>
+    <dgm:sp3d contourW="19050" prstMaterial="metal">
+      <a:bevelT w="88900" h="203200"/>
+      <a:bevelB w="165100" h="254000"/>
+    </dgm:sp3d>
+    <dgm:txPr/>
+    <dgm:style>
+      <a:lnRef idx="0">
+        <a:scrgbClr r="0" g="0" b="0"/>
+      </a:lnRef>
+      <a:fillRef idx="1">
+        <a:scrgbClr r="0" g="0" b="0"/>
+      </a:fillRef>
+      <a:effectRef idx="0">
+        <a:scrgbClr r="0" g="0" b="0"/>
+      </a:effectRef>
+      <a:fontRef idx="minor"/>
+    </dgm:style>
+  </dgm:styleLbl>
+  <dgm:styleLbl name="parChTrans2D2">
+    <dgm:scene3d>
+      <a:camera prst="orthographicFront">
+        <a:rot lat="0" lon="0" rev="0"/>
+      </a:camera>
+      <a:lightRig rig="contrasting" dir="t">
+        <a:rot lat="0" lon="0" rev="1200000"/>
+      </a:lightRig>
+    </dgm:scene3d>
+    <dgm:sp3d contourW="19050" prstMaterial="metal">
+      <a:bevelT w="88900" h="203200"/>
+      <a:bevelB w="165100" h="254000"/>
+    </dgm:sp3d>
+    <dgm:txPr/>
+    <dgm:style>
+      <a:lnRef idx="0">
+        <a:scrgbClr r="0" g="0" b="0"/>
+      </a:lnRef>
+      <a:fillRef idx="1">
+        <a:scrgbClr r="0" g="0" b="0"/>
+      </a:fillRef>
+      <a:effectRef idx="0">
+        <a:scrgbClr r="0" g="0" b="0"/>
+      </a:effectRef>
+      <a:fontRef idx="minor"/>
+    </dgm:style>
+  </dgm:styleLbl>
+  <dgm:styleLbl name="parChTrans2D3">
+    <dgm:scene3d>
+      <a:camera prst="orthographicFront">
+        <a:rot lat="0" lon="0" rev="0"/>
+      </a:camera>
+      <a:lightRig rig="contrasting" dir="t">
+        <a:rot lat="0" lon="0" rev="1200000"/>
+      </a:lightRig>
+    </dgm:scene3d>
+    <dgm:sp3d contourW="19050" prstMaterial="metal">
+      <a:bevelT w="88900" h="203200"/>
+      <a:bevelB w="165100" h="254000"/>
+    </dgm:sp3d>
+    <dgm:txPr/>
+    <dgm:style>
+      <a:lnRef idx="0">
+        <a:scrgbClr r="0" g="0" b="0"/>
+      </a:lnRef>
+      <a:fillRef idx="1">
+        <a:scrgbClr r="0" g="0" b="0"/>
+      </a:fillRef>
+      <a:effectRef idx="0">
+        <a:scrgbClr r="0" g="0" b="0"/>
+      </a:effectRef>
+      <a:fontRef idx="minor"/>
+    </dgm:style>
+  </dgm:styleLbl>
+  <dgm:styleLbl name="parChTrans2D4">
+    <dgm:scene3d>
+      <a:camera prst="orthographicFront">
+        <a:rot lat="0" lon="0" rev="0"/>
+      </a:camera>
+      <a:lightRig rig="contrasting" dir="t">
+        <a:rot lat="0" lon="0" rev="1200000"/>
+      </a:lightRig>
+    </dgm:scene3d>
+    <dgm:sp3d contourW="19050" prstMaterial="metal">
+      <a:bevelT w="88900" h="203200"/>
+      <a:bevelB w="165100" h="254000"/>
+    </dgm:sp3d>
+    <dgm:txPr/>
+    <dgm:style>
+      <a:lnRef idx="0">
+        <a:scrgbClr r="0" g="0" b="0"/>
+      </a:lnRef>
+      <a:fillRef idx="1">
+        <a:scrgbClr r="0" g="0" b="0"/>
+      </a:fillRef>
+      <a:effectRef idx="0">
+        <a:scrgbClr r="0" g="0" b="0"/>
+      </a:effectRef>
+      <a:fontRef idx="minor"/>
+    </dgm:style>
+  </dgm:styleLbl>
+  <dgm:styleLbl name="parChTrans1D1">
+    <dgm:scene3d>
+      <a:camera prst="orthographicFront">
+        <a:rot lat="0" lon="0" rev="0"/>
+      </a:camera>
+      <a:lightRig rig="contrasting" dir="t">
+        <a:rot lat="0" lon="0" rev="1200000"/>
+      </a:lightRig>
+    </dgm:scene3d>
+    <dgm:sp3d z="-110000"/>
+    <dgm:txPr/>
+    <dgm:style>
+      <a:lnRef idx="2">
+        <a:scrgbClr r="0" g="0" b="0"/>
+      </a:lnRef>
+      <a:fillRef idx="0">
+        <a:scrgbClr r="0" g="0" b="0"/>
+      </a:fillRef>
+      <a:effectRef idx="0">
+        <a:scrgbClr r="0" g="0" b="0"/>
+      </a:effectRef>
+      <a:fontRef idx="minor"/>
+    </dgm:style>
+  </dgm:styleLbl>
+  <dgm:styleLbl name="parChTrans1D2">
+    <dgm:scene3d>
+      <a:camera prst="orthographicFront">
+        <a:rot lat="0" lon="0" rev="0"/>
+      </a:camera>
+      <a:lightRig rig="contrasting" dir="t">
+        <a:rot lat="0" lon="0" rev="1200000"/>
+      </a:lightRig>
+    </dgm:scene3d>
+    <dgm:sp3d z="-110000"/>
+    <dgm:txPr/>
+    <dgm:style>
+      <a:lnRef idx="2">
+        <a:scrgbClr r="0" g="0" b="0"/>
+      </a:lnRef>
+      <a:fillRef idx="0">
+        <a:scrgbClr r="0" g="0" b="0"/>
+      </a:fillRef>
+      <a:effectRef idx="0">
+        <a:scrgbClr r="0" g="0" b="0"/>
+      </a:effectRef>
+      <a:fontRef idx="minor"/>
+    </dgm:style>
+  </dgm:styleLbl>
+  <dgm:styleLbl name="parChTrans1D3">
+    <dgm:scene3d>
+      <a:camera prst="orthographicFront">
+        <a:rot lat="0" lon="0" rev="0"/>
+      </a:camera>
+      <a:lightRig rig="contrasting" dir="t">
+        <a:rot lat="0" lon="0" rev="1200000"/>
+      </a:lightRig>
+    </dgm:scene3d>
+    <dgm:sp3d z="-110000"/>
+    <dgm:txPr/>
+    <dgm:style>
+      <a:lnRef idx="2">
+        <a:scrgbClr r="0" g="0" b="0"/>
+      </a:lnRef>
+      <a:fillRef idx="0">
+        <a:scrgbClr r="0" g="0" b="0"/>
+      </a:fillRef>
+      <a:effectRef idx="0">
+        <a:scrgbClr r="0" g="0" b="0"/>
+      </a:effectRef>
+      <a:fontRef idx="minor"/>
+    </dgm:style>
+  </dgm:styleLbl>
+  <dgm:styleLbl name="parChTrans1D4">
+    <dgm:scene3d>
+      <a:camera prst="orthographicFront">
+        <a:rot lat="0" lon="0" rev="0"/>
+      </a:camera>
+      <a:lightRig rig="contrasting" dir="t">
+        <a:rot lat="0" lon="0" rev="1200000"/>
+      </a:lightRig>
+    </dgm:scene3d>
+    <dgm:sp3d z="-110000"/>
+    <dgm:txPr/>
+    <dgm:style>
+      <a:lnRef idx="2">
+        <a:scrgbClr r="0" g="0" b="0"/>
+      </a:lnRef>
+      <a:fillRef idx="0">
+        <a:scrgbClr r="0" g="0" b="0"/>
+      </a:fillRef>
+      <a:effectRef idx="0">
+        <a:scrgbClr r="0" g="0" b="0"/>
+      </a:effectRef>
+      <a:fontRef idx="minor"/>
+    </dgm:style>
+  </dgm:styleLbl>
+  <dgm:styleLbl name="fgAcc1">
+    <dgm:scene3d>
+      <a:camera prst="orthographicFront">
+        <a:rot lat="0" lon="0" rev="0"/>
+      </a:camera>
+      <a:lightRig rig="contrasting" dir="t">
+        <a:rot lat="0" lon="0" rev="1200000"/>
+      </a:lightRig>
+    </dgm:scene3d>
+    <dgm:sp3d z="300000" contourW="19050" prstMaterial="metal">
+      <a:bevelT w="88900" h="203200"/>
+      <a:bevelB w="165100" h="254000"/>
+    </dgm:sp3d>
+    <dgm:txPr/>
+    <dgm:style>
+      <a:lnRef idx="0">
+        <a:scrgbClr r="0" g="0" b="0"/>
+      </a:lnRef>
+      <a:fillRef idx="1">
+        <a:scrgbClr r="0" g="0" b="0"/>
+      </a:fillRef>
+      <a:effectRef idx="0">
+        <a:scrgbClr r="0" g="0" b="0"/>
+      </a:effectRef>
+      <a:fontRef idx="minor"/>
+    </dgm:style>
+  </dgm:styleLbl>
+  <dgm:styleLbl name="conFgAcc1">
+    <dgm:scene3d>
+      <a:camera prst="orthographicFront">
+        <a:rot lat="0" lon="0" rev="0"/>
+      </a:camera>
+      <a:lightRig rig="contrasting" dir="t">
+        <a:rot lat="0" lon="0" rev="1200000"/>
+      </a:lightRig>
+    </dgm:scene3d>
+    <dgm:sp3d z="300000" contourW="19050" prstMaterial="metal">
+      <a:bevelT w="88900" h="203200"/>
+      <a:bevelB w="165100" h="254000"/>
+    </dgm:sp3d>
+    <dgm:txPr/>
+    <dgm:style>
+      <a:lnRef idx="0">
+        <a:scrgbClr r="0" g="0" b="0"/>
+      </a:lnRef>
+      <a:fillRef idx="1">
+        <a:scrgbClr r="0" g="0" b="0"/>
+      </a:fillRef>
+      <a:effectRef idx="0">
+        <a:scrgbClr r="0" g="0" b="0"/>
+      </a:effectRef>
+      <a:fontRef idx="minor"/>
+    </dgm:style>
+  </dgm:styleLbl>
+  <dgm:styleLbl name="alignAcc1">
+    <dgm:scene3d>
+      <a:camera prst="orthographicFront">
+        <a:rot lat="0" lon="0" rev="0"/>
+      </a:camera>
+      <a:lightRig rig="contrasting" dir="t">
+        <a:rot lat="0" lon="0" rev="1200000"/>
+      </a:lightRig>
+    </dgm:scene3d>
+    <dgm:sp3d contourW="19050" prstMaterial="metal">
+      <a:bevelT w="88900" h="203200"/>
+      <a:bevelB w="165100" h="254000"/>
+    </dgm:sp3d>
+    <dgm:txPr/>
+    <dgm:style>
+      <a:lnRef idx="0">
+        <a:scrgbClr r="0" g="0" b="0"/>
+      </a:lnRef>
+      <a:fillRef idx="1">
+        <a:scrgbClr r="0" g="0" b="0"/>
+      </a:fillRef>
+      <a:effectRef idx="0">
+        <a:scrgbClr r="0" g="0" b="0"/>
+      </a:effectRef>
+      <a:fontRef idx="minor"/>
+    </dgm:style>
+  </dgm:styleLbl>
+  <dgm:styleLbl name="trAlignAcc1">
+    <dgm:scene3d>
+      <a:camera prst="orthographicFront">
+        <a:rot lat="0" lon="0" rev="0"/>
+      </a:camera>
+      <a:lightRig rig="contrasting" dir="t">
+        <a:rot lat="0" lon="0" rev="1200000"/>
+      </a:lightRig>
+    </dgm:scene3d>
+    <dgm:sp3d contourW="19050" prstMaterial="metal">
+      <a:bevelT w="88900" h="203200"/>
+      <a:bevelB w="165100" h="254000"/>
+    </dgm:sp3d>
+    <dgm:txPr/>
+    <dgm:style>
+      <a:lnRef idx="0">
+        <a:scrgbClr r="0" g="0" b="0"/>
+      </a:lnRef>
+      <a:fillRef idx="1">
+        <a:scrgbClr r="0" g="0" b="0"/>
+      </a:fillRef>
+      <a:effectRef idx="1">
+        <a:scrgbClr r="0" g="0" b="0"/>
+      </a:effectRef>
+      <a:fontRef idx="minor"/>
+    </dgm:style>
+  </dgm:styleLbl>
+  <dgm:styleLbl name="bgAcc1">
+    <dgm:scene3d>
+      <a:camera prst="orthographicFront">
+        <a:rot lat="0" lon="0" rev="0"/>
+      </a:camera>
+      <a:lightRig rig="contrasting" dir="t">
+        <a:rot lat="0" lon="0" rev="1200000"/>
+      </a:lightRig>
+    </dgm:scene3d>
+    <dgm:sp3d z="-300000" contourW="19050" prstMaterial="metal">
+      <a:bevelT w="88900" h="203200"/>
+      <a:bevelB w="165100" h="254000"/>
+    </dgm:sp3d>
+    <dgm:txPr/>
+    <dgm:style>
+      <a:lnRef idx="0">
+        <a:scrgbClr r="0" g="0" b="0"/>
+      </a:lnRef>
+      <a:fillRef idx="1">
+        <a:scrgbClr r="0" g="0" b="0"/>
+      </a:fillRef>
+      <a:effectRef idx="0">
+        <a:scrgbClr r="0" g="0" b="0"/>
+      </a:effectRef>
+      <a:fontRef idx="minor"/>
+    </dgm:style>
+  </dgm:styleLbl>
+  <dgm:styleLbl name="solidFgAcc1">
+    <dgm:scene3d>
+      <a:camera prst="orthographicFront">
+        <a:rot lat="0" lon="0" rev="0"/>
+      </a:camera>
+      <a:lightRig rig="contrasting" dir="t">
+        <a:rot lat="0" lon="0" rev="1200000"/>
+      </a:lightRig>
+    </dgm:scene3d>
+    <dgm:sp3d z="300000" contourW="12700" prstMaterial="flat">
+      <a:bevelT w="177800" h="254000"/>
+      <a:bevelB w="152400"/>
+    </dgm:sp3d>
+    <dgm:txPr/>
+    <dgm:style>
+      <a:lnRef idx="0">
+        <a:scrgbClr r="0" g="0" b="0"/>
+      </a:lnRef>
+      <a:fillRef idx="1">
+        <a:scrgbClr r="0" g="0" b="0"/>
+      </a:fillRef>
+      <a:effectRef idx="0">
+        <a:scrgbClr r="0" g="0" b="0"/>
+      </a:effectRef>
+      <a:fontRef idx="minor"/>
+    </dgm:style>
+  </dgm:styleLbl>
+  <dgm:styleLbl name="solidAlignAcc1">
+    <dgm:scene3d>
+      <a:camera prst="orthographicFront">
+        <a:rot lat="0" lon="0" rev="0"/>
+      </a:camera>
+      <a:lightRig rig="contrasting" dir="t">
+        <a:rot lat="0" lon="0" rev="1200000"/>
+      </a:lightRig>
+    </dgm:scene3d>
+    <dgm:sp3d contourW="19050" prstMaterial="metal">
+      <a:bevelT w="88900" h="203200"/>
+      <a:bevelB w="165100" h="254000"/>
+    </dgm:sp3d>
+    <dgm:txPr/>
+    <dgm:style>
+      <a:lnRef idx="0">
+        <a:scrgbClr r="0" g="0" b="0"/>
+      </a:lnRef>
+      <a:fillRef idx="1">
+        <a:scrgbClr r="0" g="0" b="0"/>
+      </a:fillRef>
+      <a:effectRef idx="0">
+        <a:scrgbClr r="0" g="0" b="0"/>
+      </a:effectRef>
+      <a:fontRef idx="minor"/>
+    </dgm:style>
+  </dgm:styleLbl>
+  <dgm:styleLbl name="solidBgAcc1">
+    <dgm:scene3d>
+      <a:camera prst="orthographicFront">
+        <a:rot lat="0" lon="0" rev="0"/>
+      </a:camera>
+      <a:lightRig rig="contrasting" dir="t">
+        <a:rot lat="0" lon="0" rev="1200000"/>
+      </a:lightRig>
+    </dgm:scene3d>
+    <dgm:sp3d z="-300000" contourW="19050" prstMaterial="metal">
+      <a:bevelT w="88900" h="203200"/>
+      <a:bevelB w="165100" h="254000"/>
+    </dgm:sp3d>
+    <dgm:txPr/>
+    <dgm:style>
+      <a:lnRef idx="0">
+        <a:scrgbClr r="0" g="0" b="0"/>
+      </a:lnRef>
+      <a:fillRef idx="1">
+        <a:scrgbClr r="0" g="0" b="0"/>
+      </a:fillRef>
+      <a:effectRef idx="0">
+        <a:scrgbClr r="0" g="0" b="0"/>
+      </a:effectRef>
+      <a:fontRef idx="minor"/>
+    </dgm:style>
+  </dgm:styleLbl>
+  <dgm:styleLbl name="fgAccFollowNode1">
+    <dgm:scene3d>
+      <a:camera prst="orthographicFront">
+        <a:rot lat="0" lon="0" rev="0"/>
+      </a:camera>
+      <a:lightRig rig="contrasting" dir="t">
+        <a:rot lat="0" lon="0" rev="1200000"/>
+      </a:lightRig>
+    </dgm:scene3d>
+    <dgm:sp3d z="300000" contourW="19050" prstMaterial="metal">
+      <a:bevelT w="88900" h="203200"/>
+      <a:bevelB w="165100" h="254000"/>
+    </dgm:sp3d>
+    <dgm:txPr/>
+    <dgm:style>
+      <a:lnRef idx="0">
+        <a:scrgbClr r="0" g="0" b="0"/>
+      </a:lnRef>
+      <a:fillRef idx="1">
+        <a:scrgbClr r="0" g="0" b="0"/>
+      </a:fillRef>
+      <a:effectRef idx="0">
+        <a:scrgbClr r="0" g="0" b="0"/>
+      </a:effectRef>
+      <a:fontRef idx="minor"/>
+    </dgm:style>
+  </dgm:styleLbl>
+  <dgm:styleLbl name="alignAccFollowNode1">
+    <dgm:scene3d>
+      <a:camera prst="orthographicFront">
+        <a:rot lat="0" lon="0" rev="0"/>
+      </a:camera>
+      <a:lightRig rig="contrasting" dir="t">
+        <a:rot lat="0" lon="0" rev="1200000"/>
+      </a:lightRig>
+    </dgm:scene3d>
+    <dgm:sp3d contourW="19050" prstMaterial="metal">
+      <a:bevelT w="88900" h="203200"/>
+      <a:bevelB w="165100" h="254000"/>
+    </dgm:sp3d>
+    <dgm:txPr/>
+    <dgm:style>
+      <a:lnRef idx="0">
+        <a:scrgbClr r="0" g="0" b="0"/>
+      </a:lnRef>
+      <a:fillRef idx="1">
+        <a:scrgbClr r="0" g="0" b="0"/>
+      </a:fillRef>
+      <a:effectRef idx="0">
+        <a:scrgbClr r="0" g="0" b="0"/>
+      </a:effectRef>
+      <a:fontRef idx="minor"/>
+    </dgm:style>
+  </dgm:styleLbl>
+  <dgm:styleLbl name="bgAccFollowNode1">
+    <dgm:scene3d>
+      <a:camera prst="orthographicFront">
+        <a:rot lat="0" lon="0" rev="0"/>
+      </a:camera>
+      <a:lightRig rig="contrasting" dir="t">
+        <a:rot lat="0" lon="0" rev="1200000"/>
+      </a:lightRig>
+    </dgm:scene3d>
+    <dgm:sp3d z="-300000" contourW="19050" prstMaterial="metal">
+      <a:bevelT w="88900" h="203200"/>
+      <a:bevelB w="165100" h="254000"/>
+    </dgm:sp3d>
+    <dgm:txPr/>
+    <dgm:style>
+      <a:lnRef idx="0">
+        <a:scrgbClr r="0" g="0" b="0"/>
+      </a:lnRef>
+      <a:fillRef idx="1">
+        <a:scrgbClr r="0" g="0" b="0"/>
+      </a:fillRef>
+      <a:effectRef idx="0">
+        <a:scrgbClr r="0" g="0" b="0"/>
+      </a:effectRef>
+      <a:fontRef idx="minor"/>
+    </dgm:style>
+  </dgm:styleLbl>
+  <dgm:styleLbl name="fgAcc0">
+    <dgm:scene3d>
+      <a:camera prst="orthographicFront">
+        <a:rot lat="0" lon="0" rev="0"/>
+      </a:camera>
+      <a:lightRig rig="contrasting" dir="t">
+        <a:rot lat="0" lon="0" rev="1200000"/>
+      </a:lightRig>
+    </dgm:scene3d>
+    <dgm:sp3d z="300000" contourW="19050" prstMaterial="metal">
+      <a:bevelT w="88900" h="203200"/>
+      <a:bevelB w="165100" h="254000"/>
+    </dgm:sp3d>
+    <dgm:txPr/>
+    <dgm:style>
+      <a:lnRef idx="0">
+        <a:scrgbClr r="0" g="0" b="0"/>
+      </a:lnRef>
+      <a:fillRef idx="1">
+        <a:scrgbClr r="0" g="0" b="0"/>
+      </a:fillRef>
+      <a:effectRef idx="0">
+        <a:scrgbClr r="0" g="0" b="0"/>
+      </a:effectRef>
+      <a:fontRef idx="minor"/>
+    </dgm:style>
+  </dgm:styleLbl>
+  <dgm:styleLbl name="fgAcc2">
+    <dgm:scene3d>
+      <a:camera prst="orthographicFront">
+        <a:rot lat="0" lon="0" rev="0"/>
+      </a:camera>
+      <a:lightRig rig="contrasting" dir="t">
+        <a:rot lat="0" lon="0" rev="1200000"/>
+      </a:lightRig>
+    </dgm:scene3d>
+    <dgm:sp3d z="300000" contourW="19050" prstMaterial="metal">
+      <a:bevelT w="88900" h="203200"/>
+      <a:bevelB w="165100" h="254000"/>
+    </dgm:sp3d>
+    <dgm:txPr/>
+    <dgm:style>
+      <a:lnRef idx="0">
+        <a:scrgbClr r="0" g="0" b="0"/>
+      </a:lnRef>
+      <a:fillRef idx="1">
+        <a:scrgbClr r="0" g="0" b="0"/>
+      </a:fillRef>
+      <a:effectRef idx="0">
+        <a:scrgbClr r="0" g="0" b="0"/>
+      </a:effectRef>
+      <a:fontRef idx="minor"/>
+    </dgm:style>
+  </dgm:styleLbl>
+  <dgm:styleLbl name="fgAcc3">
+    <dgm:scene3d>
+      <a:camera prst="orthographicFront">
+        <a:rot lat="0" lon="0" rev="0"/>
+      </a:camera>
+      <a:lightRig rig="contrasting" dir="t">
+        <a:rot lat="0" lon="0" rev="1200000"/>
+      </a:lightRig>
+    </dgm:scene3d>
+    <dgm:sp3d z="300000" contourW="19050" prstMaterial="metal">
+      <a:bevelT w="88900" h="203200"/>
+      <a:bevelB w="165100" h="254000"/>
+    </dgm:sp3d>
+    <dgm:txPr/>
+    <dgm:style>
+      <a:lnRef idx="0">
+        <a:scrgbClr r="0" g="0" b="0"/>
+      </a:lnRef>
+      <a:fillRef idx="1">
+        <a:scrgbClr r="0" g="0" b="0"/>
+      </a:fillRef>
+      <a:effectRef idx="0">
+        <a:scrgbClr r="0" g="0" b="0"/>
+      </a:effectRef>
+      <a:fontRef idx="minor"/>
+    </dgm:style>
+  </dgm:styleLbl>
+  <dgm:styleLbl name="fgAcc4">
+    <dgm:scene3d>
+      <a:camera prst="orthographicFront">
+        <a:rot lat="0" lon="0" rev="0"/>
+      </a:camera>
+      <a:lightRig rig="contrasting" dir="t">
+        <a:rot lat="0" lon="0" rev="1200000"/>
+      </a:lightRig>
+    </dgm:scene3d>
+    <dgm:sp3d z="300000" contourW="19050" prstMaterial="metal">
+      <a:bevelT w="88900" h="203200"/>
+      <a:bevelB w="165100" h="254000"/>
+    </dgm:sp3d>
+    <dgm:txPr/>
+    <dgm:style>
+      <a:lnRef idx="0">
+        <a:scrgbClr r="0" g="0" b="0"/>
+      </a:lnRef>
+      <a:fillRef idx="1">
+        <a:scrgbClr r="0" g="0" b="0"/>
+      </a:fillRef>
+      <a:effectRef idx="0">
+        <a:scrgbClr r="0" g="0" b="0"/>
+      </a:effectRef>
+      <a:fontRef idx="minor"/>
+    </dgm:style>
+  </dgm:styleLbl>
+  <dgm:styleLbl name="bgShp">
+    <dgm:scene3d>
+      <a:camera prst="orthographicFront">
+        <a:rot lat="0" lon="0" rev="0"/>
+      </a:camera>
+      <a:lightRig rig="contrasting" dir="t">
+        <a:rot lat="0" lon="0" rev="1200000"/>
+      </a:lightRig>
+    </dgm:scene3d>
+    <dgm:sp3d z="-300000" prstMaterial="plastic"/>
+    <dgm:txPr/>
+    <dgm:style>
+      <a:lnRef idx="1">
+        <a:scrgbClr r="0" g="0" b="0"/>
+      </a:lnRef>
+      <a:fillRef idx="1">
+        <a:scrgbClr r="0" g="0" b="0"/>
+      </a:fillRef>
+      <a:effectRef idx="0">
+        <a:scrgbClr r="0" g="0" b="0"/>
+      </a:effectRef>
+      <a:fontRef idx="minor"/>
+    </dgm:style>
+  </dgm:styleLbl>
+  <dgm:styleLbl name="dkBgShp">
+    <dgm:scene3d>
+      <a:camera prst="orthographicFront">
+        <a:rot lat="0" lon="0" rev="0"/>
+      </a:camera>
+      <a:lightRig rig="contrasting" dir="t">
+        <a:rot lat="0" lon="0" rev="1200000"/>
+      </a:lightRig>
+    </dgm:scene3d>
+    <dgm:sp3d contourW="12700" prstMaterial="flat">
+      <a:bevelT w="100800" h="154000"/>
+      <a:bevelB w="152400"/>
+    </dgm:sp3d>
+    <dgm:txPr/>
+    <dgm:style>
+      <a:lnRef idx="0">
+        <a:scrgbClr r="0" g="0" b="0"/>
+      </a:lnRef>
+      <a:fillRef idx="1">
+        <a:scrgbClr r="0" g="0" b="0"/>
+      </a:fillRef>
+      <a:effectRef idx="0">
+        <a:scrgbClr r="0" g="0" b="0"/>
+      </a:effectRef>
+      <a:fontRef idx="minor"/>
+    </dgm:style>
+  </dgm:styleLbl>
+  <dgm:styleLbl name="trBgShp">
+    <dgm:scene3d>
+      <a:camera prst="orthographicFront">
+        <a:rot lat="0" lon="0" rev="0"/>
+      </a:camera>
+      <a:lightRig rig="contrasting" dir="t">
+        <a:rot lat="0" lon="0" rev="1200000"/>
+      </a:lightRig>
+    </dgm:scene3d>
+    <dgm:sp3d z="-152400" prstMaterial="matte"/>
+    <dgm:txPr/>
+    <dgm:style>
+      <a:lnRef idx="1">
+        <a:scrgbClr r="0" g="0" b="0"/>
+      </a:lnRef>
+      <a:fillRef idx="1">
+        <a:scrgbClr r="0" g="0" b="0"/>
+      </a:fillRef>
+      <a:effectRef idx="0">
+        <a:scrgbClr r="0" g="0" b="0"/>
+      </a:effectRef>
+      <a:fontRef idx="minor"/>
+    </dgm:style>
+  </dgm:styleLbl>
+  <dgm:styleLbl name="fgShp">
+    <dgm:scene3d>
+      <a:camera prst="orthographicFront">
+        <a:rot lat="0" lon="0" rev="0"/>
+      </a:camera>
+      <a:lightRig rig="contrasting" dir="t">
+        <a:rot lat="0" lon="0" rev="1200000"/>
+      </a:lightRig>
+    </dgm:scene3d>
+    <dgm:sp3d z="300000" contourW="19050" prstMaterial="metal">
+      <a:bevelT w="88900" h="203200"/>
+      <a:bevelB w="165100" h="254000"/>
+    </dgm:sp3d>
+    <dgm:txPr/>
+    <dgm:style>
+      <a:lnRef idx="0">
+        <a:scrgbClr r="0" g="0" b="0"/>
+      </a:lnRef>
+      <a:fillRef idx="1">
+        <a:scrgbClr r="0" g="0" b="0"/>
+      </a:fillRef>
+      <a:effectRef idx="0">
+        <a:scrgbClr r="0" g="0" b="0"/>
+      </a:effectRef>
+      <a:fontRef idx="minor"/>
+    </dgm:style>
+  </dgm:styleLbl>
+  <dgm:styleLbl name="revTx">
+    <dgm:scene3d>
+      <a:camera prst="orthographicFront"/>
+      <a:lightRig rig="threePt" dir="t"/>
+    </dgm:scene3d>
+    <dgm:sp3d/>
+    <dgm:txPr/>
+    <dgm:style>
+      <a:lnRef idx="1">
+        <a:scrgbClr r="0" g="0" b="0"/>
+      </a:lnRef>
+      <a:fillRef idx="0">
+        <a:scrgbClr r="0" g="0" b="0"/>
+      </a:fillRef>
+      <a:effectRef idx="0">
+        <a:scrgbClr r="0" g="0" b="0"/>
+      </a:effectRef>
+      <a:fontRef idx="minor"/>
+    </dgm:style>
+  </dgm:styleLbl>
+</dgm:styleDef>
+</file>
+
+<file path=ppt/diagrams/quickStyle5.xml><?xml version="1.0" encoding="utf-8"?>
 <dgm:styleDef xmlns:dgm="http://schemas.openxmlformats.org/drawingml/2006/diagram" xmlns:a="http://schemas.openxmlformats.org/drawingml/2006/main" uniqueId="urn:microsoft.com/office/officeart/2005/8/quickstyle/3d3">
   <dgm:title val=""/>
   <dgm:desc val=""/>
@@ -22275,11 +26604,7 @@
             </a:r>
             <a:r>
               <a:rPr lang="en-US"/>
-              <a:t>data </a:t>
-            </a:r>
-            <a:r>
-              <a:rPr lang="en-US"/>
-              <a:t>by </a:t>
+              <a:t>data by </a:t>
             </a:r>
             <a:r>
               <a:rPr lang="en-US" smtClean="0"/>
@@ -23685,7 +28010,6 @@
               <a:rPr lang="en-US"/>
               <a:t>//*[@id='rwid']/div[1]/div[1]/span[2]</a:t>
             </a:r>
-            <a:endParaRPr lang="en-US"/>
           </a:p>
         </p:txBody>
       </p:sp>
@@ -24170,15 +28494,7 @@
           <a:p>
             <a:r>
               <a:rPr lang="en-US" smtClean="0"/>
-              <a:t>Step </a:t>
-            </a:r>
-            <a:r>
-              <a:rPr lang="en-US" smtClean="0"/>
-              <a:t>4&amp;5: </a:t>
-            </a:r>
-            <a:r>
-              <a:rPr lang="en-US" smtClean="0"/>
-              <a:t>Take xPath and Get data</a:t>
+              <a:t>Step 4&amp;5: Take xPath and Get data</a:t>
             </a:r>
             <a:endParaRPr lang="en-US"/>
           </a:p>
@@ -25296,6 +29612,520 @@
       </p:sp>
       <p:pic>
         <p:nvPicPr>
+          <p:cNvPr id="5" name="Picture 4"/>
+          <p:cNvPicPr>
+            <a:picLocks noChangeAspect="1"/>
+          </p:cNvPicPr>
+          <p:nvPr/>
+        </p:nvPicPr>
+        <p:blipFill>
+          <a:blip r:embed="rId2" cstate="print">
+            <a:extLst>
+              <a:ext uri="{28A0092B-C50C-407E-A947-70E740481C1C}">
+                <a14:useLocalDpi xmlns:a14="http://schemas.microsoft.com/office/drawing/2010/main" val="0"/>
+              </a:ext>
+            </a:extLst>
+          </a:blip>
+          <a:stretch>
+            <a:fillRect/>
+          </a:stretch>
+        </p:blipFill>
+        <p:spPr>
+          <a:xfrm>
+            <a:off x="677334" y="2498035"/>
+            <a:ext cx="997227" cy="997227"/>
+          </a:xfrm>
+          <a:prstGeom prst="rect">
+            <a:avLst/>
+          </a:prstGeom>
+        </p:spPr>
+      </p:pic>
+      <p:grpSp>
+        <p:nvGrpSpPr>
+          <p:cNvPr id="6" name="Group 5"/>
+          <p:cNvGrpSpPr/>
+          <p:nvPr/>
+        </p:nvGrpSpPr>
+        <p:grpSpPr>
+          <a:xfrm>
+            <a:off x="3604692" y="2373319"/>
+            <a:ext cx="1219099" cy="1246658"/>
+            <a:chOff x="3826616" y="1780260"/>
+            <a:chExt cx="1219099" cy="1246658"/>
+          </a:xfrm>
+        </p:grpSpPr>
+        <p:pic>
+          <p:nvPicPr>
+            <p:cNvPr id="7" name="Picture 6"/>
+            <p:cNvPicPr>
+              <a:picLocks noChangeAspect="1"/>
+            </p:cNvPicPr>
+            <p:nvPr/>
+          </p:nvPicPr>
+          <p:blipFill>
+            <a:blip r:embed="rId3">
+              <a:extLst>
+                <a:ext uri="{28A0092B-C50C-407E-A947-70E740481C1C}">
+                  <a14:useLocalDpi xmlns:a14="http://schemas.microsoft.com/office/drawing/2010/main" val="0"/>
+                </a:ext>
+              </a:extLst>
+            </a:blip>
+            <a:stretch>
+              <a:fillRect/>
+            </a:stretch>
+          </p:blipFill>
+          <p:spPr>
+            <a:xfrm>
+              <a:off x="3826616" y="1780260"/>
+              <a:ext cx="1219099" cy="1219099"/>
+            </a:xfrm>
+            <a:prstGeom prst="rect">
+              <a:avLst/>
+            </a:prstGeom>
+          </p:spPr>
+        </p:pic>
+        <p:pic>
+          <p:nvPicPr>
+            <p:cNvPr id="8" name="Picture 7"/>
+            <p:cNvPicPr>
+              <a:picLocks noChangeAspect="1"/>
+            </p:cNvPicPr>
+            <p:nvPr/>
+          </p:nvPicPr>
+          <p:blipFill>
+            <a:blip r:embed="rId4" cstate="print">
+              <a:extLst>
+                <a:ext uri="{28A0092B-C50C-407E-A947-70E740481C1C}">
+                  <a14:useLocalDpi xmlns:a14="http://schemas.microsoft.com/office/drawing/2010/main" val="0"/>
+                </a:ext>
+              </a:extLst>
+            </a:blip>
+            <a:stretch>
+              <a:fillRect/>
+            </a:stretch>
+          </p:blipFill>
+          <p:spPr>
+            <a:xfrm>
+              <a:off x="3826616" y="2149012"/>
+              <a:ext cx="877906" cy="877906"/>
+            </a:xfrm>
+            <a:prstGeom prst="rect">
+              <a:avLst/>
+            </a:prstGeom>
+          </p:spPr>
+        </p:pic>
+      </p:grpSp>
+      <p:pic>
+        <p:nvPicPr>
+          <p:cNvPr id="9" name="Picture 8"/>
+          <p:cNvPicPr>
+            <a:picLocks noChangeAspect="1"/>
+          </p:cNvPicPr>
+          <p:nvPr/>
+        </p:nvPicPr>
+        <p:blipFill>
+          <a:blip r:embed="rId5" cstate="print">
+            <a:extLst>
+              <a:ext uri="{28A0092B-C50C-407E-A947-70E740481C1C}">
+                <a14:useLocalDpi xmlns:a14="http://schemas.microsoft.com/office/drawing/2010/main" val="0"/>
+              </a:ext>
+            </a:extLst>
+          </a:blip>
+          <a:stretch>
+            <a:fillRect/>
+          </a:stretch>
+        </p:blipFill>
+        <p:spPr>
+          <a:xfrm>
+            <a:off x="4848546" y="5242783"/>
+            <a:ext cx="2157781" cy="1453805"/>
+          </a:xfrm>
+          <a:prstGeom prst="rect">
+            <a:avLst/>
+          </a:prstGeom>
+        </p:spPr>
+      </p:pic>
+      <p:pic>
+        <p:nvPicPr>
+          <p:cNvPr id="10" name="Picture 9"/>
+          <p:cNvPicPr>
+            <a:picLocks noChangeAspect="1"/>
+          </p:cNvPicPr>
+          <p:nvPr/>
+        </p:nvPicPr>
+        <p:blipFill>
+          <a:blip r:embed="rId6" cstate="print">
+            <a:extLst>
+              <a:ext uri="{28A0092B-C50C-407E-A947-70E740481C1C}">
+                <a14:useLocalDpi xmlns:a14="http://schemas.microsoft.com/office/drawing/2010/main" val="0"/>
+              </a:ext>
+            </a:extLst>
+          </a:blip>
+          <a:stretch>
+            <a:fillRect/>
+          </a:stretch>
+        </p:blipFill>
+        <p:spPr>
+          <a:xfrm>
+            <a:off x="7191859" y="2370304"/>
+            <a:ext cx="2244235" cy="1512053"/>
+          </a:xfrm>
+          <a:prstGeom prst="rect">
+            <a:avLst/>
+          </a:prstGeom>
+        </p:spPr>
+      </p:pic>
+      <p:sp>
+        <p:nvSpPr>
+          <p:cNvPr id="12" name="Right Arrow 11"/>
+          <p:cNvSpPr/>
+          <p:nvPr/>
+        </p:nvSpPr>
+        <p:spPr>
+          <a:xfrm>
+            <a:off x="1933948" y="2742070"/>
+            <a:ext cx="1411357" cy="647173"/>
+          </a:xfrm>
+          <a:prstGeom prst="rightArrow">
+            <a:avLst/>
+          </a:prstGeom>
+        </p:spPr>
+        <p:style>
+          <a:lnRef idx="2">
+            <a:schemeClr val="accent1">
+              <a:shade val="50000"/>
+            </a:schemeClr>
+          </a:lnRef>
+          <a:fillRef idx="1">
+            <a:schemeClr val="accent1"/>
+          </a:fillRef>
+          <a:effectRef idx="0">
+            <a:schemeClr val="accent1"/>
+          </a:effectRef>
+          <a:fontRef idx="minor">
+            <a:schemeClr val="lt1"/>
+          </a:fontRef>
+        </p:style>
+        <p:txBody>
+          <a:bodyPr rtlCol="0" anchor="ctr"/>
+          <a:lstStyle/>
+          <a:p>
+            <a:pPr algn="ctr"/>
+            <a:r>
+              <a:rPr lang="en-US" smtClean="0"/>
+              <a:t>Search</a:t>
+            </a:r>
+            <a:endParaRPr lang="en-US"/>
+          </a:p>
+        </p:txBody>
+      </p:sp>
+      <p:sp>
+        <p:nvSpPr>
+          <p:cNvPr id="13" name="Right Arrow 12"/>
+          <p:cNvSpPr/>
+          <p:nvPr/>
+        </p:nvSpPr>
+        <p:spPr>
+          <a:xfrm>
+            <a:off x="5009323" y="2742070"/>
+            <a:ext cx="1997004" cy="647173"/>
+          </a:xfrm>
+          <a:prstGeom prst="rightArrow">
+            <a:avLst/>
+          </a:prstGeom>
+        </p:spPr>
+        <p:style>
+          <a:lnRef idx="2">
+            <a:schemeClr val="accent1">
+              <a:shade val="50000"/>
+            </a:schemeClr>
+          </a:lnRef>
+          <a:fillRef idx="1">
+            <a:schemeClr val="accent1"/>
+          </a:fillRef>
+          <a:effectRef idx="0">
+            <a:schemeClr val="accent1"/>
+          </a:effectRef>
+          <a:fontRef idx="minor">
+            <a:schemeClr val="lt1"/>
+          </a:fontRef>
+        </p:style>
+        <p:txBody>
+          <a:bodyPr rtlCol="0" anchor="ctr"/>
+          <a:lstStyle/>
+          <a:p>
+            <a:pPr algn="ctr"/>
+            <a:r>
+              <a:rPr lang="en-US" smtClean="0"/>
+              <a:t>Read comments</a:t>
+            </a:r>
+            <a:endParaRPr lang="en-US"/>
+          </a:p>
+        </p:txBody>
+      </p:sp>
+      <p:sp>
+        <p:nvSpPr>
+          <p:cNvPr id="14" name="Right Arrow 13"/>
+          <p:cNvSpPr/>
+          <p:nvPr/>
+        </p:nvSpPr>
+        <p:spPr>
+          <a:xfrm rot="8740343" flipV="1">
+            <a:off x="6618026" y="4125529"/>
+            <a:ext cx="1411357" cy="647173"/>
+          </a:xfrm>
+          <a:prstGeom prst="rightArrow">
+            <a:avLst/>
+          </a:prstGeom>
+        </p:spPr>
+        <p:style>
+          <a:lnRef idx="2">
+            <a:schemeClr val="accent1">
+              <a:shade val="50000"/>
+            </a:schemeClr>
+          </a:lnRef>
+          <a:fillRef idx="1">
+            <a:schemeClr val="accent1"/>
+          </a:fillRef>
+          <a:effectRef idx="0">
+            <a:schemeClr val="accent1"/>
+          </a:effectRef>
+          <a:fontRef idx="minor">
+            <a:schemeClr val="lt1"/>
+          </a:fontRef>
+        </p:style>
+        <p:txBody>
+          <a:bodyPr rtlCol="0" anchor="ctr"/>
+          <a:lstStyle/>
+          <a:p>
+            <a:pPr algn="ctr"/>
+            <a:r>
+              <a:rPr lang="en-US" smtClean="0"/>
+              <a:t>Report</a:t>
+            </a:r>
+            <a:endParaRPr lang="en-US"/>
+          </a:p>
+        </p:txBody>
+      </p:sp>
+      <p:pic>
+        <p:nvPicPr>
+          <p:cNvPr id="16" name="Picture 15"/>
+          <p:cNvPicPr>
+            <a:picLocks noChangeAspect="1"/>
+          </p:cNvPicPr>
+          <p:nvPr/>
+        </p:nvPicPr>
+        <p:blipFill>
+          <a:blip r:embed="rId7">
+            <a:extLst>
+              <a:ext uri="{28A0092B-C50C-407E-A947-70E740481C1C}">
+                <a14:useLocalDpi xmlns:a14="http://schemas.microsoft.com/office/drawing/2010/main" val="0"/>
+              </a:ext>
+            </a:extLst>
+          </a:blip>
+          <a:stretch>
+            <a:fillRect/>
+          </a:stretch>
+        </p:blipFill>
+        <p:spPr>
+          <a:xfrm>
+            <a:off x="5158075" y="4555820"/>
+            <a:ext cx="1133518" cy="1133518"/>
+          </a:xfrm>
+          <a:prstGeom prst="rect">
+            <a:avLst/>
+          </a:prstGeom>
+        </p:spPr>
+      </p:pic>
+      <p:pic>
+        <p:nvPicPr>
+          <p:cNvPr id="17" name="Picture 16"/>
+          <p:cNvPicPr>
+            <a:picLocks noChangeAspect="1"/>
+          </p:cNvPicPr>
+          <p:nvPr/>
+        </p:nvPicPr>
+        <p:blipFill>
+          <a:blip r:embed="rId8" cstate="print">
+            <a:extLst>
+              <a:ext uri="{28A0092B-C50C-407E-A947-70E740481C1C}">
+                <a14:useLocalDpi xmlns:a14="http://schemas.microsoft.com/office/drawing/2010/main" val="0"/>
+              </a:ext>
+            </a:extLst>
+          </a:blip>
+          <a:stretch>
+            <a:fillRect/>
+          </a:stretch>
+        </p:blipFill>
+        <p:spPr>
+          <a:xfrm>
+            <a:off x="677334" y="5242783"/>
+            <a:ext cx="997227" cy="997227"/>
+          </a:xfrm>
+          <a:prstGeom prst="rect">
+            <a:avLst/>
+          </a:prstGeom>
+        </p:spPr>
+      </p:pic>
+      <p:sp>
+        <p:nvSpPr>
+          <p:cNvPr id="18" name="Right Arrow 17"/>
+          <p:cNvSpPr/>
+          <p:nvPr/>
+        </p:nvSpPr>
+        <p:spPr>
+          <a:xfrm>
+            <a:off x="2555875" y="5417809"/>
+            <a:ext cx="1411357" cy="647173"/>
+          </a:xfrm>
+          <a:prstGeom prst="rightArrow">
+            <a:avLst/>
+          </a:prstGeom>
+        </p:spPr>
+        <p:style>
+          <a:lnRef idx="2">
+            <a:schemeClr val="accent1">
+              <a:shade val="50000"/>
+            </a:schemeClr>
+          </a:lnRef>
+          <a:fillRef idx="1">
+            <a:schemeClr val="accent1"/>
+          </a:fillRef>
+          <a:effectRef idx="0">
+            <a:schemeClr val="accent1"/>
+          </a:effectRef>
+          <a:fontRef idx="minor">
+            <a:schemeClr val="lt1"/>
+          </a:fontRef>
+        </p:style>
+        <p:txBody>
+          <a:bodyPr rtlCol="0" anchor="ctr"/>
+          <a:lstStyle/>
+          <a:p>
+            <a:pPr algn="ctr"/>
+            <a:r>
+              <a:rPr lang="en-US" smtClean="0"/>
+              <a:t>Handle</a:t>
+            </a:r>
+            <a:endParaRPr lang="en-US"/>
+          </a:p>
+        </p:txBody>
+      </p:sp>
+      <p:sp>
+        <p:nvSpPr>
+          <p:cNvPr id="19" name="TextBox 18"/>
+          <p:cNvSpPr txBox="1"/>
+          <p:nvPr/>
+        </p:nvSpPr>
+        <p:spPr>
+          <a:xfrm>
+            <a:off x="787058" y="3592418"/>
+            <a:ext cx="777777" cy="369332"/>
+          </a:xfrm>
+          <a:prstGeom prst="rect">
+            <a:avLst/>
+          </a:prstGeom>
+          <a:noFill/>
+        </p:spPr>
+        <p:txBody>
+          <a:bodyPr wrap="none" rtlCol="0">
+            <a:spAutoFit/>
+          </a:bodyPr>
+          <a:lstStyle/>
+          <a:p>
+            <a:r>
+              <a:rPr lang="en-US" smtClean="0"/>
+              <a:t>Guest</a:t>
+            </a:r>
+            <a:endParaRPr lang="en-US"/>
+          </a:p>
+        </p:txBody>
+      </p:sp>
+      <p:sp>
+        <p:nvSpPr>
+          <p:cNvPr id="20" name="TextBox 19"/>
+          <p:cNvSpPr txBox="1"/>
+          <p:nvPr/>
+        </p:nvSpPr>
+        <p:spPr>
+          <a:xfrm>
+            <a:off x="841145" y="6240010"/>
+            <a:ext cx="678391" cy="369332"/>
+          </a:xfrm>
+          <a:prstGeom prst="rect">
+            <a:avLst/>
+          </a:prstGeom>
+          <a:noFill/>
+        </p:spPr>
+        <p:txBody>
+          <a:bodyPr wrap="none" rtlCol="0">
+            <a:spAutoFit/>
+          </a:bodyPr>
+          <a:lstStyle/>
+          <a:p>
+            <a:r>
+              <a:rPr lang="en-US" smtClean="0"/>
+              <a:t>Staff</a:t>
+            </a:r>
+            <a:endParaRPr lang="en-US"/>
+          </a:p>
+        </p:txBody>
+      </p:sp>
+    </p:spTree>
+    <p:extLst>
+      <p:ext uri="{BB962C8B-B14F-4D97-AF65-F5344CB8AC3E}">
+        <p14:creationId xmlns:p14="http://schemas.microsoft.com/office/powerpoint/2010/main" val="3046013017"/>
+      </p:ext>
+    </p:extLst>
+  </p:cSld>
+  <p:clrMapOvr>
+    <a:masterClrMapping/>
+  </p:clrMapOvr>
+</p:sld>
+</file>
+
+<file path=ppt/slides/slide25.xml><?xml version="1.0" encoding="utf-8"?>
+<p:sld xmlns:a="http://schemas.openxmlformats.org/drawingml/2006/main" xmlns:r="http://schemas.openxmlformats.org/officeDocument/2006/relationships" xmlns:p="http://schemas.openxmlformats.org/presentationml/2006/main">
+  <p:cSld>
+    <p:spTree>
+      <p:nvGrpSpPr>
+        <p:cNvPr id="1" name=""/>
+        <p:cNvGrpSpPr/>
+        <p:nvPr/>
+      </p:nvGrpSpPr>
+      <p:grpSpPr>
+        <a:xfrm>
+          <a:off x="0" y="0"/>
+          <a:ext cx="0" cy="0"/>
+          <a:chOff x="0" y="0"/>
+          <a:chExt cx="0" cy="0"/>
+        </a:xfrm>
+      </p:grpSpPr>
+      <p:sp>
+        <p:nvSpPr>
+          <p:cNvPr id="2" name="Title 1"/>
+          <p:cNvSpPr>
+            <a:spLocks noGrp="1"/>
+          </p:cNvSpPr>
+          <p:nvPr>
+            <p:ph type="title"/>
+          </p:nvPr>
+        </p:nvSpPr>
+        <p:spPr/>
+        <p:txBody>
+          <a:bodyPr/>
+          <a:lstStyle/>
+          <a:p>
+            <a:r>
+              <a:rPr lang="en-US" smtClean="0"/>
+              <a:t>Search and parse recommended product automatically</a:t>
+            </a:r>
+            <a:endParaRPr lang="en-US"/>
+          </a:p>
+        </p:txBody>
+      </p:sp>
+      <p:pic>
+        <p:nvPicPr>
           <p:cNvPr id="4" name="Picture 3"/>
           <p:cNvPicPr>
             <a:picLocks noChangeAspect="1"/>
@@ -25316,8 +30146,2080 @@
         </p:blipFill>
         <p:spPr>
           <a:xfrm>
-            <a:off x="771940" y="2398644"/>
-            <a:ext cx="950844" cy="950844"/>
+            <a:off x="1399176" y="4345768"/>
+            <a:ext cx="1997765" cy="669251"/>
+          </a:xfrm>
+          <a:prstGeom prst="rect">
+            <a:avLst/>
+          </a:prstGeom>
+        </p:spPr>
+      </p:pic>
+      <p:pic>
+        <p:nvPicPr>
+          <p:cNvPr id="5" name="Picture 4"/>
+          <p:cNvPicPr>
+            <a:picLocks noChangeAspect="1"/>
+          </p:cNvPicPr>
+          <p:nvPr/>
+        </p:nvPicPr>
+        <p:blipFill>
+          <a:blip r:embed="rId3" cstate="print">
+            <a:extLst>
+              <a:ext uri="{28A0092B-C50C-407E-A947-70E740481C1C}">
+                <a14:useLocalDpi xmlns:a14="http://schemas.microsoft.com/office/drawing/2010/main" val="0"/>
+              </a:ext>
+            </a:extLst>
+          </a:blip>
+          <a:stretch>
+            <a:fillRect/>
+          </a:stretch>
+        </p:blipFill>
+        <p:spPr>
+          <a:xfrm>
+            <a:off x="3003999" y="3329620"/>
+            <a:ext cx="1166491" cy="803421"/>
+          </a:xfrm>
+          <a:prstGeom prst="rect">
+            <a:avLst/>
+          </a:prstGeom>
+        </p:spPr>
+      </p:pic>
+      <p:pic>
+        <p:nvPicPr>
+          <p:cNvPr id="6" name="Picture 5"/>
+          <p:cNvPicPr>
+            <a:picLocks noChangeAspect="1"/>
+          </p:cNvPicPr>
+          <p:nvPr/>
+        </p:nvPicPr>
+        <p:blipFill>
+          <a:blip r:embed="rId4" cstate="print">
+            <a:extLst>
+              <a:ext uri="{28A0092B-C50C-407E-A947-70E740481C1C}">
+                <a14:useLocalDpi xmlns:a14="http://schemas.microsoft.com/office/drawing/2010/main" val="0"/>
+              </a:ext>
+            </a:extLst>
+          </a:blip>
+          <a:stretch>
+            <a:fillRect/>
+          </a:stretch>
+        </p:blipFill>
+        <p:spPr>
+          <a:xfrm>
+            <a:off x="389864" y="2703047"/>
+            <a:ext cx="2221887" cy="649813"/>
+          </a:xfrm>
+          <a:prstGeom prst="rect">
+            <a:avLst/>
+          </a:prstGeom>
+        </p:spPr>
+      </p:pic>
+      <p:sp>
+        <p:nvSpPr>
+          <p:cNvPr id="7" name="Right Brace 6"/>
+          <p:cNvSpPr/>
+          <p:nvPr/>
+        </p:nvSpPr>
+        <p:spPr>
+          <a:xfrm>
+            <a:off x="4404191" y="2929934"/>
+            <a:ext cx="380341" cy="2085085"/>
+          </a:xfrm>
+          <a:prstGeom prst="rightBrace">
+            <a:avLst>
+              <a:gd name="adj1" fmla="val 66123"/>
+              <a:gd name="adj2" fmla="val 50000"/>
+            </a:avLst>
+          </a:prstGeom>
+          <a:ln w="38100"/>
+        </p:spPr>
+        <p:style>
+          <a:lnRef idx="1">
+            <a:schemeClr val="accent1"/>
+          </a:lnRef>
+          <a:fillRef idx="0">
+            <a:schemeClr val="accent1"/>
+          </a:fillRef>
+          <a:effectRef idx="0">
+            <a:schemeClr val="accent1"/>
+          </a:effectRef>
+          <a:fontRef idx="minor">
+            <a:schemeClr val="tx1"/>
+          </a:fontRef>
+        </p:style>
+        <p:txBody>
+          <a:bodyPr rtlCol="0" anchor="ctr"/>
+          <a:lstStyle/>
+          <a:p>
+            <a:pPr algn="ctr"/>
+            <a:endParaRPr lang="en-US"/>
+          </a:p>
+        </p:txBody>
+      </p:sp>
+      <p:sp>
+        <p:nvSpPr>
+          <p:cNvPr id="8" name="Right Arrow 7"/>
+          <p:cNvSpPr/>
+          <p:nvPr/>
+        </p:nvSpPr>
+        <p:spPr>
+          <a:xfrm>
+            <a:off x="5177740" y="3659353"/>
+            <a:ext cx="1243419" cy="626245"/>
+          </a:xfrm>
+          <a:prstGeom prst="rightArrow">
+            <a:avLst/>
+          </a:prstGeom>
+        </p:spPr>
+        <p:style>
+          <a:lnRef idx="2">
+            <a:schemeClr val="accent1">
+              <a:shade val="50000"/>
+            </a:schemeClr>
+          </a:lnRef>
+          <a:fillRef idx="1">
+            <a:schemeClr val="accent1"/>
+          </a:fillRef>
+          <a:effectRef idx="0">
+            <a:schemeClr val="accent1"/>
+          </a:effectRef>
+          <a:fontRef idx="minor">
+            <a:schemeClr val="lt1"/>
+          </a:fontRef>
+        </p:style>
+        <p:txBody>
+          <a:bodyPr rtlCol="0" anchor="ctr"/>
+          <a:lstStyle/>
+          <a:p>
+            <a:pPr algn="ctr"/>
+            <a:endParaRPr lang="en-US"/>
+          </a:p>
+        </p:txBody>
+      </p:sp>
+      <p:pic>
+        <p:nvPicPr>
+          <p:cNvPr id="9" name="Picture 8"/>
+          <p:cNvPicPr>
+            <a:picLocks noChangeAspect="1"/>
+          </p:cNvPicPr>
+          <p:nvPr/>
+        </p:nvPicPr>
+        <p:blipFill>
+          <a:blip r:embed="rId2" cstate="print">
+            <a:extLst>
+              <a:ext uri="{28A0092B-C50C-407E-A947-70E740481C1C}">
+                <a14:useLocalDpi xmlns:a14="http://schemas.microsoft.com/office/drawing/2010/main" val="0"/>
+              </a:ext>
+            </a:extLst>
+          </a:blip>
+          <a:stretch>
+            <a:fillRect/>
+          </a:stretch>
+        </p:blipFill>
+        <p:spPr>
+          <a:xfrm>
+            <a:off x="7146235" y="2095541"/>
+            <a:ext cx="1997765" cy="669251"/>
+          </a:xfrm>
+          <a:prstGeom prst="rect">
+            <a:avLst/>
+          </a:prstGeom>
+        </p:spPr>
+      </p:pic>
+      <p:pic>
+        <p:nvPicPr>
+          <p:cNvPr id="10" name="Picture 9"/>
+          <p:cNvPicPr>
+            <a:picLocks noChangeAspect="1"/>
+          </p:cNvPicPr>
+          <p:nvPr/>
+        </p:nvPicPr>
+        <p:blipFill>
+          <a:blip r:embed="rId3" cstate="print">
+            <a:extLst>
+              <a:ext uri="{28A0092B-C50C-407E-A947-70E740481C1C}">
+                <a14:useLocalDpi xmlns:a14="http://schemas.microsoft.com/office/drawing/2010/main" val="0"/>
+              </a:ext>
+            </a:extLst>
+          </a:blip>
+          <a:stretch>
+            <a:fillRect/>
+          </a:stretch>
+        </p:blipFill>
+        <p:spPr>
+          <a:xfrm>
+            <a:off x="7561871" y="3508817"/>
+            <a:ext cx="1166491" cy="803421"/>
+          </a:xfrm>
+          <a:prstGeom prst="rect">
+            <a:avLst/>
+          </a:prstGeom>
+        </p:spPr>
+      </p:pic>
+      <p:pic>
+        <p:nvPicPr>
+          <p:cNvPr id="11" name="Picture 10"/>
+          <p:cNvPicPr>
+            <a:picLocks noChangeAspect="1"/>
+          </p:cNvPicPr>
+          <p:nvPr/>
+        </p:nvPicPr>
+        <p:blipFill>
+          <a:blip r:embed="rId4" cstate="print">
+            <a:extLst>
+              <a:ext uri="{28A0092B-C50C-407E-A947-70E740481C1C}">
+                <a14:useLocalDpi xmlns:a14="http://schemas.microsoft.com/office/drawing/2010/main" val="0"/>
+              </a:ext>
+            </a:extLst>
+          </a:blip>
+          <a:stretch>
+            <a:fillRect/>
+          </a:stretch>
+        </p:blipFill>
+        <p:spPr>
+          <a:xfrm>
+            <a:off x="7034172" y="4923627"/>
+            <a:ext cx="2221887" cy="649813"/>
+          </a:xfrm>
+          <a:prstGeom prst="rect">
+            <a:avLst/>
+          </a:prstGeom>
+        </p:spPr>
+      </p:pic>
+      <p:sp>
+        <p:nvSpPr>
+          <p:cNvPr id="12" name="TextBox 11"/>
+          <p:cNvSpPr txBox="1"/>
+          <p:nvPr/>
+        </p:nvSpPr>
+        <p:spPr>
+          <a:xfrm>
+            <a:off x="5016530" y="4471671"/>
+            <a:ext cx="1550504" cy="646331"/>
+          </a:xfrm>
+          <a:prstGeom prst="rect">
+            <a:avLst/>
+          </a:prstGeom>
+          <a:noFill/>
+        </p:spPr>
+        <p:txBody>
+          <a:bodyPr wrap="square" rtlCol="0">
+            <a:spAutoFit/>
+          </a:bodyPr>
+          <a:lstStyle/>
+          <a:p>
+            <a:pPr algn="ctr"/>
+            <a:r>
+              <a:rPr lang="en-US" smtClean="0"/>
+              <a:t>order by report times</a:t>
+            </a:r>
+            <a:endParaRPr lang="en-US"/>
+          </a:p>
+        </p:txBody>
+      </p:sp>
+      <p:cxnSp>
+        <p:nvCxnSpPr>
+          <p:cNvPr id="14" name="Straight Arrow Connector 13"/>
+          <p:cNvCxnSpPr/>
+          <p:nvPr/>
+        </p:nvCxnSpPr>
+        <p:spPr>
+          <a:xfrm>
+            <a:off x="8145115" y="2929933"/>
+            <a:ext cx="0" cy="446248"/>
+          </a:xfrm>
+          <a:prstGeom prst="straightConnector1">
+            <a:avLst/>
+          </a:prstGeom>
+          <a:ln w="28575">
+            <a:tailEnd type="triangle"/>
+          </a:ln>
+        </p:spPr>
+        <p:style>
+          <a:lnRef idx="1">
+            <a:schemeClr val="accent1"/>
+          </a:lnRef>
+          <a:fillRef idx="0">
+            <a:schemeClr val="accent1"/>
+          </a:fillRef>
+          <a:effectRef idx="0">
+            <a:schemeClr val="accent1"/>
+          </a:effectRef>
+          <a:fontRef idx="minor">
+            <a:schemeClr val="tx1"/>
+          </a:fontRef>
+        </p:style>
+      </p:cxnSp>
+      <p:cxnSp>
+        <p:nvCxnSpPr>
+          <p:cNvPr id="19" name="Straight Arrow Connector 18"/>
+          <p:cNvCxnSpPr/>
+          <p:nvPr/>
+        </p:nvCxnSpPr>
+        <p:spPr>
+          <a:xfrm>
+            <a:off x="8140143" y="4471671"/>
+            <a:ext cx="0" cy="446248"/>
+          </a:xfrm>
+          <a:prstGeom prst="straightConnector1">
+            <a:avLst/>
+          </a:prstGeom>
+          <a:ln w="28575">
+            <a:tailEnd type="triangle"/>
+          </a:ln>
+        </p:spPr>
+        <p:style>
+          <a:lnRef idx="1">
+            <a:schemeClr val="accent1"/>
+          </a:lnRef>
+          <a:fillRef idx="0">
+            <a:schemeClr val="accent1"/>
+          </a:fillRef>
+          <a:effectRef idx="0">
+            <a:schemeClr val="accent1"/>
+          </a:effectRef>
+          <a:fontRef idx="minor">
+            <a:schemeClr val="tx1"/>
+          </a:fontRef>
+        </p:style>
+      </p:cxnSp>
+    </p:spTree>
+    <p:extLst>
+      <p:ext uri="{BB962C8B-B14F-4D97-AF65-F5344CB8AC3E}">
+        <p14:creationId xmlns:p14="http://schemas.microsoft.com/office/powerpoint/2010/main" val="1249497226"/>
+      </p:ext>
+    </p:extLst>
+  </p:cSld>
+  <p:clrMapOvr>
+    <a:masterClrMapping/>
+  </p:clrMapOvr>
+  <p:timing>
+    <p:tnLst>
+      <p:par>
+        <p:cTn id="1" dur="indefinite" restart="never" nodeType="tmRoot">
+          <p:childTnLst>
+            <p:seq concurrent="1" nextAc="seek">
+              <p:cTn id="2" dur="indefinite" nodeType="mainSeq">
+                <p:childTnLst>
+                  <p:par>
+                    <p:cTn id="3" fill="hold">
+                      <p:stCondLst>
+                        <p:cond delay="indefinite"/>
+                      </p:stCondLst>
+                      <p:childTnLst>
+                        <p:par>
+                          <p:cTn id="4" fill="hold">
+                            <p:stCondLst>
+                              <p:cond delay="0"/>
+                            </p:stCondLst>
+                            <p:childTnLst>
+                              <p:par>
+                                <p:cTn id="5" presetID="10" presetClass="entr" presetSubtype="0" fill="hold" grpId="0" nodeType="clickEffect">
+                                  <p:stCondLst>
+                                    <p:cond delay="0"/>
+                                  </p:stCondLst>
+                                  <p:childTnLst>
+                                    <p:set>
+                                      <p:cBhvr>
+                                        <p:cTn id="6" dur="1" fill="hold">
+                                          <p:stCondLst>
+                                            <p:cond delay="0"/>
+                                          </p:stCondLst>
+                                        </p:cTn>
+                                        <p:tgtEl>
+                                          <p:spTgt spid="7"/>
+                                        </p:tgtEl>
+                                        <p:attrNameLst>
+                                          <p:attrName>style.visibility</p:attrName>
+                                        </p:attrNameLst>
+                                      </p:cBhvr>
+                                      <p:to>
+                                        <p:strVal val="visible"/>
+                                      </p:to>
+                                    </p:set>
+                                    <p:animEffect transition="in" filter="fade">
+                                      <p:cBhvr>
+                                        <p:cTn id="7" dur="500"/>
+                                        <p:tgtEl>
+                                          <p:spTgt spid="7"/>
+                                        </p:tgtEl>
+                                      </p:cBhvr>
+                                    </p:animEffect>
+                                  </p:childTnLst>
+                                </p:cTn>
+                              </p:par>
+                            </p:childTnLst>
+                          </p:cTn>
+                        </p:par>
+                      </p:childTnLst>
+                    </p:cTn>
+                  </p:par>
+                </p:childTnLst>
+              </p:cTn>
+              <p:prevCondLst>
+                <p:cond evt="onPrev" delay="0">
+                  <p:tgtEl>
+                    <p:sldTgt/>
+                  </p:tgtEl>
+                </p:cond>
+              </p:prevCondLst>
+              <p:nextCondLst>
+                <p:cond evt="onNext" delay="0">
+                  <p:tgtEl>
+                    <p:sldTgt/>
+                  </p:tgtEl>
+                </p:cond>
+              </p:nextCondLst>
+            </p:seq>
+          </p:childTnLst>
+        </p:cTn>
+      </p:par>
+    </p:tnLst>
+    <p:bldLst>
+      <p:bldP spid="7" grpId="0" animBg="1"/>
+    </p:bldLst>
+  </p:timing>
+</p:sld>
+</file>
+
+<file path=ppt/slides/slide26.xml><?xml version="1.0" encoding="utf-8"?>
+<p:sld xmlns:a="http://schemas.openxmlformats.org/drawingml/2006/main" xmlns:r="http://schemas.openxmlformats.org/officeDocument/2006/relationships" xmlns:p="http://schemas.openxmlformats.org/presentationml/2006/main">
+  <p:cSld>
+    <p:spTree>
+      <p:nvGrpSpPr>
+        <p:cNvPr id="1" name=""/>
+        <p:cNvGrpSpPr/>
+        <p:nvPr/>
+      </p:nvGrpSpPr>
+      <p:grpSpPr>
+        <a:xfrm>
+          <a:off x="0" y="0"/>
+          <a:ext cx="0" cy="0"/>
+          <a:chOff x="0" y="0"/>
+          <a:chExt cx="0" cy="0"/>
+        </a:xfrm>
+      </p:grpSpPr>
+      <p:sp>
+        <p:nvSpPr>
+          <p:cNvPr id="2" name="Title 1"/>
+          <p:cNvSpPr>
+            <a:spLocks noGrp="1"/>
+          </p:cNvSpPr>
+          <p:nvPr>
+            <p:ph type="title"/>
+          </p:nvPr>
+        </p:nvSpPr>
+        <p:spPr/>
+        <p:txBody>
+          <a:bodyPr/>
+          <a:lstStyle/>
+          <a:p>
+            <a:r>
+              <a:rPr lang="en-US" smtClean="0"/>
+              <a:t>Search and parse recommended product automatically</a:t>
+            </a:r>
+            <a:endParaRPr lang="en-US"/>
+          </a:p>
+        </p:txBody>
+      </p:sp>
+      <p:pic>
+        <p:nvPicPr>
+          <p:cNvPr id="3" name="Picture 2"/>
+          <p:cNvPicPr>
+            <a:picLocks noChangeAspect="1"/>
+          </p:cNvPicPr>
+          <p:nvPr/>
+        </p:nvPicPr>
+        <p:blipFill>
+          <a:blip r:embed="rId2" cstate="print">
+            <a:extLst>
+              <a:ext uri="{28A0092B-C50C-407E-A947-70E740481C1C}">
+                <a14:useLocalDpi xmlns:a14="http://schemas.microsoft.com/office/drawing/2010/main" val="0"/>
+              </a:ext>
+            </a:extLst>
+          </a:blip>
+          <a:stretch>
+            <a:fillRect/>
+          </a:stretch>
+        </p:blipFill>
+        <p:spPr>
+          <a:xfrm>
+            <a:off x="579781" y="2956710"/>
+            <a:ext cx="2081132" cy="809329"/>
+          </a:xfrm>
+          <a:prstGeom prst="rect">
+            <a:avLst/>
+          </a:prstGeom>
+        </p:spPr>
+      </p:pic>
+      <p:grpSp>
+        <p:nvGrpSpPr>
+          <p:cNvPr id="9" name="Group 8"/>
+          <p:cNvGrpSpPr/>
+          <p:nvPr/>
+        </p:nvGrpSpPr>
+        <p:grpSpPr>
+          <a:xfrm>
+            <a:off x="3989883" y="1871185"/>
+            <a:ext cx="1622262" cy="2874588"/>
+            <a:chOff x="7034172" y="2095541"/>
+            <a:chExt cx="2221887" cy="3477899"/>
+          </a:xfrm>
+        </p:grpSpPr>
+        <p:pic>
+          <p:nvPicPr>
+            <p:cNvPr id="4" name="Picture 3"/>
+            <p:cNvPicPr>
+              <a:picLocks noChangeAspect="1"/>
+            </p:cNvPicPr>
+            <p:nvPr/>
+          </p:nvPicPr>
+          <p:blipFill>
+            <a:blip r:embed="rId3" cstate="print">
+              <a:extLst>
+                <a:ext uri="{28A0092B-C50C-407E-A947-70E740481C1C}">
+                  <a14:useLocalDpi xmlns:a14="http://schemas.microsoft.com/office/drawing/2010/main" val="0"/>
+                </a:ext>
+              </a:extLst>
+            </a:blip>
+            <a:stretch>
+              <a:fillRect/>
+            </a:stretch>
+          </p:blipFill>
+          <p:spPr>
+            <a:xfrm>
+              <a:off x="7146235" y="2095541"/>
+              <a:ext cx="1997765" cy="669251"/>
+            </a:xfrm>
+            <a:prstGeom prst="rect">
+              <a:avLst/>
+            </a:prstGeom>
+          </p:spPr>
+        </p:pic>
+        <p:pic>
+          <p:nvPicPr>
+            <p:cNvPr id="5" name="Picture 4"/>
+            <p:cNvPicPr>
+              <a:picLocks noChangeAspect="1"/>
+            </p:cNvPicPr>
+            <p:nvPr/>
+          </p:nvPicPr>
+          <p:blipFill>
+            <a:blip r:embed="rId4" cstate="print">
+              <a:extLst>
+                <a:ext uri="{28A0092B-C50C-407E-A947-70E740481C1C}">
+                  <a14:useLocalDpi xmlns:a14="http://schemas.microsoft.com/office/drawing/2010/main" val="0"/>
+                </a:ext>
+              </a:extLst>
+            </a:blip>
+            <a:stretch>
+              <a:fillRect/>
+            </a:stretch>
+          </p:blipFill>
+          <p:spPr>
+            <a:xfrm>
+              <a:off x="7561871" y="3508817"/>
+              <a:ext cx="1166491" cy="803421"/>
+            </a:xfrm>
+            <a:prstGeom prst="rect">
+              <a:avLst/>
+            </a:prstGeom>
+          </p:spPr>
+        </p:pic>
+        <p:pic>
+          <p:nvPicPr>
+            <p:cNvPr id="6" name="Picture 5"/>
+            <p:cNvPicPr>
+              <a:picLocks noChangeAspect="1"/>
+            </p:cNvPicPr>
+            <p:nvPr/>
+          </p:nvPicPr>
+          <p:blipFill>
+            <a:blip r:embed="rId5" cstate="print">
+              <a:extLst>
+                <a:ext uri="{28A0092B-C50C-407E-A947-70E740481C1C}">
+                  <a14:useLocalDpi xmlns:a14="http://schemas.microsoft.com/office/drawing/2010/main" val="0"/>
+                </a:ext>
+              </a:extLst>
+            </a:blip>
+            <a:stretch>
+              <a:fillRect/>
+            </a:stretch>
+          </p:blipFill>
+          <p:spPr>
+            <a:xfrm>
+              <a:off x="7034172" y="4923627"/>
+              <a:ext cx="2221887" cy="649813"/>
+            </a:xfrm>
+            <a:prstGeom prst="rect">
+              <a:avLst/>
+            </a:prstGeom>
+          </p:spPr>
+        </p:pic>
+        <p:cxnSp>
+          <p:nvCxnSpPr>
+            <p:cNvPr id="7" name="Straight Arrow Connector 6"/>
+            <p:cNvCxnSpPr/>
+            <p:nvPr/>
+          </p:nvCxnSpPr>
+          <p:spPr>
+            <a:xfrm>
+              <a:off x="8145115" y="2929933"/>
+              <a:ext cx="0" cy="446248"/>
+            </a:xfrm>
+            <a:prstGeom prst="straightConnector1">
+              <a:avLst/>
+            </a:prstGeom>
+            <a:ln w="28575">
+              <a:tailEnd type="triangle"/>
+            </a:ln>
+          </p:spPr>
+          <p:style>
+            <a:lnRef idx="1">
+              <a:schemeClr val="accent1"/>
+            </a:lnRef>
+            <a:fillRef idx="0">
+              <a:schemeClr val="accent1"/>
+            </a:fillRef>
+            <a:effectRef idx="0">
+              <a:schemeClr val="accent1"/>
+            </a:effectRef>
+            <a:fontRef idx="minor">
+              <a:schemeClr val="tx1"/>
+            </a:fontRef>
+          </p:style>
+        </p:cxnSp>
+        <p:cxnSp>
+          <p:nvCxnSpPr>
+            <p:cNvPr id="8" name="Straight Arrow Connector 7"/>
+            <p:cNvCxnSpPr/>
+            <p:nvPr/>
+          </p:nvCxnSpPr>
+          <p:spPr>
+            <a:xfrm>
+              <a:off x="8140143" y="4471671"/>
+              <a:ext cx="0" cy="446248"/>
+            </a:xfrm>
+            <a:prstGeom prst="straightConnector1">
+              <a:avLst/>
+            </a:prstGeom>
+            <a:ln w="28575">
+              <a:tailEnd type="triangle"/>
+            </a:ln>
+          </p:spPr>
+          <p:style>
+            <a:lnRef idx="1">
+              <a:schemeClr val="accent1"/>
+            </a:lnRef>
+            <a:fillRef idx="0">
+              <a:schemeClr val="accent1"/>
+            </a:fillRef>
+            <a:effectRef idx="0">
+              <a:schemeClr val="accent1"/>
+            </a:effectRef>
+            <a:fontRef idx="minor">
+              <a:schemeClr val="tx1"/>
+            </a:fontRef>
+          </p:style>
+        </p:cxnSp>
+      </p:grpSp>
+      <p:sp>
+        <p:nvSpPr>
+          <p:cNvPr id="10" name="Plus 9"/>
+          <p:cNvSpPr/>
+          <p:nvPr/>
+        </p:nvSpPr>
+        <p:spPr>
+          <a:xfrm>
+            <a:off x="2824379" y="2901334"/>
+            <a:ext cx="885334" cy="920078"/>
+          </a:xfrm>
+          <a:prstGeom prst="mathPlus">
+            <a:avLst/>
+          </a:prstGeom>
+        </p:spPr>
+        <p:style>
+          <a:lnRef idx="2">
+            <a:schemeClr val="accent1">
+              <a:shade val="50000"/>
+            </a:schemeClr>
+          </a:lnRef>
+          <a:fillRef idx="1">
+            <a:schemeClr val="accent1"/>
+          </a:fillRef>
+          <a:effectRef idx="0">
+            <a:schemeClr val="accent1"/>
+          </a:effectRef>
+          <a:fontRef idx="minor">
+            <a:schemeClr val="lt1"/>
+          </a:fontRef>
+        </p:style>
+        <p:txBody>
+          <a:bodyPr rtlCol="0" anchor="ctr"/>
+          <a:lstStyle/>
+          <a:p>
+            <a:pPr algn="ctr"/>
+            <a:endParaRPr lang="en-US"/>
+          </a:p>
+        </p:txBody>
+      </p:sp>
+      <p:sp>
+        <p:nvSpPr>
+          <p:cNvPr id="11" name="Right Arrow 10"/>
+          <p:cNvSpPr/>
+          <p:nvPr/>
+        </p:nvSpPr>
+        <p:spPr>
+          <a:xfrm>
+            <a:off x="5899807" y="3180477"/>
+            <a:ext cx="776482" cy="418965"/>
+          </a:xfrm>
+          <a:prstGeom prst="rightArrow">
+            <a:avLst/>
+          </a:prstGeom>
+        </p:spPr>
+        <p:style>
+          <a:lnRef idx="2">
+            <a:schemeClr val="accent1">
+              <a:shade val="50000"/>
+            </a:schemeClr>
+          </a:lnRef>
+          <a:fillRef idx="1">
+            <a:schemeClr val="accent1"/>
+          </a:fillRef>
+          <a:effectRef idx="0">
+            <a:schemeClr val="accent1"/>
+          </a:effectRef>
+          <a:fontRef idx="minor">
+            <a:schemeClr val="lt1"/>
+          </a:fontRef>
+        </p:style>
+        <p:txBody>
+          <a:bodyPr rtlCol="0" anchor="ctr"/>
+          <a:lstStyle/>
+          <a:p>
+            <a:pPr algn="ctr"/>
+            <a:endParaRPr lang="en-US"/>
+          </a:p>
+        </p:txBody>
+      </p:sp>
+      <p:pic>
+        <p:nvPicPr>
+          <p:cNvPr id="12" name="Picture 11"/>
+          <p:cNvPicPr>
+            <a:picLocks noChangeAspect="1"/>
+          </p:cNvPicPr>
+          <p:nvPr/>
+        </p:nvPicPr>
+        <p:blipFill>
+          <a:blip r:embed="rId6">
+            <a:extLst>
+              <a:ext uri="{28A0092B-C50C-407E-A947-70E740481C1C}">
+                <a14:useLocalDpi xmlns:a14="http://schemas.microsoft.com/office/drawing/2010/main" val="0"/>
+              </a:ext>
+            </a:extLst>
+          </a:blip>
+          <a:stretch>
+            <a:fillRect/>
+          </a:stretch>
+        </p:blipFill>
+        <p:spPr>
+          <a:xfrm>
+            <a:off x="7343281" y="2769922"/>
+            <a:ext cx="1007705" cy="1007705"/>
+          </a:xfrm>
+          <a:prstGeom prst="rect">
+            <a:avLst/>
+          </a:prstGeom>
+        </p:spPr>
+      </p:pic>
+      <p:sp>
+        <p:nvSpPr>
+          <p:cNvPr id="13" name="TextBox 12"/>
+          <p:cNvSpPr txBox="1"/>
+          <p:nvPr/>
+        </p:nvSpPr>
+        <p:spPr>
+          <a:xfrm>
+            <a:off x="6510320" y="1920392"/>
+            <a:ext cx="2673626" cy="646331"/>
+          </a:xfrm>
+          <a:prstGeom prst="rect">
+            <a:avLst/>
+          </a:prstGeom>
+          <a:noFill/>
+        </p:spPr>
+        <p:txBody>
+          <a:bodyPr wrap="square" rtlCol="0">
+            <a:spAutoFit/>
+          </a:bodyPr>
+          <a:lstStyle/>
+          <a:p>
+            <a:pPr algn="ctr"/>
+            <a:r>
+              <a:rPr lang="en-US" smtClean="0"/>
+              <a:t>Url of </a:t>
+            </a:r>
+          </a:p>
+          <a:p>
+            <a:pPr algn="ctr"/>
+            <a:r>
+              <a:rPr lang="en-US" smtClean="0"/>
+              <a:t>recommended product</a:t>
+            </a:r>
+            <a:endParaRPr lang="en-US"/>
+          </a:p>
+        </p:txBody>
+      </p:sp>
+      <p:pic>
+        <p:nvPicPr>
+          <p:cNvPr id="14" name="Picture 13"/>
+          <p:cNvPicPr>
+            <a:picLocks noChangeAspect="1"/>
+          </p:cNvPicPr>
+          <p:nvPr/>
+        </p:nvPicPr>
+        <p:blipFill>
+          <a:blip r:embed="rId7">
+            <a:extLst>
+              <a:ext uri="{28A0092B-C50C-407E-A947-70E740481C1C}">
+                <a14:useLocalDpi xmlns:a14="http://schemas.microsoft.com/office/drawing/2010/main" val="0"/>
+              </a:ext>
+            </a:extLst>
+          </a:blip>
+          <a:stretch>
+            <a:fillRect/>
+          </a:stretch>
+        </p:blipFill>
+        <p:spPr>
+          <a:xfrm>
+            <a:off x="7107233" y="5304231"/>
+            <a:ext cx="1219099" cy="1219099"/>
+          </a:xfrm>
+          <a:prstGeom prst="rect">
+            <a:avLst/>
+          </a:prstGeom>
+        </p:spPr>
+      </p:pic>
+      <p:sp>
+        <p:nvSpPr>
+          <p:cNvPr id="15" name="Right Arrow 14"/>
+          <p:cNvSpPr/>
+          <p:nvPr/>
+        </p:nvSpPr>
+        <p:spPr>
+          <a:xfrm rot="5400000">
+            <a:off x="7458891" y="4331447"/>
+            <a:ext cx="776482" cy="418965"/>
+          </a:xfrm>
+          <a:prstGeom prst="rightArrow">
+            <a:avLst/>
+          </a:prstGeom>
+        </p:spPr>
+        <p:style>
+          <a:lnRef idx="2">
+            <a:schemeClr val="accent1">
+              <a:shade val="50000"/>
+            </a:schemeClr>
+          </a:lnRef>
+          <a:fillRef idx="1">
+            <a:schemeClr val="accent1"/>
+          </a:fillRef>
+          <a:effectRef idx="0">
+            <a:schemeClr val="accent1"/>
+          </a:effectRef>
+          <a:fontRef idx="minor">
+            <a:schemeClr val="lt1"/>
+          </a:fontRef>
+        </p:style>
+        <p:txBody>
+          <a:bodyPr rtlCol="0" anchor="ctr"/>
+          <a:lstStyle/>
+          <a:p>
+            <a:pPr algn="ctr"/>
+            <a:endParaRPr lang="en-US"/>
+          </a:p>
+        </p:txBody>
+      </p:sp>
+      <p:sp>
+        <p:nvSpPr>
+          <p:cNvPr id="16" name="TextBox 15"/>
+          <p:cNvSpPr txBox="1"/>
+          <p:nvPr/>
+        </p:nvSpPr>
+        <p:spPr>
+          <a:xfrm>
+            <a:off x="8056615" y="4356263"/>
+            <a:ext cx="1265475" cy="369332"/>
+          </a:xfrm>
+          <a:prstGeom prst="rect">
+            <a:avLst/>
+          </a:prstGeom>
+          <a:noFill/>
+        </p:spPr>
+        <p:txBody>
+          <a:bodyPr wrap="none" rtlCol="0">
+            <a:spAutoFit/>
+          </a:bodyPr>
+          <a:lstStyle/>
+          <a:p>
+            <a:r>
+              <a:rPr lang="en-US" smtClean="0"/>
+              <a:t>Parse data</a:t>
+            </a:r>
+            <a:endParaRPr lang="en-US"/>
+          </a:p>
+        </p:txBody>
+      </p:sp>
+      <p:pic>
+        <p:nvPicPr>
+          <p:cNvPr id="17" name="Picture 16"/>
+          <p:cNvPicPr>
+            <a:picLocks noChangeAspect="1"/>
+          </p:cNvPicPr>
+          <p:nvPr/>
+        </p:nvPicPr>
+        <p:blipFill>
+          <a:blip r:embed="rId8" cstate="print">
+            <a:extLst>
+              <a:ext uri="{28A0092B-C50C-407E-A947-70E740481C1C}">
+                <a14:useLocalDpi xmlns:a14="http://schemas.microsoft.com/office/drawing/2010/main" val="0"/>
+              </a:ext>
+            </a:extLst>
+          </a:blip>
+          <a:stretch>
+            <a:fillRect/>
+          </a:stretch>
+        </p:blipFill>
+        <p:spPr>
+          <a:xfrm>
+            <a:off x="4007739" y="5349694"/>
+            <a:ext cx="1461125" cy="1290660"/>
+          </a:xfrm>
+          <a:prstGeom prst="rect">
+            <a:avLst/>
+          </a:prstGeom>
+        </p:spPr>
+      </p:pic>
+      <p:sp>
+        <p:nvSpPr>
+          <p:cNvPr id="18" name="Right Arrow 17"/>
+          <p:cNvSpPr/>
+          <p:nvPr/>
+        </p:nvSpPr>
+        <p:spPr>
+          <a:xfrm flipH="1">
+            <a:off x="5899807" y="5785541"/>
+            <a:ext cx="776482" cy="418965"/>
+          </a:xfrm>
+          <a:prstGeom prst="rightArrow">
+            <a:avLst/>
+          </a:prstGeom>
+        </p:spPr>
+        <p:style>
+          <a:lnRef idx="2">
+            <a:schemeClr val="accent1">
+              <a:shade val="50000"/>
+            </a:schemeClr>
+          </a:lnRef>
+          <a:fillRef idx="1">
+            <a:schemeClr val="accent1"/>
+          </a:fillRef>
+          <a:effectRef idx="0">
+            <a:schemeClr val="accent1"/>
+          </a:effectRef>
+          <a:fontRef idx="minor">
+            <a:schemeClr val="lt1"/>
+          </a:fontRef>
+        </p:style>
+        <p:txBody>
+          <a:bodyPr rtlCol="0" anchor="ctr"/>
+          <a:lstStyle/>
+          <a:p>
+            <a:pPr algn="ctr"/>
+            <a:endParaRPr lang="en-US"/>
+          </a:p>
+        </p:txBody>
+      </p:sp>
+      <p:sp>
+        <p:nvSpPr>
+          <p:cNvPr id="19" name="TextBox 18"/>
+          <p:cNvSpPr txBox="1"/>
+          <p:nvPr/>
+        </p:nvSpPr>
+        <p:spPr>
+          <a:xfrm>
+            <a:off x="5628252" y="6271022"/>
+            <a:ext cx="1319592" cy="369332"/>
+          </a:xfrm>
+          <a:prstGeom prst="rect">
+            <a:avLst/>
+          </a:prstGeom>
+          <a:noFill/>
+        </p:spPr>
+        <p:txBody>
+          <a:bodyPr wrap="none" rtlCol="0">
+            <a:spAutoFit/>
+          </a:bodyPr>
+          <a:lstStyle/>
+          <a:p>
+            <a:r>
+              <a:rPr lang="en-US" smtClean="0"/>
+              <a:t>Send email</a:t>
+            </a:r>
+            <a:endParaRPr lang="en-US"/>
+          </a:p>
+        </p:txBody>
+      </p:sp>
+      <p:sp>
+        <p:nvSpPr>
+          <p:cNvPr id="20" name="TextBox 19"/>
+          <p:cNvSpPr txBox="1"/>
+          <p:nvPr/>
+        </p:nvSpPr>
+        <p:spPr>
+          <a:xfrm>
+            <a:off x="5826135" y="3703352"/>
+            <a:ext cx="873957" cy="369332"/>
+          </a:xfrm>
+          <a:prstGeom prst="rect">
+            <a:avLst/>
+          </a:prstGeom>
+          <a:noFill/>
+        </p:spPr>
+        <p:txBody>
+          <a:bodyPr wrap="none" rtlCol="0">
+            <a:spAutoFit/>
+          </a:bodyPr>
+          <a:lstStyle/>
+          <a:p>
+            <a:r>
+              <a:rPr lang="en-US" smtClean="0"/>
+              <a:t>Search</a:t>
+            </a:r>
+            <a:endParaRPr lang="en-US"/>
+          </a:p>
+        </p:txBody>
+      </p:sp>
+    </p:spTree>
+    <p:extLst>
+      <p:ext uri="{BB962C8B-B14F-4D97-AF65-F5344CB8AC3E}">
+        <p14:creationId xmlns:p14="http://schemas.microsoft.com/office/powerpoint/2010/main" val="3028010030"/>
+      </p:ext>
+    </p:extLst>
+  </p:cSld>
+  <p:clrMapOvr>
+    <a:masterClrMapping/>
+  </p:clrMapOvr>
+</p:sld>
+</file>
+
+<file path=ppt/slides/slide27.xml><?xml version="1.0" encoding="utf-8"?>
+<p:sld xmlns:a="http://schemas.openxmlformats.org/drawingml/2006/main" xmlns:r="http://schemas.openxmlformats.org/officeDocument/2006/relationships" xmlns:p="http://schemas.openxmlformats.org/presentationml/2006/main">
+  <p:cSld>
+    <p:spTree>
+      <p:nvGrpSpPr>
+        <p:cNvPr id="1" name=""/>
+        <p:cNvGrpSpPr/>
+        <p:nvPr/>
+      </p:nvGrpSpPr>
+      <p:grpSpPr>
+        <a:xfrm>
+          <a:off x="0" y="0"/>
+          <a:ext cx="0" cy="0"/>
+          <a:chOff x="0" y="0"/>
+          <a:chExt cx="0" cy="0"/>
+        </a:xfrm>
+      </p:grpSpPr>
+      <p:sp>
+        <p:nvSpPr>
+          <p:cNvPr id="2" name="Title 1"/>
+          <p:cNvSpPr>
+            <a:spLocks noGrp="1"/>
+          </p:cNvSpPr>
+          <p:nvPr>
+            <p:ph type="title"/>
+          </p:nvPr>
+        </p:nvSpPr>
+        <p:spPr/>
+        <p:txBody>
+          <a:bodyPr/>
+          <a:lstStyle/>
+          <a:p>
+            <a:r>
+              <a:rPr lang="en-US"/>
+              <a:t>D</a:t>
+            </a:r>
+            <a:r>
+              <a:rPr lang="en-US" smtClean="0"/>
+              <a:t>emonstration</a:t>
+            </a:r>
+            <a:endParaRPr lang="en-US"/>
+          </a:p>
+        </p:txBody>
+      </p:sp>
+      <p:sp>
+        <p:nvSpPr>
+          <p:cNvPr id="3" name="TextBox 2"/>
+          <p:cNvSpPr txBox="1"/>
+          <p:nvPr/>
+        </p:nvSpPr>
+        <p:spPr>
+          <a:xfrm>
+            <a:off x="677334" y="1468735"/>
+            <a:ext cx="7000634" cy="461665"/>
+          </a:xfrm>
+          <a:prstGeom prst="rect">
+            <a:avLst/>
+          </a:prstGeom>
+          <a:noFill/>
+        </p:spPr>
+        <p:txBody>
+          <a:bodyPr wrap="none" rtlCol="0">
+            <a:spAutoFit/>
+          </a:bodyPr>
+          <a:lstStyle/>
+          <a:p>
+            <a:r>
+              <a:rPr lang="en-US" sz="2400" smtClean="0"/>
+              <a:t>Scenario </a:t>
+            </a:r>
+            <a:r>
+              <a:rPr lang="en-US" sz="2400" smtClean="0"/>
+              <a:t>2: </a:t>
+            </a:r>
+            <a:r>
+              <a:rPr lang="en-US" sz="2400" smtClean="0"/>
+              <a:t>Search laptop and </a:t>
+            </a:r>
+            <a:r>
+              <a:rPr lang="en-US" sz="2400" smtClean="0"/>
+              <a:t>recommend laptop</a:t>
+            </a:r>
+            <a:endParaRPr lang="en-US" sz="2400"/>
+          </a:p>
+        </p:txBody>
+      </p:sp>
+      <p:pic>
+        <p:nvPicPr>
+          <p:cNvPr id="5" name="Picture 4"/>
+          <p:cNvPicPr>
+            <a:picLocks noChangeAspect="1"/>
+          </p:cNvPicPr>
+          <p:nvPr/>
+        </p:nvPicPr>
+        <p:blipFill>
+          <a:blip r:embed="rId2" cstate="print">
+            <a:extLst>
+              <a:ext uri="{28A0092B-C50C-407E-A947-70E740481C1C}">
+                <a14:useLocalDpi xmlns:a14="http://schemas.microsoft.com/office/drawing/2010/main" val="0"/>
+              </a:ext>
+            </a:extLst>
+          </a:blip>
+          <a:stretch>
+            <a:fillRect/>
+          </a:stretch>
+        </p:blipFill>
+        <p:spPr>
+          <a:xfrm>
+            <a:off x="677334" y="2498035"/>
+            <a:ext cx="997227" cy="997227"/>
+          </a:xfrm>
+          <a:prstGeom prst="rect">
+            <a:avLst/>
+          </a:prstGeom>
+        </p:spPr>
+      </p:pic>
+      <p:grpSp>
+        <p:nvGrpSpPr>
+          <p:cNvPr id="6" name="Group 5"/>
+          <p:cNvGrpSpPr/>
+          <p:nvPr/>
+        </p:nvGrpSpPr>
+        <p:grpSpPr>
+          <a:xfrm>
+            <a:off x="3604692" y="2373319"/>
+            <a:ext cx="1219099" cy="1246658"/>
+            <a:chOff x="3826616" y="1780260"/>
+            <a:chExt cx="1219099" cy="1246658"/>
+          </a:xfrm>
+        </p:grpSpPr>
+        <p:pic>
+          <p:nvPicPr>
+            <p:cNvPr id="7" name="Picture 6"/>
+            <p:cNvPicPr>
+              <a:picLocks noChangeAspect="1"/>
+            </p:cNvPicPr>
+            <p:nvPr/>
+          </p:nvPicPr>
+          <p:blipFill>
+            <a:blip r:embed="rId3">
+              <a:extLst>
+                <a:ext uri="{28A0092B-C50C-407E-A947-70E740481C1C}">
+                  <a14:useLocalDpi xmlns:a14="http://schemas.microsoft.com/office/drawing/2010/main" val="0"/>
+                </a:ext>
+              </a:extLst>
+            </a:blip>
+            <a:stretch>
+              <a:fillRect/>
+            </a:stretch>
+          </p:blipFill>
+          <p:spPr>
+            <a:xfrm>
+              <a:off x="3826616" y="1780260"/>
+              <a:ext cx="1219099" cy="1219099"/>
+            </a:xfrm>
+            <a:prstGeom prst="rect">
+              <a:avLst/>
+            </a:prstGeom>
+          </p:spPr>
+        </p:pic>
+        <p:pic>
+          <p:nvPicPr>
+            <p:cNvPr id="8" name="Picture 7"/>
+            <p:cNvPicPr>
+              <a:picLocks noChangeAspect="1"/>
+            </p:cNvPicPr>
+            <p:nvPr/>
+          </p:nvPicPr>
+          <p:blipFill>
+            <a:blip r:embed="rId4" cstate="print">
+              <a:extLst>
+                <a:ext uri="{28A0092B-C50C-407E-A947-70E740481C1C}">
+                  <a14:useLocalDpi xmlns:a14="http://schemas.microsoft.com/office/drawing/2010/main" val="0"/>
+                </a:ext>
+              </a:extLst>
+            </a:blip>
+            <a:stretch>
+              <a:fillRect/>
+            </a:stretch>
+          </p:blipFill>
+          <p:spPr>
+            <a:xfrm>
+              <a:off x="3826616" y="2149012"/>
+              <a:ext cx="877906" cy="877906"/>
+            </a:xfrm>
+            <a:prstGeom prst="rect">
+              <a:avLst/>
+            </a:prstGeom>
+          </p:spPr>
+        </p:pic>
+      </p:grpSp>
+      <p:sp>
+        <p:nvSpPr>
+          <p:cNvPr id="12" name="Right Arrow 11"/>
+          <p:cNvSpPr/>
+          <p:nvPr/>
+        </p:nvSpPr>
+        <p:spPr>
+          <a:xfrm>
+            <a:off x="1933948" y="2742070"/>
+            <a:ext cx="1411357" cy="647173"/>
+          </a:xfrm>
+          <a:prstGeom prst="rightArrow">
+            <a:avLst/>
+          </a:prstGeom>
+        </p:spPr>
+        <p:style>
+          <a:lnRef idx="2">
+            <a:schemeClr val="accent1">
+              <a:shade val="50000"/>
+            </a:schemeClr>
+          </a:lnRef>
+          <a:fillRef idx="1">
+            <a:schemeClr val="accent1"/>
+          </a:fillRef>
+          <a:effectRef idx="0">
+            <a:schemeClr val="accent1"/>
+          </a:effectRef>
+          <a:fontRef idx="minor">
+            <a:schemeClr val="lt1"/>
+          </a:fontRef>
+        </p:style>
+        <p:txBody>
+          <a:bodyPr rtlCol="0" anchor="ctr"/>
+          <a:lstStyle/>
+          <a:p>
+            <a:pPr algn="ctr"/>
+            <a:r>
+              <a:rPr lang="en-US" smtClean="0"/>
+              <a:t>Search</a:t>
+            </a:r>
+            <a:endParaRPr lang="en-US"/>
+          </a:p>
+        </p:txBody>
+      </p:sp>
+      <p:sp>
+        <p:nvSpPr>
+          <p:cNvPr id="14" name="Right Arrow 13"/>
+          <p:cNvSpPr/>
+          <p:nvPr/>
+        </p:nvSpPr>
+        <p:spPr>
+          <a:xfrm rot="8740343" flipV="1">
+            <a:off x="5877207" y="4261425"/>
+            <a:ext cx="1839488" cy="647173"/>
+          </a:xfrm>
+          <a:prstGeom prst="rightArrow">
+            <a:avLst/>
+          </a:prstGeom>
+        </p:spPr>
+        <p:style>
+          <a:lnRef idx="2">
+            <a:schemeClr val="accent1">
+              <a:shade val="50000"/>
+            </a:schemeClr>
+          </a:lnRef>
+          <a:fillRef idx="1">
+            <a:schemeClr val="accent1"/>
+          </a:fillRef>
+          <a:effectRef idx="0">
+            <a:schemeClr val="accent1"/>
+          </a:effectRef>
+          <a:fontRef idx="minor">
+            <a:schemeClr val="lt1"/>
+          </a:fontRef>
+        </p:style>
+        <p:txBody>
+          <a:bodyPr rtlCol="0" anchor="ctr"/>
+          <a:lstStyle/>
+          <a:p>
+            <a:pPr algn="ctr"/>
+            <a:r>
+              <a:rPr lang="en-US" smtClean="0"/>
+              <a:t>Recommend</a:t>
+            </a:r>
+            <a:endParaRPr lang="en-US"/>
+          </a:p>
+        </p:txBody>
+      </p:sp>
+      <p:pic>
+        <p:nvPicPr>
+          <p:cNvPr id="17" name="Picture 16"/>
+          <p:cNvPicPr>
+            <a:picLocks noChangeAspect="1"/>
+          </p:cNvPicPr>
+          <p:nvPr/>
+        </p:nvPicPr>
+        <p:blipFill>
+          <a:blip r:embed="rId5" cstate="print">
+            <a:extLst>
+              <a:ext uri="{28A0092B-C50C-407E-A947-70E740481C1C}">
+                <a14:useLocalDpi xmlns:a14="http://schemas.microsoft.com/office/drawing/2010/main" val="0"/>
+              </a:ext>
+            </a:extLst>
+          </a:blip>
+          <a:stretch>
+            <a:fillRect/>
+          </a:stretch>
+        </p:blipFill>
+        <p:spPr>
+          <a:xfrm>
+            <a:off x="677334" y="5242783"/>
+            <a:ext cx="997227" cy="997227"/>
+          </a:xfrm>
+          <a:prstGeom prst="rect">
+            <a:avLst/>
+          </a:prstGeom>
+        </p:spPr>
+      </p:pic>
+      <p:sp>
+        <p:nvSpPr>
+          <p:cNvPr id="18" name="Right Arrow 17"/>
+          <p:cNvSpPr/>
+          <p:nvPr/>
+        </p:nvSpPr>
+        <p:spPr>
+          <a:xfrm>
+            <a:off x="2193335" y="5417809"/>
+            <a:ext cx="1411357" cy="647173"/>
+          </a:xfrm>
+          <a:prstGeom prst="rightArrow">
+            <a:avLst/>
+          </a:prstGeom>
+        </p:spPr>
+        <p:style>
+          <a:lnRef idx="2">
+            <a:schemeClr val="accent1">
+              <a:shade val="50000"/>
+            </a:schemeClr>
+          </a:lnRef>
+          <a:fillRef idx="1">
+            <a:schemeClr val="accent1"/>
+          </a:fillRef>
+          <a:effectRef idx="0">
+            <a:schemeClr val="accent1"/>
+          </a:effectRef>
+          <a:fontRef idx="minor">
+            <a:schemeClr val="lt1"/>
+          </a:fontRef>
+        </p:style>
+        <p:txBody>
+          <a:bodyPr rtlCol="0" anchor="ctr"/>
+          <a:lstStyle/>
+          <a:p>
+            <a:pPr algn="ctr"/>
+            <a:r>
+              <a:rPr lang="en-US" smtClean="0"/>
+              <a:t>Handle</a:t>
+            </a:r>
+            <a:endParaRPr lang="en-US"/>
+          </a:p>
+        </p:txBody>
+      </p:sp>
+      <p:pic>
+        <p:nvPicPr>
+          <p:cNvPr id="4" name="Picture 3"/>
+          <p:cNvPicPr>
+            <a:picLocks noChangeAspect="1"/>
+          </p:cNvPicPr>
+          <p:nvPr/>
+        </p:nvPicPr>
+        <p:blipFill>
+          <a:blip r:embed="rId6">
+            <a:extLst>
+              <a:ext uri="{28A0092B-C50C-407E-A947-70E740481C1C}">
+                <a14:useLocalDpi xmlns:a14="http://schemas.microsoft.com/office/drawing/2010/main" val="0"/>
+              </a:ext>
+            </a:extLst>
+          </a:blip>
+          <a:stretch>
+            <a:fillRect/>
+          </a:stretch>
+        </p:blipFill>
+        <p:spPr>
+          <a:xfrm>
+            <a:off x="6797490" y="2584965"/>
+            <a:ext cx="2582922" cy="1192118"/>
+          </a:xfrm>
+          <a:prstGeom prst="rect">
+            <a:avLst/>
+          </a:prstGeom>
+        </p:spPr>
+      </p:pic>
+      <p:sp>
+        <p:nvSpPr>
+          <p:cNvPr id="19" name="Right Arrow 18"/>
+          <p:cNvSpPr/>
+          <p:nvPr/>
+        </p:nvSpPr>
+        <p:spPr>
+          <a:xfrm>
+            <a:off x="5044941" y="2742070"/>
+            <a:ext cx="1513517" cy="647173"/>
+          </a:xfrm>
+          <a:prstGeom prst="rightArrow">
+            <a:avLst/>
+          </a:prstGeom>
+        </p:spPr>
+        <p:style>
+          <a:lnRef idx="2">
+            <a:schemeClr val="accent1">
+              <a:shade val="50000"/>
+            </a:schemeClr>
+          </a:lnRef>
+          <a:fillRef idx="1">
+            <a:schemeClr val="accent1"/>
+          </a:fillRef>
+          <a:effectRef idx="0">
+            <a:schemeClr val="accent1"/>
+          </a:effectRef>
+          <a:fontRef idx="minor">
+            <a:schemeClr val="lt1"/>
+          </a:fontRef>
+        </p:style>
+        <p:txBody>
+          <a:bodyPr rtlCol="0" anchor="ctr"/>
+          <a:lstStyle/>
+          <a:p>
+            <a:pPr algn="ctr"/>
+            <a:r>
+              <a:rPr lang="en-US" smtClean="0"/>
+              <a:t>(no result)</a:t>
+            </a:r>
+            <a:endParaRPr lang="en-US"/>
+          </a:p>
+        </p:txBody>
+      </p:sp>
+      <p:pic>
+        <p:nvPicPr>
+          <p:cNvPr id="11" name="Picture 10"/>
+          <p:cNvPicPr>
+            <a:picLocks noChangeAspect="1"/>
+          </p:cNvPicPr>
+          <p:nvPr/>
+        </p:nvPicPr>
+        <p:blipFill>
+          <a:blip r:embed="rId3">
+            <a:extLst>
+              <a:ext uri="{28A0092B-C50C-407E-A947-70E740481C1C}">
+                <a14:useLocalDpi xmlns:a14="http://schemas.microsoft.com/office/drawing/2010/main" val="0"/>
+              </a:ext>
+            </a:extLst>
+          </a:blip>
+          <a:stretch>
+            <a:fillRect/>
+          </a:stretch>
+        </p:blipFill>
+        <p:spPr>
+          <a:xfrm>
+            <a:off x="4120259" y="5020911"/>
+            <a:ext cx="1219099" cy="1219099"/>
+          </a:xfrm>
+          <a:prstGeom prst="rect">
+            <a:avLst/>
+          </a:prstGeom>
+        </p:spPr>
+      </p:pic>
+      <p:pic>
+        <p:nvPicPr>
+          <p:cNvPr id="15" name="Picture 14"/>
+          <p:cNvPicPr>
+            <a:picLocks noChangeAspect="1"/>
+          </p:cNvPicPr>
+          <p:nvPr/>
+        </p:nvPicPr>
+        <p:blipFill>
+          <a:blip r:embed="rId7" cstate="print">
+            <a:extLst>
+              <a:ext uri="{28A0092B-C50C-407E-A947-70E740481C1C}">
+                <a14:useLocalDpi xmlns:a14="http://schemas.microsoft.com/office/drawing/2010/main" val="0"/>
+              </a:ext>
+            </a:extLst>
+          </a:blip>
+          <a:stretch>
+            <a:fillRect/>
+          </a:stretch>
+        </p:blipFill>
+        <p:spPr>
+          <a:xfrm>
+            <a:off x="4877017" y="4633792"/>
+            <a:ext cx="1312793" cy="1750391"/>
+          </a:xfrm>
+          <a:prstGeom prst="rect">
+            <a:avLst/>
+          </a:prstGeom>
+        </p:spPr>
+      </p:pic>
+      <p:pic>
+        <p:nvPicPr>
+          <p:cNvPr id="20" name="Content Placeholder 7"/>
+          <p:cNvPicPr>
+            <a:picLocks noGrp="1" noChangeAspect="1"/>
+          </p:cNvPicPr>
+          <p:nvPr>
+            <p:ph idx="1"/>
+          </p:nvPr>
+        </p:nvPicPr>
+        <p:blipFill>
+          <a:blip r:embed="rId8">
+            <a:extLst>
+              <a:ext uri="{28A0092B-C50C-407E-A947-70E740481C1C}">
+                <a14:useLocalDpi xmlns:a14="http://schemas.microsoft.com/office/drawing/2010/main" val="0"/>
+              </a:ext>
+            </a:extLst>
+          </a:blip>
+          <a:stretch>
+            <a:fillRect/>
+          </a:stretch>
+        </p:blipFill>
+        <p:spPr>
+          <a:xfrm>
+            <a:off x="7998061" y="4964069"/>
+            <a:ext cx="1275941" cy="1275941"/>
+          </a:xfrm>
+        </p:spPr>
+      </p:pic>
+      <p:sp>
+        <p:nvSpPr>
+          <p:cNvPr id="21" name="Right Arrow 20"/>
+          <p:cNvSpPr/>
+          <p:nvPr/>
+        </p:nvSpPr>
+        <p:spPr>
+          <a:xfrm flipH="1">
+            <a:off x="6258716" y="5370904"/>
+            <a:ext cx="1411357" cy="647173"/>
+          </a:xfrm>
+          <a:prstGeom prst="rightArrow">
+            <a:avLst/>
+          </a:prstGeom>
+        </p:spPr>
+        <p:style>
+          <a:lnRef idx="2">
+            <a:schemeClr val="accent1">
+              <a:shade val="50000"/>
+            </a:schemeClr>
+          </a:lnRef>
+          <a:fillRef idx="1">
+            <a:schemeClr val="accent1"/>
+          </a:fillRef>
+          <a:effectRef idx="0">
+            <a:schemeClr val="accent1"/>
+          </a:effectRef>
+          <a:fontRef idx="minor">
+            <a:schemeClr val="lt1"/>
+          </a:fontRef>
+        </p:style>
+        <p:txBody>
+          <a:bodyPr rtlCol="0" anchor="ctr"/>
+          <a:lstStyle/>
+          <a:p>
+            <a:pPr algn="ctr"/>
+            <a:r>
+              <a:rPr lang="en-US" smtClean="0"/>
+              <a:t>Handle</a:t>
+            </a:r>
+            <a:endParaRPr lang="en-US"/>
+          </a:p>
+        </p:txBody>
+      </p:sp>
+      <p:sp>
+        <p:nvSpPr>
+          <p:cNvPr id="23" name="TextBox 22"/>
+          <p:cNvSpPr txBox="1"/>
+          <p:nvPr/>
+        </p:nvSpPr>
+        <p:spPr>
+          <a:xfrm>
+            <a:off x="787058" y="3493255"/>
+            <a:ext cx="777777" cy="369332"/>
+          </a:xfrm>
+          <a:prstGeom prst="rect">
+            <a:avLst/>
+          </a:prstGeom>
+          <a:noFill/>
+        </p:spPr>
+        <p:txBody>
+          <a:bodyPr wrap="none" rtlCol="0">
+            <a:spAutoFit/>
+          </a:bodyPr>
+          <a:lstStyle/>
+          <a:p>
+            <a:r>
+              <a:rPr lang="en-US" smtClean="0"/>
+              <a:t>Guest</a:t>
+            </a:r>
+            <a:endParaRPr lang="en-US"/>
+          </a:p>
+        </p:txBody>
+      </p:sp>
+      <p:sp>
+        <p:nvSpPr>
+          <p:cNvPr id="24" name="TextBox 23"/>
+          <p:cNvSpPr txBox="1"/>
+          <p:nvPr/>
+        </p:nvSpPr>
+        <p:spPr>
+          <a:xfrm>
+            <a:off x="841145" y="6240010"/>
+            <a:ext cx="678391" cy="369332"/>
+          </a:xfrm>
+          <a:prstGeom prst="rect">
+            <a:avLst/>
+          </a:prstGeom>
+          <a:noFill/>
+        </p:spPr>
+        <p:txBody>
+          <a:bodyPr wrap="none" rtlCol="0">
+            <a:spAutoFit/>
+          </a:bodyPr>
+          <a:lstStyle/>
+          <a:p>
+            <a:r>
+              <a:rPr lang="en-US" smtClean="0"/>
+              <a:t>Staff</a:t>
+            </a:r>
+            <a:endParaRPr lang="en-US"/>
+          </a:p>
+        </p:txBody>
+      </p:sp>
+      <p:sp>
+        <p:nvSpPr>
+          <p:cNvPr id="27" name="TextBox 26"/>
+          <p:cNvSpPr txBox="1"/>
+          <p:nvPr/>
+        </p:nvSpPr>
+        <p:spPr>
+          <a:xfrm>
+            <a:off x="8088951" y="6384183"/>
+            <a:ext cx="912429" cy="369332"/>
+          </a:xfrm>
+          <a:prstGeom prst="rect">
+            <a:avLst/>
+          </a:prstGeom>
+          <a:noFill/>
+        </p:spPr>
+        <p:txBody>
+          <a:bodyPr wrap="none" rtlCol="0">
+            <a:spAutoFit/>
+          </a:bodyPr>
+          <a:lstStyle/>
+          <a:p>
+            <a:r>
+              <a:rPr lang="en-US" smtClean="0"/>
+              <a:t>System</a:t>
+            </a:r>
+            <a:endParaRPr lang="en-US"/>
+          </a:p>
+        </p:txBody>
+      </p:sp>
+    </p:spTree>
+    <p:extLst>
+      <p:ext uri="{BB962C8B-B14F-4D97-AF65-F5344CB8AC3E}">
+        <p14:creationId xmlns:p14="http://schemas.microsoft.com/office/powerpoint/2010/main" val="1828700848"/>
+      </p:ext>
+    </p:extLst>
+  </p:cSld>
+  <p:clrMapOvr>
+    <a:masterClrMapping/>
+  </p:clrMapOvr>
+</p:sld>
+</file>
+
+<file path=ppt/slides/slide28.xml><?xml version="1.0" encoding="utf-8"?>
+<p:sld xmlns:a="http://schemas.openxmlformats.org/drawingml/2006/main" xmlns:r="http://schemas.openxmlformats.org/officeDocument/2006/relationships" xmlns:p="http://schemas.openxmlformats.org/presentationml/2006/main">
+  <p:cSld>
+    <p:spTree>
+      <p:nvGrpSpPr>
+        <p:cNvPr id="1" name=""/>
+        <p:cNvGrpSpPr/>
+        <p:nvPr/>
+      </p:nvGrpSpPr>
+      <p:grpSpPr>
+        <a:xfrm>
+          <a:off x="0" y="0"/>
+          <a:ext cx="0" cy="0"/>
+          <a:chOff x="0" y="0"/>
+          <a:chExt cx="0" cy="0"/>
+        </a:xfrm>
+      </p:grpSpPr>
+      <p:sp>
+        <p:nvSpPr>
+          <p:cNvPr id="2" name="Title 1"/>
+          <p:cNvSpPr>
+            <a:spLocks noGrp="1"/>
+          </p:cNvSpPr>
+          <p:nvPr>
+            <p:ph type="title"/>
+          </p:nvPr>
+        </p:nvSpPr>
+        <p:spPr/>
+        <p:txBody>
+          <a:bodyPr/>
+          <a:lstStyle/>
+          <a:p>
+            <a:r>
+              <a:rPr lang="en-US"/>
+              <a:t>D</a:t>
+            </a:r>
+            <a:r>
+              <a:rPr lang="en-US" smtClean="0"/>
+              <a:t>emonstration</a:t>
+            </a:r>
+            <a:endParaRPr lang="en-US"/>
+          </a:p>
+        </p:txBody>
+      </p:sp>
+      <p:sp>
+        <p:nvSpPr>
+          <p:cNvPr id="3" name="TextBox 2"/>
+          <p:cNvSpPr txBox="1"/>
+          <p:nvPr/>
+        </p:nvSpPr>
+        <p:spPr>
+          <a:xfrm>
+            <a:off x="677334" y="1468735"/>
+            <a:ext cx="7726795" cy="461665"/>
+          </a:xfrm>
+          <a:prstGeom prst="rect">
+            <a:avLst/>
+          </a:prstGeom>
+          <a:noFill/>
+        </p:spPr>
+        <p:txBody>
+          <a:bodyPr wrap="none" rtlCol="0">
+            <a:spAutoFit/>
+          </a:bodyPr>
+          <a:lstStyle/>
+          <a:p>
+            <a:r>
+              <a:rPr lang="en-US" sz="2400" smtClean="0"/>
+              <a:t>Scenario </a:t>
+            </a:r>
+            <a:r>
+              <a:rPr lang="en-US" sz="2400"/>
+              <a:t>3</a:t>
+            </a:r>
+            <a:r>
+              <a:rPr lang="en-US" sz="2400" smtClean="0"/>
+              <a:t>: Parse data and handle duplicated products</a:t>
+            </a:r>
+            <a:endParaRPr lang="en-US" sz="2400"/>
+          </a:p>
+        </p:txBody>
+      </p:sp>
+      <p:sp>
+        <p:nvSpPr>
+          <p:cNvPr id="12" name="Right Arrow 11"/>
+          <p:cNvSpPr/>
+          <p:nvPr/>
+        </p:nvSpPr>
+        <p:spPr>
+          <a:xfrm>
+            <a:off x="1933948" y="2742070"/>
+            <a:ext cx="1411357" cy="647173"/>
+          </a:xfrm>
+          <a:prstGeom prst="rightArrow">
+            <a:avLst/>
+          </a:prstGeom>
+        </p:spPr>
+        <p:style>
+          <a:lnRef idx="2">
+            <a:schemeClr val="accent1">
+              <a:shade val="50000"/>
+            </a:schemeClr>
+          </a:lnRef>
+          <a:fillRef idx="1">
+            <a:schemeClr val="accent1"/>
+          </a:fillRef>
+          <a:effectRef idx="0">
+            <a:schemeClr val="accent1"/>
+          </a:effectRef>
+          <a:fontRef idx="minor">
+            <a:schemeClr val="lt1"/>
+          </a:fontRef>
+        </p:style>
+        <p:txBody>
+          <a:bodyPr rtlCol="0" anchor="ctr"/>
+          <a:lstStyle/>
+          <a:p>
+            <a:pPr algn="ctr"/>
+            <a:r>
+              <a:rPr lang="en-US" smtClean="0"/>
+              <a:t>Parse</a:t>
+            </a:r>
+            <a:endParaRPr lang="en-US"/>
+          </a:p>
+        </p:txBody>
+      </p:sp>
+      <p:pic>
+        <p:nvPicPr>
+          <p:cNvPr id="17" name="Picture 16"/>
+          <p:cNvPicPr>
+            <a:picLocks noChangeAspect="1"/>
+          </p:cNvPicPr>
+          <p:nvPr/>
+        </p:nvPicPr>
+        <p:blipFill>
+          <a:blip r:embed="rId2" cstate="print">
+            <a:extLst>
+              <a:ext uri="{28A0092B-C50C-407E-A947-70E740481C1C}">
+                <a14:useLocalDpi xmlns:a14="http://schemas.microsoft.com/office/drawing/2010/main" val="0"/>
+              </a:ext>
+            </a:extLst>
+          </a:blip>
+          <a:stretch>
+            <a:fillRect/>
+          </a:stretch>
+        </p:blipFill>
+        <p:spPr>
+          <a:xfrm>
+            <a:off x="7065991" y="2417468"/>
+            <a:ext cx="997227" cy="997227"/>
+          </a:xfrm>
+          <a:prstGeom prst="rect">
+            <a:avLst/>
+          </a:prstGeom>
+        </p:spPr>
+      </p:pic>
+      <p:pic>
+        <p:nvPicPr>
+          <p:cNvPr id="20" name="Content Placeholder 7"/>
+          <p:cNvPicPr>
+            <a:picLocks noGrp="1" noChangeAspect="1"/>
+          </p:cNvPicPr>
+          <p:nvPr>
+            <p:ph idx="1"/>
+          </p:nvPr>
+        </p:nvPicPr>
+        <p:blipFill>
+          <a:blip r:embed="rId3">
+            <a:extLst>
+              <a:ext uri="{28A0092B-C50C-407E-A947-70E740481C1C}">
+                <a14:useLocalDpi xmlns:a14="http://schemas.microsoft.com/office/drawing/2010/main" val="0"/>
+              </a:ext>
+            </a:extLst>
+          </a:blip>
+          <a:stretch>
+            <a:fillRect/>
+          </a:stretch>
+        </p:blipFill>
+        <p:spPr>
+          <a:xfrm>
+            <a:off x="418975" y="2289656"/>
+            <a:ext cx="1275941" cy="1275941"/>
+          </a:xfrm>
+        </p:spPr>
+      </p:pic>
+      <p:sp>
+        <p:nvSpPr>
+          <p:cNvPr id="24" name="TextBox 23"/>
+          <p:cNvSpPr txBox="1"/>
+          <p:nvPr/>
+        </p:nvSpPr>
+        <p:spPr>
+          <a:xfrm>
+            <a:off x="7229802" y="3414695"/>
+            <a:ext cx="678391" cy="369332"/>
+          </a:xfrm>
+          <a:prstGeom prst="rect">
+            <a:avLst/>
+          </a:prstGeom>
+          <a:noFill/>
+        </p:spPr>
+        <p:txBody>
+          <a:bodyPr wrap="none" rtlCol="0">
+            <a:spAutoFit/>
+          </a:bodyPr>
+          <a:lstStyle/>
+          <a:p>
+            <a:r>
+              <a:rPr lang="en-US" smtClean="0"/>
+              <a:t>Staff</a:t>
+            </a:r>
+            <a:endParaRPr lang="en-US"/>
+          </a:p>
+        </p:txBody>
+      </p:sp>
+      <p:sp>
+        <p:nvSpPr>
+          <p:cNvPr id="27" name="TextBox 26"/>
+          <p:cNvSpPr txBox="1"/>
+          <p:nvPr/>
+        </p:nvSpPr>
+        <p:spPr>
+          <a:xfrm>
+            <a:off x="604083" y="3565597"/>
+            <a:ext cx="912429" cy="369332"/>
+          </a:xfrm>
+          <a:prstGeom prst="rect">
+            <a:avLst/>
+          </a:prstGeom>
+          <a:noFill/>
+        </p:spPr>
+        <p:txBody>
+          <a:bodyPr wrap="none" rtlCol="0">
+            <a:spAutoFit/>
+          </a:bodyPr>
+          <a:lstStyle/>
+          <a:p>
+            <a:r>
+              <a:rPr lang="en-US" smtClean="0"/>
+              <a:t>System</a:t>
+            </a:r>
+            <a:endParaRPr lang="en-US"/>
+          </a:p>
+        </p:txBody>
+      </p:sp>
+      <p:sp>
+        <p:nvSpPr>
+          <p:cNvPr id="22" name="Right Arrow 21"/>
+          <p:cNvSpPr/>
+          <p:nvPr/>
+        </p:nvSpPr>
+        <p:spPr>
+          <a:xfrm flipH="1">
+            <a:off x="5415603" y="2742070"/>
+            <a:ext cx="1411357" cy="647173"/>
+          </a:xfrm>
+          <a:prstGeom prst="rightArrow">
+            <a:avLst/>
+          </a:prstGeom>
+        </p:spPr>
+        <p:style>
+          <a:lnRef idx="2">
+            <a:schemeClr val="accent1">
+              <a:shade val="50000"/>
+            </a:schemeClr>
+          </a:lnRef>
+          <a:fillRef idx="1">
+            <a:schemeClr val="accent1"/>
+          </a:fillRef>
+          <a:effectRef idx="0">
+            <a:schemeClr val="accent1"/>
+          </a:effectRef>
+          <a:fontRef idx="minor">
+            <a:schemeClr val="lt1"/>
+          </a:fontRef>
+        </p:style>
+        <p:txBody>
+          <a:bodyPr rtlCol="0" anchor="ctr"/>
+          <a:lstStyle/>
+          <a:p>
+            <a:pPr algn="ctr"/>
+            <a:r>
+              <a:rPr lang="en-US" smtClean="0"/>
+              <a:t>Handle</a:t>
+            </a:r>
+            <a:endParaRPr lang="en-US"/>
+          </a:p>
+        </p:txBody>
+      </p:sp>
+      <p:pic>
+        <p:nvPicPr>
+          <p:cNvPr id="25" name="Picture 24"/>
+          <p:cNvPicPr>
+            <a:picLocks noChangeAspect="1"/>
+          </p:cNvPicPr>
+          <p:nvPr/>
+        </p:nvPicPr>
+        <p:blipFill>
+          <a:blip r:embed="rId4">
+            <a:extLst>
+              <a:ext uri="{28A0092B-C50C-407E-A947-70E740481C1C}">
+                <a14:useLocalDpi xmlns:a14="http://schemas.microsoft.com/office/drawing/2010/main" val="0"/>
+              </a:ext>
+            </a:extLst>
+          </a:blip>
+          <a:stretch>
+            <a:fillRect/>
+          </a:stretch>
+        </p:blipFill>
+        <p:spPr>
+          <a:xfrm>
+            <a:off x="3492200" y="2554397"/>
+            <a:ext cx="1219099" cy="1219099"/>
+          </a:xfrm>
+          <a:prstGeom prst="rect">
+            <a:avLst/>
+          </a:prstGeom>
+        </p:spPr>
+      </p:pic>
+      <p:pic>
+        <p:nvPicPr>
+          <p:cNvPr id="26" name="Picture 25"/>
+          <p:cNvPicPr>
+            <a:picLocks noChangeAspect="1"/>
+          </p:cNvPicPr>
+          <p:nvPr/>
+        </p:nvPicPr>
+        <p:blipFill>
+          <a:blip r:embed="rId4">
+            <a:extLst>
+              <a:ext uri="{28A0092B-C50C-407E-A947-70E740481C1C}">
+                <a14:useLocalDpi xmlns:a14="http://schemas.microsoft.com/office/drawing/2010/main" val="0"/>
+              </a:ext>
+            </a:extLst>
+          </a:blip>
+          <a:stretch>
+            <a:fillRect/>
+          </a:stretch>
+        </p:blipFill>
+        <p:spPr>
+          <a:xfrm>
+            <a:off x="4049608" y="2417468"/>
+            <a:ext cx="1219099" cy="1219099"/>
           </a:xfrm>
           <a:prstGeom prst="rect">
             <a:avLst/>
@@ -25327,7 +32229,115 @@
     </p:spTree>
     <p:extLst>
       <p:ext uri="{BB962C8B-B14F-4D97-AF65-F5344CB8AC3E}">
-        <p14:creationId xmlns:p14="http://schemas.microsoft.com/office/powerpoint/2010/main" val="3046013017"/>
+        <p14:creationId xmlns:p14="http://schemas.microsoft.com/office/powerpoint/2010/main" val="1892252876"/>
+      </p:ext>
+    </p:extLst>
+  </p:cSld>
+  <p:clrMapOvr>
+    <a:masterClrMapping/>
+  </p:clrMapOvr>
+</p:sld>
+</file>
+
+<file path=ppt/slides/slide29.xml><?xml version="1.0" encoding="utf-8"?>
+<p:sld xmlns:a="http://schemas.openxmlformats.org/drawingml/2006/main" xmlns:r="http://schemas.openxmlformats.org/officeDocument/2006/relationships" xmlns:p="http://schemas.openxmlformats.org/presentationml/2006/main">
+  <p:cSld>
+    <p:spTree>
+      <p:nvGrpSpPr>
+        <p:cNvPr id="1" name=""/>
+        <p:cNvGrpSpPr/>
+        <p:nvPr/>
+      </p:nvGrpSpPr>
+      <p:grpSpPr>
+        <a:xfrm>
+          <a:off x="0" y="0"/>
+          <a:ext cx="0" cy="0"/>
+          <a:chOff x="0" y="0"/>
+          <a:chExt cx="0" cy="0"/>
+        </a:xfrm>
+      </p:grpSpPr>
+      <p:sp>
+        <p:nvSpPr>
+          <p:cNvPr id="2" name="Title 1"/>
+          <p:cNvSpPr>
+            <a:spLocks noGrp="1"/>
+          </p:cNvSpPr>
+          <p:nvPr>
+            <p:ph type="title"/>
+          </p:nvPr>
+        </p:nvSpPr>
+        <p:spPr/>
+        <p:txBody>
+          <a:bodyPr/>
+          <a:lstStyle/>
+          <a:p>
+            <a:r>
+              <a:rPr lang="en-US" smtClean="0"/>
+              <a:t>Mobile Application</a:t>
+            </a:r>
+            <a:endParaRPr lang="en-US"/>
+          </a:p>
+        </p:txBody>
+      </p:sp>
+      <p:graphicFrame>
+        <p:nvGraphicFramePr>
+          <p:cNvPr id="4" name="Content Placeholder 3"/>
+          <p:cNvGraphicFramePr>
+            <a:graphicFrameLocks noGrp="1"/>
+          </p:cNvGraphicFramePr>
+          <p:nvPr>
+            <p:ph idx="1"/>
+            <p:extLst>
+              <p:ext uri="{D42A27DB-BD31-4B8C-83A1-F6EECF244321}">
+                <p14:modId xmlns:p14="http://schemas.microsoft.com/office/powerpoint/2010/main" val="627623980"/>
+              </p:ext>
+            </p:extLst>
+          </p:nvPr>
+        </p:nvGraphicFramePr>
+        <p:xfrm>
+          <a:off x="1512470" y="2502719"/>
+          <a:ext cx="7472504" cy="4017351"/>
+        </p:xfrm>
+        <a:graphic>
+          <a:graphicData uri="http://schemas.openxmlformats.org/drawingml/2006/diagram">
+            <dgm:relIds xmlns:dgm="http://schemas.openxmlformats.org/drawingml/2006/diagram" xmlns:r="http://schemas.openxmlformats.org/officeDocument/2006/relationships" r:dm="rId2" r:lo="rId3" r:qs="rId4" r:cs="rId5"/>
+          </a:graphicData>
+        </a:graphic>
+      </p:graphicFrame>
+      <p:sp>
+        <p:nvSpPr>
+          <p:cNvPr id="5" name="TextBox 4"/>
+          <p:cNvSpPr txBox="1"/>
+          <p:nvPr/>
+        </p:nvSpPr>
+        <p:spPr>
+          <a:xfrm>
+            <a:off x="677334" y="1699567"/>
+            <a:ext cx="1380506" cy="461665"/>
+          </a:xfrm>
+          <a:prstGeom prst="rect">
+            <a:avLst/>
+          </a:prstGeom>
+          <a:noFill/>
+        </p:spPr>
+        <p:txBody>
+          <a:bodyPr wrap="none" rtlCol="0">
+            <a:spAutoFit/>
+          </a:bodyPr>
+          <a:lstStyle/>
+          <a:p>
+            <a:r>
+              <a:rPr lang="en-US" sz="2400" smtClean="0"/>
+              <a:t>Features</a:t>
+            </a:r>
+            <a:endParaRPr lang="en-US" sz="2400"/>
+          </a:p>
+        </p:txBody>
+      </p:sp>
+    </p:spTree>
+    <p:extLst>
+      <p:ext uri="{BB962C8B-B14F-4D97-AF65-F5344CB8AC3E}">
+        <p14:creationId xmlns:p14="http://schemas.microsoft.com/office/powerpoint/2010/main" val="1743021214"/>
       </p:ext>
     </p:extLst>
   </p:cSld>
@@ -25418,6 +32428,816 @@
       </p:par>
     </p:tnLst>
   </p:timing>
+</p:sld>
+</file>
+
+<file path=ppt/slides/slide30.xml><?xml version="1.0" encoding="utf-8"?>
+<p:sld xmlns:a="http://schemas.openxmlformats.org/drawingml/2006/main" xmlns:r="http://schemas.openxmlformats.org/officeDocument/2006/relationships" xmlns:p="http://schemas.openxmlformats.org/presentationml/2006/main">
+  <p:cSld>
+    <p:spTree>
+      <p:nvGrpSpPr>
+        <p:cNvPr id="1" name=""/>
+        <p:cNvGrpSpPr/>
+        <p:nvPr/>
+      </p:nvGrpSpPr>
+      <p:grpSpPr>
+        <a:xfrm>
+          <a:off x="0" y="0"/>
+          <a:ext cx="0" cy="0"/>
+          <a:chOff x="0" y="0"/>
+          <a:chExt cx="0" cy="0"/>
+        </a:xfrm>
+      </p:grpSpPr>
+      <p:sp>
+        <p:nvSpPr>
+          <p:cNvPr id="2" name="Title 1"/>
+          <p:cNvSpPr>
+            <a:spLocks noGrp="1"/>
+          </p:cNvSpPr>
+          <p:nvPr>
+            <p:ph type="title"/>
+          </p:nvPr>
+        </p:nvSpPr>
+        <p:spPr/>
+        <p:txBody>
+          <a:bodyPr/>
+          <a:lstStyle/>
+          <a:p>
+            <a:r>
+              <a:rPr lang="en-US"/>
+              <a:t>D</a:t>
+            </a:r>
+            <a:r>
+              <a:rPr lang="en-US" smtClean="0"/>
+              <a:t>emonstration</a:t>
+            </a:r>
+            <a:endParaRPr lang="en-US"/>
+          </a:p>
+        </p:txBody>
+      </p:sp>
+      <p:sp>
+        <p:nvSpPr>
+          <p:cNvPr id="3" name="TextBox 2"/>
+          <p:cNvSpPr txBox="1"/>
+          <p:nvPr/>
+        </p:nvSpPr>
+        <p:spPr>
+          <a:xfrm>
+            <a:off x="677334" y="1468735"/>
+            <a:ext cx="4355680" cy="461665"/>
+          </a:xfrm>
+          <a:prstGeom prst="rect">
+            <a:avLst/>
+          </a:prstGeom>
+          <a:noFill/>
+        </p:spPr>
+        <p:txBody>
+          <a:bodyPr wrap="none" rtlCol="0">
+            <a:spAutoFit/>
+          </a:bodyPr>
+          <a:lstStyle/>
+          <a:p>
+            <a:r>
+              <a:rPr lang="en-US" sz="2400" smtClean="0"/>
+              <a:t>Scenario </a:t>
+            </a:r>
+            <a:r>
+              <a:rPr lang="en-US" sz="2400" smtClean="0"/>
+              <a:t>4: Mobile application</a:t>
+            </a:r>
+            <a:endParaRPr lang="en-US" sz="2400"/>
+          </a:p>
+        </p:txBody>
+      </p:sp>
+      <p:pic>
+        <p:nvPicPr>
+          <p:cNvPr id="13" name="Picture 12"/>
+          <p:cNvPicPr>
+            <a:picLocks noChangeAspect="1"/>
+          </p:cNvPicPr>
+          <p:nvPr/>
+        </p:nvPicPr>
+        <p:blipFill>
+          <a:blip r:embed="rId2" cstate="print">
+            <a:extLst>
+              <a:ext uri="{28A0092B-C50C-407E-A947-70E740481C1C}">
+                <a14:useLocalDpi xmlns:a14="http://schemas.microsoft.com/office/drawing/2010/main" val="0"/>
+              </a:ext>
+            </a:extLst>
+          </a:blip>
+          <a:stretch>
+            <a:fillRect/>
+          </a:stretch>
+        </p:blipFill>
+        <p:spPr>
+          <a:xfrm>
+            <a:off x="677334" y="2498035"/>
+            <a:ext cx="997227" cy="997227"/>
+          </a:xfrm>
+          <a:prstGeom prst="rect">
+            <a:avLst/>
+          </a:prstGeom>
+        </p:spPr>
+      </p:pic>
+      <p:grpSp>
+        <p:nvGrpSpPr>
+          <p:cNvPr id="14" name="Group 13"/>
+          <p:cNvGrpSpPr/>
+          <p:nvPr/>
+        </p:nvGrpSpPr>
+        <p:grpSpPr>
+          <a:xfrm>
+            <a:off x="3604692" y="2373319"/>
+            <a:ext cx="1219099" cy="1246658"/>
+            <a:chOff x="3826616" y="1780260"/>
+            <a:chExt cx="1219099" cy="1246658"/>
+          </a:xfrm>
+        </p:grpSpPr>
+        <p:pic>
+          <p:nvPicPr>
+            <p:cNvPr id="15" name="Picture 14"/>
+            <p:cNvPicPr>
+              <a:picLocks noChangeAspect="1"/>
+            </p:cNvPicPr>
+            <p:nvPr/>
+          </p:nvPicPr>
+          <p:blipFill>
+            <a:blip r:embed="rId3">
+              <a:extLst>
+                <a:ext uri="{28A0092B-C50C-407E-A947-70E740481C1C}">
+                  <a14:useLocalDpi xmlns:a14="http://schemas.microsoft.com/office/drawing/2010/main" val="0"/>
+                </a:ext>
+              </a:extLst>
+            </a:blip>
+            <a:stretch>
+              <a:fillRect/>
+            </a:stretch>
+          </p:blipFill>
+          <p:spPr>
+            <a:xfrm>
+              <a:off x="3826616" y="1780260"/>
+              <a:ext cx="1219099" cy="1219099"/>
+            </a:xfrm>
+            <a:prstGeom prst="rect">
+              <a:avLst/>
+            </a:prstGeom>
+          </p:spPr>
+        </p:pic>
+        <p:pic>
+          <p:nvPicPr>
+            <p:cNvPr id="16" name="Picture 15"/>
+            <p:cNvPicPr>
+              <a:picLocks noChangeAspect="1"/>
+            </p:cNvPicPr>
+            <p:nvPr/>
+          </p:nvPicPr>
+          <p:blipFill>
+            <a:blip r:embed="rId4" cstate="print">
+              <a:extLst>
+                <a:ext uri="{28A0092B-C50C-407E-A947-70E740481C1C}">
+                  <a14:useLocalDpi xmlns:a14="http://schemas.microsoft.com/office/drawing/2010/main" val="0"/>
+                </a:ext>
+              </a:extLst>
+            </a:blip>
+            <a:stretch>
+              <a:fillRect/>
+            </a:stretch>
+          </p:blipFill>
+          <p:spPr>
+            <a:xfrm>
+              <a:off x="3826616" y="2149012"/>
+              <a:ext cx="877906" cy="877906"/>
+            </a:xfrm>
+            <a:prstGeom prst="rect">
+              <a:avLst/>
+            </a:prstGeom>
+          </p:spPr>
+        </p:pic>
+      </p:grpSp>
+      <p:pic>
+        <p:nvPicPr>
+          <p:cNvPr id="19" name="Picture 18"/>
+          <p:cNvPicPr>
+            <a:picLocks noChangeAspect="1"/>
+          </p:cNvPicPr>
+          <p:nvPr/>
+        </p:nvPicPr>
+        <p:blipFill>
+          <a:blip r:embed="rId5" cstate="print">
+            <a:extLst>
+              <a:ext uri="{28A0092B-C50C-407E-A947-70E740481C1C}">
+                <a14:useLocalDpi xmlns:a14="http://schemas.microsoft.com/office/drawing/2010/main" val="0"/>
+              </a:ext>
+            </a:extLst>
+          </a:blip>
+          <a:stretch>
+            <a:fillRect/>
+          </a:stretch>
+        </p:blipFill>
+        <p:spPr>
+          <a:xfrm>
+            <a:off x="3236085" y="5322708"/>
+            <a:ext cx="2244235" cy="1512053"/>
+          </a:xfrm>
+          <a:prstGeom prst="rect">
+            <a:avLst/>
+          </a:prstGeom>
+        </p:spPr>
+      </p:pic>
+      <p:sp>
+        <p:nvSpPr>
+          <p:cNvPr id="21" name="Right Arrow 20"/>
+          <p:cNvSpPr/>
+          <p:nvPr/>
+        </p:nvSpPr>
+        <p:spPr>
+          <a:xfrm>
+            <a:off x="1933948" y="2742070"/>
+            <a:ext cx="1411357" cy="647173"/>
+          </a:xfrm>
+          <a:prstGeom prst="rightArrow">
+            <a:avLst/>
+          </a:prstGeom>
+        </p:spPr>
+        <p:style>
+          <a:lnRef idx="2">
+            <a:schemeClr val="accent1">
+              <a:shade val="50000"/>
+            </a:schemeClr>
+          </a:lnRef>
+          <a:fillRef idx="1">
+            <a:schemeClr val="accent1"/>
+          </a:fillRef>
+          <a:effectRef idx="0">
+            <a:schemeClr val="accent1"/>
+          </a:effectRef>
+          <a:fontRef idx="minor">
+            <a:schemeClr val="lt1"/>
+          </a:fontRef>
+        </p:style>
+        <p:txBody>
+          <a:bodyPr rtlCol="0" anchor="ctr"/>
+          <a:lstStyle/>
+          <a:p>
+            <a:pPr algn="ctr"/>
+            <a:r>
+              <a:rPr lang="en-US" smtClean="0"/>
+              <a:t>Search</a:t>
+            </a:r>
+            <a:endParaRPr lang="en-US"/>
+          </a:p>
+        </p:txBody>
+      </p:sp>
+      <p:sp>
+        <p:nvSpPr>
+          <p:cNvPr id="23" name="Right Arrow 22"/>
+          <p:cNvSpPr/>
+          <p:nvPr/>
+        </p:nvSpPr>
+        <p:spPr>
+          <a:xfrm rot="16200000" flipH="1" flipV="1">
+            <a:off x="3424617" y="3957159"/>
+            <a:ext cx="1538769" cy="1178620"/>
+          </a:xfrm>
+          <a:prstGeom prst="rightArrow">
+            <a:avLst/>
+          </a:prstGeom>
+        </p:spPr>
+        <p:style>
+          <a:lnRef idx="2">
+            <a:schemeClr val="accent1">
+              <a:shade val="50000"/>
+            </a:schemeClr>
+          </a:lnRef>
+          <a:fillRef idx="1">
+            <a:schemeClr val="accent1"/>
+          </a:fillRef>
+          <a:effectRef idx="0">
+            <a:schemeClr val="accent1"/>
+          </a:effectRef>
+          <a:fontRef idx="minor">
+            <a:schemeClr val="lt1"/>
+          </a:fontRef>
+        </p:style>
+        <p:txBody>
+          <a:bodyPr rtlCol="0" anchor="ctr"/>
+          <a:lstStyle/>
+          <a:p>
+            <a:pPr algn="ctr"/>
+            <a:r>
+              <a:rPr lang="en-US" smtClean="0"/>
+              <a:t>Read comments</a:t>
+            </a:r>
+            <a:endParaRPr lang="en-US"/>
+          </a:p>
+        </p:txBody>
+      </p:sp>
+      <p:sp>
+        <p:nvSpPr>
+          <p:cNvPr id="28" name="Right Arrow 27"/>
+          <p:cNvSpPr/>
+          <p:nvPr/>
+        </p:nvSpPr>
+        <p:spPr>
+          <a:xfrm rot="10800000" flipH="1" flipV="1">
+            <a:off x="5757582" y="5646097"/>
+            <a:ext cx="1411357" cy="647173"/>
+          </a:xfrm>
+          <a:prstGeom prst="rightArrow">
+            <a:avLst/>
+          </a:prstGeom>
+        </p:spPr>
+        <p:style>
+          <a:lnRef idx="2">
+            <a:schemeClr val="accent1">
+              <a:shade val="50000"/>
+            </a:schemeClr>
+          </a:lnRef>
+          <a:fillRef idx="1">
+            <a:schemeClr val="accent1"/>
+          </a:fillRef>
+          <a:effectRef idx="0">
+            <a:schemeClr val="accent1"/>
+          </a:effectRef>
+          <a:fontRef idx="minor">
+            <a:schemeClr val="lt1"/>
+          </a:fontRef>
+        </p:style>
+        <p:txBody>
+          <a:bodyPr rtlCol="0" anchor="ctr"/>
+          <a:lstStyle/>
+          <a:p>
+            <a:pPr algn="ctr"/>
+            <a:r>
+              <a:rPr lang="en-US" smtClean="0"/>
+              <a:t>Write</a:t>
+            </a:r>
+            <a:endParaRPr lang="en-US"/>
+          </a:p>
+        </p:txBody>
+      </p:sp>
+      <p:sp>
+        <p:nvSpPr>
+          <p:cNvPr id="32" name="TextBox 31"/>
+          <p:cNvSpPr txBox="1"/>
+          <p:nvPr/>
+        </p:nvSpPr>
+        <p:spPr>
+          <a:xfrm>
+            <a:off x="787058" y="3592418"/>
+            <a:ext cx="777777" cy="369332"/>
+          </a:xfrm>
+          <a:prstGeom prst="rect">
+            <a:avLst/>
+          </a:prstGeom>
+          <a:noFill/>
+        </p:spPr>
+        <p:txBody>
+          <a:bodyPr wrap="none" rtlCol="0">
+            <a:spAutoFit/>
+          </a:bodyPr>
+          <a:lstStyle/>
+          <a:p>
+            <a:r>
+              <a:rPr lang="en-US" smtClean="0"/>
+              <a:t>Guest</a:t>
+            </a:r>
+            <a:endParaRPr lang="en-US"/>
+          </a:p>
+        </p:txBody>
+      </p:sp>
+      <p:sp>
+        <p:nvSpPr>
+          <p:cNvPr id="34" name="Right Arrow 33"/>
+          <p:cNvSpPr/>
+          <p:nvPr/>
+        </p:nvSpPr>
+        <p:spPr>
+          <a:xfrm rot="8176329" flipH="1" flipV="1">
+            <a:off x="5467436" y="4095668"/>
+            <a:ext cx="1715781" cy="647173"/>
+          </a:xfrm>
+          <a:prstGeom prst="rightArrow">
+            <a:avLst/>
+          </a:prstGeom>
+        </p:spPr>
+        <p:style>
+          <a:lnRef idx="2">
+            <a:schemeClr val="accent1">
+              <a:shade val="50000"/>
+            </a:schemeClr>
+          </a:lnRef>
+          <a:fillRef idx="1">
+            <a:schemeClr val="accent1"/>
+          </a:fillRef>
+          <a:effectRef idx="0">
+            <a:schemeClr val="accent1"/>
+          </a:effectRef>
+          <a:fontRef idx="minor">
+            <a:schemeClr val="lt1"/>
+          </a:fontRef>
+        </p:style>
+        <p:txBody>
+          <a:bodyPr rtlCol="0" anchor="ctr"/>
+          <a:lstStyle/>
+          <a:p>
+            <a:pPr algn="ctr"/>
+            <a:r>
+              <a:rPr lang="en-US" smtClean="0"/>
+              <a:t>Add favorite</a:t>
+            </a:r>
+            <a:endParaRPr lang="en-US"/>
+          </a:p>
+        </p:txBody>
+      </p:sp>
+      <p:pic>
+        <p:nvPicPr>
+          <p:cNvPr id="6" name="Picture 5"/>
+          <p:cNvPicPr>
+            <a:picLocks noChangeAspect="1"/>
+          </p:cNvPicPr>
+          <p:nvPr/>
+        </p:nvPicPr>
+        <p:blipFill>
+          <a:blip r:embed="rId6">
+            <a:extLst>
+              <a:ext uri="{28A0092B-C50C-407E-A947-70E740481C1C}">
+                <a14:useLocalDpi xmlns:a14="http://schemas.microsoft.com/office/drawing/2010/main" val="0"/>
+              </a:ext>
+            </a:extLst>
+          </a:blip>
+          <a:stretch>
+            <a:fillRect/>
+          </a:stretch>
+        </p:blipFill>
+        <p:spPr>
+          <a:xfrm>
+            <a:off x="7323704" y="2628737"/>
+            <a:ext cx="2442226" cy="1228745"/>
+          </a:xfrm>
+          <a:prstGeom prst="rect">
+            <a:avLst/>
+          </a:prstGeom>
+        </p:spPr>
+      </p:pic>
+      <p:pic>
+        <p:nvPicPr>
+          <p:cNvPr id="7" name="Picture 6"/>
+          <p:cNvPicPr>
+            <a:picLocks noChangeAspect="1"/>
+          </p:cNvPicPr>
+          <p:nvPr/>
+        </p:nvPicPr>
+        <p:blipFill>
+          <a:blip r:embed="rId7">
+            <a:extLst>
+              <a:ext uri="{28A0092B-C50C-407E-A947-70E740481C1C}">
+                <a14:useLocalDpi xmlns:a14="http://schemas.microsoft.com/office/drawing/2010/main" val="0"/>
+              </a:ext>
+            </a:extLst>
+          </a:blip>
+          <a:stretch>
+            <a:fillRect/>
+          </a:stretch>
+        </p:blipFill>
+        <p:spPr>
+          <a:xfrm>
+            <a:off x="7666382" y="5379963"/>
+            <a:ext cx="1179443" cy="1179443"/>
+          </a:xfrm>
+          <a:prstGeom prst="rect">
+            <a:avLst/>
+          </a:prstGeom>
+        </p:spPr>
+      </p:pic>
+    </p:spTree>
+    <p:extLst>
+      <p:ext uri="{BB962C8B-B14F-4D97-AF65-F5344CB8AC3E}">
+        <p14:creationId xmlns:p14="http://schemas.microsoft.com/office/powerpoint/2010/main" val="1140281771"/>
+      </p:ext>
+    </p:extLst>
+  </p:cSld>
+  <p:clrMapOvr>
+    <a:masterClrMapping/>
+  </p:clrMapOvr>
+</p:sld>
+</file>
+
+<file path=ppt/slides/slide31.xml><?xml version="1.0" encoding="utf-8"?>
+<p:sld xmlns:a="http://schemas.openxmlformats.org/drawingml/2006/main" xmlns:r="http://schemas.openxmlformats.org/officeDocument/2006/relationships" xmlns:p="http://schemas.openxmlformats.org/presentationml/2006/main">
+  <p:cSld>
+    <p:spTree>
+      <p:nvGrpSpPr>
+        <p:cNvPr id="1" name=""/>
+        <p:cNvGrpSpPr/>
+        <p:nvPr/>
+      </p:nvGrpSpPr>
+      <p:grpSpPr>
+        <a:xfrm>
+          <a:off x="0" y="0"/>
+          <a:ext cx="0" cy="0"/>
+          <a:chOff x="0" y="0"/>
+          <a:chExt cx="0" cy="0"/>
+        </a:xfrm>
+      </p:grpSpPr>
+      <p:sp>
+        <p:nvSpPr>
+          <p:cNvPr id="2" name="Title 1"/>
+          <p:cNvSpPr>
+            <a:spLocks noGrp="1"/>
+          </p:cNvSpPr>
+          <p:nvPr>
+            <p:ph type="title"/>
+          </p:nvPr>
+        </p:nvSpPr>
+        <p:spPr/>
+        <p:txBody>
+          <a:bodyPr/>
+          <a:lstStyle/>
+          <a:p>
+            <a:r>
+              <a:rPr lang="en-US"/>
+              <a:t>Advantages </a:t>
+            </a:r>
+            <a:r>
+              <a:rPr lang="en-US"/>
+              <a:t>AND  </a:t>
+            </a:r>
+            <a:r>
+              <a:rPr lang="en-US" smtClean="0"/>
+              <a:t>Disadvantages</a:t>
+            </a:r>
+            <a:endParaRPr lang="en-US"/>
+          </a:p>
+        </p:txBody>
+      </p:sp>
+      <p:sp>
+        <p:nvSpPr>
+          <p:cNvPr id="3" name="Content Placeholder 2"/>
+          <p:cNvSpPr>
+            <a:spLocks noGrp="1"/>
+          </p:cNvSpPr>
+          <p:nvPr>
+            <p:ph idx="1"/>
+          </p:nvPr>
+        </p:nvSpPr>
+        <p:spPr/>
+        <p:txBody>
+          <a:bodyPr/>
+          <a:lstStyle/>
+          <a:p>
+            <a:endParaRPr lang="en-US"/>
+          </a:p>
+        </p:txBody>
+      </p:sp>
+    </p:spTree>
+    <p:extLst>
+      <p:ext uri="{BB962C8B-B14F-4D97-AF65-F5344CB8AC3E}">
+        <p14:creationId xmlns:p14="http://schemas.microsoft.com/office/powerpoint/2010/main" val="1259118695"/>
+      </p:ext>
+    </p:extLst>
+  </p:cSld>
+  <p:clrMapOvr>
+    <a:masterClrMapping/>
+  </p:clrMapOvr>
+</p:sld>
+</file>
+
+<file path=ppt/slides/slide32.xml><?xml version="1.0" encoding="utf-8"?>
+<p:sld xmlns:a="http://schemas.openxmlformats.org/drawingml/2006/main" xmlns:r="http://schemas.openxmlformats.org/officeDocument/2006/relationships" xmlns:p="http://schemas.openxmlformats.org/presentationml/2006/main">
+  <p:cSld>
+    <p:spTree>
+      <p:nvGrpSpPr>
+        <p:cNvPr id="1" name=""/>
+        <p:cNvGrpSpPr/>
+        <p:nvPr/>
+      </p:nvGrpSpPr>
+      <p:grpSpPr>
+        <a:xfrm>
+          <a:off x="0" y="0"/>
+          <a:ext cx="0" cy="0"/>
+          <a:chOff x="0" y="0"/>
+          <a:chExt cx="0" cy="0"/>
+        </a:xfrm>
+      </p:grpSpPr>
+      <p:sp>
+        <p:nvSpPr>
+          <p:cNvPr id="2" name="Title 1"/>
+          <p:cNvSpPr>
+            <a:spLocks noGrp="1"/>
+          </p:cNvSpPr>
+          <p:nvPr>
+            <p:ph type="title"/>
+          </p:nvPr>
+        </p:nvSpPr>
+        <p:spPr/>
+        <p:txBody>
+          <a:bodyPr/>
+          <a:lstStyle/>
+          <a:p>
+            <a:r>
+              <a:rPr lang="en-US" smtClean="0"/>
+              <a:t>Future plans</a:t>
+            </a:r>
+            <a:endParaRPr lang="en-US"/>
+          </a:p>
+        </p:txBody>
+      </p:sp>
+      <p:sp>
+        <p:nvSpPr>
+          <p:cNvPr id="3" name="Content Placeholder 2"/>
+          <p:cNvSpPr>
+            <a:spLocks noGrp="1"/>
+          </p:cNvSpPr>
+          <p:nvPr>
+            <p:ph idx="1"/>
+          </p:nvPr>
+        </p:nvSpPr>
+        <p:spPr/>
+        <p:txBody>
+          <a:bodyPr/>
+          <a:lstStyle/>
+          <a:p>
+            <a:endParaRPr lang="en-US"/>
+          </a:p>
+        </p:txBody>
+      </p:sp>
+    </p:spTree>
+    <p:extLst>
+      <p:ext uri="{BB962C8B-B14F-4D97-AF65-F5344CB8AC3E}">
+        <p14:creationId xmlns:p14="http://schemas.microsoft.com/office/powerpoint/2010/main" val="2230996004"/>
+      </p:ext>
+    </p:extLst>
+  </p:cSld>
+  <p:clrMapOvr>
+    <a:masterClrMapping/>
+  </p:clrMapOvr>
+</p:sld>
+</file>
+
+<file path=ppt/slides/slide33.xml><?xml version="1.0" encoding="utf-8"?>
+<p:sld xmlns:a="http://schemas.openxmlformats.org/drawingml/2006/main" xmlns:r="http://schemas.openxmlformats.org/officeDocument/2006/relationships" xmlns:p="http://schemas.openxmlformats.org/presentationml/2006/main">
+  <p:cSld>
+    <p:spTree>
+      <p:nvGrpSpPr>
+        <p:cNvPr id="1" name=""/>
+        <p:cNvGrpSpPr/>
+        <p:nvPr/>
+      </p:nvGrpSpPr>
+      <p:grpSpPr>
+        <a:xfrm>
+          <a:off x="0" y="0"/>
+          <a:ext cx="0" cy="0"/>
+          <a:chOff x="0" y="0"/>
+          <a:chExt cx="0" cy="0"/>
+        </a:xfrm>
+      </p:grpSpPr>
+      <p:pic>
+        <p:nvPicPr>
+          <p:cNvPr id="5" name="Picture 4"/>
+          <p:cNvPicPr>
+            <a:picLocks noChangeAspect="1"/>
+          </p:cNvPicPr>
+          <p:nvPr/>
+        </p:nvPicPr>
+        <p:blipFill>
+          <a:blip r:embed="rId2">
+            <a:extLst>
+              <a:ext uri="{28A0092B-C50C-407E-A947-70E740481C1C}">
+                <a14:useLocalDpi xmlns:a14="http://schemas.microsoft.com/office/drawing/2010/main" val="0"/>
+              </a:ext>
+            </a:extLst>
+          </a:blip>
+          <a:stretch>
+            <a:fillRect/>
+          </a:stretch>
+        </p:blipFill>
+        <p:spPr>
+          <a:xfrm>
+            <a:off x="1961874" y="1498877"/>
+            <a:ext cx="5207000" cy="3721100"/>
+          </a:xfrm>
+          <a:prstGeom prst="rect">
+            <a:avLst/>
+          </a:prstGeom>
+        </p:spPr>
+      </p:pic>
+    </p:spTree>
+    <p:extLst>
+      <p:ext uri="{BB962C8B-B14F-4D97-AF65-F5344CB8AC3E}">
+        <p14:creationId xmlns:p14="http://schemas.microsoft.com/office/powerpoint/2010/main" val="1293187926"/>
+      </p:ext>
+    </p:extLst>
+  </p:cSld>
+  <p:clrMapOvr>
+    <a:masterClrMapping/>
+  </p:clrMapOvr>
+</p:sld>
+</file>
+
+<file path=ppt/slides/slide34.xml><?xml version="1.0" encoding="utf-8"?>
+<p:sld xmlns:a="http://schemas.openxmlformats.org/drawingml/2006/main" xmlns:r="http://schemas.openxmlformats.org/officeDocument/2006/relationships" xmlns:p="http://schemas.openxmlformats.org/presentationml/2006/main">
+  <p:cSld>
+    <p:spTree>
+      <p:nvGrpSpPr>
+        <p:cNvPr id="1" name=""/>
+        <p:cNvGrpSpPr/>
+        <p:nvPr/>
+      </p:nvGrpSpPr>
+      <p:grpSpPr>
+        <a:xfrm>
+          <a:off x="0" y="0"/>
+          <a:ext cx="0" cy="0"/>
+          <a:chOff x="0" y="0"/>
+          <a:chExt cx="0" cy="0"/>
+        </a:xfrm>
+      </p:grpSpPr>
+      <p:sp>
+        <p:nvSpPr>
+          <p:cNvPr id="5" name="TextBox 4"/>
+          <p:cNvSpPr txBox="1"/>
+          <p:nvPr/>
+        </p:nvSpPr>
+        <p:spPr>
+          <a:xfrm>
+            <a:off x="2276060" y="2763076"/>
+            <a:ext cx="6440556" cy="1323439"/>
+          </a:xfrm>
+          <a:prstGeom prst="rect">
+            <a:avLst/>
+          </a:prstGeom>
+          <a:noFill/>
+        </p:spPr>
+        <p:txBody>
+          <a:bodyPr wrap="square" rtlCol="0">
+            <a:spAutoFit/>
+          </a:bodyPr>
+          <a:lstStyle/>
+          <a:p>
+            <a:r>
+              <a:rPr lang="en-US" sz="8000" b="1" smtClean="0">
+                <a:ln w="12700">
+                  <a:solidFill>
+                    <a:schemeClr val="accent1"/>
+                  </a:solidFill>
+                  <a:prstDash val="solid"/>
+                </a:ln>
+                <a:pattFill prst="pct50">
+                  <a:fgClr>
+                    <a:schemeClr val="accent1"/>
+                  </a:fgClr>
+                  <a:bgClr>
+                    <a:schemeClr val="accent1">
+                      <a:lumMod val="20000"/>
+                      <a:lumOff val="80000"/>
+                    </a:schemeClr>
+                  </a:bgClr>
+                </a:pattFill>
+                <a:effectLst>
+                  <a:outerShdw dist="38100" dir="2640000" algn="bl" rotWithShape="0">
+                    <a:schemeClr val="accent1"/>
+                  </a:outerShdw>
+                </a:effectLst>
+              </a:rPr>
+              <a:t>Thank You!</a:t>
+            </a:r>
+            <a:endParaRPr lang="en-US" sz="8000" b="1">
+              <a:ln w="12700">
+                <a:solidFill>
+                  <a:schemeClr val="accent1"/>
+                </a:solidFill>
+                <a:prstDash val="solid"/>
+              </a:ln>
+              <a:pattFill prst="pct50">
+                <a:fgClr>
+                  <a:schemeClr val="accent1"/>
+                </a:fgClr>
+                <a:bgClr>
+                  <a:schemeClr val="accent1">
+                    <a:lumMod val="20000"/>
+                    <a:lumOff val="80000"/>
+                  </a:schemeClr>
+                </a:bgClr>
+              </a:pattFill>
+              <a:effectLst>
+                <a:outerShdw dist="38100" dir="2640000" algn="bl" rotWithShape="0">
+                  <a:schemeClr val="accent1"/>
+                </a:outerShdw>
+              </a:effectLst>
+            </a:endParaRPr>
+          </a:p>
+        </p:txBody>
+      </p:sp>
+    </p:spTree>
+    <p:extLst>
+      <p:ext uri="{BB962C8B-B14F-4D97-AF65-F5344CB8AC3E}">
+        <p14:creationId xmlns:p14="http://schemas.microsoft.com/office/powerpoint/2010/main" val="1987316609"/>
+      </p:ext>
+    </p:extLst>
+  </p:cSld>
+  <p:clrMapOvr>
+    <a:masterClrMapping/>
+  </p:clrMapOvr>
 </p:sld>
 </file>
 

--- a/Reports/LRA.pptx
+++ b/Reports/LRA.pptx
@@ -9467,643 +9467,6 @@
       <dsp:cNvGrpSpPr/>
     </dsp:nvGrpSpPr>
     <dsp:grpSpPr/>
-    <dsp:sp modelId="{38D94112-4B62-4450-BAB0-6C010E898920}">
-      <dsp:nvSpPr>
-        <dsp:cNvPr id="0" name=""/>
-        <dsp:cNvSpPr/>
-      </dsp:nvSpPr>
-      <dsp:spPr>
-        <a:xfrm>
-          <a:off x="841796" y="699"/>
-          <a:ext cx="1808986" cy="1246392"/>
-        </a:xfrm>
-        <a:prstGeom prst="roundRect">
-          <a:avLst/>
-        </a:prstGeom>
-        <a:blipFill dpi="0" rotWithShape="1">
-          <a:blip xmlns:r="http://schemas.openxmlformats.org/officeDocument/2006/relationships" r:embed="rId1" cstate="print">
-            <a:extLst>
-              <a:ext uri="{28A0092B-C50C-407E-A947-70E740481C1C}">
-                <a14:useLocalDpi xmlns:a14="http://schemas.microsoft.com/office/drawing/2010/main" val="0"/>
-              </a:ext>
-            </a:extLst>
-          </a:blip>
-          <a:srcRect/>
-          <a:stretch>
-            <a:fillRect l="15550" r="15550"/>
-          </a:stretch>
-        </a:blipFill>
-        <a:ln>
-          <a:noFill/>
-        </a:ln>
-        <a:effectLst>
-          <a:outerShdw blurRad="38100" dist="25400" dir="5400000" rotWithShape="0">
-            <a:srgbClr val="000000">
-              <a:alpha val="35000"/>
-            </a:srgbClr>
-          </a:outerShdw>
-        </a:effectLst>
-        <a:scene3d>
-          <a:camera prst="orthographicFront">
-            <a:rot lat="0" lon="0" rev="0"/>
-          </a:camera>
-          <a:lightRig rig="contrasting" dir="t">
-            <a:rot lat="0" lon="0" rev="1200000"/>
-          </a:lightRig>
-        </a:scene3d>
-        <a:sp3d contourW="19050" prstMaterial="metal">
-          <a:bevelT w="88900" h="203200"/>
-          <a:bevelB w="165100" h="254000"/>
-        </a:sp3d>
-      </dsp:spPr>
-      <dsp:style>
-        <a:lnRef idx="0">
-          <a:scrgbClr r="0" g="0" b="0"/>
-        </a:lnRef>
-        <a:fillRef idx="1">
-          <a:scrgbClr r="0" g="0" b="0"/>
-        </a:fillRef>
-        <a:effectRef idx="2">
-          <a:scrgbClr r="0" g="0" b="0"/>
-        </a:effectRef>
-        <a:fontRef idx="minor">
-          <a:schemeClr val="lt1"/>
-        </a:fontRef>
-      </dsp:style>
-    </dsp:sp>
-    <dsp:sp modelId="{50032E18-2E0A-4D65-A348-2C9C3E9B8328}">
-      <dsp:nvSpPr>
-        <dsp:cNvPr id="0" name=""/>
-        <dsp:cNvSpPr/>
-      </dsp:nvSpPr>
-      <dsp:spPr>
-        <a:xfrm>
-          <a:off x="841796" y="1247091"/>
-          <a:ext cx="1808986" cy="671134"/>
-        </a:xfrm>
-        <a:prstGeom prst="rect">
-          <a:avLst/>
-        </a:prstGeom>
-        <a:noFill/>
-        <a:ln w="12700" cap="rnd" cmpd="sng" algn="ctr">
-          <a:solidFill>
-            <a:schemeClr val="dk1">
-              <a:alpha val="0"/>
-              <a:hueOff val="0"/>
-              <a:satOff val="0"/>
-              <a:lumOff val="0"/>
-              <a:alphaOff val="0"/>
-            </a:schemeClr>
-          </a:solidFill>
-          <a:prstDash val="solid"/>
-        </a:ln>
-        <a:effectLst/>
-      </dsp:spPr>
-      <dsp:style>
-        <a:lnRef idx="1">
-          <a:scrgbClr r="0" g="0" b="0"/>
-        </a:lnRef>
-        <a:fillRef idx="0">
-          <a:scrgbClr r="0" g="0" b="0"/>
-        </a:fillRef>
-        <a:effectRef idx="0">
-          <a:scrgbClr r="0" g="0" b="0"/>
-        </a:effectRef>
-        <a:fontRef idx="minor"/>
-      </dsp:style>
-      <dsp:txBody>
-        <a:bodyPr spcFirstLastPara="0" vert="horz" wrap="square" lIns="135128" tIns="135128" rIns="135128" bIns="0" numCol="1" spcCol="1270" anchor="t" anchorCtr="0">
-          <a:noAutofit/>
-        </a:bodyPr>
-        <a:lstStyle/>
-        <a:p>
-          <a:pPr lvl="0" algn="ctr" defTabSz="844550">
-            <a:lnSpc>
-              <a:spcPct val="90000"/>
-            </a:lnSpc>
-            <a:spcBef>
-              <a:spcPct val="0"/>
-            </a:spcBef>
-            <a:spcAft>
-              <a:spcPct val="35000"/>
-            </a:spcAft>
-          </a:pPr>
-          <a:r>
-            <a:rPr lang="en-US" sz="1900" kern="1200" dirty="0" smtClean="0"/>
-            <a:t>Search</a:t>
-          </a:r>
-          <a:endParaRPr lang="en-GB" sz="1900" kern="1200" dirty="0"/>
-        </a:p>
-      </dsp:txBody>
-      <dsp:txXfrm>
-        <a:off x="841796" y="1247091"/>
-        <a:ext cx="1808986" cy="671134"/>
-      </dsp:txXfrm>
-    </dsp:sp>
-    <dsp:sp modelId="{36FAAB07-1BD4-42B4-8036-62B0F623ED4C}">
-      <dsp:nvSpPr>
-        <dsp:cNvPr id="0" name=""/>
-        <dsp:cNvSpPr/>
-      </dsp:nvSpPr>
-      <dsp:spPr>
-        <a:xfrm>
-          <a:off x="2831758" y="699"/>
-          <a:ext cx="1808986" cy="1246392"/>
-        </a:xfrm>
-        <a:prstGeom prst="roundRect">
-          <a:avLst/>
-        </a:prstGeom>
-        <a:blipFill rotWithShape="1">
-          <a:blip xmlns:r="http://schemas.openxmlformats.org/officeDocument/2006/relationships" r:embed="rId2"/>
-          <a:stretch>
-            <a:fillRect/>
-          </a:stretch>
-        </a:blipFill>
-        <a:ln>
-          <a:noFill/>
-        </a:ln>
-        <a:effectLst>
-          <a:outerShdw blurRad="38100" dist="25400" dir="5400000" rotWithShape="0">
-            <a:srgbClr val="000000">
-              <a:alpha val="35000"/>
-            </a:srgbClr>
-          </a:outerShdw>
-        </a:effectLst>
-        <a:scene3d>
-          <a:camera prst="orthographicFront">
-            <a:rot lat="0" lon="0" rev="0"/>
-          </a:camera>
-          <a:lightRig rig="contrasting" dir="t">
-            <a:rot lat="0" lon="0" rev="1200000"/>
-          </a:lightRig>
-        </a:scene3d>
-        <a:sp3d contourW="19050" prstMaterial="metal">
-          <a:bevelT w="88900" h="203200"/>
-          <a:bevelB w="165100" h="254000"/>
-        </a:sp3d>
-      </dsp:spPr>
-      <dsp:style>
-        <a:lnRef idx="0">
-          <a:scrgbClr r="0" g="0" b="0"/>
-        </a:lnRef>
-        <a:fillRef idx="1">
-          <a:scrgbClr r="0" g="0" b="0"/>
-        </a:fillRef>
-        <a:effectRef idx="2">
-          <a:scrgbClr r="0" g="0" b="0"/>
-        </a:effectRef>
-        <a:fontRef idx="minor">
-          <a:schemeClr val="lt1"/>
-        </a:fontRef>
-      </dsp:style>
-    </dsp:sp>
-    <dsp:sp modelId="{AB026361-32AF-4200-8E3C-B6BC87A0F3C1}">
-      <dsp:nvSpPr>
-        <dsp:cNvPr id="0" name=""/>
-        <dsp:cNvSpPr/>
-      </dsp:nvSpPr>
-      <dsp:spPr>
-        <a:xfrm>
-          <a:off x="2831758" y="1247091"/>
-          <a:ext cx="1808986" cy="671134"/>
-        </a:xfrm>
-        <a:prstGeom prst="rect">
-          <a:avLst/>
-        </a:prstGeom>
-        <a:noFill/>
-        <a:ln w="12700" cap="rnd" cmpd="sng" algn="ctr">
-          <a:solidFill>
-            <a:schemeClr val="dk1">
-              <a:alpha val="0"/>
-              <a:hueOff val="0"/>
-              <a:satOff val="0"/>
-              <a:lumOff val="0"/>
-              <a:alphaOff val="0"/>
-            </a:schemeClr>
-          </a:solidFill>
-          <a:prstDash val="solid"/>
-        </a:ln>
-        <a:effectLst/>
-      </dsp:spPr>
-      <dsp:style>
-        <a:lnRef idx="1">
-          <a:scrgbClr r="0" g="0" b="0"/>
-        </a:lnRef>
-        <a:fillRef idx="0">
-          <a:scrgbClr r="0" g="0" b="0"/>
-        </a:fillRef>
-        <a:effectRef idx="0">
-          <a:scrgbClr r="0" g="0" b="0"/>
-        </a:effectRef>
-        <a:fontRef idx="minor"/>
-      </dsp:style>
-      <dsp:txBody>
-        <a:bodyPr spcFirstLastPara="0" vert="horz" wrap="square" lIns="135128" tIns="135128" rIns="135128" bIns="0" numCol="1" spcCol="1270" anchor="t" anchorCtr="0">
-          <a:noAutofit/>
-        </a:bodyPr>
-        <a:lstStyle/>
-        <a:p>
-          <a:pPr lvl="0" algn="ctr" defTabSz="844550">
-            <a:lnSpc>
-              <a:spcPct val="90000"/>
-            </a:lnSpc>
-            <a:spcBef>
-              <a:spcPct val="0"/>
-            </a:spcBef>
-            <a:spcAft>
-              <a:spcPct val="35000"/>
-            </a:spcAft>
-          </a:pPr>
-          <a:r>
-            <a:rPr lang="en-US" sz="1900" kern="1200" smtClean="0"/>
-            <a:t>Recommend product</a:t>
-          </a:r>
-          <a:endParaRPr lang="en-GB" sz="1900" kern="1200" dirty="0"/>
-        </a:p>
-      </dsp:txBody>
-      <dsp:txXfrm>
-        <a:off x="2831758" y="1247091"/>
-        <a:ext cx="1808986" cy="671134"/>
-      </dsp:txXfrm>
-    </dsp:sp>
-    <dsp:sp modelId="{DB4DFF25-2111-49EB-BC56-4ACC6D2E3C4A}">
-      <dsp:nvSpPr>
-        <dsp:cNvPr id="0" name=""/>
-        <dsp:cNvSpPr/>
-      </dsp:nvSpPr>
-      <dsp:spPr>
-        <a:xfrm>
-          <a:off x="4821720" y="699"/>
-          <a:ext cx="1808986" cy="1246392"/>
-        </a:xfrm>
-        <a:prstGeom prst="roundRect">
-          <a:avLst/>
-        </a:prstGeom>
-        <a:blipFill rotWithShape="1">
-          <a:blip xmlns:r="http://schemas.openxmlformats.org/officeDocument/2006/relationships" r:embed="rId3"/>
-          <a:stretch>
-            <a:fillRect/>
-          </a:stretch>
-        </a:blipFill>
-        <a:ln>
-          <a:noFill/>
-        </a:ln>
-        <a:effectLst>
-          <a:outerShdw blurRad="38100" dist="25400" dir="5400000" rotWithShape="0">
-            <a:srgbClr val="000000">
-              <a:alpha val="35000"/>
-            </a:srgbClr>
-          </a:outerShdw>
-        </a:effectLst>
-        <a:scene3d>
-          <a:camera prst="orthographicFront">
-            <a:rot lat="0" lon="0" rev="0"/>
-          </a:camera>
-          <a:lightRig rig="contrasting" dir="t">
-            <a:rot lat="0" lon="0" rev="1200000"/>
-          </a:lightRig>
-        </a:scene3d>
-        <a:sp3d contourW="19050" prstMaterial="metal">
-          <a:bevelT w="88900" h="203200"/>
-          <a:bevelB w="165100" h="254000"/>
-        </a:sp3d>
-      </dsp:spPr>
-      <dsp:style>
-        <a:lnRef idx="0">
-          <a:scrgbClr r="0" g="0" b="0"/>
-        </a:lnRef>
-        <a:fillRef idx="1">
-          <a:scrgbClr r="0" g="0" b="0"/>
-        </a:fillRef>
-        <a:effectRef idx="2">
-          <a:scrgbClr r="0" g="0" b="0"/>
-        </a:effectRef>
-        <a:fontRef idx="minor">
-          <a:schemeClr val="lt1"/>
-        </a:fontRef>
-      </dsp:style>
-    </dsp:sp>
-    <dsp:sp modelId="{E88444CE-513E-46DB-98BB-1DE2BC38E1BB}">
-      <dsp:nvSpPr>
-        <dsp:cNvPr id="0" name=""/>
-        <dsp:cNvSpPr/>
-      </dsp:nvSpPr>
-      <dsp:spPr>
-        <a:xfrm>
-          <a:off x="4821720" y="1247091"/>
-          <a:ext cx="1808986" cy="671134"/>
-        </a:xfrm>
-        <a:prstGeom prst="rect">
-          <a:avLst/>
-        </a:prstGeom>
-        <a:noFill/>
-        <a:ln w="12700" cap="rnd" cmpd="sng" algn="ctr">
-          <a:solidFill>
-            <a:schemeClr val="dk1">
-              <a:alpha val="0"/>
-              <a:hueOff val="0"/>
-              <a:satOff val="0"/>
-              <a:lumOff val="0"/>
-              <a:alphaOff val="0"/>
-            </a:schemeClr>
-          </a:solidFill>
-          <a:prstDash val="solid"/>
-        </a:ln>
-        <a:effectLst/>
-      </dsp:spPr>
-      <dsp:style>
-        <a:lnRef idx="1">
-          <a:scrgbClr r="0" g="0" b="0"/>
-        </a:lnRef>
-        <a:fillRef idx="0">
-          <a:scrgbClr r="0" g="0" b="0"/>
-        </a:fillRef>
-        <a:effectRef idx="0">
-          <a:scrgbClr r="0" g="0" b="0"/>
-        </a:effectRef>
-        <a:fontRef idx="minor"/>
-      </dsp:style>
-      <dsp:txBody>
-        <a:bodyPr spcFirstLastPara="0" vert="horz" wrap="square" lIns="135128" tIns="135128" rIns="135128" bIns="0" numCol="1" spcCol="1270" anchor="t" anchorCtr="0">
-          <a:noAutofit/>
-        </a:bodyPr>
-        <a:lstStyle/>
-        <a:p>
-          <a:pPr lvl="0" algn="ctr" defTabSz="844550">
-            <a:lnSpc>
-              <a:spcPct val="90000"/>
-            </a:lnSpc>
-            <a:spcBef>
-              <a:spcPct val="0"/>
-            </a:spcBef>
-            <a:spcAft>
-              <a:spcPct val="35000"/>
-            </a:spcAft>
-          </a:pPr>
-          <a:r>
-            <a:rPr lang="en-US" sz="1900" kern="1200" smtClean="0"/>
-            <a:t>Report comment</a:t>
-          </a:r>
-          <a:endParaRPr lang="en-GB" sz="1900" kern="1200" dirty="0"/>
-        </a:p>
-      </dsp:txBody>
-      <dsp:txXfrm>
-        <a:off x="4821720" y="1247091"/>
-        <a:ext cx="1808986" cy="671134"/>
-      </dsp:txXfrm>
-    </dsp:sp>
-    <dsp:sp modelId="{B77A94D5-558B-4298-8C2F-665637DEF3C5}">
-      <dsp:nvSpPr>
-        <dsp:cNvPr id="0" name=""/>
-        <dsp:cNvSpPr/>
-      </dsp:nvSpPr>
-      <dsp:spPr>
-        <a:xfrm>
-          <a:off x="1836777" y="2099124"/>
-          <a:ext cx="1808986" cy="1246392"/>
-        </a:xfrm>
-        <a:prstGeom prst="roundRect">
-          <a:avLst/>
-        </a:prstGeom>
-        <a:blipFill rotWithShape="1">
-          <a:blip xmlns:r="http://schemas.openxmlformats.org/officeDocument/2006/relationships" r:embed="rId4"/>
-          <a:stretch>
-            <a:fillRect/>
-          </a:stretch>
-        </a:blipFill>
-        <a:ln>
-          <a:noFill/>
-        </a:ln>
-        <a:effectLst>
-          <a:outerShdw blurRad="38100" dist="25400" dir="5400000" rotWithShape="0">
-            <a:srgbClr val="000000">
-              <a:alpha val="35000"/>
-            </a:srgbClr>
-          </a:outerShdw>
-        </a:effectLst>
-        <a:scene3d>
-          <a:camera prst="orthographicFront">
-            <a:rot lat="0" lon="0" rev="0"/>
-          </a:camera>
-          <a:lightRig rig="contrasting" dir="t">
-            <a:rot lat="0" lon="0" rev="1200000"/>
-          </a:lightRig>
-        </a:scene3d>
-        <a:sp3d contourW="19050" prstMaterial="metal">
-          <a:bevelT w="88900" h="203200"/>
-          <a:bevelB w="165100" h="254000"/>
-        </a:sp3d>
-      </dsp:spPr>
-      <dsp:style>
-        <a:lnRef idx="0">
-          <a:scrgbClr r="0" g="0" b="0"/>
-        </a:lnRef>
-        <a:fillRef idx="1">
-          <a:scrgbClr r="0" g="0" b="0"/>
-        </a:fillRef>
-        <a:effectRef idx="2">
-          <a:scrgbClr r="0" g="0" b="0"/>
-        </a:effectRef>
-        <a:fontRef idx="minor">
-          <a:schemeClr val="lt1"/>
-        </a:fontRef>
-      </dsp:style>
-    </dsp:sp>
-    <dsp:sp modelId="{0DA19ACC-408E-4451-802F-CB6DD2B511B0}">
-      <dsp:nvSpPr>
-        <dsp:cNvPr id="0" name=""/>
-        <dsp:cNvSpPr/>
-      </dsp:nvSpPr>
-      <dsp:spPr>
-        <a:xfrm>
-          <a:off x="1836777" y="3345516"/>
-          <a:ext cx="1808986" cy="671134"/>
-        </a:xfrm>
-        <a:prstGeom prst="rect">
-          <a:avLst/>
-        </a:prstGeom>
-        <a:noFill/>
-        <a:ln w="12700" cap="rnd" cmpd="sng" algn="ctr">
-          <a:solidFill>
-            <a:schemeClr val="dk1">
-              <a:alpha val="0"/>
-              <a:hueOff val="0"/>
-              <a:satOff val="0"/>
-              <a:lumOff val="0"/>
-              <a:alphaOff val="0"/>
-            </a:schemeClr>
-          </a:solidFill>
-          <a:prstDash val="solid"/>
-        </a:ln>
-        <a:effectLst/>
-      </dsp:spPr>
-      <dsp:style>
-        <a:lnRef idx="1">
-          <a:scrgbClr r="0" g="0" b="0"/>
-        </a:lnRef>
-        <a:fillRef idx="0">
-          <a:scrgbClr r="0" g="0" b="0"/>
-        </a:fillRef>
-        <a:effectRef idx="0">
-          <a:scrgbClr r="0" g="0" b="0"/>
-        </a:effectRef>
-        <a:fontRef idx="minor"/>
-      </dsp:style>
-      <dsp:txBody>
-        <a:bodyPr spcFirstLastPara="0" vert="horz" wrap="square" lIns="135128" tIns="135128" rIns="135128" bIns="0" numCol="1" spcCol="1270" anchor="t" anchorCtr="0">
-          <a:noAutofit/>
-        </a:bodyPr>
-        <a:lstStyle/>
-        <a:p>
-          <a:pPr lvl="0" algn="ctr" defTabSz="844550">
-            <a:lnSpc>
-              <a:spcPct val="90000"/>
-            </a:lnSpc>
-            <a:spcBef>
-              <a:spcPct val="0"/>
-            </a:spcBef>
-            <a:spcAft>
-              <a:spcPct val="35000"/>
-            </a:spcAft>
-          </a:pPr>
-          <a:r>
-            <a:rPr lang="en-GB" sz="1900" kern="1200" smtClean="0"/>
-            <a:t>Add favorite product</a:t>
-          </a:r>
-          <a:endParaRPr lang="en-GB" sz="1900" kern="1200" dirty="0"/>
-        </a:p>
-      </dsp:txBody>
-      <dsp:txXfrm>
-        <a:off x="1836777" y="3345516"/>
-        <a:ext cx="1808986" cy="671134"/>
-      </dsp:txXfrm>
-    </dsp:sp>
-    <dsp:sp modelId="{42108F33-182C-4014-975C-104417C9CEFC}">
-      <dsp:nvSpPr>
-        <dsp:cNvPr id="0" name=""/>
-        <dsp:cNvSpPr/>
-      </dsp:nvSpPr>
-      <dsp:spPr>
-        <a:xfrm>
-          <a:off x="3826739" y="2099124"/>
-          <a:ext cx="1808986" cy="1246392"/>
-        </a:xfrm>
-        <a:prstGeom prst="roundRect">
-          <a:avLst/>
-        </a:prstGeom>
-        <a:blipFill rotWithShape="1">
-          <a:blip xmlns:r="http://schemas.openxmlformats.org/officeDocument/2006/relationships" r:embed="rId5"/>
-          <a:stretch>
-            <a:fillRect/>
-          </a:stretch>
-        </a:blipFill>
-        <a:ln>
-          <a:noFill/>
-        </a:ln>
-        <a:effectLst>
-          <a:outerShdw blurRad="38100" dist="25400" dir="5400000" rotWithShape="0">
-            <a:srgbClr val="000000">
-              <a:alpha val="35000"/>
-            </a:srgbClr>
-          </a:outerShdw>
-        </a:effectLst>
-        <a:scene3d>
-          <a:camera prst="orthographicFront">
-            <a:rot lat="0" lon="0" rev="0"/>
-          </a:camera>
-          <a:lightRig rig="contrasting" dir="t">
-            <a:rot lat="0" lon="0" rev="1200000"/>
-          </a:lightRig>
-        </a:scene3d>
-        <a:sp3d contourW="19050" prstMaterial="metal">
-          <a:bevelT w="88900" h="203200"/>
-          <a:bevelB w="165100" h="254000"/>
-        </a:sp3d>
-      </dsp:spPr>
-      <dsp:style>
-        <a:lnRef idx="0">
-          <a:scrgbClr r="0" g="0" b="0"/>
-        </a:lnRef>
-        <a:fillRef idx="1">
-          <a:scrgbClr r="0" g="0" b="0"/>
-        </a:fillRef>
-        <a:effectRef idx="2">
-          <a:scrgbClr r="0" g="0" b="0"/>
-        </a:effectRef>
-        <a:fontRef idx="minor">
-          <a:schemeClr val="lt1"/>
-        </a:fontRef>
-      </dsp:style>
-    </dsp:sp>
-    <dsp:sp modelId="{8ABD6398-AAB5-46D3-9A57-5E4F4E5ECD95}">
-      <dsp:nvSpPr>
-        <dsp:cNvPr id="0" name=""/>
-        <dsp:cNvSpPr/>
-      </dsp:nvSpPr>
-      <dsp:spPr>
-        <a:xfrm>
-          <a:off x="3826739" y="3345516"/>
-          <a:ext cx="1808986" cy="671134"/>
-        </a:xfrm>
-        <a:prstGeom prst="rect">
-          <a:avLst/>
-        </a:prstGeom>
-        <a:noFill/>
-        <a:ln w="12700" cap="rnd" cmpd="sng" algn="ctr">
-          <a:solidFill>
-            <a:schemeClr val="dk1">
-              <a:alpha val="0"/>
-              <a:hueOff val="0"/>
-              <a:satOff val="0"/>
-              <a:lumOff val="0"/>
-              <a:alphaOff val="0"/>
-            </a:schemeClr>
-          </a:solidFill>
-          <a:prstDash val="solid"/>
-        </a:ln>
-        <a:effectLst/>
-      </dsp:spPr>
-      <dsp:style>
-        <a:lnRef idx="1">
-          <a:scrgbClr r="0" g="0" b="0"/>
-        </a:lnRef>
-        <a:fillRef idx="0">
-          <a:scrgbClr r="0" g="0" b="0"/>
-        </a:fillRef>
-        <a:effectRef idx="0">
-          <a:scrgbClr r="0" g="0" b="0"/>
-        </a:effectRef>
-        <a:fontRef idx="minor"/>
-      </dsp:style>
-      <dsp:txBody>
-        <a:bodyPr spcFirstLastPara="0" vert="horz" wrap="square" lIns="135128" tIns="135128" rIns="135128" bIns="0" numCol="1" spcCol="1270" anchor="t" anchorCtr="0">
-          <a:noAutofit/>
-        </a:bodyPr>
-        <a:lstStyle/>
-        <a:p>
-          <a:pPr lvl="0" algn="ctr" defTabSz="844550">
-            <a:lnSpc>
-              <a:spcPct val="90000"/>
-            </a:lnSpc>
-            <a:spcBef>
-              <a:spcPct val="0"/>
-            </a:spcBef>
-            <a:spcAft>
-              <a:spcPct val="35000"/>
-            </a:spcAft>
-          </a:pPr>
-          <a:r>
-            <a:rPr lang="en-GB" sz="1900" kern="1200" smtClean="0"/>
-            <a:t>Write comment</a:t>
-          </a:r>
-          <a:endParaRPr lang="en-GB" sz="1900" kern="1200" dirty="0"/>
-        </a:p>
-      </dsp:txBody>
-      <dsp:txXfrm>
-        <a:off x="3826739" y="3345516"/>
-        <a:ext cx="1808986" cy="671134"/>
-      </dsp:txXfrm>
-    </dsp:sp>
   </dsp:spTree>
 </dsp:drawing>
 </file>
@@ -24444,6 +23807,13 @@
   <p:clrMapOvr>
     <a:masterClrMapping/>
   </p:clrMapOvr>
+  <p:timing>
+    <p:tnLst>
+      <p:par>
+        <p:cTn id="1" dur="indefinite" restart="never" nodeType="tmRoot"/>
+      </p:par>
+    </p:tnLst>
+  </p:timing>
 </p:sld>
 </file>
 
@@ -25025,6 +24395,13 @@
   <p:clrMapOvr>
     <a:masterClrMapping/>
   </p:clrMapOvr>
+  <p:timing>
+    <p:tnLst>
+      <p:par>
+        <p:cTn id="1" dur="indefinite" restart="never" nodeType="tmRoot"/>
+      </p:par>
+    </p:tnLst>
+  </p:timing>
 </p:sld>
 </file>
 
@@ -25405,6 +24782,13 @@
   <p:clrMapOvr>
     <a:masterClrMapping/>
   </p:clrMapOvr>
+  <p:timing>
+    <p:tnLst>
+      <p:par>
+        <p:cTn id="1" dur="indefinite" restart="never" nodeType="tmRoot"/>
+      </p:par>
+    </p:tnLst>
+  </p:timing>
 </p:sld>
 </file>
 
@@ -25814,6 +25198,13 @@
   <p:clrMapOvr>
     <a:masterClrMapping/>
   </p:clrMapOvr>
+  <p:timing>
+    <p:tnLst>
+      <p:par>
+        <p:cTn id="1" dur="indefinite" restart="never" nodeType="tmRoot"/>
+      </p:par>
+    </p:tnLst>
+  </p:timing>
 </p:sld>
 </file>
 
@@ -25888,6 +25279,13 @@
   <p:clrMapOvr>
     <a:masterClrMapping/>
   </p:clrMapOvr>
+  <p:timing>
+    <p:tnLst>
+      <p:par>
+        <p:cTn id="1" dur="indefinite" restart="never" nodeType="tmRoot"/>
+      </p:par>
+    </p:tnLst>
+  </p:timing>
 </p:sld>
 </file>
 
@@ -26207,6 +25605,13 @@
   <p:clrMapOvr>
     <a:masterClrMapping/>
   </p:clrMapOvr>
+  <p:timing>
+    <p:tnLst>
+      <p:par>
+        <p:cTn id="1" dur="indefinite" restart="never" nodeType="tmRoot"/>
+      </p:par>
+    </p:tnLst>
+  </p:timing>
 </p:sld>
 </file>
 
@@ -26284,6 +25689,13 @@
   <p:clrMapOvr>
     <a:masterClrMapping/>
   </p:clrMapOvr>
+  <p:timing>
+    <p:tnLst>
+      <p:par>
+        <p:cTn id="1" dur="indefinite" restart="never" nodeType="tmRoot"/>
+      </p:par>
+    </p:tnLst>
+  </p:timing>
 </p:sld>
 </file>
 
@@ -27042,6 +26454,13 @@
   <p:clrMapOvr>
     <a:masterClrMapping/>
   </p:clrMapOvr>
+  <p:timing>
+    <p:tnLst>
+      <p:par>
+        <p:cTn id="1" dur="indefinite" restart="never" nodeType="tmRoot"/>
+      </p:par>
+    </p:tnLst>
+  </p:timing>
 </p:sld>
 </file>
 
@@ -27161,6 +26580,13 @@
   <p:clrMapOvr>
     <a:masterClrMapping/>
   </p:clrMapOvr>
+  <p:timing>
+    <p:tnLst>
+      <p:par>
+        <p:cTn id="1" dur="indefinite" restart="never" nodeType="tmRoot"/>
+      </p:par>
+    </p:tnLst>
+  </p:timing>
 </p:sld>
 </file>
 
@@ -27860,6 +27286,13 @@
   <p:clrMapOvr>
     <a:masterClrMapping/>
   </p:clrMapOvr>
+  <p:timing>
+    <p:tnLst>
+      <p:par>
+        <p:cTn id="1" dur="indefinite" restart="never" nodeType="tmRoot"/>
+      </p:par>
+    </p:tnLst>
+  </p:timing>
 </p:sld>
 </file>
 
@@ -27991,6 +27424,13 @@
   <p:clrMapOvr>
     <a:masterClrMapping/>
   </p:clrMapOvr>
+  <p:timing>
+    <p:tnLst>
+      <p:par>
+        <p:cTn id="1" dur="indefinite" restart="never" nodeType="tmRoot"/>
+      </p:par>
+    </p:tnLst>
+  </p:timing>
 </p:sld>
 </file>
 
@@ -28539,6 +27979,13 @@
   <p:clrMapOvr>
     <a:masterClrMapping/>
   </p:clrMapOvr>
+  <p:timing>
+    <p:tnLst>
+      <p:par>
+        <p:cTn id="1" dur="indefinite" restart="never" nodeType="tmRoot"/>
+      </p:par>
+    </p:tnLst>
+  </p:timing>
 </p:sld>
 </file>
 
@@ -29061,6 +28508,13 @@
   <p:clrMapOvr>
     <a:masterClrMapping/>
   </p:clrMapOvr>
+  <p:timing>
+    <p:tnLst>
+      <p:par>
+        <p:cTn id="1" dur="indefinite" restart="never" nodeType="tmRoot"/>
+      </p:par>
+    </p:tnLst>
+  </p:timing>
 </p:sld>
 </file>
 
@@ -30169,6 +29623,13 @@
   <p:clrMapOvr>
     <a:masterClrMapping/>
   </p:clrMapOvr>
+  <p:timing>
+    <p:tnLst>
+      <p:par>
+        <p:cTn id="1" dur="indefinite" restart="never" nodeType="tmRoot"/>
+      </p:par>
+    </p:tnLst>
+  </p:timing>
 </p:sld>
 </file>
 
@@ -32417,9 +31878,897 @@
   <p:timing>
     <p:tnLst>
       <p:par>
-        <p:cTn id="1" dur="indefinite" restart="never" nodeType="tmRoot"/>
+        <p:cTn id="1" dur="indefinite" restart="never" nodeType="tmRoot">
+          <p:childTnLst>
+            <p:seq concurrent="1" nextAc="seek">
+              <p:cTn id="2" dur="indefinite" nodeType="mainSeq">
+                <p:childTnLst>
+                  <p:par>
+                    <p:cTn id="3" fill="hold">
+                      <p:stCondLst>
+                        <p:cond delay="indefinite"/>
+                      </p:stCondLst>
+                      <p:childTnLst>
+                        <p:par>
+                          <p:cTn id="4" fill="hold">
+                            <p:stCondLst>
+                              <p:cond delay="0"/>
+                            </p:stCondLst>
+                            <p:childTnLst>
+                              <p:par>
+                                <p:cTn id="5" presetID="10" presetClass="entr" presetSubtype="0" fill="hold" nodeType="clickEffect">
+                                  <p:stCondLst>
+                                    <p:cond delay="0"/>
+                                  </p:stCondLst>
+                                  <p:childTnLst>
+                                    <p:set>
+                                      <p:cBhvr>
+                                        <p:cTn id="6" dur="1" fill="hold">
+                                          <p:stCondLst>
+                                            <p:cond delay="0"/>
+                                          </p:stCondLst>
+                                        </p:cTn>
+                                        <p:tgtEl>
+                                          <p:spTgt spid="4"/>
+                                        </p:tgtEl>
+                                        <p:attrNameLst>
+                                          <p:attrName>style.visibility</p:attrName>
+                                        </p:attrNameLst>
+                                      </p:cBhvr>
+                                      <p:to>
+                                        <p:strVal val="visible"/>
+                                      </p:to>
+                                    </p:set>
+                                    <p:animEffect transition="in" filter="fade">
+                                      <p:cBhvr>
+                                        <p:cTn id="7" dur="500"/>
+                                        <p:tgtEl>
+                                          <p:spTgt spid="4"/>
+                                        </p:tgtEl>
+                                      </p:cBhvr>
+                                    </p:animEffect>
+                                  </p:childTnLst>
+                                </p:cTn>
+                              </p:par>
+                            </p:childTnLst>
+                          </p:cTn>
+                        </p:par>
+                      </p:childTnLst>
+                    </p:cTn>
+                  </p:par>
+                  <p:par>
+                    <p:cTn id="8" fill="hold">
+                      <p:stCondLst>
+                        <p:cond delay="indefinite"/>
+                      </p:stCondLst>
+                      <p:childTnLst>
+                        <p:par>
+                          <p:cTn id="9" fill="hold">
+                            <p:stCondLst>
+                              <p:cond delay="0"/>
+                            </p:stCondLst>
+                            <p:childTnLst>
+                              <p:par>
+                                <p:cTn id="10" presetID="10" presetClass="entr" presetSubtype="0" fill="hold" grpId="0" nodeType="clickEffect">
+                                  <p:stCondLst>
+                                    <p:cond delay="0"/>
+                                  </p:stCondLst>
+                                  <p:childTnLst>
+                                    <p:set>
+                                      <p:cBhvr>
+                                        <p:cTn id="11" dur="1" fill="hold">
+                                          <p:stCondLst>
+                                            <p:cond delay="0"/>
+                                          </p:stCondLst>
+                                        </p:cTn>
+                                        <p:tgtEl>
+                                          <p:spTgt spid="5"/>
+                                        </p:tgtEl>
+                                        <p:attrNameLst>
+                                          <p:attrName>style.visibility</p:attrName>
+                                        </p:attrNameLst>
+                                      </p:cBhvr>
+                                      <p:to>
+                                        <p:strVal val="visible"/>
+                                      </p:to>
+                                    </p:set>
+                                    <p:animEffect transition="in" filter="fade">
+                                      <p:cBhvr>
+                                        <p:cTn id="12" dur="500"/>
+                                        <p:tgtEl>
+                                          <p:spTgt spid="5"/>
+                                        </p:tgtEl>
+                                      </p:cBhvr>
+                                    </p:animEffect>
+                                  </p:childTnLst>
+                                </p:cTn>
+                              </p:par>
+                            </p:childTnLst>
+                          </p:cTn>
+                        </p:par>
+                      </p:childTnLst>
+                    </p:cTn>
+                  </p:par>
+                  <p:par>
+                    <p:cTn id="13" fill="hold">
+                      <p:stCondLst>
+                        <p:cond delay="indefinite"/>
+                      </p:stCondLst>
+                      <p:childTnLst>
+                        <p:par>
+                          <p:cTn id="14" fill="hold">
+                            <p:stCondLst>
+                              <p:cond delay="0"/>
+                            </p:stCondLst>
+                            <p:childTnLst>
+                              <p:par>
+                                <p:cTn id="15" presetID="10" presetClass="entr" presetSubtype="0" fill="hold" grpId="0" nodeType="clickEffect">
+                                  <p:stCondLst>
+                                    <p:cond delay="0"/>
+                                  </p:stCondLst>
+                                  <p:childTnLst>
+                                    <p:set>
+                                      <p:cBhvr>
+                                        <p:cTn id="16" dur="1" fill="hold">
+                                          <p:stCondLst>
+                                            <p:cond delay="0"/>
+                                          </p:stCondLst>
+                                        </p:cTn>
+                                        <p:tgtEl>
+                                          <p:spTgt spid="6"/>
+                                        </p:tgtEl>
+                                        <p:attrNameLst>
+                                          <p:attrName>style.visibility</p:attrName>
+                                        </p:attrNameLst>
+                                      </p:cBhvr>
+                                      <p:to>
+                                        <p:strVal val="visible"/>
+                                      </p:to>
+                                    </p:set>
+                                    <p:animEffect transition="in" filter="fade">
+                                      <p:cBhvr>
+                                        <p:cTn id="17" dur="500"/>
+                                        <p:tgtEl>
+                                          <p:spTgt spid="6"/>
+                                        </p:tgtEl>
+                                      </p:cBhvr>
+                                    </p:animEffect>
+                                  </p:childTnLst>
+                                </p:cTn>
+                              </p:par>
+                            </p:childTnLst>
+                          </p:cTn>
+                        </p:par>
+                      </p:childTnLst>
+                    </p:cTn>
+                  </p:par>
+                  <p:par>
+                    <p:cTn id="18" fill="hold">
+                      <p:stCondLst>
+                        <p:cond delay="indefinite"/>
+                      </p:stCondLst>
+                      <p:childTnLst>
+                        <p:par>
+                          <p:cTn id="19" fill="hold">
+                            <p:stCondLst>
+                              <p:cond delay="0"/>
+                            </p:stCondLst>
+                            <p:childTnLst>
+                              <p:par>
+                                <p:cTn id="20" presetID="6" presetClass="entr" presetSubtype="16" fill="hold" grpId="0" nodeType="clickEffect">
+                                  <p:stCondLst>
+                                    <p:cond delay="0"/>
+                                  </p:stCondLst>
+                                  <p:childTnLst>
+                                    <p:set>
+                                      <p:cBhvr>
+                                        <p:cTn id="21" dur="1" fill="hold">
+                                          <p:stCondLst>
+                                            <p:cond delay="0"/>
+                                          </p:stCondLst>
+                                        </p:cTn>
+                                        <p:tgtEl>
+                                          <p:spTgt spid="7"/>
+                                        </p:tgtEl>
+                                        <p:attrNameLst>
+                                          <p:attrName>style.visibility</p:attrName>
+                                        </p:attrNameLst>
+                                      </p:cBhvr>
+                                      <p:to>
+                                        <p:strVal val="visible"/>
+                                      </p:to>
+                                    </p:set>
+                                    <p:animEffect transition="in" filter="circle(in)">
+                                      <p:cBhvr>
+                                        <p:cTn id="22" dur="800"/>
+                                        <p:tgtEl>
+                                          <p:spTgt spid="7"/>
+                                        </p:tgtEl>
+                                      </p:cBhvr>
+                                    </p:animEffect>
+                                  </p:childTnLst>
+                                </p:cTn>
+                              </p:par>
+                            </p:childTnLst>
+                          </p:cTn>
+                        </p:par>
+                      </p:childTnLst>
+                    </p:cTn>
+                  </p:par>
+                  <p:par>
+                    <p:cTn id="23" fill="hold">
+                      <p:stCondLst>
+                        <p:cond delay="indefinite"/>
+                      </p:stCondLst>
+                      <p:childTnLst>
+                        <p:par>
+                          <p:cTn id="24" fill="hold">
+                            <p:stCondLst>
+                              <p:cond delay="0"/>
+                            </p:stCondLst>
+                            <p:childTnLst>
+                              <p:par>
+                                <p:cTn id="25" presetID="6" presetClass="entr" presetSubtype="16" fill="hold" grpId="0" nodeType="clickEffect">
+                                  <p:stCondLst>
+                                    <p:cond delay="0"/>
+                                  </p:stCondLst>
+                                  <p:childTnLst>
+                                    <p:set>
+                                      <p:cBhvr>
+                                        <p:cTn id="26" dur="1" fill="hold">
+                                          <p:stCondLst>
+                                            <p:cond delay="0"/>
+                                          </p:stCondLst>
+                                        </p:cTn>
+                                        <p:tgtEl>
+                                          <p:spTgt spid="9"/>
+                                        </p:tgtEl>
+                                        <p:attrNameLst>
+                                          <p:attrName>style.visibility</p:attrName>
+                                        </p:attrNameLst>
+                                      </p:cBhvr>
+                                      <p:to>
+                                        <p:strVal val="visible"/>
+                                      </p:to>
+                                    </p:set>
+                                    <p:animEffect transition="in" filter="circle(in)">
+                                      <p:cBhvr>
+                                        <p:cTn id="27" dur="800"/>
+                                        <p:tgtEl>
+                                          <p:spTgt spid="9"/>
+                                        </p:tgtEl>
+                                      </p:cBhvr>
+                                    </p:animEffect>
+                                  </p:childTnLst>
+                                </p:cTn>
+                              </p:par>
+                            </p:childTnLst>
+                          </p:cTn>
+                        </p:par>
+                      </p:childTnLst>
+                    </p:cTn>
+                  </p:par>
+                  <p:par>
+                    <p:cTn id="28" fill="hold">
+                      <p:stCondLst>
+                        <p:cond delay="indefinite"/>
+                      </p:stCondLst>
+                      <p:childTnLst>
+                        <p:par>
+                          <p:cTn id="29" fill="hold">
+                            <p:stCondLst>
+                              <p:cond delay="0"/>
+                            </p:stCondLst>
+                            <p:childTnLst>
+                              <p:par>
+                                <p:cTn id="30" presetID="6" presetClass="entr" presetSubtype="16" fill="hold" grpId="0" nodeType="clickEffect">
+                                  <p:stCondLst>
+                                    <p:cond delay="0"/>
+                                  </p:stCondLst>
+                                  <p:childTnLst>
+                                    <p:set>
+                                      <p:cBhvr>
+                                        <p:cTn id="31" dur="1" fill="hold">
+                                          <p:stCondLst>
+                                            <p:cond delay="0"/>
+                                          </p:stCondLst>
+                                        </p:cTn>
+                                        <p:tgtEl>
+                                          <p:spTgt spid="12"/>
+                                        </p:tgtEl>
+                                        <p:attrNameLst>
+                                          <p:attrName>style.visibility</p:attrName>
+                                        </p:attrNameLst>
+                                      </p:cBhvr>
+                                      <p:to>
+                                        <p:strVal val="visible"/>
+                                      </p:to>
+                                    </p:set>
+                                    <p:animEffect transition="in" filter="circle(in)">
+                                      <p:cBhvr>
+                                        <p:cTn id="32" dur="800"/>
+                                        <p:tgtEl>
+                                          <p:spTgt spid="12"/>
+                                        </p:tgtEl>
+                                      </p:cBhvr>
+                                    </p:animEffect>
+                                  </p:childTnLst>
+                                </p:cTn>
+                              </p:par>
+                            </p:childTnLst>
+                          </p:cTn>
+                        </p:par>
+                      </p:childTnLst>
+                    </p:cTn>
+                  </p:par>
+                  <p:par>
+                    <p:cTn id="33" fill="hold">
+                      <p:stCondLst>
+                        <p:cond delay="indefinite"/>
+                      </p:stCondLst>
+                      <p:childTnLst>
+                        <p:par>
+                          <p:cTn id="34" fill="hold">
+                            <p:stCondLst>
+                              <p:cond delay="0"/>
+                            </p:stCondLst>
+                            <p:childTnLst>
+                              <p:par>
+                                <p:cTn id="35" presetID="6" presetClass="entr" presetSubtype="16" fill="hold" grpId="0" nodeType="clickEffect">
+                                  <p:stCondLst>
+                                    <p:cond delay="0"/>
+                                  </p:stCondLst>
+                                  <p:childTnLst>
+                                    <p:set>
+                                      <p:cBhvr>
+                                        <p:cTn id="36" dur="1" fill="hold">
+                                          <p:stCondLst>
+                                            <p:cond delay="0"/>
+                                          </p:stCondLst>
+                                        </p:cTn>
+                                        <p:tgtEl>
+                                          <p:spTgt spid="14"/>
+                                        </p:tgtEl>
+                                        <p:attrNameLst>
+                                          <p:attrName>style.visibility</p:attrName>
+                                        </p:attrNameLst>
+                                      </p:cBhvr>
+                                      <p:to>
+                                        <p:strVal val="visible"/>
+                                      </p:to>
+                                    </p:set>
+                                    <p:animEffect transition="in" filter="circle(in)">
+                                      <p:cBhvr>
+                                        <p:cTn id="37" dur="800"/>
+                                        <p:tgtEl>
+                                          <p:spTgt spid="14"/>
+                                        </p:tgtEl>
+                                      </p:cBhvr>
+                                    </p:animEffect>
+                                  </p:childTnLst>
+                                </p:cTn>
+                              </p:par>
+                            </p:childTnLst>
+                          </p:cTn>
+                        </p:par>
+                      </p:childTnLst>
+                    </p:cTn>
+                  </p:par>
+                  <p:par>
+                    <p:cTn id="38" fill="hold">
+                      <p:stCondLst>
+                        <p:cond delay="indefinite"/>
+                      </p:stCondLst>
+                      <p:childTnLst>
+                        <p:par>
+                          <p:cTn id="39" fill="hold">
+                            <p:stCondLst>
+                              <p:cond delay="0"/>
+                            </p:stCondLst>
+                            <p:childTnLst>
+                              <p:par>
+                                <p:cTn id="40" presetID="6" presetClass="entr" presetSubtype="16" fill="hold" grpId="0" nodeType="clickEffect">
+                                  <p:stCondLst>
+                                    <p:cond delay="0"/>
+                                  </p:stCondLst>
+                                  <p:childTnLst>
+                                    <p:set>
+                                      <p:cBhvr>
+                                        <p:cTn id="41" dur="1" fill="hold">
+                                          <p:stCondLst>
+                                            <p:cond delay="0"/>
+                                          </p:stCondLst>
+                                        </p:cTn>
+                                        <p:tgtEl>
+                                          <p:spTgt spid="24"/>
+                                        </p:tgtEl>
+                                        <p:attrNameLst>
+                                          <p:attrName>style.visibility</p:attrName>
+                                        </p:attrNameLst>
+                                      </p:cBhvr>
+                                      <p:to>
+                                        <p:strVal val="visible"/>
+                                      </p:to>
+                                    </p:set>
+                                    <p:animEffect transition="in" filter="circle(in)">
+                                      <p:cBhvr>
+                                        <p:cTn id="42" dur="800"/>
+                                        <p:tgtEl>
+                                          <p:spTgt spid="24"/>
+                                        </p:tgtEl>
+                                      </p:cBhvr>
+                                    </p:animEffect>
+                                  </p:childTnLst>
+                                </p:cTn>
+                              </p:par>
+                            </p:childTnLst>
+                          </p:cTn>
+                        </p:par>
+                      </p:childTnLst>
+                    </p:cTn>
+                  </p:par>
+                  <p:par>
+                    <p:cTn id="43" fill="hold">
+                      <p:stCondLst>
+                        <p:cond delay="indefinite"/>
+                      </p:stCondLst>
+                      <p:childTnLst>
+                        <p:par>
+                          <p:cTn id="44" fill="hold">
+                            <p:stCondLst>
+                              <p:cond delay="0"/>
+                            </p:stCondLst>
+                            <p:childTnLst>
+                              <p:par>
+                                <p:cTn id="45" presetID="6" presetClass="entr" presetSubtype="16" fill="hold" grpId="0" nodeType="clickEffect">
+                                  <p:stCondLst>
+                                    <p:cond delay="0"/>
+                                  </p:stCondLst>
+                                  <p:childTnLst>
+                                    <p:set>
+                                      <p:cBhvr>
+                                        <p:cTn id="46" dur="1" fill="hold">
+                                          <p:stCondLst>
+                                            <p:cond delay="0"/>
+                                          </p:stCondLst>
+                                        </p:cTn>
+                                        <p:tgtEl>
+                                          <p:spTgt spid="25"/>
+                                        </p:tgtEl>
+                                        <p:attrNameLst>
+                                          <p:attrName>style.visibility</p:attrName>
+                                        </p:attrNameLst>
+                                      </p:cBhvr>
+                                      <p:to>
+                                        <p:strVal val="visible"/>
+                                      </p:to>
+                                    </p:set>
+                                    <p:animEffect transition="in" filter="circle(in)">
+                                      <p:cBhvr>
+                                        <p:cTn id="47" dur="800"/>
+                                        <p:tgtEl>
+                                          <p:spTgt spid="25"/>
+                                        </p:tgtEl>
+                                      </p:cBhvr>
+                                    </p:animEffect>
+                                  </p:childTnLst>
+                                </p:cTn>
+                              </p:par>
+                            </p:childTnLst>
+                          </p:cTn>
+                        </p:par>
+                      </p:childTnLst>
+                    </p:cTn>
+                  </p:par>
+                  <p:par>
+                    <p:cTn id="48" fill="hold">
+                      <p:stCondLst>
+                        <p:cond delay="indefinite"/>
+                      </p:stCondLst>
+                      <p:childTnLst>
+                        <p:par>
+                          <p:cTn id="49" fill="hold">
+                            <p:stCondLst>
+                              <p:cond delay="0"/>
+                            </p:stCondLst>
+                            <p:childTnLst>
+                              <p:par>
+                                <p:cTn id="50" presetID="6" presetClass="entr" presetSubtype="16" fill="hold" grpId="0" nodeType="clickEffect">
+                                  <p:stCondLst>
+                                    <p:cond delay="0"/>
+                                  </p:stCondLst>
+                                  <p:childTnLst>
+                                    <p:set>
+                                      <p:cBhvr>
+                                        <p:cTn id="51" dur="1" fill="hold">
+                                          <p:stCondLst>
+                                            <p:cond delay="0"/>
+                                          </p:stCondLst>
+                                        </p:cTn>
+                                        <p:tgtEl>
+                                          <p:spTgt spid="26"/>
+                                        </p:tgtEl>
+                                        <p:attrNameLst>
+                                          <p:attrName>style.visibility</p:attrName>
+                                        </p:attrNameLst>
+                                      </p:cBhvr>
+                                      <p:to>
+                                        <p:strVal val="visible"/>
+                                      </p:to>
+                                    </p:set>
+                                    <p:animEffect transition="in" filter="circle(in)">
+                                      <p:cBhvr>
+                                        <p:cTn id="52" dur="800"/>
+                                        <p:tgtEl>
+                                          <p:spTgt spid="26"/>
+                                        </p:tgtEl>
+                                      </p:cBhvr>
+                                    </p:animEffect>
+                                  </p:childTnLst>
+                                </p:cTn>
+                              </p:par>
+                            </p:childTnLst>
+                          </p:cTn>
+                        </p:par>
+                      </p:childTnLst>
+                    </p:cTn>
+                  </p:par>
+                  <p:par>
+                    <p:cTn id="53" fill="hold">
+                      <p:stCondLst>
+                        <p:cond delay="indefinite"/>
+                      </p:stCondLst>
+                      <p:childTnLst>
+                        <p:par>
+                          <p:cTn id="54" fill="hold">
+                            <p:stCondLst>
+                              <p:cond delay="0"/>
+                            </p:stCondLst>
+                            <p:childTnLst>
+                              <p:par>
+                                <p:cTn id="55" presetID="16" presetClass="entr" presetSubtype="21" fill="hold" grpId="0" nodeType="clickEffect">
+                                  <p:stCondLst>
+                                    <p:cond delay="0"/>
+                                  </p:stCondLst>
+                                  <p:childTnLst>
+                                    <p:set>
+                                      <p:cBhvr>
+                                        <p:cTn id="56" dur="1" fill="hold">
+                                          <p:stCondLst>
+                                            <p:cond delay="0"/>
+                                          </p:stCondLst>
+                                        </p:cTn>
+                                        <p:tgtEl>
+                                          <p:spTgt spid="21"/>
+                                        </p:tgtEl>
+                                        <p:attrNameLst>
+                                          <p:attrName>style.visibility</p:attrName>
+                                        </p:attrNameLst>
+                                      </p:cBhvr>
+                                      <p:to>
+                                        <p:strVal val="visible"/>
+                                      </p:to>
+                                    </p:set>
+                                    <p:animEffect transition="in" filter="barn(inVertical)">
+                                      <p:cBhvr>
+                                        <p:cTn id="57" dur="500"/>
+                                        <p:tgtEl>
+                                          <p:spTgt spid="21"/>
+                                        </p:tgtEl>
+                                      </p:cBhvr>
+                                    </p:animEffect>
+                                  </p:childTnLst>
+                                </p:cTn>
+                              </p:par>
+                            </p:childTnLst>
+                          </p:cTn>
+                        </p:par>
+                      </p:childTnLst>
+                    </p:cTn>
+                  </p:par>
+                  <p:par>
+                    <p:cTn id="58" fill="hold">
+                      <p:stCondLst>
+                        <p:cond delay="indefinite"/>
+                      </p:stCondLst>
+                      <p:childTnLst>
+                        <p:par>
+                          <p:cTn id="59" fill="hold">
+                            <p:stCondLst>
+                              <p:cond delay="0"/>
+                            </p:stCondLst>
+                            <p:childTnLst>
+                              <p:par>
+                                <p:cTn id="60" presetID="22" presetClass="entr" presetSubtype="4" fill="hold" grpId="0" nodeType="clickEffect">
+                                  <p:stCondLst>
+                                    <p:cond delay="0"/>
+                                  </p:stCondLst>
+                                  <p:childTnLst>
+                                    <p:set>
+                                      <p:cBhvr>
+                                        <p:cTn id="61" dur="1" fill="hold">
+                                          <p:stCondLst>
+                                            <p:cond delay="0"/>
+                                          </p:stCondLst>
+                                        </p:cTn>
+                                        <p:tgtEl>
+                                          <p:spTgt spid="16"/>
+                                        </p:tgtEl>
+                                        <p:attrNameLst>
+                                          <p:attrName>style.visibility</p:attrName>
+                                        </p:attrNameLst>
+                                      </p:cBhvr>
+                                      <p:to>
+                                        <p:strVal val="visible"/>
+                                      </p:to>
+                                    </p:set>
+                                    <p:animEffect transition="in" filter="wipe(down)">
+                                      <p:cBhvr>
+                                        <p:cTn id="62" dur="500"/>
+                                        <p:tgtEl>
+                                          <p:spTgt spid="16"/>
+                                        </p:tgtEl>
+                                      </p:cBhvr>
+                                    </p:animEffect>
+                                  </p:childTnLst>
+                                </p:cTn>
+                              </p:par>
+                              <p:par>
+                                <p:cTn id="63" presetID="22" presetClass="entr" presetSubtype="4" fill="hold" grpId="0" nodeType="withEffect">
+                                  <p:stCondLst>
+                                    <p:cond delay="0"/>
+                                  </p:stCondLst>
+                                  <p:childTnLst>
+                                    <p:set>
+                                      <p:cBhvr>
+                                        <p:cTn id="64" dur="1" fill="hold">
+                                          <p:stCondLst>
+                                            <p:cond delay="0"/>
+                                          </p:stCondLst>
+                                        </p:cTn>
+                                        <p:tgtEl>
+                                          <p:spTgt spid="18"/>
+                                        </p:tgtEl>
+                                        <p:attrNameLst>
+                                          <p:attrName>style.visibility</p:attrName>
+                                        </p:attrNameLst>
+                                      </p:cBhvr>
+                                      <p:to>
+                                        <p:strVal val="visible"/>
+                                      </p:to>
+                                    </p:set>
+                                    <p:animEffect transition="in" filter="wipe(down)">
+                                      <p:cBhvr>
+                                        <p:cTn id="65" dur="500"/>
+                                        <p:tgtEl>
+                                          <p:spTgt spid="18"/>
+                                        </p:tgtEl>
+                                      </p:cBhvr>
+                                    </p:animEffect>
+                                  </p:childTnLst>
+                                </p:cTn>
+                              </p:par>
+                            </p:childTnLst>
+                          </p:cTn>
+                        </p:par>
+                      </p:childTnLst>
+                    </p:cTn>
+                  </p:par>
+                  <p:par>
+                    <p:cTn id="66" fill="hold">
+                      <p:stCondLst>
+                        <p:cond delay="indefinite"/>
+                      </p:stCondLst>
+                      <p:childTnLst>
+                        <p:par>
+                          <p:cTn id="67" fill="hold">
+                            <p:stCondLst>
+                              <p:cond delay="0"/>
+                            </p:stCondLst>
+                            <p:childTnLst>
+                              <p:par>
+                                <p:cTn id="68" presetID="22" presetClass="entr" presetSubtype="4" fill="hold" grpId="0" nodeType="clickEffect">
+                                  <p:stCondLst>
+                                    <p:cond delay="0"/>
+                                  </p:stCondLst>
+                                  <p:childTnLst>
+                                    <p:set>
+                                      <p:cBhvr>
+                                        <p:cTn id="69" dur="1" fill="hold">
+                                          <p:stCondLst>
+                                            <p:cond delay="0"/>
+                                          </p:stCondLst>
+                                        </p:cTn>
+                                        <p:tgtEl>
+                                          <p:spTgt spid="22"/>
+                                        </p:tgtEl>
+                                        <p:attrNameLst>
+                                          <p:attrName>style.visibility</p:attrName>
+                                        </p:attrNameLst>
+                                      </p:cBhvr>
+                                      <p:to>
+                                        <p:strVal val="visible"/>
+                                      </p:to>
+                                    </p:set>
+                                    <p:animEffect transition="in" filter="wipe(down)">
+                                      <p:cBhvr>
+                                        <p:cTn id="70" dur="500"/>
+                                        <p:tgtEl>
+                                          <p:spTgt spid="22"/>
+                                        </p:tgtEl>
+                                      </p:cBhvr>
+                                    </p:animEffect>
+                                  </p:childTnLst>
+                                </p:cTn>
+                              </p:par>
+                              <p:par>
+                                <p:cTn id="71" presetID="22" presetClass="entr" presetSubtype="4" fill="hold" grpId="0" nodeType="withEffect">
+                                  <p:stCondLst>
+                                    <p:cond delay="0"/>
+                                  </p:stCondLst>
+                                  <p:childTnLst>
+                                    <p:set>
+                                      <p:cBhvr>
+                                        <p:cTn id="72" dur="1" fill="hold">
+                                          <p:stCondLst>
+                                            <p:cond delay="0"/>
+                                          </p:stCondLst>
+                                        </p:cTn>
+                                        <p:tgtEl>
+                                          <p:spTgt spid="23"/>
+                                        </p:tgtEl>
+                                        <p:attrNameLst>
+                                          <p:attrName>style.visibility</p:attrName>
+                                        </p:attrNameLst>
+                                      </p:cBhvr>
+                                      <p:to>
+                                        <p:strVal val="visible"/>
+                                      </p:to>
+                                    </p:set>
+                                    <p:animEffect transition="in" filter="wipe(down)">
+                                      <p:cBhvr>
+                                        <p:cTn id="73" dur="500"/>
+                                        <p:tgtEl>
+                                          <p:spTgt spid="23"/>
+                                        </p:tgtEl>
+                                      </p:cBhvr>
+                                    </p:animEffect>
+                                  </p:childTnLst>
+                                </p:cTn>
+                              </p:par>
+                            </p:childTnLst>
+                          </p:cTn>
+                        </p:par>
+                      </p:childTnLst>
+                    </p:cTn>
+                  </p:par>
+                  <p:par>
+                    <p:cTn id="74" fill="hold">
+                      <p:stCondLst>
+                        <p:cond delay="indefinite"/>
+                      </p:stCondLst>
+                      <p:childTnLst>
+                        <p:par>
+                          <p:cTn id="75" fill="hold">
+                            <p:stCondLst>
+                              <p:cond delay="0"/>
+                            </p:stCondLst>
+                            <p:childTnLst>
+                              <p:par>
+                                <p:cTn id="76" presetID="22" presetClass="entr" presetSubtype="4" fill="hold" grpId="0" nodeType="clickEffect">
+                                  <p:stCondLst>
+                                    <p:cond delay="0"/>
+                                  </p:stCondLst>
+                                  <p:childTnLst>
+                                    <p:set>
+                                      <p:cBhvr>
+                                        <p:cTn id="77" dur="1" fill="hold">
+                                          <p:stCondLst>
+                                            <p:cond delay="0"/>
+                                          </p:stCondLst>
+                                        </p:cTn>
+                                        <p:tgtEl>
+                                          <p:spTgt spid="19"/>
+                                        </p:tgtEl>
+                                        <p:attrNameLst>
+                                          <p:attrName>style.visibility</p:attrName>
+                                        </p:attrNameLst>
+                                      </p:cBhvr>
+                                      <p:to>
+                                        <p:strVal val="visible"/>
+                                      </p:to>
+                                    </p:set>
+                                    <p:animEffect transition="in" filter="wipe(down)">
+                                      <p:cBhvr>
+                                        <p:cTn id="78" dur="500"/>
+                                        <p:tgtEl>
+                                          <p:spTgt spid="19"/>
+                                        </p:tgtEl>
+                                      </p:cBhvr>
+                                    </p:animEffect>
+                                  </p:childTnLst>
+                                </p:cTn>
+                              </p:par>
+                              <p:par>
+                                <p:cTn id="79" presetID="22" presetClass="entr" presetSubtype="4" fill="hold" grpId="0" nodeType="withEffect">
+                                  <p:stCondLst>
+                                    <p:cond delay="0"/>
+                                  </p:stCondLst>
+                                  <p:childTnLst>
+                                    <p:set>
+                                      <p:cBhvr>
+                                        <p:cTn id="80" dur="1" fill="hold">
+                                          <p:stCondLst>
+                                            <p:cond delay="0"/>
+                                          </p:stCondLst>
+                                        </p:cTn>
+                                        <p:tgtEl>
+                                          <p:spTgt spid="20"/>
+                                        </p:tgtEl>
+                                        <p:attrNameLst>
+                                          <p:attrName>style.visibility</p:attrName>
+                                        </p:attrNameLst>
+                                      </p:cBhvr>
+                                      <p:to>
+                                        <p:strVal val="visible"/>
+                                      </p:to>
+                                    </p:set>
+                                    <p:animEffect transition="in" filter="wipe(down)">
+                                      <p:cBhvr>
+                                        <p:cTn id="81" dur="500"/>
+                                        <p:tgtEl>
+                                          <p:spTgt spid="20"/>
+                                        </p:tgtEl>
+                                      </p:cBhvr>
+                                    </p:animEffect>
+                                  </p:childTnLst>
+                                </p:cTn>
+                              </p:par>
+                            </p:childTnLst>
+                          </p:cTn>
+                        </p:par>
+                      </p:childTnLst>
+                    </p:cTn>
+                  </p:par>
+                </p:childTnLst>
+              </p:cTn>
+              <p:prevCondLst>
+                <p:cond evt="onPrev" delay="0">
+                  <p:tgtEl>
+                    <p:sldTgt/>
+                  </p:tgtEl>
+                </p:cond>
+              </p:prevCondLst>
+              <p:nextCondLst>
+                <p:cond evt="onNext" delay="0">
+                  <p:tgtEl>
+                    <p:sldTgt/>
+                  </p:tgtEl>
+                </p:cond>
+              </p:nextCondLst>
+            </p:seq>
+          </p:childTnLst>
+        </p:cTn>
       </p:par>
     </p:tnLst>
+    <p:bldLst>
+      <p:bldP spid="5" grpId="0" animBg="1"/>
+      <p:bldP spid="6" grpId="0"/>
+      <p:bldP spid="7" grpId="0" animBg="1"/>
+      <p:bldP spid="9" grpId="0" animBg="1"/>
+      <p:bldP spid="12" grpId="0" animBg="1"/>
+      <p:bldP spid="14" grpId="0" animBg="1"/>
+      <p:bldP spid="16" grpId="0" animBg="1"/>
+      <p:bldP spid="18" grpId="0"/>
+      <p:bldP spid="19" grpId="0" animBg="1"/>
+      <p:bldP spid="20" grpId="0"/>
+      <p:bldP spid="21" grpId="0"/>
+      <p:bldP spid="22" grpId="0" animBg="1"/>
+      <p:bldP spid="23" grpId="0"/>
+      <p:bldP spid="24" grpId="0" animBg="1"/>
+      <p:bldP spid="25" grpId="0" animBg="1"/>
+      <p:bldP spid="26" grpId="0" animBg="1"/>
+    </p:bldLst>
   </p:timing>
 </p:sld>
 </file>
@@ -36591,7 +36940,7 @@
                             </p:stCondLst>
                             <p:childTnLst>
                               <p:par>
-                                <p:cTn id="241" presetID="22" presetClass="entr" presetSubtype="4" fill="hold" grpId="2" nodeType="clickEffect">
+                                <p:cTn id="241" presetID="10" presetClass="entr" presetSubtype="0" fill="hold" grpId="3" nodeType="clickEffect">
                                   <p:stCondLst>
                                     <p:cond delay="0"/>
                                   </p:stCondLst>
@@ -36604,7 +36953,7 @@
                                           </p:stCondLst>
                                         </p:cTn>
                                         <p:tgtEl>
-                                          <p:spTgt spid="28"/>
+                                          <p:spTgt spid="48"/>
                                         </p:tgtEl>
                                         <p:attrNameLst>
                                           <p:attrName>style.visibility</p:attrName>
@@ -36614,11 +36963,11 @@
                                         <p:strVal val="visible"/>
                                       </p:to>
                                     </p:set>
-                                    <p:animEffect transition="in" filter="wipe(down)">
+                                    <p:animEffect transition="in" filter="fade">
                                       <p:cBhvr>
                                         <p:cTn id="243" dur="500"/>
                                         <p:tgtEl>
-                                          <p:spTgt spid="28"/>
+                                          <p:spTgt spid="48"/>
                                         </p:tgtEl>
                                       </p:cBhvr>
                                     </p:animEffect>
@@ -36644,14 +36993,67 @@
                             </p:stCondLst>
                             <p:childTnLst>
                               <p:par>
-                                <p:cTn id="246" presetID="16" presetClass="exit" presetSubtype="21" fill="hold" grpId="3" nodeType="clickEffect">
+                                <p:cTn id="246" presetID="22" presetClass="entr" presetSubtype="4" fill="hold" grpId="2" nodeType="clickEffect">
+                                  <p:stCondLst>
+                                    <p:cond delay="0"/>
+                                  </p:stCondLst>
+                                  <p:childTnLst>
+                                    <p:set>
+                                      <p:cBhvr>
+                                        <p:cTn id="247" dur="1" fill="hold">
+                                          <p:stCondLst>
+                                            <p:cond delay="0"/>
+                                          </p:stCondLst>
+                                        </p:cTn>
+                                        <p:tgtEl>
+                                          <p:spTgt spid="28"/>
+                                        </p:tgtEl>
+                                        <p:attrNameLst>
+                                          <p:attrName>style.visibility</p:attrName>
+                                        </p:attrNameLst>
+                                      </p:cBhvr>
+                                      <p:to>
+                                        <p:strVal val="visible"/>
+                                      </p:to>
+                                    </p:set>
+                                    <p:animEffect transition="in" filter="wipe(down)">
+                                      <p:cBhvr>
+                                        <p:cTn id="248" dur="500"/>
+                                        <p:tgtEl>
+                                          <p:spTgt spid="28"/>
+                                        </p:tgtEl>
+                                      </p:cBhvr>
+                                    </p:animEffect>
+                                  </p:childTnLst>
+                                </p:cTn>
+                              </p:par>
+                            </p:childTnLst>
+                          </p:cTn>
+                        </p:par>
+                      </p:childTnLst>
+                    </p:cTn>
+                  </p:par>
+                  <p:par>
+                    <p:cTn id="249" fill="hold">
+                      <p:stCondLst>
+                        <p:cond delay="indefinite"/>
+                      </p:stCondLst>
+                      <p:childTnLst>
+                        <p:par>
+                          <p:cTn id="250" fill="hold">
+                            <p:stCondLst>
+                              <p:cond delay="0"/>
+                            </p:stCondLst>
+                            <p:childTnLst>
+                              <p:par>
+                                <p:cTn id="251" presetID="16" presetClass="exit" presetSubtype="21" fill="hold" grpId="3" nodeType="clickEffect">
                                   <p:stCondLst>
                                     <p:cond delay="0"/>
                                   </p:stCondLst>
                                   <p:childTnLst>
                                     <p:animEffect transition="out" filter="barn(inVertical)">
                                       <p:cBhvr>
-                                        <p:cTn id="247" dur="500"/>
+                                        <p:cTn id="252" dur="500"/>
                                         <p:tgtEl>
                                           <p:spTgt spid="28"/>
                                         </p:tgtEl>
@@ -36659,7 +37061,1397 @@
                                     </p:animEffect>
                                     <p:set>
                                       <p:cBhvr>
-                                        <p:cTn id="248" dur="1" fill="hold">
+                                        <p:cTn id="253" dur="1" fill="hold">
+                                          <p:stCondLst>
+                                            <p:cond delay="499"/>
+                                          </p:stCondLst>
+                                        </p:cTn>
+                                        <p:tgtEl>
+                                          <p:spTgt spid="28"/>
+                                        </p:tgtEl>
+                                        <p:attrNameLst>
+                                          <p:attrName>style.visibility</p:attrName>
+                                        </p:attrNameLst>
+                                      </p:cBhvr>
+                                      <p:to>
+                                        <p:strVal val="hidden"/>
+                                      </p:to>
+                                    </p:set>
+                                  </p:childTnLst>
+                                </p:cTn>
+                              </p:par>
+                              <p:par>
+                                <p:cTn id="254" presetID="10" presetClass="exit" presetSubtype="0" fill="hold" grpId="4" nodeType="withEffect">
+                                  <p:stCondLst>
+                                    <p:cond delay="0"/>
+                                  </p:stCondLst>
+                                  <p:childTnLst>
+                                    <p:animEffect transition="out" filter="fade">
+                                      <p:cBhvr>
+                                        <p:cTn id="255" dur="500"/>
+                                        <p:tgtEl>
+                                          <p:spTgt spid="48"/>
+                                        </p:tgtEl>
+                                      </p:cBhvr>
+                                    </p:animEffect>
+                                    <p:set>
+                                      <p:cBhvr>
+                                        <p:cTn id="256" dur="1" fill="hold">
+                                          <p:stCondLst>
+                                            <p:cond delay="499"/>
+                                          </p:stCondLst>
+                                        </p:cTn>
+                                        <p:tgtEl>
+                                          <p:spTgt spid="48"/>
+                                        </p:tgtEl>
+                                        <p:attrNameLst>
+                                          <p:attrName>style.visibility</p:attrName>
+                                        </p:attrNameLst>
+                                      </p:cBhvr>
+                                      <p:to>
+                                        <p:strVal val="hidden"/>
+                                      </p:to>
+                                    </p:set>
+                                  </p:childTnLst>
+                                </p:cTn>
+                              </p:par>
+                            </p:childTnLst>
+                          </p:cTn>
+                        </p:par>
+                      </p:childTnLst>
+                    </p:cTn>
+                  </p:par>
+                  <p:par>
+                    <p:cTn id="257" fill="hold">
+                      <p:stCondLst>
+                        <p:cond delay="indefinite"/>
+                      </p:stCondLst>
+                      <p:childTnLst>
+                        <p:par>
+                          <p:cTn id="258" fill="hold">
+                            <p:stCondLst>
+                              <p:cond delay="0"/>
+                            </p:stCondLst>
+                            <p:childTnLst>
+                              <p:par>
+                                <p:cTn id="259" presetID="10" presetClass="entr" presetSubtype="0" fill="hold" grpId="5" nodeType="clickEffect">
+                                  <p:stCondLst>
+                                    <p:cond delay="0"/>
+                                  </p:stCondLst>
+                                  <p:childTnLst>
+                                    <p:set>
+                                      <p:cBhvr>
+                                        <p:cTn id="260" dur="1" fill="hold">
+                                          <p:stCondLst>
+                                            <p:cond delay="0"/>
+                                          </p:stCondLst>
+                                        </p:cTn>
+                                        <p:tgtEl>
+                                          <p:spTgt spid="48"/>
+                                        </p:tgtEl>
+                                        <p:attrNameLst>
+                                          <p:attrName>style.visibility</p:attrName>
+                                        </p:attrNameLst>
+                                      </p:cBhvr>
+                                      <p:to>
+                                        <p:strVal val="visible"/>
+                                      </p:to>
+                                    </p:set>
+                                    <p:animEffect transition="in" filter="fade">
+                                      <p:cBhvr>
+                                        <p:cTn id="261" dur="500"/>
+                                        <p:tgtEl>
+                                          <p:spTgt spid="48"/>
+                                        </p:tgtEl>
+                                      </p:cBhvr>
+                                    </p:animEffect>
+                                  </p:childTnLst>
+                                </p:cTn>
+                              </p:par>
+                            </p:childTnLst>
+                          </p:cTn>
+                        </p:par>
+                      </p:childTnLst>
+                    </p:cTn>
+                  </p:par>
+                  <p:par>
+                    <p:cTn id="262" fill="hold">
+                      <p:stCondLst>
+                        <p:cond delay="indefinite"/>
+                      </p:stCondLst>
+                      <p:childTnLst>
+                        <p:par>
+                          <p:cTn id="263" fill="hold">
+                            <p:stCondLst>
+                              <p:cond delay="0"/>
+                            </p:stCondLst>
+                            <p:childTnLst>
+                              <p:par>
+                                <p:cTn id="264" presetID="22" presetClass="entr" presetSubtype="4" fill="hold" grpId="2" nodeType="clickEffect">
+                                  <p:stCondLst>
+                                    <p:cond delay="0"/>
+                                  </p:stCondLst>
+                                  <p:childTnLst>
+                                    <p:set>
+                                      <p:cBhvr>
+                                        <p:cTn id="265" dur="1" fill="hold">
+                                          <p:stCondLst>
+                                            <p:cond delay="0"/>
+                                          </p:stCondLst>
+                                        </p:cTn>
+                                        <p:tgtEl>
+                                          <p:spTgt spid="29"/>
+                                        </p:tgtEl>
+                                        <p:attrNameLst>
+                                          <p:attrName>style.visibility</p:attrName>
+                                        </p:attrNameLst>
+                                      </p:cBhvr>
+                                      <p:to>
+                                        <p:strVal val="visible"/>
+                                      </p:to>
+                                    </p:set>
+                                    <p:animEffect transition="in" filter="wipe(down)">
+                                      <p:cBhvr>
+                                        <p:cTn id="266" dur="500"/>
+                                        <p:tgtEl>
+                                          <p:spTgt spid="29"/>
+                                        </p:tgtEl>
+                                      </p:cBhvr>
+                                    </p:animEffect>
+                                  </p:childTnLst>
+                                </p:cTn>
+                              </p:par>
+                            </p:childTnLst>
+                          </p:cTn>
+                        </p:par>
+                      </p:childTnLst>
+                    </p:cTn>
+                  </p:par>
+                  <p:par>
+                    <p:cTn id="267" fill="hold">
+                      <p:stCondLst>
+                        <p:cond delay="indefinite"/>
+                      </p:stCondLst>
+                      <p:childTnLst>
+                        <p:par>
+                          <p:cTn id="268" fill="hold">
+                            <p:stCondLst>
+                              <p:cond delay="0"/>
+                            </p:stCondLst>
+                            <p:childTnLst>
+                              <p:par>
+                                <p:cTn id="269" presetID="22" presetClass="entr" presetSubtype="4" fill="hold" grpId="2" nodeType="clickEffect">
+                                  <p:stCondLst>
+                                    <p:cond delay="0"/>
+                                  </p:stCondLst>
+                                  <p:childTnLst>
+                                    <p:set>
+                                      <p:cBhvr>
+                                        <p:cTn id="270" dur="1" fill="hold">
+                                          <p:stCondLst>
+                                            <p:cond delay="0"/>
+                                          </p:stCondLst>
+                                        </p:cTn>
+                                        <p:tgtEl>
+                                          <p:spTgt spid="31"/>
+                                        </p:tgtEl>
+                                        <p:attrNameLst>
+                                          <p:attrName>style.visibility</p:attrName>
+                                        </p:attrNameLst>
+                                      </p:cBhvr>
+                                      <p:to>
+                                        <p:strVal val="visible"/>
+                                      </p:to>
+                                    </p:set>
+                                    <p:animEffect transition="in" filter="wipe(down)">
+                                      <p:cBhvr>
+                                        <p:cTn id="271" dur="500"/>
+                                        <p:tgtEl>
+                                          <p:spTgt spid="31"/>
+                                        </p:tgtEl>
+                                      </p:cBhvr>
+                                    </p:animEffect>
+                                  </p:childTnLst>
+                                </p:cTn>
+                              </p:par>
+                            </p:childTnLst>
+                          </p:cTn>
+                        </p:par>
+                      </p:childTnLst>
+                    </p:cTn>
+                  </p:par>
+                  <p:par>
+                    <p:cTn id="272" fill="hold">
+                      <p:stCondLst>
+                        <p:cond delay="indefinite"/>
+                      </p:stCondLst>
+                      <p:childTnLst>
+                        <p:par>
+                          <p:cTn id="273" fill="hold">
+                            <p:stCondLst>
+                              <p:cond delay="0"/>
+                            </p:stCondLst>
+                            <p:childTnLst>
+                              <p:par>
+                                <p:cTn id="274" presetID="22" presetClass="entr" presetSubtype="4" fill="hold" grpId="2" nodeType="clickEffect">
+                                  <p:stCondLst>
+                                    <p:cond delay="0"/>
+                                  </p:stCondLst>
+                                  <p:childTnLst>
+                                    <p:set>
+                                      <p:cBhvr>
+                                        <p:cTn id="275" dur="1" fill="hold">
+                                          <p:stCondLst>
+                                            <p:cond delay="0"/>
+                                          </p:stCondLst>
+                                        </p:cTn>
+                                        <p:tgtEl>
+                                          <p:spTgt spid="32"/>
+                                        </p:tgtEl>
+                                        <p:attrNameLst>
+                                          <p:attrName>style.visibility</p:attrName>
+                                        </p:attrNameLst>
+                                      </p:cBhvr>
+                                      <p:to>
+                                        <p:strVal val="visible"/>
+                                      </p:to>
+                                    </p:set>
+                                    <p:animEffect transition="in" filter="wipe(down)">
+                                      <p:cBhvr>
+                                        <p:cTn id="276" dur="500"/>
+                                        <p:tgtEl>
+                                          <p:spTgt spid="32"/>
+                                        </p:tgtEl>
+                                      </p:cBhvr>
+                                    </p:animEffect>
+                                  </p:childTnLst>
+                                </p:cTn>
+                              </p:par>
+                            </p:childTnLst>
+                          </p:cTn>
+                        </p:par>
+                      </p:childTnLst>
+                    </p:cTn>
+                  </p:par>
+                  <p:par>
+                    <p:cTn id="277" fill="hold">
+                      <p:stCondLst>
+                        <p:cond delay="indefinite"/>
+                      </p:stCondLst>
+                      <p:childTnLst>
+                        <p:par>
+                          <p:cTn id="278" fill="hold">
+                            <p:stCondLst>
+                              <p:cond delay="0"/>
+                            </p:stCondLst>
+                            <p:childTnLst>
+                              <p:par>
+                                <p:cTn id="279" presetID="22" presetClass="entr" presetSubtype="4" fill="hold" grpId="2" nodeType="clickEffect">
+                                  <p:stCondLst>
+                                    <p:cond delay="0"/>
+                                  </p:stCondLst>
+                                  <p:childTnLst>
+                                    <p:set>
+                                      <p:cBhvr>
+                                        <p:cTn id="280" dur="1" fill="hold">
+                                          <p:stCondLst>
+                                            <p:cond delay="0"/>
+                                          </p:stCondLst>
+                                        </p:cTn>
+                                        <p:tgtEl>
+                                          <p:spTgt spid="37"/>
+                                        </p:tgtEl>
+                                        <p:attrNameLst>
+                                          <p:attrName>style.visibility</p:attrName>
+                                        </p:attrNameLst>
+                                      </p:cBhvr>
+                                      <p:to>
+                                        <p:strVal val="visible"/>
+                                      </p:to>
+                                    </p:set>
+                                    <p:animEffect transition="in" filter="wipe(down)">
+                                      <p:cBhvr>
+                                        <p:cTn id="281" dur="500"/>
+                                        <p:tgtEl>
+                                          <p:spTgt spid="37"/>
+                                        </p:tgtEl>
+                                      </p:cBhvr>
+                                    </p:animEffect>
+                                  </p:childTnLst>
+                                </p:cTn>
+                              </p:par>
+                            </p:childTnLst>
+                          </p:cTn>
+                        </p:par>
+                      </p:childTnLst>
+                    </p:cTn>
+                  </p:par>
+                  <p:par>
+                    <p:cTn id="282" fill="hold">
+                      <p:stCondLst>
+                        <p:cond delay="indefinite"/>
+                      </p:stCondLst>
+                      <p:childTnLst>
+                        <p:par>
+                          <p:cTn id="283" fill="hold">
+                            <p:stCondLst>
+                              <p:cond delay="0"/>
+                            </p:stCondLst>
+                            <p:childTnLst>
+                              <p:par>
+                                <p:cTn id="284" presetID="22" presetClass="entr" presetSubtype="4" fill="hold" grpId="2" nodeType="clickEffect">
+                                  <p:stCondLst>
+                                    <p:cond delay="0"/>
+                                  </p:stCondLst>
+                                  <p:childTnLst>
+                                    <p:set>
+                                      <p:cBhvr>
+                                        <p:cTn id="285" dur="1" fill="hold">
+                                          <p:stCondLst>
+                                            <p:cond delay="0"/>
+                                          </p:stCondLst>
+                                        </p:cTn>
+                                        <p:tgtEl>
+                                          <p:spTgt spid="44"/>
+                                        </p:tgtEl>
+                                        <p:attrNameLst>
+                                          <p:attrName>style.visibility</p:attrName>
+                                        </p:attrNameLst>
+                                      </p:cBhvr>
+                                      <p:to>
+                                        <p:strVal val="visible"/>
+                                      </p:to>
+                                    </p:set>
+                                    <p:animEffect transition="in" filter="wipe(down)">
+                                      <p:cBhvr>
+                                        <p:cTn id="286" dur="500"/>
+                                        <p:tgtEl>
+                                          <p:spTgt spid="44"/>
+                                        </p:tgtEl>
+                                      </p:cBhvr>
+                                    </p:animEffect>
+                                  </p:childTnLst>
+                                </p:cTn>
+                              </p:par>
+                            </p:childTnLst>
+                          </p:cTn>
+                        </p:par>
+                      </p:childTnLst>
+                    </p:cTn>
+                  </p:par>
+                  <p:par>
+                    <p:cTn id="287" fill="hold">
+                      <p:stCondLst>
+                        <p:cond delay="indefinite"/>
+                      </p:stCondLst>
+                      <p:childTnLst>
+                        <p:par>
+                          <p:cTn id="288" fill="hold">
+                            <p:stCondLst>
+                              <p:cond delay="0"/>
+                            </p:stCondLst>
+                            <p:childTnLst>
+                              <p:par>
+                                <p:cTn id="289" presetID="22" presetClass="entr" presetSubtype="4" fill="hold" grpId="2" nodeType="clickEffect">
+                                  <p:stCondLst>
+                                    <p:cond delay="0"/>
+                                  </p:stCondLst>
+                                  <p:childTnLst>
+                                    <p:set>
+                                      <p:cBhvr>
+                                        <p:cTn id="290" dur="1" fill="hold">
+                                          <p:stCondLst>
+                                            <p:cond delay="0"/>
+                                          </p:stCondLst>
+                                        </p:cTn>
+                                        <p:tgtEl>
+                                          <p:spTgt spid="35"/>
+                                        </p:tgtEl>
+                                        <p:attrNameLst>
+                                          <p:attrName>style.visibility</p:attrName>
+                                        </p:attrNameLst>
+                                      </p:cBhvr>
+                                      <p:to>
+                                        <p:strVal val="visible"/>
+                                      </p:to>
+                                    </p:set>
+                                    <p:animEffect transition="in" filter="wipe(down)">
+                                      <p:cBhvr>
+                                        <p:cTn id="291" dur="500"/>
+                                        <p:tgtEl>
+                                          <p:spTgt spid="35"/>
+                                        </p:tgtEl>
+                                      </p:cBhvr>
+                                    </p:animEffect>
+                                  </p:childTnLst>
+                                </p:cTn>
+                              </p:par>
+                            </p:childTnLst>
+                          </p:cTn>
+                        </p:par>
+                      </p:childTnLst>
+                    </p:cTn>
+                  </p:par>
+                  <p:par>
+                    <p:cTn id="292" fill="hold">
+                      <p:stCondLst>
+                        <p:cond delay="indefinite"/>
+                      </p:stCondLst>
+                      <p:childTnLst>
+                        <p:par>
+                          <p:cTn id="293" fill="hold">
+                            <p:stCondLst>
+                              <p:cond delay="0"/>
+                            </p:stCondLst>
+                            <p:childTnLst>
+                              <p:par>
+                                <p:cTn id="294" presetID="22" presetClass="entr" presetSubtype="4" fill="hold" grpId="2" nodeType="clickEffect">
+                                  <p:stCondLst>
+                                    <p:cond delay="0"/>
+                                  </p:stCondLst>
+                                  <p:childTnLst>
+                                    <p:set>
+                                      <p:cBhvr>
+                                        <p:cTn id="295" dur="1" fill="hold">
+                                          <p:stCondLst>
+                                            <p:cond delay="0"/>
+                                          </p:stCondLst>
+                                        </p:cTn>
+                                        <p:tgtEl>
+                                          <p:spTgt spid="40"/>
+                                        </p:tgtEl>
+                                        <p:attrNameLst>
+                                          <p:attrName>style.visibility</p:attrName>
+                                        </p:attrNameLst>
+                                      </p:cBhvr>
+                                      <p:to>
+                                        <p:strVal val="visible"/>
+                                      </p:to>
+                                    </p:set>
+                                    <p:animEffect transition="in" filter="wipe(down)">
+                                      <p:cBhvr>
+                                        <p:cTn id="296" dur="500"/>
+                                        <p:tgtEl>
+                                          <p:spTgt spid="40"/>
+                                        </p:tgtEl>
+                                      </p:cBhvr>
+                                    </p:animEffect>
+                                  </p:childTnLst>
+                                </p:cTn>
+                              </p:par>
+                              <p:par>
+                                <p:cTn id="297" presetID="22" presetClass="entr" presetSubtype="4" fill="hold" grpId="2" nodeType="withEffect">
+                                  <p:stCondLst>
+                                    <p:cond delay="0"/>
+                                  </p:stCondLst>
+                                  <p:childTnLst>
+                                    <p:set>
+                                      <p:cBhvr>
+                                        <p:cTn id="298" dur="1" fill="hold">
+                                          <p:stCondLst>
+                                            <p:cond delay="0"/>
+                                          </p:stCondLst>
+                                        </p:cTn>
+                                        <p:tgtEl>
+                                          <p:spTgt spid="41"/>
+                                        </p:tgtEl>
+                                        <p:attrNameLst>
+                                          <p:attrName>style.visibility</p:attrName>
+                                        </p:attrNameLst>
+                                      </p:cBhvr>
+                                      <p:to>
+                                        <p:strVal val="visible"/>
+                                      </p:to>
+                                    </p:set>
+                                    <p:animEffect transition="in" filter="wipe(down)">
+                                      <p:cBhvr>
+                                        <p:cTn id="299" dur="500"/>
+                                        <p:tgtEl>
+                                          <p:spTgt spid="41"/>
+                                        </p:tgtEl>
+                                      </p:cBhvr>
+                                    </p:animEffect>
+                                  </p:childTnLst>
+                                </p:cTn>
+                              </p:par>
+                              <p:par>
+                                <p:cTn id="300" presetID="22" presetClass="entr" presetSubtype="4" fill="hold" grpId="2" nodeType="withEffect">
+                                  <p:stCondLst>
+                                    <p:cond delay="0"/>
+                                  </p:stCondLst>
+                                  <p:childTnLst>
+                                    <p:set>
+                                      <p:cBhvr>
+                                        <p:cTn id="301" dur="1" fill="hold">
+                                          <p:stCondLst>
+                                            <p:cond delay="0"/>
+                                          </p:stCondLst>
+                                        </p:cTn>
+                                        <p:tgtEl>
+                                          <p:spTgt spid="42"/>
+                                        </p:tgtEl>
+                                        <p:attrNameLst>
+                                          <p:attrName>style.visibility</p:attrName>
+                                        </p:attrNameLst>
+                                      </p:cBhvr>
+                                      <p:to>
+                                        <p:strVal val="visible"/>
+                                      </p:to>
+                                    </p:set>
+                                    <p:animEffect transition="in" filter="wipe(down)">
+                                      <p:cBhvr>
+                                        <p:cTn id="302" dur="500"/>
+                                        <p:tgtEl>
+                                          <p:spTgt spid="42"/>
+                                        </p:tgtEl>
+                                      </p:cBhvr>
+                                    </p:animEffect>
+                                  </p:childTnLst>
+                                </p:cTn>
+                              </p:par>
+                            </p:childTnLst>
+                          </p:cTn>
+                        </p:par>
+                      </p:childTnLst>
+                    </p:cTn>
+                  </p:par>
+                  <p:par>
+                    <p:cTn id="303" fill="hold">
+                      <p:stCondLst>
+                        <p:cond delay="indefinite"/>
+                      </p:stCondLst>
+                      <p:childTnLst>
+                        <p:par>
+                          <p:cTn id="304" fill="hold">
+                            <p:stCondLst>
+                              <p:cond delay="0"/>
+                            </p:stCondLst>
+                            <p:childTnLst>
+                              <p:par>
+                                <p:cTn id="305" presetID="22" presetClass="entr" presetSubtype="4" fill="hold" nodeType="clickEffect">
+                                  <p:stCondLst>
+                                    <p:cond delay="0"/>
+                                  </p:stCondLst>
+                                  <p:childTnLst>
+                                    <p:set>
+                                      <p:cBhvr>
+                                        <p:cTn id="306" dur="1" fill="hold">
+                                          <p:stCondLst>
+                                            <p:cond delay="0"/>
+                                          </p:stCondLst>
+                                        </p:cTn>
+                                        <p:tgtEl>
+                                          <p:spTgt spid="39"/>
+                                        </p:tgtEl>
+                                        <p:attrNameLst>
+                                          <p:attrName>style.visibility</p:attrName>
+                                        </p:attrNameLst>
+                                      </p:cBhvr>
+                                      <p:to>
+                                        <p:strVal val="visible"/>
+                                      </p:to>
+                                    </p:set>
+                                    <p:animEffect transition="in" filter="wipe(down)">
+                                      <p:cBhvr>
+                                        <p:cTn id="307" dur="500"/>
+                                        <p:tgtEl>
+                                          <p:spTgt spid="39"/>
+                                        </p:tgtEl>
+                                      </p:cBhvr>
+                                    </p:animEffect>
+                                  </p:childTnLst>
+                                </p:cTn>
+                              </p:par>
+                              <p:par>
+                                <p:cTn id="308" presetID="22" presetClass="entr" presetSubtype="4" fill="hold" grpId="4" nodeType="withEffect">
+                                  <p:stCondLst>
+                                    <p:cond delay="0"/>
+                                  </p:stCondLst>
+                                  <p:childTnLst>
+                                    <p:set>
+                                      <p:cBhvr>
+                                        <p:cTn id="309" dur="1" fill="hold">
+                                          <p:stCondLst>
+                                            <p:cond delay="0"/>
+                                          </p:stCondLst>
+                                        </p:cTn>
+                                        <p:tgtEl>
+                                          <p:spTgt spid="43"/>
+                                        </p:tgtEl>
+                                        <p:attrNameLst>
+                                          <p:attrName>style.visibility</p:attrName>
+                                        </p:attrNameLst>
+                                      </p:cBhvr>
+                                      <p:to>
+                                        <p:strVal val="visible"/>
+                                      </p:to>
+                                    </p:set>
+                                    <p:animEffect transition="in" filter="wipe(down)">
+                                      <p:cBhvr>
+                                        <p:cTn id="310" dur="500"/>
+                                        <p:tgtEl>
+                                          <p:spTgt spid="43"/>
+                                        </p:tgtEl>
+                                      </p:cBhvr>
+                                    </p:animEffect>
+                                  </p:childTnLst>
+                                </p:cTn>
+                              </p:par>
+                            </p:childTnLst>
+                          </p:cTn>
+                        </p:par>
+                      </p:childTnLst>
+                    </p:cTn>
+                  </p:par>
+                  <p:par>
+                    <p:cTn id="311" fill="hold">
+                      <p:stCondLst>
+                        <p:cond delay="indefinite"/>
+                      </p:stCondLst>
+                      <p:childTnLst>
+                        <p:par>
+                          <p:cTn id="312" fill="hold">
+                            <p:stCondLst>
+                              <p:cond delay="0"/>
+                            </p:stCondLst>
+                            <p:childTnLst>
+                              <p:par>
+                                <p:cTn id="313" presetID="16" presetClass="exit" presetSubtype="21" fill="hold" grpId="5" nodeType="clickEffect">
+                                  <p:stCondLst>
+                                    <p:cond delay="0"/>
+                                  </p:stCondLst>
+                                  <p:childTnLst>
+                                    <p:animEffect transition="out" filter="barn(inVertical)">
+                                      <p:cBhvr>
+                                        <p:cTn id="314" dur="500"/>
+                                        <p:tgtEl>
+                                          <p:spTgt spid="21"/>
+                                        </p:tgtEl>
+                                      </p:cBhvr>
+                                    </p:animEffect>
+                                    <p:set>
+                                      <p:cBhvr>
+                                        <p:cTn id="315" dur="1" fill="hold">
+                                          <p:stCondLst>
+                                            <p:cond delay="499"/>
+                                          </p:stCondLst>
+                                        </p:cTn>
+                                        <p:tgtEl>
+                                          <p:spTgt spid="21"/>
+                                        </p:tgtEl>
+                                        <p:attrNameLst>
+                                          <p:attrName>style.visibility</p:attrName>
+                                        </p:attrNameLst>
+                                      </p:cBhvr>
+                                      <p:to>
+                                        <p:strVal val="hidden"/>
+                                      </p:to>
+                                    </p:set>
+                                  </p:childTnLst>
+                                </p:cTn>
+                              </p:par>
+                              <p:par>
+                                <p:cTn id="316" presetID="16" presetClass="exit" presetSubtype="21" fill="hold" nodeType="withEffect">
+                                  <p:stCondLst>
+                                    <p:cond delay="0"/>
+                                  </p:stCondLst>
+                                  <p:childTnLst>
+                                    <p:animEffect transition="out" filter="barn(inVertical)">
+                                      <p:cBhvr>
+                                        <p:cTn id="317" dur="500"/>
+                                        <p:tgtEl>
+                                          <p:spTgt spid="39"/>
+                                        </p:tgtEl>
+                                      </p:cBhvr>
+                                    </p:animEffect>
+                                    <p:set>
+                                      <p:cBhvr>
+                                        <p:cTn id="318" dur="1" fill="hold">
+                                          <p:stCondLst>
+                                            <p:cond delay="499"/>
+                                          </p:stCondLst>
+                                        </p:cTn>
+                                        <p:tgtEl>
+                                          <p:spTgt spid="39"/>
+                                        </p:tgtEl>
+                                        <p:attrNameLst>
+                                          <p:attrName>style.visibility</p:attrName>
+                                        </p:attrNameLst>
+                                      </p:cBhvr>
+                                      <p:to>
+                                        <p:strVal val="hidden"/>
+                                      </p:to>
+                                    </p:set>
+                                  </p:childTnLst>
+                                </p:cTn>
+                              </p:par>
+                              <p:par>
+                                <p:cTn id="319" presetID="16" presetClass="exit" presetSubtype="21" fill="hold" grpId="5" nodeType="withEffect">
+                                  <p:stCondLst>
+                                    <p:cond delay="0"/>
+                                  </p:stCondLst>
+                                  <p:childTnLst>
+                                    <p:animEffect transition="out" filter="barn(inVertical)">
+                                      <p:cBhvr>
+                                        <p:cTn id="320" dur="500"/>
+                                        <p:tgtEl>
+                                          <p:spTgt spid="43"/>
+                                        </p:tgtEl>
+                                      </p:cBhvr>
+                                    </p:animEffect>
+                                    <p:set>
+                                      <p:cBhvr>
+                                        <p:cTn id="321" dur="1" fill="hold">
+                                          <p:stCondLst>
+                                            <p:cond delay="499"/>
+                                          </p:stCondLst>
+                                        </p:cTn>
+                                        <p:tgtEl>
+                                          <p:spTgt spid="43"/>
+                                        </p:tgtEl>
+                                        <p:attrNameLst>
+                                          <p:attrName>style.visibility</p:attrName>
+                                        </p:attrNameLst>
+                                      </p:cBhvr>
+                                      <p:to>
+                                        <p:strVal val="hidden"/>
+                                      </p:to>
+                                    </p:set>
+                                  </p:childTnLst>
+                                </p:cTn>
+                              </p:par>
+                              <p:par>
+                                <p:cTn id="322" presetID="16" presetClass="exit" presetSubtype="21" fill="hold" grpId="3" nodeType="withEffect">
+                                  <p:stCondLst>
+                                    <p:cond delay="0"/>
+                                  </p:stCondLst>
+                                  <p:childTnLst>
+                                    <p:animEffect transition="out" filter="barn(inVertical)">
+                                      <p:cBhvr>
+                                        <p:cTn id="323" dur="500"/>
+                                        <p:tgtEl>
+                                          <p:spTgt spid="29"/>
+                                        </p:tgtEl>
+                                      </p:cBhvr>
+                                    </p:animEffect>
+                                    <p:set>
+                                      <p:cBhvr>
+                                        <p:cTn id="324" dur="1" fill="hold">
+                                          <p:stCondLst>
+                                            <p:cond delay="499"/>
+                                          </p:stCondLst>
+                                        </p:cTn>
+                                        <p:tgtEl>
+                                          <p:spTgt spid="29"/>
+                                        </p:tgtEl>
+                                        <p:attrNameLst>
+                                          <p:attrName>style.visibility</p:attrName>
+                                        </p:attrNameLst>
+                                      </p:cBhvr>
+                                      <p:to>
+                                        <p:strVal val="hidden"/>
+                                      </p:to>
+                                    </p:set>
+                                  </p:childTnLst>
+                                </p:cTn>
+                              </p:par>
+                              <p:par>
+                                <p:cTn id="325" presetID="16" presetClass="exit" presetSubtype="21" fill="hold" grpId="3" nodeType="withEffect">
+                                  <p:stCondLst>
+                                    <p:cond delay="0"/>
+                                  </p:stCondLst>
+                                  <p:childTnLst>
+                                    <p:animEffect transition="out" filter="barn(inVertical)">
+                                      <p:cBhvr>
+                                        <p:cTn id="326" dur="500"/>
+                                        <p:tgtEl>
+                                          <p:spTgt spid="31"/>
+                                        </p:tgtEl>
+                                      </p:cBhvr>
+                                    </p:animEffect>
+                                    <p:set>
+                                      <p:cBhvr>
+                                        <p:cTn id="327" dur="1" fill="hold">
+                                          <p:stCondLst>
+                                            <p:cond delay="499"/>
+                                          </p:stCondLst>
+                                        </p:cTn>
+                                        <p:tgtEl>
+                                          <p:spTgt spid="31"/>
+                                        </p:tgtEl>
+                                        <p:attrNameLst>
+                                          <p:attrName>style.visibility</p:attrName>
+                                        </p:attrNameLst>
+                                      </p:cBhvr>
+                                      <p:to>
+                                        <p:strVal val="hidden"/>
+                                      </p:to>
+                                    </p:set>
+                                  </p:childTnLst>
+                                </p:cTn>
+                              </p:par>
+                              <p:par>
+                                <p:cTn id="328" presetID="16" presetClass="exit" presetSubtype="21" fill="hold" grpId="3" nodeType="withEffect">
+                                  <p:stCondLst>
+                                    <p:cond delay="0"/>
+                                  </p:stCondLst>
+                                  <p:childTnLst>
+                                    <p:animEffect transition="out" filter="barn(inVertical)">
+                                      <p:cBhvr>
+                                        <p:cTn id="329" dur="500"/>
+                                        <p:tgtEl>
+                                          <p:spTgt spid="32"/>
+                                        </p:tgtEl>
+                                      </p:cBhvr>
+                                    </p:animEffect>
+                                    <p:set>
+                                      <p:cBhvr>
+                                        <p:cTn id="330" dur="1" fill="hold">
+                                          <p:stCondLst>
+                                            <p:cond delay="499"/>
+                                          </p:stCondLst>
+                                        </p:cTn>
+                                        <p:tgtEl>
+                                          <p:spTgt spid="32"/>
+                                        </p:tgtEl>
+                                        <p:attrNameLst>
+                                          <p:attrName>style.visibility</p:attrName>
+                                        </p:attrNameLst>
+                                      </p:cBhvr>
+                                      <p:to>
+                                        <p:strVal val="hidden"/>
+                                      </p:to>
+                                    </p:set>
+                                  </p:childTnLst>
+                                </p:cTn>
+                              </p:par>
+                              <p:par>
+                                <p:cTn id="331" presetID="16" presetClass="exit" presetSubtype="21" fill="hold" grpId="3" nodeType="withEffect">
+                                  <p:stCondLst>
+                                    <p:cond delay="0"/>
+                                  </p:stCondLst>
+                                  <p:childTnLst>
+                                    <p:animEffect transition="out" filter="barn(inVertical)">
+                                      <p:cBhvr>
+                                        <p:cTn id="332" dur="500"/>
+                                        <p:tgtEl>
+                                          <p:spTgt spid="44"/>
+                                        </p:tgtEl>
+                                      </p:cBhvr>
+                                    </p:animEffect>
+                                    <p:set>
+                                      <p:cBhvr>
+                                        <p:cTn id="333" dur="1" fill="hold">
+                                          <p:stCondLst>
+                                            <p:cond delay="499"/>
+                                          </p:stCondLst>
+                                        </p:cTn>
+                                        <p:tgtEl>
+                                          <p:spTgt spid="44"/>
+                                        </p:tgtEl>
+                                        <p:attrNameLst>
+                                          <p:attrName>style.visibility</p:attrName>
+                                        </p:attrNameLst>
+                                      </p:cBhvr>
+                                      <p:to>
+                                        <p:strVal val="hidden"/>
+                                      </p:to>
+                                    </p:set>
+                                  </p:childTnLst>
+                                </p:cTn>
+                              </p:par>
+                              <p:par>
+                                <p:cTn id="334" presetID="16" presetClass="exit" presetSubtype="21" fill="hold" grpId="3" nodeType="withEffect">
+                                  <p:stCondLst>
+                                    <p:cond delay="0"/>
+                                  </p:stCondLst>
+                                  <p:childTnLst>
+                                    <p:animEffect transition="out" filter="barn(inVertical)">
+                                      <p:cBhvr>
+                                        <p:cTn id="335" dur="500"/>
+                                        <p:tgtEl>
+                                          <p:spTgt spid="40"/>
+                                        </p:tgtEl>
+                                      </p:cBhvr>
+                                    </p:animEffect>
+                                    <p:set>
+                                      <p:cBhvr>
+                                        <p:cTn id="336" dur="1" fill="hold">
+                                          <p:stCondLst>
+                                            <p:cond delay="499"/>
+                                          </p:stCondLst>
+                                        </p:cTn>
+                                        <p:tgtEl>
+                                          <p:spTgt spid="40"/>
+                                        </p:tgtEl>
+                                        <p:attrNameLst>
+                                          <p:attrName>style.visibility</p:attrName>
+                                        </p:attrNameLst>
+                                      </p:cBhvr>
+                                      <p:to>
+                                        <p:strVal val="hidden"/>
+                                      </p:to>
+                                    </p:set>
+                                  </p:childTnLst>
+                                </p:cTn>
+                              </p:par>
+                              <p:par>
+                                <p:cTn id="337" presetID="16" presetClass="exit" presetSubtype="21" fill="hold" grpId="3" nodeType="withEffect">
+                                  <p:stCondLst>
+                                    <p:cond delay="0"/>
+                                  </p:stCondLst>
+                                  <p:childTnLst>
+                                    <p:animEffect transition="out" filter="barn(inVertical)">
+                                      <p:cBhvr>
+                                        <p:cTn id="338" dur="500"/>
+                                        <p:tgtEl>
+                                          <p:spTgt spid="41"/>
+                                        </p:tgtEl>
+                                      </p:cBhvr>
+                                    </p:animEffect>
+                                    <p:set>
+                                      <p:cBhvr>
+                                        <p:cTn id="339" dur="1" fill="hold">
+                                          <p:stCondLst>
+                                            <p:cond delay="499"/>
+                                          </p:stCondLst>
+                                        </p:cTn>
+                                        <p:tgtEl>
+                                          <p:spTgt spid="41"/>
+                                        </p:tgtEl>
+                                        <p:attrNameLst>
+                                          <p:attrName>style.visibility</p:attrName>
+                                        </p:attrNameLst>
+                                      </p:cBhvr>
+                                      <p:to>
+                                        <p:strVal val="hidden"/>
+                                      </p:to>
+                                    </p:set>
+                                  </p:childTnLst>
+                                </p:cTn>
+                              </p:par>
+                              <p:par>
+                                <p:cTn id="340" presetID="16" presetClass="exit" presetSubtype="21" fill="hold" grpId="3" nodeType="withEffect">
+                                  <p:stCondLst>
+                                    <p:cond delay="0"/>
+                                  </p:stCondLst>
+                                  <p:childTnLst>
+                                    <p:animEffect transition="out" filter="barn(inVertical)">
+                                      <p:cBhvr>
+                                        <p:cTn id="341" dur="500"/>
+                                        <p:tgtEl>
+                                          <p:spTgt spid="42"/>
+                                        </p:tgtEl>
+                                      </p:cBhvr>
+                                    </p:animEffect>
+                                    <p:set>
+                                      <p:cBhvr>
+                                        <p:cTn id="342" dur="1" fill="hold">
+                                          <p:stCondLst>
+                                            <p:cond delay="499"/>
+                                          </p:stCondLst>
+                                        </p:cTn>
+                                        <p:tgtEl>
+                                          <p:spTgt spid="42"/>
+                                        </p:tgtEl>
+                                        <p:attrNameLst>
+                                          <p:attrName>style.visibility</p:attrName>
+                                        </p:attrNameLst>
+                                      </p:cBhvr>
+                                      <p:to>
+                                        <p:strVal val="hidden"/>
+                                      </p:to>
+                                    </p:set>
+                                  </p:childTnLst>
+                                </p:cTn>
+                              </p:par>
+                              <p:par>
+                                <p:cTn id="343" presetID="16" presetClass="exit" presetSubtype="21" fill="hold" grpId="1" nodeType="withEffect">
+                                  <p:stCondLst>
+                                    <p:cond delay="0"/>
+                                  </p:stCondLst>
+                                  <p:childTnLst>
+                                    <p:animEffect transition="out" filter="barn(inVertical)">
+                                      <p:cBhvr>
+                                        <p:cTn id="344" dur="500"/>
+                                        <p:tgtEl>
+                                          <p:spTgt spid="22"/>
+                                        </p:tgtEl>
+                                      </p:cBhvr>
+                                    </p:animEffect>
+                                    <p:set>
+                                      <p:cBhvr>
+                                        <p:cTn id="345" dur="1" fill="hold">
+                                          <p:stCondLst>
+                                            <p:cond delay="499"/>
+                                          </p:stCondLst>
+                                        </p:cTn>
+                                        <p:tgtEl>
+                                          <p:spTgt spid="22"/>
+                                        </p:tgtEl>
+                                        <p:attrNameLst>
+                                          <p:attrName>style.visibility</p:attrName>
+                                        </p:attrNameLst>
+                                      </p:cBhvr>
+                                      <p:to>
+                                        <p:strVal val="hidden"/>
+                                      </p:to>
+                                    </p:set>
+                                  </p:childTnLst>
+                                </p:cTn>
+                              </p:par>
+                              <p:par>
+                                <p:cTn id="346" presetID="16" presetClass="exit" presetSubtype="21" fill="hold" grpId="4" nodeType="withEffect">
+                                  <p:stCondLst>
+                                    <p:cond delay="0"/>
+                                  </p:stCondLst>
+                                  <p:childTnLst>
+                                    <p:animEffect transition="out" filter="barn(inVertical)">
+                                      <p:cBhvr>
+                                        <p:cTn id="347" dur="500"/>
+                                        <p:tgtEl>
+                                          <p:spTgt spid="37"/>
+                                        </p:tgtEl>
+                                      </p:cBhvr>
+                                    </p:animEffect>
+                                    <p:set>
+                                      <p:cBhvr>
+                                        <p:cTn id="348" dur="1" fill="hold">
+                                          <p:stCondLst>
+                                            <p:cond delay="499"/>
+                                          </p:stCondLst>
+                                        </p:cTn>
+                                        <p:tgtEl>
+                                          <p:spTgt spid="37"/>
+                                        </p:tgtEl>
+                                        <p:attrNameLst>
+                                          <p:attrName>style.visibility</p:attrName>
+                                        </p:attrNameLst>
+                                      </p:cBhvr>
+                                      <p:to>
+                                        <p:strVal val="hidden"/>
+                                      </p:to>
+                                    </p:set>
+                                  </p:childTnLst>
+                                </p:cTn>
+                              </p:par>
+                              <p:par>
+                                <p:cTn id="349" presetID="16" presetClass="exit" presetSubtype="21" fill="hold" grpId="4" nodeType="withEffect">
+                                  <p:stCondLst>
+                                    <p:cond delay="0"/>
+                                  </p:stCondLst>
+                                  <p:childTnLst>
+                                    <p:animEffect transition="out" filter="barn(inVertical)">
+                                      <p:cBhvr>
+                                        <p:cTn id="350" dur="500"/>
+                                        <p:tgtEl>
+                                          <p:spTgt spid="35"/>
+                                        </p:tgtEl>
+                                      </p:cBhvr>
+                                    </p:animEffect>
+                                    <p:set>
+                                      <p:cBhvr>
+                                        <p:cTn id="351" dur="1" fill="hold">
+                                          <p:stCondLst>
+                                            <p:cond delay="499"/>
+                                          </p:stCondLst>
+                                        </p:cTn>
+                                        <p:tgtEl>
+                                          <p:spTgt spid="35"/>
+                                        </p:tgtEl>
+                                        <p:attrNameLst>
+                                          <p:attrName>style.visibility</p:attrName>
+                                        </p:attrNameLst>
+                                      </p:cBhvr>
+                                      <p:to>
+                                        <p:strVal val="hidden"/>
+                                      </p:to>
+                                    </p:set>
+                                  </p:childTnLst>
+                                </p:cTn>
+                              </p:par>
+                              <p:par>
+                                <p:cTn id="352" presetID="10" presetClass="exit" presetSubtype="0" fill="hold" grpId="6" nodeType="withEffect">
+                                  <p:stCondLst>
+                                    <p:cond delay="0"/>
+                                  </p:stCondLst>
+                                  <p:childTnLst>
+                                    <p:animEffect transition="out" filter="fade">
+                                      <p:cBhvr>
+                                        <p:cTn id="353" dur="500"/>
+                                        <p:tgtEl>
+                                          <p:spTgt spid="48"/>
+                                        </p:tgtEl>
+                                      </p:cBhvr>
+                                    </p:animEffect>
+                                    <p:set>
+                                      <p:cBhvr>
+                                        <p:cTn id="354" dur="1" fill="hold">
+                                          <p:stCondLst>
+                                            <p:cond delay="499"/>
+                                          </p:stCondLst>
+                                        </p:cTn>
+                                        <p:tgtEl>
+                                          <p:spTgt spid="48"/>
+                                        </p:tgtEl>
+                                        <p:attrNameLst>
+                                          <p:attrName>style.visibility</p:attrName>
+                                        </p:attrNameLst>
+                                      </p:cBhvr>
+                                      <p:to>
+                                        <p:strVal val="hidden"/>
+                                      </p:to>
+                                    </p:set>
+                                  </p:childTnLst>
+                                </p:cTn>
+                              </p:par>
+                            </p:childTnLst>
+                          </p:cTn>
+                        </p:par>
+                      </p:childTnLst>
+                    </p:cTn>
+                  </p:par>
+                  <p:par>
+                    <p:cTn id="355" fill="hold">
+                      <p:stCondLst>
+                        <p:cond delay="indefinite"/>
+                      </p:stCondLst>
+                      <p:childTnLst>
+                        <p:par>
+                          <p:cTn id="356" fill="hold">
+                            <p:stCondLst>
+                              <p:cond delay="0"/>
+                            </p:stCondLst>
+                            <p:childTnLst>
+                              <p:par>
+                                <p:cTn id="357" presetID="10" presetClass="entr" presetSubtype="0" fill="hold" grpId="6" nodeType="clickEffect">
+                                  <p:stCondLst>
+                                    <p:cond delay="0"/>
+                                  </p:stCondLst>
+                                  <p:childTnLst>
+                                    <p:set>
+                                      <p:cBhvr>
+                                        <p:cTn id="358" dur="1" fill="hold">
+                                          <p:stCondLst>
+                                            <p:cond delay="0"/>
+                                          </p:stCondLst>
+                                        </p:cTn>
+                                        <p:tgtEl>
+                                          <p:spTgt spid="21"/>
+                                        </p:tgtEl>
+                                        <p:attrNameLst>
+                                          <p:attrName>style.visibility</p:attrName>
+                                        </p:attrNameLst>
+                                      </p:cBhvr>
+                                      <p:to>
+                                        <p:strVal val="visible"/>
+                                      </p:to>
+                                    </p:set>
+                                    <p:animEffect transition="in" filter="fade">
+                                      <p:cBhvr>
+                                        <p:cTn id="359" dur="500"/>
+                                        <p:tgtEl>
+                                          <p:spTgt spid="21"/>
+                                        </p:tgtEl>
+                                      </p:cBhvr>
+                                    </p:animEffect>
+                                  </p:childTnLst>
+                                </p:cTn>
+                              </p:par>
+                            </p:childTnLst>
+                          </p:cTn>
+                        </p:par>
+                      </p:childTnLst>
+                    </p:cTn>
+                  </p:par>
+                  <p:par>
+                    <p:cTn id="360" fill="hold">
+                      <p:stCondLst>
+                        <p:cond delay="indefinite"/>
+                      </p:stCondLst>
+                      <p:childTnLst>
+                        <p:par>
+                          <p:cTn id="361" fill="hold">
+                            <p:stCondLst>
+                              <p:cond delay="0"/>
+                            </p:stCondLst>
+                            <p:childTnLst>
+                              <p:par>
+                                <p:cTn id="362" presetID="10" presetClass="entr" presetSubtype="0" fill="hold" grpId="0" nodeType="clickEffect">
+                                  <p:stCondLst>
+                                    <p:cond delay="0"/>
+                                  </p:stCondLst>
+                                  <p:childTnLst>
+                                    <p:set>
+                                      <p:cBhvr>
+                                        <p:cTn id="363" dur="1" fill="hold">
+                                          <p:stCondLst>
+                                            <p:cond delay="0"/>
+                                          </p:stCondLst>
+                                        </p:cTn>
+                                        <p:tgtEl>
+                                          <p:spTgt spid="23"/>
+                                        </p:tgtEl>
+                                        <p:attrNameLst>
+                                          <p:attrName>style.visibility</p:attrName>
+                                        </p:attrNameLst>
+                                      </p:cBhvr>
+                                      <p:to>
+                                        <p:strVal val="visible"/>
+                                      </p:to>
+                                    </p:set>
+                                    <p:animEffect transition="in" filter="fade">
+                                      <p:cBhvr>
+                                        <p:cTn id="364" dur="500"/>
+                                        <p:tgtEl>
+                                          <p:spTgt spid="23"/>
+                                        </p:tgtEl>
+                                      </p:cBhvr>
+                                    </p:animEffect>
+                                  </p:childTnLst>
+                                </p:cTn>
+                              </p:par>
+                            </p:childTnLst>
+                          </p:cTn>
+                        </p:par>
+                      </p:childTnLst>
+                    </p:cTn>
+                  </p:par>
+                  <p:par>
+                    <p:cTn id="365" fill="hold">
+                      <p:stCondLst>
+                        <p:cond delay="indefinite"/>
+                      </p:stCondLst>
+                      <p:childTnLst>
+                        <p:par>
+                          <p:cTn id="366" fill="hold">
+                            <p:stCondLst>
+                              <p:cond delay="0"/>
+                            </p:stCondLst>
+                            <p:childTnLst>
+                              <p:par>
+                                <p:cTn id="367" presetID="22" presetClass="entr" presetSubtype="4" fill="hold" grpId="1" nodeType="clickEffect">
+                                  <p:stCondLst>
+                                    <p:cond delay="0"/>
+                                  </p:stCondLst>
+                                  <p:childTnLst>
+                                    <p:set>
+                                      <p:cBhvr>
+                                        <p:cTn id="368" dur="1" fill="hold">
+                                          <p:stCondLst>
+                                            <p:cond delay="0"/>
+                                          </p:stCondLst>
+                                        </p:cTn>
+                                        <p:tgtEl>
+                                          <p:spTgt spid="48"/>
+                                        </p:tgtEl>
+                                        <p:attrNameLst>
+                                          <p:attrName>style.visibility</p:attrName>
+                                        </p:attrNameLst>
+                                      </p:cBhvr>
+                                      <p:to>
+                                        <p:strVal val="visible"/>
+                                      </p:to>
+                                    </p:set>
+                                    <p:animEffect transition="in" filter="wipe(down)">
+                                      <p:cBhvr>
+                                        <p:cTn id="369" dur="500"/>
+                                        <p:tgtEl>
+                                          <p:spTgt spid="48"/>
+                                        </p:tgtEl>
+                                      </p:cBhvr>
+                                    </p:animEffect>
+                                  </p:childTnLst>
+                                </p:cTn>
+                              </p:par>
+                            </p:childTnLst>
+                          </p:cTn>
+                        </p:par>
+                      </p:childTnLst>
+                    </p:cTn>
+                  </p:par>
+                  <p:par>
+                    <p:cTn id="370" fill="hold">
+                      <p:stCondLst>
+                        <p:cond delay="indefinite"/>
+                      </p:stCondLst>
+                      <p:childTnLst>
+                        <p:par>
+                          <p:cTn id="371" fill="hold">
+                            <p:stCondLst>
+                              <p:cond delay="0"/>
+                            </p:stCondLst>
+                            <p:childTnLst>
+                              <p:par>
+                                <p:cTn id="372" presetID="22" presetClass="entr" presetSubtype="4" fill="hold" grpId="4" nodeType="clickEffect">
+                                  <p:stCondLst>
+                                    <p:cond delay="0"/>
+                                  </p:stCondLst>
+                                  <p:childTnLst>
+                                    <p:set>
+                                      <p:cBhvr>
+                                        <p:cTn id="373" dur="1" fill="hold">
+                                          <p:stCondLst>
+                                            <p:cond delay="0"/>
+                                          </p:stCondLst>
+                                        </p:cTn>
+                                        <p:tgtEl>
+                                          <p:spTgt spid="28"/>
+                                        </p:tgtEl>
+                                        <p:attrNameLst>
+                                          <p:attrName>style.visibility</p:attrName>
+                                        </p:attrNameLst>
+                                      </p:cBhvr>
+                                      <p:to>
+                                        <p:strVal val="visible"/>
+                                      </p:to>
+                                    </p:set>
+                                    <p:animEffect transition="in" filter="wipe(down)">
+                                      <p:cBhvr>
+                                        <p:cTn id="374" dur="500"/>
+                                        <p:tgtEl>
+                                          <p:spTgt spid="28"/>
+                                        </p:tgtEl>
+                                      </p:cBhvr>
+                                    </p:animEffect>
+                                  </p:childTnLst>
+                                </p:cTn>
+                              </p:par>
+                            </p:childTnLst>
+                          </p:cTn>
+                        </p:par>
+                      </p:childTnLst>
+                    </p:cTn>
+                  </p:par>
+                  <p:par>
+                    <p:cTn id="375" fill="hold">
+                      <p:stCondLst>
+                        <p:cond delay="indefinite"/>
+                      </p:stCondLst>
+                      <p:childTnLst>
+                        <p:par>
+                          <p:cTn id="376" fill="hold">
+                            <p:stCondLst>
+                              <p:cond delay="0"/>
+                            </p:stCondLst>
+                            <p:childTnLst>
+                              <p:par>
+                                <p:cTn id="377" presetID="16" presetClass="exit" presetSubtype="21" fill="hold" grpId="5" nodeType="clickEffect">
+                                  <p:stCondLst>
+                                    <p:cond delay="0"/>
+                                  </p:stCondLst>
+                                  <p:childTnLst>
+                                    <p:animEffect transition="out" filter="barn(inVertical)">
+                                      <p:cBhvr>
+                                        <p:cTn id="378" dur="500"/>
+                                        <p:tgtEl>
+                                          <p:spTgt spid="28"/>
+                                        </p:tgtEl>
+                                      </p:cBhvr>
+                                    </p:animEffect>
+                                    <p:set>
+                                      <p:cBhvr>
+                                        <p:cTn id="379" dur="1" fill="hold">
                                           <p:stCondLst>
                                             <p:cond delay="499"/>
                                           </p:stCondLst>
@@ -36685,26 +38477,26 @@
                     </p:cTn>
                   </p:par>
                   <p:par>
-                    <p:cTn id="249" fill="hold">
+                    <p:cTn id="380" fill="hold">
                       <p:stCondLst>
                         <p:cond delay="indefinite"/>
                       </p:stCondLst>
                       <p:childTnLst>
                         <p:par>
-                          <p:cTn id="250" fill="hold">
+                          <p:cTn id="381" fill="hold">
                             <p:stCondLst>
                               <p:cond delay="0"/>
                             </p:stCondLst>
                             <p:childTnLst>
                               <p:par>
-                                <p:cTn id="251" presetID="22" presetClass="entr" presetSubtype="4" fill="hold" grpId="2" nodeType="clickEffect">
+                                <p:cTn id="382" presetID="22" presetClass="entr" presetSubtype="4" fill="hold" grpId="4" nodeType="clickEffect">
                                   <p:stCondLst>
                                     <p:cond delay="0"/>
                                   </p:stCondLst>
                                   <p:childTnLst>
                                     <p:set>
                                       <p:cBhvr>
-                                        <p:cTn id="252" dur="1" fill="hold">
+                                        <p:cTn id="383" dur="1" fill="hold">
                                           <p:stCondLst>
                                             <p:cond delay="0"/>
                                           </p:stCondLst>
@@ -36722,7 +38514,7 @@
                                     </p:set>
                                     <p:animEffect transition="in" filter="wipe(down)">
                                       <p:cBhvr>
-                                        <p:cTn id="253" dur="500"/>
+                                        <p:cTn id="384" dur="500"/>
                                         <p:tgtEl>
                                           <p:spTgt spid="29"/>
                                         </p:tgtEl>
@@ -36738,26 +38530,26 @@
                     </p:cTn>
                   </p:par>
                   <p:par>
-                    <p:cTn id="254" fill="hold">
+                    <p:cTn id="385" fill="hold">
                       <p:stCondLst>
                         <p:cond delay="indefinite"/>
                       </p:stCondLst>
                       <p:childTnLst>
                         <p:par>
-                          <p:cTn id="255" fill="hold">
+                          <p:cTn id="386" fill="hold">
                             <p:stCondLst>
                               <p:cond delay="0"/>
                             </p:stCondLst>
                             <p:childTnLst>
                               <p:par>
-                                <p:cTn id="256" presetID="22" presetClass="entr" presetSubtype="4" fill="hold" grpId="2" nodeType="clickEffect">
+                                <p:cTn id="387" presetID="22" presetClass="entr" presetSubtype="4" fill="hold" grpId="4" nodeType="clickEffect">
                                   <p:stCondLst>
                                     <p:cond delay="0"/>
                                   </p:stCondLst>
                                   <p:childTnLst>
                                     <p:set>
                                       <p:cBhvr>
-                                        <p:cTn id="257" dur="1" fill="hold">
+                                        <p:cTn id="388" dur="1" fill="hold">
                                           <p:stCondLst>
                                             <p:cond delay="0"/>
                                           </p:stCondLst>
@@ -36775,7 +38567,7 @@
                                     </p:set>
                                     <p:animEffect transition="in" filter="wipe(down)">
                                       <p:cBhvr>
-                                        <p:cTn id="258" dur="500"/>
+                                        <p:cTn id="389" dur="500"/>
                                         <p:tgtEl>
                                           <p:spTgt spid="31"/>
                                         </p:tgtEl>
@@ -36791,26 +38583,26 @@
                     </p:cTn>
                   </p:par>
                   <p:par>
-                    <p:cTn id="259" fill="hold">
+                    <p:cTn id="390" fill="hold">
                       <p:stCondLst>
                         <p:cond delay="indefinite"/>
                       </p:stCondLst>
                       <p:childTnLst>
                         <p:par>
-                          <p:cTn id="260" fill="hold">
+                          <p:cTn id="391" fill="hold">
                             <p:stCondLst>
                               <p:cond delay="0"/>
                             </p:stCondLst>
                             <p:childTnLst>
                               <p:par>
-                                <p:cTn id="261" presetID="22" presetClass="entr" presetSubtype="4" fill="hold" grpId="2" nodeType="clickEffect">
+                                <p:cTn id="392" presetID="10" presetClass="entr" presetSubtype="0" fill="hold" grpId="4" nodeType="clickEffect">
                                   <p:stCondLst>
                                     <p:cond delay="0"/>
                                   </p:stCondLst>
                                   <p:childTnLst>
                                     <p:set>
                                       <p:cBhvr>
-                                        <p:cTn id="262" dur="1" fill="hold">
+                                        <p:cTn id="393" dur="1" fill="hold">
                                           <p:stCondLst>
                                             <p:cond delay="0"/>
                                           </p:stCondLst>
@@ -36826,9 +38618,9 @@
                                         <p:strVal val="visible"/>
                                       </p:to>
                                     </p:set>
-                                    <p:animEffect transition="in" filter="wipe(down)">
+                                    <p:animEffect transition="in" filter="fade">
                                       <p:cBhvr>
-                                        <p:cTn id="263" dur="500"/>
+                                        <p:cTn id="394" dur="500"/>
                                         <p:tgtEl>
                                           <p:spTgt spid="32"/>
                                         </p:tgtEl>
@@ -36844,26 +38636,26 @@
                     </p:cTn>
                   </p:par>
                   <p:par>
-                    <p:cTn id="264" fill="hold">
+                    <p:cTn id="395" fill="hold">
                       <p:stCondLst>
                         <p:cond delay="indefinite"/>
                       </p:stCondLst>
                       <p:childTnLst>
                         <p:par>
-                          <p:cTn id="265" fill="hold">
+                          <p:cTn id="396" fill="hold">
                             <p:stCondLst>
                               <p:cond delay="0"/>
                             </p:stCondLst>
                             <p:childTnLst>
                               <p:par>
-                                <p:cTn id="266" presetID="22" presetClass="entr" presetSubtype="4" fill="hold" grpId="2" nodeType="clickEffect">
+                                <p:cTn id="397" presetID="22" presetClass="entr" presetSubtype="4" fill="hold" grpId="3" nodeType="clickEffect">
                                   <p:stCondLst>
                                     <p:cond delay="0"/>
                                   </p:stCondLst>
                                   <p:childTnLst>
                                     <p:set>
                                       <p:cBhvr>
-                                        <p:cTn id="267" dur="1" fill="hold">
+                                        <p:cTn id="398" dur="1" fill="hold">
                                           <p:stCondLst>
                                             <p:cond delay="0"/>
                                           </p:stCondLst>
@@ -36881,7 +38673,7 @@
                                     </p:set>
                                     <p:animEffect transition="in" filter="wipe(down)">
                                       <p:cBhvr>
-                                        <p:cTn id="268" dur="500"/>
+                                        <p:cTn id="399" dur="500"/>
                                         <p:tgtEl>
                                           <p:spTgt spid="37"/>
                                         </p:tgtEl>
@@ -36897,26 +38689,26 @@
                     </p:cTn>
                   </p:par>
                   <p:par>
-                    <p:cTn id="269" fill="hold">
+                    <p:cTn id="400" fill="hold">
                       <p:stCondLst>
                         <p:cond delay="indefinite"/>
                       </p:stCondLst>
                       <p:childTnLst>
                         <p:par>
-                          <p:cTn id="270" fill="hold">
+                          <p:cTn id="401" fill="hold">
                             <p:stCondLst>
                               <p:cond delay="0"/>
                             </p:stCondLst>
                             <p:childTnLst>
                               <p:par>
-                                <p:cTn id="271" presetID="22" presetClass="entr" presetSubtype="4" fill="hold" grpId="2" nodeType="clickEffect">
+                                <p:cTn id="402" presetID="22" presetClass="entr" presetSubtype="4" fill="hold" grpId="4" nodeType="clickEffect">
                                   <p:stCondLst>
                                     <p:cond delay="0"/>
                                   </p:stCondLst>
                                   <p:childTnLst>
                                     <p:set>
                                       <p:cBhvr>
-                                        <p:cTn id="272" dur="1" fill="hold">
+                                        <p:cTn id="403" dur="1" fill="hold">
                                           <p:stCondLst>
                                             <p:cond delay="0"/>
                                           </p:stCondLst>
@@ -36934,7 +38726,7 @@
                                     </p:set>
                                     <p:animEffect transition="in" filter="wipe(down)">
                                       <p:cBhvr>
-                                        <p:cTn id="273" dur="500"/>
+                                        <p:cTn id="404" dur="500"/>
                                         <p:tgtEl>
                                           <p:spTgt spid="44"/>
                                         </p:tgtEl>
@@ -36950,26 +38742,26 @@
                     </p:cTn>
                   </p:par>
                   <p:par>
-                    <p:cTn id="274" fill="hold">
+                    <p:cTn id="405" fill="hold">
                       <p:stCondLst>
                         <p:cond delay="indefinite"/>
                       </p:stCondLst>
                       <p:childTnLst>
                         <p:par>
-                          <p:cTn id="275" fill="hold">
+                          <p:cTn id="406" fill="hold">
                             <p:stCondLst>
                               <p:cond delay="0"/>
                             </p:stCondLst>
                             <p:childTnLst>
                               <p:par>
-                                <p:cTn id="276" presetID="22" presetClass="entr" presetSubtype="4" fill="hold" grpId="2" nodeType="clickEffect">
+                                <p:cTn id="407" presetID="22" presetClass="entr" presetSubtype="4" fill="hold" grpId="3" nodeType="clickEffect">
                                   <p:stCondLst>
                                     <p:cond delay="0"/>
                                   </p:stCondLst>
                                   <p:childTnLst>
                                     <p:set>
                                       <p:cBhvr>
-                                        <p:cTn id="277" dur="1" fill="hold">
+                                        <p:cTn id="408" dur="1" fill="hold">
                                           <p:stCondLst>
                                             <p:cond delay="0"/>
                                           </p:stCondLst>
@@ -36987,7 +38779,7 @@
                                     </p:set>
                                     <p:animEffect transition="in" filter="wipe(down)">
                                       <p:cBhvr>
-                                        <p:cTn id="278" dur="500"/>
+                                        <p:cTn id="409" dur="500"/>
                                         <p:tgtEl>
                                           <p:spTgt spid="35"/>
                                         </p:tgtEl>
@@ -37003,26 +38795,26 @@
                     </p:cTn>
                   </p:par>
                   <p:par>
-                    <p:cTn id="279" fill="hold">
+                    <p:cTn id="410" fill="hold">
                       <p:stCondLst>
                         <p:cond delay="indefinite"/>
                       </p:stCondLst>
                       <p:childTnLst>
                         <p:par>
-                          <p:cTn id="280" fill="hold">
+                          <p:cTn id="411" fill="hold">
                             <p:stCondLst>
                               <p:cond delay="0"/>
                             </p:stCondLst>
                             <p:childTnLst>
                               <p:par>
-                                <p:cTn id="281" presetID="22" presetClass="entr" presetSubtype="4" fill="hold" grpId="2" nodeType="clickEffect">
+                                <p:cTn id="412" presetID="22" presetClass="entr" presetSubtype="4" fill="hold" grpId="4" nodeType="clickEffect">
                                   <p:stCondLst>
                                     <p:cond delay="0"/>
                                   </p:stCondLst>
                                   <p:childTnLst>
                                     <p:set>
                                       <p:cBhvr>
-                                        <p:cTn id="282" dur="1" fill="hold">
+                                        <p:cTn id="413" dur="1" fill="hold">
                                           <p:stCondLst>
                                             <p:cond delay="0"/>
                                           </p:stCondLst>
@@ -37040,7 +38832,7 @@
                                     </p:set>
                                     <p:animEffect transition="in" filter="wipe(down)">
                                       <p:cBhvr>
-                                        <p:cTn id="283" dur="500"/>
+                                        <p:cTn id="414" dur="500"/>
                                         <p:tgtEl>
                                           <p:spTgt spid="40"/>
                                         </p:tgtEl>
@@ -37050,14 +38842,14 @@
                                 </p:cTn>
                               </p:par>
                               <p:par>
-                                <p:cTn id="284" presetID="22" presetClass="entr" presetSubtype="4" fill="hold" grpId="2" nodeType="withEffect">
+                                <p:cTn id="415" presetID="22" presetClass="entr" presetSubtype="4" fill="hold" grpId="4" nodeType="withEffect">
                                   <p:stCondLst>
                                     <p:cond delay="0"/>
                                   </p:stCondLst>
                                   <p:childTnLst>
                                     <p:set>
                                       <p:cBhvr>
-                                        <p:cTn id="285" dur="1" fill="hold">
+                                        <p:cTn id="416" dur="1" fill="hold">
                                           <p:stCondLst>
                                             <p:cond delay="0"/>
                                           </p:stCondLst>
@@ -37075,7 +38867,7 @@
                                     </p:set>
                                     <p:animEffect transition="in" filter="wipe(down)">
                                       <p:cBhvr>
-                                        <p:cTn id="286" dur="500"/>
+                                        <p:cTn id="417" dur="500"/>
                                         <p:tgtEl>
                                           <p:spTgt spid="41"/>
                                         </p:tgtEl>
@@ -37085,14 +38877,14 @@
                                 </p:cTn>
                               </p:par>
                               <p:par>
-                                <p:cTn id="287" presetID="22" presetClass="entr" presetSubtype="4" fill="hold" grpId="2" nodeType="withEffect">
+                                <p:cTn id="418" presetID="22" presetClass="entr" presetSubtype="4" fill="hold" grpId="4" nodeType="withEffect">
                                   <p:stCondLst>
                                     <p:cond delay="0"/>
                                   </p:stCondLst>
                                   <p:childTnLst>
                                     <p:set>
                                       <p:cBhvr>
-                                        <p:cTn id="288" dur="1" fill="hold">
+                                        <p:cTn id="419" dur="1" fill="hold">
                                           <p:stCondLst>
                                             <p:cond delay="0"/>
                                           </p:stCondLst>
@@ -37110,7 +38902,7 @@
                                     </p:set>
                                     <p:animEffect transition="in" filter="wipe(down)">
                                       <p:cBhvr>
-                                        <p:cTn id="289" dur="500"/>
+                                        <p:cTn id="420" dur="500"/>
                                         <p:tgtEl>
                                           <p:spTgt spid="42"/>
                                         </p:tgtEl>
@@ -37126,26 +38918,26 @@
                     </p:cTn>
                   </p:par>
                   <p:par>
-                    <p:cTn id="290" fill="hold">
+                    <p:cTn id="421" fill="hold">
                       <p:stCondLst>
                         <p:cond delay="indefinite"/>
                       </p:stCondLst>
                       <p:childTnLst>
                         <p:par>
-                          <p:cTn id="291" fill="hold">
+                          <p:cTn id="422" fill="hold">
                             <p:stCondLst>
                               <p:cond delay="0"/>
                             </p:stCondLst>
                             <p:childTnLst>
                               <p:par>
-                                <p:cTn id="292" presetID="22" presetClass="entr" presetSubtype="4" fill="hold" nodeType="clickEffect">
+                                <p:cTn id="423" presetID="22" presetClass="entr" presetSubtype="4" fill="hold" nodeType="clickEffect">
                                   <p:stCondLst>
                                     <p:cond delay="0"/>
                                   </p:stCondLst>
                                   <p:childTnLst>
                                     <p:set>
                                       <p:cBhvr>
-                                        <p:cTn id="293" dur="1" fill="hold">
+                                        <p:cTn id="424" dur="1" fill="hold">
                                           <p:stCondLst>
                                             <p:cond delay="0"/>
                                           </p:stCondLst>
@@ -37163,7 +38955,7 @@
                                     </p:set>
                                     <p:animEffect transition="in" filter="wipe(down)">
                                       <p:cBhvr>
-                                        <p:cTn id="294" dur="500"/>
+                                        <p:cTn id="425" dur="500"/>
                                         <p:tgtEl>
                                           <p:spTgt spid="39"/>
                                         </p:tgtEl>
@@ -37173,14 +38965,14 @@
                                 </p:cTn>
                               </p:par>
                               <p:par>
-                                <p:cTn id="295" presetID="22" presetClass="entr" presetSubtype="4" fill="hold" grpId="4" nodeType="withEffect">
+                                <p:cTn id="426" presetID="22" presetClass="entr" presetSubtype="4" fill="hold" grpId="6" nodeType="withEffect">
                                   <p:stCondLst>
                                     <p:cond delay="0"/>
                                   </p:stCondLst>
                                   <p:childTnLst>
                                     <p:set>
                                       <p:cBhvr>
-                                        <p:cTn id="296" dur="1" fill="hold">
+                                        <p:cTn id="427" dur="1" fill="hold">
                                           <p:stCondLst>
                                             <p:cond delay="0"/>
                                           </p:stCondLst>
@@ -37198,1204 +38990,7 @@
                                     </p:set>
                                     <p:animEffect transition="in" filter="wipe(down)">
                                       <p:cBhvr>
-                                        <p:cTn id="297" dur="500"/>
-                                        <p:tgtEl>
-                                          <p:spTgt spid="43"/>
-                                        </p:tgtEl>
-                                      </p:cBhvr>
-                                    </p:animEffect>
-                                  </p:childTnLst>
-                                </p:cTn>
-                              </p:par>
-                            </p:childTnLst>
-                          </p:cTn>
-                        </p:par>
-                      </p:childTnLst>
-                    </p:cTn>
-                  </p:par>
-                  <p:par>
-                    <p:cTn id="298" fill="hold">
-                      <p:stCondLst>
-                        <p:cond delay="indefinite"/>
-                      </p:stCondLst>
-                      <p:childTnLst>
-                        <p:par>
-                          <p:cTn id="299" fill="hold">
-                            <p:stCondLst>
-                              <p:cond delay="0"/>
-                            </p:stCondLst>
-                            <p:childTnLst>
-                              <p:par>
-                                <p:cTn id="300" presetID="16" presetClass="exit" presetSubtype="21" fill="hold" grpId="5" nodeType="clickEffect">
-                                  <p:stCondLst>
-                                    <p:cond delay="0"/>
-                                  </p:stCondLst>
-                                  <p:childTnLst>
-                                    <p:animEffect transition="out" filter="barn(inVertical)">
-                                      <p:cBhvr>
-                                        <p:cTn id="301" dur="500"/>
-                                        <p:tgtEl>
-                                          <p:spTgt spid="21"/>
-                                        </p:tgtEl>
-                                      </p:cBhvr>
-                                    </p:animEffect>
-                                    <p:set>
-                                      <p:cBhvr>
-                                        <p:cTn id="302" dur="1" fill="hold">
-                                          <p:stCondLst>
-                                            <p:cond delay="499"/>
-                                          </p:stCondLst>
-                                        </p:cTn>
-                                        <p:tgtEl>
-                                          <p:spTgt spid="21"/>
-                                        </p:tgtEl>
-                                        <p:attrNameLst>
-                                          <p:attrName>style.visibility</p:attrName>
-                                        </p:attrNameLst>
-                                      </p:cBhvr>
-                                      <p:to>
-                                        <p:strVal val="hidden"/>
-                                      </p:to>
-                                    </p:set>
-                                  </p:childTnLst>
-                                </p:cTn>
-                              </p:par>
-                              <p:par>
-                                <p:cTn id="303" presetID="16" presetClass="exit" presetSubtype="21" fill="hold" nodeType="withEffect">
-                                  <p:stCondLst>
-                                    <p:cond delay="0"/>
-                                  </p:stCondLst>
-                                  <p:childTnLst>
-                                    <p:animEffect transition="out" filter="barn(inVertical)">
-                                      <p:cBhvr>
-                                        <p:cTn id="304" dur="500"/>
-                                        <p:tgtEl>
-                                          <p:spTgt spid="39"/>
-                                        </p:tgtEl>
-                                      </p:cBhvr>
-                                    </p:animEffect>
-                                    <p:set>
-                                      <p:cBhvr>
-                                        <p:cTn id="305" dur="1" fill="hold">
-                                          <p:stCondLst>
-                                            <p:cond delay="499"/>
-                                          </p:stCondLst>
-                                        </p:cTn>
-                                        <p:tgtEl>
-                                          <p:spTgt spid="39"/>
-                                        </p:tgtEl>
-                                        <p:attrNameLst>
-                                          <p:attrName>style.visibility</p:attrName>
-                                        </p:attrNameLst>
-                                      </p:cBhvr>
-                                      <p:to>
-                                        <p:strVal val="hidden"/>
-                                      </p:to>
-                                    </p:set>
-                                  </p:childTnLst>
-                                </p:cTn>
-                              </p:par>
-                              <p:par>
-                                <p:cTn id="306" presetID="16" presetClass="exit" presetSubtype="21" fill="hold" grpId="5" nodeType="withEffect">
-                                  <p:stCondLst>
-                                    <p:cond delay="0"/>
-                                  </p:stCondLst>
-                                  <p:childTnLst>
-                                    <p:animEffect transition="out" filter="barn(inVertical)">
-                                      <p:cBhvr>
-                                        <p:cTn id="307" dur="500"/>
-                                        <p:tgtEl>
-                                          <p:spTgt spid="43"/>
-                                        </p:tgtEl>
-                                      </p:cBhvr>
-                                    </p:animEffect>
-                                    <p:set>
-                                      <p:cBhvr>
-                                        <p:cTn id="308" dur="1" fill="hold">
-                                          <p:stCondLst>
-                                            <p:cond delay="499"/>
-                                          </p:stCondLst>
-                                        </p:cTn>
-                                        <p:tgtEl>
-                                          <p:spTgt spid="43"/>
-                                        </p:tgtEl>
-                                        <p:attrNameLst>
-                                          <p:attrName>style.visibility</p:attrName>
-                                        </p:attrNameLst>
-                                      </p:cBhvr>
-                                      <p:to>
-                                        <p:strVal val="hidden"/>
-                                      </p:to>
-                                    </p:set>
-                                  </p:childTnLst>
-                                </p:cTn>
-                              </p:par>
-                              <p:par>
-                                <p:cTn id="309" presetID="16" presetClass="exit" presetSubtype="21" fill="hold" grpId="3" nodeType="withEffect">
-                                  <p:stCondLst>
-                                    <p:cond delay="0"/>
-                                  </p:stCondLst>
-                                  <p:childTnLst>
-                                    <p:animEffect transition="out" filter="barn(inVertical)">
-                                      <p:cBhvr>
-                                        <p:cTn id="310" dur="500"/>
-                                        <p:tgtEl>
-                                          <p:spTgt spid="29"/>
-                                        </p:tgtEl>
-                                      </p:cBhvr>
-                                    </p:animEffect>
-                                    <p:set>
-                                      <p:cBhvr>
-                                        <p:cTn id="311" dur="1" fill="hold">
-                                          <p:stCondLst>
-                                            <p:cond delay="499"/>
-                                          </p:stCondLst>
-                                        </p:cTn>
-                                        <p:tgtEl>
-                                          <p:spTgt spid="29"/>
-                                        </p:tgtEl>
-                                        <p:attrNameLst>
-                                          <p:attrName>style.visibility</p:attrName>
-                                        </p:attrNameLst>
-                                      </p:cBhvr>
-                                      <p:to>
-                                        <p:strVal val="hidden"/>
-                                      </p:to>
-                                    </p:set>
-                                  </p:childTnLst>
-                                </p:cTn>
-                              </p:par>
-                              <p:par>
-                                <p:cTn id="312" presetID="16" presetClass="exit" presetSubtype="21" fill="hold" grpId="3" nodeType="withEffect">
-                                  <p:stCondLst>
-                                    <p:cond delay="0"/>
-                                  </p:stCondLst>
-                                  <p:childTnLst>
-                                    <p:animEffect transition="out" filter="barn(inVertical)">
-                                      <p:cBhvr>
-                                        <p:cTn id="313" dur="500"/>
-                                        <p:tgtEl>
-                                          <p:spTgt spid="31"/>
-                                        </p:tgtEl>
-                                      </p:cBhvr>
-                                    </p:animEffect>
-                                    <p:set>
-                                      <p:cBhvr>
-                                        <p:cTn id="314" dur="1" fill="hold">
-                                          <p:stCondLst>
-                                            <p:cond delay="499"/>
-                                          </p:stCondLst>
-                                        </p:cTn>
-                                        <p:tgtEl>
-                                          <p:spTgt spid="31"/>
-                                        </p:tgtEl>
-                                        <p:attrNameLst>
-                                          <p:attrName>style.visibility</p:attrName>
-                                        </p:attrNameLst>
-                                      </p:cBhvr>
-                                      <p:to>
-                                        <p:strVal val="hidden"/>
-                                      </p:to>
-                                    </p:set>
-                                  </p:childTnLst>
-                                </p:cTn>
-                              </p:par>
-                              <p:par>
-                                <p:cTn id="315" presetID="16" presetClass="exit" presetSubtype="21" fill="hold" grpId="3" nodeType="withEffect">
-                                  <p:stCondLst>
-                                    <p:cond delay="0"/>
-                                  </p:stCondLst>
-                                  <p:childTnLst>
-                                    <p:animEffect transition="out" filter="barn(inVertical)">
-                                      <p:cBhvr>
-                                        <p:cTn id="316" dur="500"/>
-                                        <p:tgtEl>
-                                          <p:spTgt spid="32"/>
-                                        </p:tgtEl>
-                                      </p:cBhvr>
-                                    </p:animEffect>
-                                    <p:set>
-                                      <p:cBhvr>
-                                        <p:cTn id="317" dur="1" fill="hold">
-                                          <p:stCondLst>
-                                            <p:cond delay="499"/>
-                                          </p:stCondLst>
-                                        </p:cTn>
-                                        <p:tgtEl>
-                                          <p:spTgt spid="32"/>
-                                        </p:tgtEl>
-                                        <p:attrNameLst>
-                                          <p:attrName>style.visibility</p:attrName>
-                                        </p:attrNameLst>
-                                      </p:cBhvr>
-                                      <p:to>
-                                        <p:strVal val="hidden"/>
-                                      </p:to>
-                                    </p:set>
-                                  </p:childTnLst>
-                                </p:cTn>
-                              </p:par>
-                              <p:par>
-                                <p:cTn id="318" presetID="16" presetClass="exit" presetSubtype="21" fill="hold" grpId="3" nodeType="withEffect">
-                                  <p:stCondLst>
-                                    <p:cond delay="0"/>
-                                  </p:stCondLst>
-                                  <p:childTnLst>
-                                    <p:animEffect transition="out" filter="barn(inVertical)">
-                                      <p:cBhvr>
-                                        <p:cTn id="319" dur="500"/>
-                                        <p:tgtEl>
-                                          <p:spTgt spid="44"/>
-                                        </p:tgtEl>
-                                      </p:cBhvr>
-                                    </p:animEffect>
-                                    <p:set>
-                                      <p:cBhvr>
-                                        <p:cTn id="320" dur="1" fill="hold">
-                                          <p:stCondLst>
-                                            <p:cond delay="499"/>
-                                          </p:stCondLst>
-                                        </p:cTn>
-                                        <p:tgtEl>
-                                          <p:spTgt spid="44"/>
-                                        </p:tgtEl>
-                                        <p:attrNameLst>
-                                          <p:attrName>style.visibility</p:attrName>
-                                        </p:attrNameLst>
-                                      </p:cBhvr>
-                                      <p:to>
-                                        <p:strVal val="hidden"/>
-                                      </p:to>
-                                    </p:set>
-                                  </p:childTnLst>
-                                </p:cTn>
-                              </p:par>
-                              <p:par>
-                                <p:cTn id="321" presetID="16" presetClass="exit" presetSubtype="21" fill="hold" grpId="3" nodeType="withEffect">
-                                  <p:stCondLst>
-                                    <p:cond delay="0"/>
-                                  </p:stCondLst>
-                                  <p:childTnLst>
-                                    <p:animEffect transition="out" filter="barn(inVertical)">
-                                      <p:cBhvr>
-                                        <p:cTn id="322" dur="500"/>
-                                        <p:tgtEl>
-                                          <p:spTgt spid="40"/>
-                                        </p:tgtEl>
-                                      </p:cBhvr>
-                                    </p:animEffect>
-                                    <p:set>
-                                      <p:cBhvr>
-                                        <p:cTn id="323" dur="1" fill="hold">
-                                          <p:stCondLst>
-                                            <p:cond delay="499"/>
-                                          </p:stCondLst>
-                                        </p:cTn>
-                                        <p:tgtEl>
-                                          <p:spTgt spid="40"/>
-                                        </p:tgtEl>
-                                        <p:attrNameLst>
-                                          <p:attrName>style.visibility</p:attrName>
-                                        </p:attrNameLst>
-                                      </p:cBhvr>
-                                      <p:to>
-                                        <p:strVal val="hidden"/>
-                                      </p:to>
-                                    </p:set>
-                                  </p:childTnLst>
-                                </p:cTn>
-                              </p:par>
-                              <p:par>
-                                <p:cTn id="324" presetID="16" presetClass="exit" presetSubtype="21" fill="hold" grpId="3" nodeType="withEffect">
-                                  <p:stCondLst>
-                                    <p:cond delay="0"/>
-                                  </p:stCondLst>
-                                  <p:childTnLst>
-                                    <p:animEffect transition="out" filter="barn(inVertical)">
-                                      <p:cBhvr>
-                                        <p:cTn id="325" dur="500"/>
-                                        <p:tgtEl>
-                                          <p:spTgt spid="41"/>
-                                        </p:tgtEl>
-                                      </p:cBhvr>
-                                    </p:animEffect>
-                                    <p:set>
-                                      <p:cBhvr>
-                                        <p:cTn id="326" dur="1" fill="hold">
-                                          <p:stCondLst>
-                                            <p:cond delay="499"/>
-                                          </p:stCondLst>
-                                        </p:cTn>
-                                        <p:tgtEl>
-                                          <p:spTgt spid="41"/>
-                                        </p:tgtEl>
-                                        <p:attrNameLst>
-                                          <p:attrName>style.visibility</p:attrName>
-                                        </p:attrNameLst>
-                                      </p:cBhvr>
-                                      <p:to>
-                                        <p:strVal val="hidden"/>
-                                      </p:to>
-                                    </p:set>
-                                  </p:childTnLst>
-                                </p:cTn>
-                              </p:par>
-                              <p:par>
-                                <p:cTn id="327" presetID="16" presetClass="exit" presetSubtype="21" fill="hold" grpId="3" nodeType="withEffect">
-                                  <p:stCondLst>
-                                    <p:cond delay="0"/>
-                                  </p:stCondLst>
-                                  <p:childTnLst>
-                                    <p:animEffect transition="out" filter="barn(inVertical)">
-                                      <p:cBhvr>
-                                        <p:cTn id="328" dur="500"/>
-                                        <p:tgtEl>
-                                          <p:spTgt spid="42"/>
-                                        </p:tgtEl>
-                                      </p:cBhvr>
-                                    </p:animEffect>
-                                    <p:set>
-                                      <p:cBhvr>
-                                        <p:cTn id="329" dur="1" fill="hold">
-                                          <p:stCondLst>
-                                            <p:cond delay="499"/>
-                                          </p:stCondLst>
-                                        </p:cTn>
-                                        <p:tgtEl>
-                                          <p:spTgt spid="42"/>
-                                        </p:tgtEl>
-                                        <p:attrNameLst>
-                                          <p:attrName>style.visibility</p:attrName>
-                                        </p:attrNameLst>
-                                      </p:cBhvr>
-                                      <p:to>
-                                        <p:strVal val="hidden"/>
-                                      </p:to>
-                                    </p:set>
-                                  </p:childTnLst>
-                                </p:cTn>
-                              </p:par>
-                              <p:par>
-                                <p:cTn id="330" presetID="16" presetClass="exit" presetSubtype="21" fill="hold" grpId="1" nodeType="withEffect">
-                                  <p:stCondLst>
-                                    <p:cond delay="0"/>
-                                  </p:stCondLst>
-                                  <p:childTnLst>
-                                    <p:animEffect transition="out" filter="barn(inVertical)">
-                                      <p:cBhvr>
-                                        <p:cTn id="331" dur="500"/>
-                                        <p:tgtEl>
-                                          <p:spTgt spid="22"/>
-                                        </p:tgtEl>
-                                      </p:cBhvr>
-                                    </p:animEffect>
-                                    <p:set>
-                                      <p:cBhvr>
-                                        <p:cTn id="332" dur="1" fill="hold">
-                                          <p:stCondLst>
-                                            <p:cond delay="499"/>
-                                          </p:stCondLst>
-                                        </p:cTn>
-                                        <p:tgtEl>
-                                          <p:spTgt spid="22"/>
-                                        </p:tgtEl>
-                                        <p:attrNameLst>
-                                          <p:attrName>style.visibility</p:attrName>
-                                        </p:attrNameLst>
-                                      </p:cBhvr>
-                                      <p:to>
-                                        <p:strVal val="hidden"/>
-                                      </p:to>
-                                    </p:set>
-                                  </p:childTnLst>
-                                </p:cTn>
-                              </p:par>
-                            </p:childTnLst>
-                          </p:cTn>
-                        </p:par>
-                      </p:childTnLst>
-                    </p:cTn>
-                  </p:par>
-                  <p:par>
-                    <p:cTn id="333" fill="hold">
-                      <p:stCondLst>
-                        <p:cond delay="indefinite"/>
-                      </p:stCondLst>
-                      <p:childTnLst>
-                        <p:par>
-                          <p:cTn id="334" fill="hold">
-                            <p:stCondLst>
-                              <p:cond delay="0"/>
-                            </p:stCondLst>
-                            <p:childTnLst>
-                              <p:par>
-                                <p:cTn id="335" presetID="10" presetClass="entr" presetSubtype="0" fill="hold" grpId="6" nodeType="clickEffect">
-                                  <p:stCondLst>
-                                    <p:cond delay="0"/>
-                                  </p:stCondLst>
-                                  <p:childTnLst>
-                                    <p:set>
-                                      <p:cBhvr>
-                                        <p:cTn id="336" dur="1" fill="hold">
-                                          <p:stCondLst>
-                                            <p:cond delay="0"/>
-                                          </p:stCondLst>
-                                        </p:cTn>
-                                        <p:tgtEl>
-                                          <p:spTgt spid="21"/>
-                                        </p:tgtEl>
-                                        <p:attrNameLst>
-                                          <p:attrName>style.visibility</p:attrName>
-                                        </p:attrNameLst>
-                                      </p:cBhvr>
-                                      <p:to>
-                                        <p:strVal val="visible"/>
-                                      </p:to>
-                                    </p:set>
-                                    <p:animEffect transition="in" filter="fade">
-                                      <p:cBhvr>
-                                        <p:cTn id="337" dur="500"/>
-                                        <p:tgtEl>
-                                          <p:spTgt spid="21"/>
-                                        </p:tgtEl>
-                                      </p:cBhvr>
-                                    </p:animEffect>
-                                  </p:childTnLst>
-                                </p:cTn>
-                              </p:par>
-                            </p:childTnLst>
-                          </p:cTn>
-                        </p:par>
-                      </p:childTnLst>
-                    </p:cTn>
-                  </p:par>
-                  <p:par>
-                    <p:cTn id="338" fill="hold">
-                      <p:stCondLst>
-                        <p:cond delay="indefinite"/>
-                      </p:stCondLst>
-                      <p:childTnLst>
-                        <p:par>
-                          <p:cTn id="339" fill="hold">
-                            <p:stCondLst>
-                              <p:cond delay="0"/>
-                            </p:stCondLst>
-                            <p:childTnLst>
-                              <p:par>
-                                <p:cTn id="340" presetID="10" presetClass="entr" presetSubtype="0" fill="hold" grpId="0" nodeType="clickEffect">
-                                  <p:stCondLst>
-                                    <p:cond delay="0"/>
-                                  </p:stCondLst>
-                                  <p:childTnLst>
-                                    <p:set>
-                                      <p:cBhvr>
-                                        <p:cTn id="341" dur="1" fill="hold">
-                                          <p:stCondLst>
-                                            <p:cond delay="0"/>
-                                          </p:stCondLst>
-                                        </p:cTn>
-                                        <p:tgtEl>
-                                          <p:spTgt spid="23"/>
-                                        </p:tgtEl>
-                                        <p:attrNameLst>
-                                          <p:attrName>style.visibility</p:attrName>
-                                        </p:attrNameLst>
-                                      </p:cBhvr>
-                                      <p:to>
-                                        <p:strVal val="visible"/>
-                                      </p:to>
-                                    </p:set>
-                                    <p:animEffect transition="in" filter="fade">
-                                      <p:cBhvr>
-                                        <p:cTn id="342" dur="500"/>
-                                        <p:tgtEl>
-                                          <p:spTgt spid="23"/>
-                                        </p:tgtEl>
-                                      </p:cBhvr>
-                                    </p:animEffect>
-                                  </p:childTnLst>
-                                </p:cTn>
-                              </p:par>
-                            </p:childTnLst>
-                          </p:cTn>
-                        </p:par>
-                      </p:childTnLst>
-                    </p:cTn>
-                  </p:par>
-                  <p:par>
-                    <p:cTn id="343" fill="hold">
-                      <p:stCondLst>
-                        <p:cond delay="indefinite"/>
-                      </p:stCondLst>
-                      <p:childTnLst>
-                        <p:par>
-                          <p:cTn id="344" fill="hold">
-                            <p:stCondLst>
-                              <p:cond delay="0"/>
-                            </p:stCondLst>
-                            <p:childTnLst>
-                              <p:par>
-                                <p:cTn id="345" presetID="22" presetClass="entr" presetSubtype="4" fill="hold" grpId="1" nodeType="clickEffect">
-                                  <p:stCondLst>
-                                    <p:cond delay="0"/>
-                                  </p:stCondLst>
-                                  <p:childTnLst>
-                                    <p:set>
-                                      <p:cBhvr>
-                                        <p:cTn id="346" dur="1" fill="hold">
-                                          <p:stCondLst>
-                                            <p:cond delay="0"/>
-                                          </p:stCondLst>
-                                        </p:cTn>
-                                        <p:tgtEl>
-                                          <p:spTgt spid="48"/>
-                                        </p:tgtEl>
-                                        <p:attrNameLst>
-                                          <p:attrName>style.visibility</p:attrName>
-                                        </p:attrNameLst>
-                                      </p:cBhvr>
-                                      <p:to>
-                                        <p:strVal val="visible"/>
-                                      </p:to>
-                                    </p:set>
-                                    <p:animEffect transition="in" filter="wipe(down)">
-                                      <p:cBhvr>
-                                        <p:cTn id="347" dur="500"/>
-                                        <p:tgtEl>
-                                          <p:spTgt spid="48"/>
-                                        </p:tgtEl>
-                                      </p:cBhvr>
-                                    </p:animEffect>
-                                  </p:childTnLst>
-                                </p:cTn>
-                              </p:par>
-                            </p:childTnLst>
-                          </p:cTn>
-                        </p:par>
-                      </p:childTnLst>
-                    </p:cTn>
-                  </p:par>
-                  <p:par>
-                    <p:cTn id="348" fill="hold">
-                      <p:stCondLst>
-                        <p:cond delay="indefinite"/>
-                      </p:stCondLst>
-                      <p:childTnLst>
-                        <p:par>
-                          <p:cTn id="349" fill="hold">
-                            <p:stCondLst>
-                              <p:cond delay="0"/>
-                            </p:stCondLst>
-                            <p:childTnLst>
-                              <p:par>
-                                <p:cTn id="350" presetID="22" presetClass="entr" presetSubtype="4" fill="hold" grpId="4" nodeType="clickEffect">
-                                  <p:stCondLst>
-                                    <p:cond delay="0"/>
-                                  </p:stCondLst>
-                                  <p:childTnLst>
-                                    <p:set>
-                                      <p:cBhvr>
-                                        <p:cTn id="351" dur="1" fill="hold">
-                                          <p:stCondLst>
-                                            <p:cond delay="0"/>
-                                          </p:stCondLst>
-                                        </p:cTn>
-                                        <p:tgtEl>
-                                          <p:spTgt spid="28"/>
-                                        </p:tgtEl>
-                                        <p:attrNameLst>
-                                          <p:attrName>style.visibility</p:attrName>
-                                        </p:attrNameLst>
-                                      </p:cBhvr>
-                                      <p:to>
-                                        <p:strVal val="visible"/>
-                                      </p:to>
-                                    </p:set>
-                                    <p:animEffect transition="in" filter="wipe(down)">
-                                      <p:cBhvr>
-                                        <p:cTn id="352" dur="500"/>
-                                        <p:tgtEl>
-                                          <p:spTgt spid="28"/>
-                                        </p:tgtEl>
-                                      </p:cBhvr>
-                                    </p:animEffect>
-                                  </p:childTnLst>
-                                </p:cTn>
-                              </p:par>
-                            </p:childTnLst>
-                          </p:cTn>
-                        </p:par>
-                      </p:childTnLst>
-                    </p:cTn>
-                  </p:par>
-                  <p:par>
-                    <p:cTn id="353" fill="hold">
-                      <p:stCondLst>
-                        <p:cond delay="indefinite"/>
-                      </p:stCondLst>
-                      <p:childTnLst>
-                        <p:par>
-                          <p:cTn id="354" fill="hold">
-                            <p:stCondLst>
-                              <p:cond delay="0"/>
-                            </p:stCondLst>
-                            <p:childTnLst>
-                              <p:par>
-                                <p:cTn id="355" presetID="16" presetClass="exit" presetSubtype="21" fill="hold" grpId="5" nodeType="clickEffect">
-                                  <p:stCondLst>
-                                    <p:cond delay="0"/>
-                                  </p:stCondLst>
-                                  <p:childTnLst>
-                                    <p:animEffect transition="out" filter="barn(inVertical)">
-                                      <p:cBhvr>
-                                        <p:cTn id="356" dur="500"/>
-                                        <p:tgtEl>
-                                          <p:spTgt spid="28"/>
-                                        </p:tgtEl>
-                                      </p:cBhvr>
-                                    </p:animEffect>
-                                    <p:set>
-                                      <p:cBhvr>
-                                        <p:cTn id="357" dur="1" fill="hold">
-                                          <p:stCondLst>
-                                            <p:cond delay="499"/>
-                                          </p:stCondLst>
-                                        </p:cTn>
-                                        <p:tgtEl>
-                                          <p:spTgt spid="28"/>
-                                        </p:tgtEl>
-                                        <p:attrNameLst>
-                                          <p:attrName>style.visibility</p:attrName>
-                                        </p:attrNameLst>
-                                      </p:cBhvr>
-                                      <p:to>
-                                        <p:strVal val="hidden"/>
-                                      </p:to>
-                                    </p:set>
-                                  </p:childTnLst>
-                                </p:cTn>
-                              </p:par>
-                            </p:childTnLst>
-                          </p:cTn>
-                        </p:par>
-                      </p:childTnLst>
-                    </p:cTn>
-                  </p:par>
-                  <p:par>
-                    <p:cTn id="358" fill="hold">
-                      <p:stCondLst>
-                        <p:cond delay="indefinite"/>
-                      </p:stCondLst>
-                      <p:childTnLst>
-                        <p:par>
-                          <p:cTn id="359" fill="hold">
-                            <p:stCondLst>
-                              <p:cond delay="0"/>
-                            </p:stCondLst>
-                            <p:childTnLst>
-                              <p:par>
-                                <p:cTn id="360" presetID="22" presetClass="entr" presetSubtype="4" fill="hold" grpId="4" nodeType="clickEffect">
-                                  <p:stCondLst>
-                                    <p:cond delay="0"/>
-                                  </p:stCondLst>
-                                  <p:childTnLst>
-                                    <p:set>
-                                      <p:cBhvr>
-                                        <p:cTn id="361" dur="1" fill="hold">
-                                          <p:stCondLst>
-                                            <p:cond delay="0"/>
-                                          </p:stCondLst>
-                                        </p:cTn>
-                                        <p:tgtEl>
-                                          <p:spTgt spid="29"/>
-                                        </p:tgtEl>
-                                        <p:attrNameLst>
-                                          <p:attrName>style.visibility</p:attrName>
-                                        </p:attrNameLst>
-                                      </p:cBhvr>
-                                      <p:to>
-                                        <p:strVal val="visible"/>
-                                      </p:to>
-                                    </p:set>
-                                    <p:animEffect transition="in" filter="wipe(down)">
-                                      <p:cBhvr>
-                                        <p:cTn id="362" dur="500"/>
-                                        <p:tgtEl>
-                                          <p:spTgt spid="29"/>
-                                        </p:tgtEl>
-                                      </p:cBhvr>
-                                    </p:animEffect>
-                                  </p:childTnLst>
-                                </p:cTn>
-                              </p:par>
-                            </p:childTnLst>
-                          </p:cTn>
-                        </p:par>
-                      </p:childTnLst>
-                    </p:cTn>
-                  </p:par>
-                  <p:par>
-                    <p:cTn id="363" fill="hold">
-                      <p:stCondLst>
-                        <p:cond delay="indefinite"/>
-                      </p:stCondLst>
-                      <p:childTnLst>
-                        <p:par>
-                          <p:cTn id="364" fill="hold">
-                            <p:stCondLst>
-                              <p:cond delay="0"/>
-                            </p:stCondLst>
-                            <p:childTnLst>
-                              <p:par>
-                                <p:cTn id="365" presetID="22" presetClass="entr" presetSubtype="4" fill="hold" grpId="4" nodeType="clickEffect">
-                                  <p:stCondLst>
-                                    <p:cond delay="0"/>
-                                  </p:stCondLst>
-                                  <p:childTnLst>
-                                    <p:set>
-                                      <p:cBhvr>
-                                        <p:cTn id="366" dur="1" fill="hold">
-                                          <p:stCondLst>
-                                            <p:cond delay="0"/>
-                                          </p:stCondLst>
-                                        </p:cTn>
-                                        <p:tgtEl>
-                                          <p:spTgt spid="31"/>
-                                        </p:tgtEl>
-                                        <p:attrNameLst>
-                                          <p:attrName>style.visibility</p:attrName>
-                                        </p:attrNameLst>
-                                      </p:cBhvr>
-                                      <p:to>
-                                        <p:strVal val="visible"/>
-                                      </p:to>
-                                    </p:set>
-                                    <p:animEffect transition="in" filter="wipe(down)">
-                                      <p:cBhvr>
-                                        <p:cTn id="367" dur="500"/>
-                                        <p:tgtEl>
-                                          <p:spTgt spid="31"/>
-                                        </p:tgtEl>
-                                      </p:cBhvr>
-                                    </p:animEffect>
-                                  </p:childTnLst>
-                                </p:cTn>
-                              </p:par>
-                            </p:childTnLst>
-                          </p:cTn>
-                        </p:par>
-                      </p:childTnLst>
-                    </p:cTn>
-                  </p:par>
-                  <p:par>
-                    <p:cTn id="368" fill="hold">
-                      <p:stCondLst>
-                        <p:cond delay="indefinite"/>
-                      </p:stCondLst>
-                      <p:childTnLst>
-                        <p:par>
-                          <p:cTn id="369" fill="hold">
-                            <p:stCondLst>
-                              <p:cond delay="0"/>
-                            </p:stCondLst>
-                            <p:childTnLst>
-                              <p:par>
-                                <p:cTn id="370" presetID="10" presetClass="entr" presetSubtype="0" fill="hold" grpId="4" nodeType="clickEffect">
-                                  <p:stCondLst>
-                                    <p:cond delay="0"/>
-                                  </p:stCondLst>
-                                  <p:childTnLst>
-                                    <p:set>
-                                      <p:cBhvr>
-                                        <p:cTn id="371" dur="1" fill="hold">
-                                          <p:stCondLst>
-                                            <p:cond delay="0"/>
-                                          </p:stCondLst>
-                                        </p:cTn>
-                                        <p:tgtEl>
-                                          <p:spTgt spid="32"/>
-                                        </p:tgtEl>
-                                        <p:attrNameLst>
-                                          <p:attrName>style.visibility</p:attrName>
-                                        </p:attrNameLst>
-                                      </p:cBhvr>
-                                      <p:to>
-                                        <p:strVal val="visible"/>
-                                      </p:to>
-                                    </p:set>
-                                    <p:animEffect transition="in" filter="fade">
-                                      <p:cBhvr>
-                                        <p:cTn id="372" dur="500"/>
-                                        <p:tgtEl>
-                                          <p:spTgt spid="32"/>
-                                        </p:tgtEl>
-                                      </p:cBhvr>
-                                    </p:animEffect>
-                                  </p:childTnLst>
-                                </p:cTn>
-                              </p:par>
-                            </p:childTnLst>
-                          </p:cTn>
-                        </p:par>
-                      </p:childTnLst>
-                    </p:cTn>
-                  </p:par>
-                  <p:par>
-                    <p:cTn id="373" fill="hold">
-                      <p:stCondLst>
-                        <p:cond delay="indefinite"/>
-                      </p:stCondLst>
-                      <p:childTnLst>
-                        <p:par>
-                          <p:cTn id="374" fill="hold">
-                            <p:stCondLst>
-                              <p:cond delay="0"/>
-                            </p:stCondLst>
-                            <p:childTnLst>
-                              <p:par>
-                                <p:cTn id="375" presetID="22" presetClass="entr" presetSubtype="4" fill="hold" grpId="3" nodeType="clickEffect">
-                                  <p:stCondLst>
-                                    <p:cond delay="0"/>
-                                  </p:stCondLst>
-                                  <p:childTnLst>
-                                    <p:set>
-                                      <p:cBhvr>
-                                        <p:cTn id="376" dur="1" fill="hold">
-                                          <p:stCondLst>
-                                            <p:cond delay="0"/>
-                                          </p:stCondLst>
-                                        </p:cTn>
-                                        <p:tgtEl>
-                                          <p:spTgt spid="37"/>
-                                        </p:tgtEl>
-                                        <p:attrNameLst>
-                                          <p:attrName>style.visibility</p:attrName>
-                                        </p:attrNameLst>
-                                      </p:cBhvr>
-                                      <p:to>
-                                        <p:strVal val="visible"/>
-                                      </p:to>
-                                    </p:set>
-                                    <p:animEffect transition="in" filter="wipe(down)">
-                                      <p:cBhvr>
-                                        <p:cTn id="377" dur="500"/>
-                                        <p:tgtEl>
-                                          <p:spTgt spid="37"/>
-                                        </p:tgtEl>
-                                      </p:cBhvr>
-                                    </p:animEffect>
-                                  </p:childTnLst>
-                                </p:cTn>
-                              </p:par>
-                            </p:childTnLst>
-                          </p:cTn>
-                        </p:par>
-                      </p:childTnLst>
-                    </p:cTn>
-                  </p:par>
-                  <p:par>
-                    <p:cTn id="378" fill="hold">
-                      <p:stCondLst>
-                        <p:cond delay="indefinite"/>
-                      </p:stCondLst>
-                      <p:childTnLst>
-                        <p:par>
-                          <p:cTn id="379" fill="hold">
-                            <p:stCondLst>
-                              <p:cond delay="0"/>
-                            </p:stCondLst>
-                            <p:childTnLst>
-                              <p:par>
-                                <p:cTn id="380" presetID="22" presetClass="entr" presetSubtype="4" fill="hold" grpId="4" nodeType="clickEffect">
-                                  <p:stCondLst>
-                                    <p:cond delay="0"/>
-                                  </p:stCondLst>
-                                  <p:childTnLst>
-                                    <p:set>
-                                      <p:cBhvr>
-                                        <p:cTn id="381" dur="1" fill="hold">
-                                          <p:stCondLst>
-                                            <p:cond delay="0"/>
-                                          </p:stCondLst>
-                                        </p:cTn>
-                                        <p:tgtEl>
-                                          <p:spTgt spid="44"/>
-                                        </p:tgtEl>
-                                        <p:attrNameLst>
-                                          <p:attrName>style.visibility</p:attrName>
-                                        </p:attrNameLst>
-                                      </p:cBhvr>
-                                      <p:to>
-                                        <p:strVal val="visible"/>
-                                      </p:to>
-                                    </p:set>
-                                    <p:animEffect transition="in" filter="wipe(down)">
-                                      <p:cBhvr>
-                                        <p:cTn id="382" dur="500"/>
-                                        <p:tgtEl>
-                                          <p:spTgt spid="44"/>
-                                        </p:tgtEl>
-                                      </p:cBhvr>
-                                    </p:animEffect>
-                                  </p:childTnLst>
-                                </p:cTn>
-                              </p:par>
-                            </p:childTnLst>
-                          </p:cTn>
-                        </p:par>
-                      </p:childTnLst>
-                    </p:cTn>
-                  </p:par>
-                  <p:par>
-                    <p:cTn id="383" fill="hold">
-                      <p:stCondLst>
-                        <p:cond delay="indefinite"/>
-                      </p:stCondLst>
-                      <p:childTnLst>
-                        <p:par>
-                          <p:cTn id="384" fill="hold">
-                            <p:stCondLst>
-                              <p:cond delay="0"/>
-                            </p:stCondLst>
-                            <p:childTnLst>
-                              <p:par>
-                                <p:cTn id="385" presetID="22" presetClass="entr" presetSubtype="4" fill="hold" grpId="3" nodeType="clickEffect">
-                                  <p:stCondLst>
-                                    <p:cond delay="0"/>
-                                  </p:stCondLst>
-                                  <p:childTnLst>
-                                    <p:set>
-                                      <p:cBhvr>
-                                        <p:cTn id="386" dur="1" fill="hold">
-                                          <p:stCondLst>
-                                            <p:cond delay="0"/>
-                                          </p:stCondLst>
-                                        </p:cTn>
-                                        <p:tgtEl>
-                                          <p:spTgt spid="35"/>
-                                        </p:tgtEl>
-                                        <p:attrNameLst>
-                                          <p:attrName>style.visibility</p:attrName>
-                                        </p:attrNameLst>
-                                      </p:cBhvr>
-                                      <p:to>
-                                        <p:strVal val="visible"/>
-                                      </p:to>
-                                    </p:set>
-                                    <p:animEffect transition="in" filter="wipe(down)">
-                                      <p:cBhvr>
-                                        <p:cTn id="387" dur="500"/>
-                                        <p:tgtEl>
-                                          <p:spTgt spid="35"/>
-                                        </p:tgtEl>
-                                      </p:cBhvr>
-                                    </p:animEffect>
-                                  </p:childTnLst>
-                                </p:cTn>
-                              </p:par>
-                            </p:childTnLst>
-                          </p:cTn>
-                        </p:par>
-                      </p:childTnLst>
-                    </p:cTn>
-                  </p:par>
-                  <p:par>
-                    <p:cTn id="388" fill="hold">
-                      <p:stCondLst>
-                        <p:cond delay="indefinite"/>
-                      </p:stCondLst>
-                      <p:childTnLst>
-                        <p:par>
-                          <p:cTn id="389" fill="hold">
-                            <p:stCondLst>
-                              <p:cond delay="0"/>
-                            </p:stCondLst>
-                            <p:childTnLst>
-                              <p:par>
-                                <p:cTn id="390" presetID="22" presetClass="entr" presetSubtype="4" fill="hold" grpId="4" nodeType="clickEffect">
-                                  <p:stCondLst>
-                                    <p:cond delay="0"/>
-                                  </p:stCondLst>
-                                  <p:childTnLst>
-                                    <p:set>
-                                      <p:cBhvr>
-                                        <p:cTn id="391" dur="1" fill="hold">
-                                          <p:stCondLst>
-                                            <p:cond delay="0"/>
-                                          </p:stCondLst>
-                                        </p:cTn>
-                                        <p:tgtEl>
-                                          <p:spTgt spid="40"/>
-                                        </p:tgtEl>
-                                        <p:attrNameLst>
-                                          <p:attrName>style.visibility</p:attrName>
-                                        </p:attrNameLst>
-                                      </p:cBhvr>
-                                      <p:to>
-                                        <p:strVal val="visible"/>
-                                      </p:to>
-                                    </p:set>
-                                    <p:animEffect transition="in" filter="wipe(down)">
-                                      <p:cBhvr>
-                                        <p:cTn id="392" dur="500"/>
-                                        <p:tgtEl>
-                                          <p:spTgt spid="40"/>
-                                        </p:tgtEl>
-                                      </p:cBhvr>
-                                    </p:animEffect>
-                                  </p:childTnLst>
-                                </p:cTn>
-                              </p:par>
-                              <p:par>
-                                <p:cTn id="393" presetID="22" presetClass="entr" presetSubtype="4" fill="hold" grpId="4" nodeType="withEffect">
-                                  <p:stCondLst>
-                                    <p:cond delay="0"/>
-                                  </p:stCondLst>
-                                  <p:childTnLst>
-                                    <p:set>
-                                      <p:cBhvr>
-                                        <p:cTn id="394" dur="1" fill="hold">
-                                          <p:stCondLst>
-                                            <p:cond delay="0"/>
-                                          </p:stCondLst>
-                                        </p:cTn>
-                                        <p:tgtEl>
-                                          <p:spTgt spid="41"/>
-                                        </p:tgtEl>
-                                        <p:attrNameLst>
-                                          <p:attrName>style.visibility</p:attrName>
-                                        </p:attrNameLst>
-                                      </p:cBhvr>
-                                      <p:to>
-                                        <p:strVal val="visible"/>
-                                      </p:to>
-                                    </p:set>
-                                    <p:animEffect transition="in" filter="wipe(down)">
-                                      <p:cBhvr>
-                                        <p:cTn id="395" dur="500"/>
-                                        <p:tgtEl>
-                                          <p:spTgt spid="41"/>
-                                        </p:tgtEl>
-                                      </p:cBhvr>
-                                    </p:animEffect>
-                                  </p:childTnLst>
-                                </p:cTn>
-                              </p:par>
-                              <p:par>
-                                <p:cTn id="396" presetID="22" presetClass="entr" presetSubtype="4" fill="hold" grpId="4" nodeType="withEffect">
-                                  <p:stCondLst>
-                                    <p:cond delay="0"/>
-                                  </p:stCondLst>
-                                  <p:childTnLst>
-                                    <p:set>
-                                      <p:cBhvr>
-                                        <p:cTn id="397" dur="1" fill="hold">
-                                          <p:stCondLst>
-                                            <p:cond delay="0"/>
-                                          </p:stCondLst>
-                                        </p:cTn>
-                                        <p:tgtEl>
-                                          <p:spTgt spid="42"/>
-                                        </p:tgtEl>
-                                        <p:attrNameLst>
-                                          <p:attrName>style.visibility</p:attrName>
-                                        </p:attrNameLst>
-                                      </p:cBhvr>
-                                      <p:to>
-                                        <p:strVal val="visible"/>
-                                      </p:to>
-                                    </p:set>
-                                    <p:animEffect transition="in" filter="wipe(down)">
-                                      <p:cBhvr>
-                                        <p:cTn id="398" dur="500"/>
-                                        <p:tgtEl>
-                                          <p:spTgt spid="42"/>
-                                        </p:tgtEl>
-                                      </p:cBhvr>
-                                    </p:animEffect>
-                                  </p:childTnLst>
-                                </p:cTn>
-                              </p:par>
-                            </p:childTnLst>
-                          </p:cTn>
-                        </p:par>
-                      </p:childTnLst>
-                    </p:cTn>
-                  </p:par>
-                  <p:par>
-                    <p:cTn id="399" fill="hold">
-                      <p:stCondLst>
-                        <p:cond delay="indefinite"/>
-                      </p:stCondLst>
-                      <p:childTnLst>
-                        <p:par>
-                          <p:cTn id="400" fill="hold">
-                            <p:stCondLst>
-                              <p:cond delay="0"/>
-                            </p:stCondLst>
-                            <p:childTnLst>
-                              <p:par>
-                                <p:cTn id="401" presetID="22" presetClass="entr" presetSubtype="4" fill="hold" nodeType="clickEffect">
-                                  <p:stCondLst>
-                                    <p:cond delay="0"/>
-                                  </p:stCondLst>
-                                  <p:childTnLst>
-                                    <p:set>
-                                      <p:cBhvr>
-                                        <p:cTn id="402" dur="1" fill="hold">
-                                          <p:stCondLst>
-                                            <p:cond delay="0"/>
-                                          </p:stCondLst>
-                                        </p:cTn>
-                                        <p:tgtEl>
-                                          <p:spTgt spid="39"/>
-                                        </p:tgtEl>
-                                        <p:attrNameLst>
-                                          <p:attrName>style.visibility</p:attrName>
-                                        </p:attrNameLst>
-                                      </p:cBhvr>
-                                      <p:to>
-                                        <p:strVal val="visible"/>
-                                      </p:to>
-                                    </p:set>
-                                    <p:animEffect transition="in" filter="wipe(down)">
-                                      <p:cBhvr>
-                                        <p:cTn id="403" dur="500"/>
-                                        <p:tgtEl>
-                                          <p:spTgt spid="39"/>
-                                        </p:tgtEl>
-                                      </p:cBhvr>
-                                    </p:animEffect>
-                                  </p:childTnLst>
-                                </p:cTn>
-                              </p:par>
-                              <p:par>
-                                <p:cTn id="404" presetID="22" presetClass="entr" presetSubtype="4" fill="hold" grpId="6" nodeType="withEffect">
-                                  <p:stCondLst>
-                                    <p:cond delay="0"/>
-                                  </p:stCondLst>
-                                  <p:childTnLst>
-                                    <p:set>
-                                      <p:cBhvr>
-                                        <p:cTn id="405" dur="1" fill="hold">
-                                          <p:stCondLst>
-                                            <p:cond delay="0"/>
-                                          </p:stCondLst>
-                                        </p:cTn>
-                                        <p:tgtEl>
-                                          <p:spTgt spid="43"/>
-                                        </p:tgtEl>
-                                        <p:attrNameLst>
-                                          <p:attrName>style.visibility</p:attrName>
-                                        </p:attrNameLst>
-                                      </p:cBhvr>
-                                      <p:to>
-                                        <p:strVal val="visible"/>
-                                      </p:to>
-                                    </p:set>
-                                    <p:animEffect transition="in" filter="wipe(down)">
-                                      <p:cBhvr>
-                                        <p:cTn id="406" dur="500"/>
+                                        <p:cTn id="428" dur="500"/>
                                         <p:tgtEl>
                                           <p:spTgt spid="43"/>
                                         </p:tgtEl>
@@ -38480,11 +39075,13 @@
       <p:bldP spid="35" grpId="1" animBg="1"/>
       <p:bldP spid="35" grpId="2" animBg="1"/>
       <p:bldP spid="35" grpId="3" animBg="1"/>
+      <p:bldP spid="35" grpId="4" animBg="1"/>
       <p:bldP spid="36" grpId="0" animBg="1"/>
       <p:bldP spid="37" grpId="0" animBg="1"/>
       <p:bldP spid="37" grpId="1" animBg="1"/>
       <p:bldP spid="37" grpId="2" animBg="1"/>
       <p:bldP spid="37" grpId="3" animBg="1"/>
+      <p:bldP spid="37" grpId="4" animBg="1"/>
       <p:bldP spid="40" grpId="0" animBg="1"/>
       <p:bldP spid="40" grpId="1" animBg="1"/>
       <p:bldP spid="40" grpId="2" animBg="1"/>
@@ -38520,6 +39117,10 @@
       <p:bldP spid="48" grpId="0" animBg="1"/>
       <p:bldP spid="48" grpId="1" animBg="1"/>
       <p:bldP spid="48" grpId="2" animBg="1"/>
+      <p:bldP spid="48" grpId="3" animBg="1"/>
+      <p:bldP spid="48" grpId="4" animBg="1"/>
+      <p:bldP spid="48" grpId="5" animBg="1"/>
+      <p:bldP spid="48" grpId="6" animBg="1"/>
     </p:bldLst>
   </p:timing>
 </p:sld>
@@ -44312,6 +44913,13 @@
   <p:clrMapOvr>
     <a:masterClrMapping/>
   </p:clrMapOvr>
+  <p:timing>
+    <p:tnLst>
+      <p:par>
+        <p:cTn id="1" dur="indefinite" restart="never" nodeType="tmRoot"/>
+      </p:par>
+    </p:tnLst>
+  </p:timing>
 </p:sld>
 </file>
 
@@ -44735,6 +45343,13 @@
   <p:clrMapOvr>
     <a:masterClrMapping/>
   </p:clrMapOvr>
+  <p:timing>
+    <p:tnLst>
+      <p:par>
+        <p:cTn id="1" dur="indefinite" restart="never" nodeType="tmRoot"/>
+      </p:par>
+    </p:tnLst>
+  </p:timing>
 </p:sld>
 </file>
 
@@ -45080,6 +45695,13 @@
   <p:clrMapOvr>
     <a:masterClrMapping/>
   </p:clrMapOvr>
+  <p:timing>
+    <p:tnLst>
+      <p:par>
+        <p:cTn id="1" dur="indefinite" restart="never" nodeType="tmRoot"/>
+      </p:par>
+    </p:tnLst>
+  </p:timing>
 </p:sld>
 </file>
 
@@ -45365,6 +45987,13 @@
   <p:clrMapOvr>
     <a:masterClrMapping/>
   </p:clrMapOvr>
+  <p:timing>
+    <p:tnLst>
+      <p:par>
+        <p:cTn id="1" dur="indefinite" restart="never" nodeType="tmRoot"/>
+      </p:par>
+    </p:tnLst>
+  </p:timing>
 </p:sld>
 </file>
 
@@ -45689,6 +46318,13 @@
   <p:clrMapOvr>
     <a:masterClrMapping/>
   </p:clrMapOvr>
+  <p:timing>
+    <p:tnLst>
+      <p:par>
+        <p:cTn id="1" dur="indefinite" restart="never" nodeType="tmRoot"/>
+      </p:par>
+    </p:tnLst>
+  </p:timing>
 </p:sld>
 </file>
 

--- a/Reports/LRA.pptx
+++ b/Reports/LRA.pptx
@@ -5,7 +5,7 @@
     <p:sldMasterId id="2147483677" r:id="rId1"/>
   </p:sldMasterIdLst>
   <p:notesMasterIdLst>
-    <p:notesMasterId r:id="rId41"/>
+    <p:notesMasterId r:id="rId42"/>
   </p:notesMasterIdLst>
   <p:sldIdLst>
     <p:sldId id="256" r:id="rId2"/>
@@ -44,9 +44,10 @@
     <p:sldId id="287" r:id="rId35"/>
     <p:sldId id="286" r:id="rId36"/>
     <p:sldId id="288" r:id="rId37"/>
-    <p:sldId id="289" r:id="rId38"/>
-    <p:sldId id="290" r:id="rId39"/>
-    <p:sldId id="291" r:id="rId40"/>
+    <p:sldId id="298" r:id="rId38"/>
+    <p:sldId id="289" r:id="rId39"/>
+    <p:sldId id="290" r:id="rId40"/>
+    <p:sldId id="291" r:id="rId41"/>
   </p:sldIdLst>
   <p:sldSz cx="12192000" cy="6858000"/>
   <p:notesSz cx="6858000" cy="9144000"/>
@@ -6483,696 +6484,6 @@
       <dsp:cNvGrpSpPr/>
     </dsp:nvGrpSpPr>
     <dsp:grpSpPr/>
-    <dsp:sp modelId="{7F97EF2C-D1D3-407C-B712-7E8F0B03591C}">
-      <dsp:nvSpPr>
-        <dsp:cNvPr id="0" name=""/>
-        <dsp:cNvSpPr/>
-      </dsp:nvSpPr>
-      <dsp:spPr>
-        <a:xfrm>
-          <a:off x="0" y="309738"/>
-          <a:ext cx="8596312" cy="428400"/>
-        </a:xfrm>
-        <a:prstGeom prst="rect">
-          <a:avLst/>
-        </a:prstGeom>
-        <a:solidFill>
-          <a:schemeClr val="lt1">
-            <a:alpha val="90000"/>
-            <a:hueOff val="0"/>
-            <a:satOff val="0"/>
-            <a:lumOff val="0"/>
-            <a:alphaOff val="0"/>
-          </a:schemeClr>
-        </a:solidFill>
-        <a:ln w="19050" cap="rnd" cmpd="sng" algn="ctr">
-          <a:solidFill>
-            <a:schemeClr val="accent1">
-              <a:hueOff val="0"/>
-              <a:satOff val="0"/>
-              <a:lumOff val="0"/>
-              <a:alphaOff val="0"/>
-            </a:schemeClr>
-          </a:solidFill>
-          <a:prstDash val="solid"/>
-        </a:ln>
-        <a:effectLst/>
-      </dsp:spPr>
-      <dsp:style>
-        <a:lnRef idx="2">
-          <a:scrgbClr r="0" g="0" b="0"/>
-        </a:lnRef>
-        <a:fillRef idx="1">
-          <a:scrgbClr r="0" g="0" b="0"/>
-        </a:fillRef>
-        <a:effectRef idx="0">
-          <a:scrgbClr r="0" g="0" b="0"/>
-        </a:effectRef>
-        <a:fontRef idx="minor"/>
-      </dsp:style>
-    </dsp:sp>
-    <dsp:sp modelId="{A5610C14-E0AA-4A9C-A2C2-61BB5F9CD5FE}">
-      <dsp:nvSpPr>
-        <dsp:cNvPr id="0" name=""/>
-        <dsp:cNvSpPr/>
-      </dsp:nvSpPr>
-      <dsp:spPr>
-        <a:xfrm>
-          <a:off x="429815" y="58818"/>
-          <a:ext cx="6017418" cy="501840"/>
-        </a:xfrm>
-        <a:prstGeom prst="roundRect">
-          <a:avLst/>
-        </a:prstGeom>
-        <a:solidFill>
-          <a:schemeClr val="accent1">
-            <a:hueOff val="0"/>
-            <a:satOff val="0"/>
-            <a:lumOff val="0"/>
-            <a:alphaOff val="0"/>
-          </a:schemeClr>
-        </a:solidFill>
-        <a:ln w="19050" cap="rnd" cmpd="sng" algn="ctr">
-          <a:solidFill>
-            <a:schemeClr val="lt1">
-              <a:hueOff val="0"/>
-              <a:satOff val="0"/>
-              <a:lumOff val="0"/>
-              <a:alphaOff val="0"/>
-            </a:schemeClr>
-          </a:solidFill>
-          <a:prstDash val="solid"/>
-        </a:ln>
-        <a:effectLst/>
-      </dsp:spPr>
-      <dsp:style>
-        <a:lnRef idx="2">
-          <a:scrgbClr r="0" g="0" b="0"/>
-        </a:lnRef>
-        <a:fillRef idx="1">
-          <a:scrgbClr r="0" g="0" b="0"/>
-        </a:fillRef>
-        <a:effectRef idx="0">
-          <a:scrgbClr r="0" g="0" b="0"/>
-        </a:effectRef>
-        <a:fontRef idx="minor">
-          <a:schemeClr val="lt1"/>
-        </a:fontRef>
-      </dsp:style>
-      <dsp:txBody>
-        <a:bodyPr spcFirstLastPara="0" vert="horz" wrap="square" lIns="227444" tIns="0" rIns="227444" bIns="0" numCol="1" spcCol="1270" anchor="ctr" anchorCtr="0">
-          <a:noAutofit/>
-        </a:bodyPr>
-        <a:lstStyle/>
-        <a:p>
-          <a:pPr lvl="0" algn="l" defTabSz="755650">
-            <a:lnSpc>
-              <a:spcPct val="90000"/>
-            </a:lnSpc>
-            <a:spcBef>
-              <a:spcPct val="0"/>
-            </a:spcBef>
-            <a:spcAft>
-              <a:spcPct val="35000"/>
-            </a:spcAft>
-          </a:pPr>
-          <a:r>
-            <a:rPr lang="en-US" sz="1700" kern="1200" dirty="0" smtClean="0">
-              <a:latin typeface="+mn-lt"/>
-              <a:cs typeface="Arial" panose="020B0604020202020204" pitchFamily="34" charset="0"/>
-            </a:rPr>
-            <a:t>Supervisor: Mr. </a:t>
-          </a:r>
-          <a:r>
-            <a:rPr lang="en-US" sz="1700" kern="1200" dirty="0" err="1" smtClean="0">
-              <a:latin typeface="+mn-lt"/>
-              <a:cs typeface="Arial" panose="020B0604020202020204" pitchFamily="34" charset="0"/>
-            </a:rPr>
-            <a:t>Kiều</a:t>
-          </a:r>
-          <a:r>
-            <a:rPr lang="en-US" sz="1700" kern="1200" dirty="0" smtClean="0">
-              <a:latin typeface="+mn-lt"/>
-              <a:cs typeface="Arial" panose="020B0604020202020204" pitchFamily="34" charset="0"/>
-            </a:rPr>
-            <a:t> </a:t>
-          </a:r>
-          <a:r>
-            <a:rPr lang="en-US" sz="1700" kern="1200" dirty="0" err="1" smtClean="0">
-              <a:latin typeface="+mn-lt"/>
-              <a:cs typeface="Arial" panose="020B0604020202020204" pitchFamily="34" charset="0"/>
-            </a:rPr>
-            <a:t>Trọng</a:t>
-          </a:r>
-          <a:r>
-            <a:rPr lang="en-US" sz="1700" kern="1200" dirty="0" smtClean="0">
-              <a:latin typeface="+mn-lt"/>
-              <a:cs typeface="Arial" panose="020B0604020202020204" pitchFamily="34" charset="0"/>
-            </a:rPr>
-            <a:t> </a:t>
-          </a:r>
-          <a:r>
-            <a:rPr lang="en-US" sz="1700" kern="1200" dirty="0" err="1" smtClean="0">
-              <a:latin typeface="+mn-lt"/>
-              <a:cs typeface="Arial" panose="020B0604020202020204" pitchFamily="34" charset="0"/>
-            </a:rPr>
-            <a:t>Khánh</a:t>
-          </a:r>
-          <a:endParaRPr lang="en-US" sz="1700" kern="1200" dirty="0">
-            <a:latin typeface="+mn-lt"/>
-            <a:cs typeface="Arial" panose="020B0604020202020204" pitchFamily="34" charset="0"/>
-          </a:endParaRPr>
-        </a:p>
-      </dsp:txBody>
-      <dsp:txXfrm>
-        <a:off x="454313" y="83316"/>
-        <a:ext cx="5968422" cy="452844"/>
-      </dsp:txXfrm>
-    </dsp:sp>
-    <dsp:sp modelId="{B76114F4-1452-489C-8950-3EF40BEA76C9}">
-      <dsp:nvSpPr>
-        <dsp:cNvPr id="0" name=""/>
-        <dsp:cNvSpPr/>
-      </dsp:nvSpPr>
-      <dsp:spPr>
-        <a:xfrm>
-          <a:off x="0" y="1080858"/>
-          <a:ext cx="8596312" cy="428400"/>
-        </a:xfrm>
-        <a:prstGeom prst="rect">
-          <a:avLst/>
-        </a:prstGeom>
-        <a:solidFill>
-          <a:schemeClr val="lt1">
-            <a:alpha val="90000"/>
-            <a:hueOff val="0"/>
-            <a:satOff val="0"/>
-            <a:lumOff val="0"/>
-            <a:alphaOff val="0"/>
-          </a:schemeClr>
-        </a:solidFill>
-        <a:ln w="19050" cap="rnd" cmpd="sng" algn="ctr">
-          <a:solidFill>
-            <a:schemeClr val="accent1">
-              <a:hueOff val="0"/>
-              <a:satOff val="0"/>
-              <a:lumOff val="0"/>
-              <a:alphaOff val="0"/>
-            </a:schemeClr>
-          </a:solidFill>
-          <a:prstDash val="solid"/>
-        </a:ln>
-        <a:effectLst/>
-      </dsp:spPr>
-      <dsp:style>
-        <a:lnRef idx="2">
-          <a:scrgbClr r="0" g="0" b="0"/>
-        </a:lnRef>
-        <a:fillRef idx="1">
-          <a:scrgbClr r="0" g="0" b="0"/>
-        </a:fillRef>
-        <a:effectRef idx="0">
-          <a:scrgbClr r="0" g="0" b="0"/>
-        </a:effectRef>
-        <a:fontRef idx="minor"/>
-      </dsp:style>
-    </dsp:sp>
-    <dsp:sp modelId="{9997FC91-E67B-4F28-A3CB-5778A5EA7F65}">
-      <dsp:nvSpPr>
-        <dsp:cNvPr id="0" name=""/>
-        <dsp:cNvSpPr/>
-      </dsp:nvSpPr>
-      <dsp:spPr>
-        <a:xfrm>
-          <a:off x="429815" y="829938"/>
-          <a:ext cx="6017418" cy="501840"/>
-        </a:xfrm>
-        <a:prstGeom prst="roundRect">
-          <a:avLst/>
-        </a:prstGeom>
-        <a:solidFill>
-          <a:schemeClr val="accent1">
-            <a:hueOff val="0"/>
-            <a:satOff val="0"/>
-            <a:lumOff val="0"/>
-            <a:alphaOff val="0"/>
-          </a:schemeClr>
-        </a:solidFill>
-        <a:ln w="19050" cap="rnd" cmpd="sng" algn="ctr">
-          <a:solidFill>
-            <a:schemeClr val="lt1">
-              <a:hueOff val="0"/>
-              <a:satOff val="0"/>
-              <a:lumOff val="0"/>
-              <a:alphaOff val="0"/>
-            </a:schemeClr>
-          </a:solidFill>
-          <a:prstDash val="solid"/>
-        </a:ln>
-        <a:effectLst/>
-      </dsp:spPr>
-      <dsp:style>
-        <a:lnRef idx="2">
-          <a:scrgbClr r="0" g="0" b="0"/>
-        </a:lnRef>
-        <a:fillRef idx="1">
-          <a:scrgbClr r="0" g="0" b="0"/>
-        </a:fillRef>
-        <a:effectRef idx="0">
-          <a:scrgbClr r="0" g="0" b="0"/>
-        </a:effectRef>
-        <a:fontRef idx="minor">
-          <a:schemeClr val="lt1"/>
-        </a:fontRef>
-      </dsp:style>
-      <dsp:txBody>
-        <a:bodyPr spcFirstLastPara="0" vert="horz" wrap="square" lIns="227444" tIns="0" rIns="227444" bIns="0" numCol="1" spcCol="1270" anchor="ctr" anchorCtr="0">
-          <a:noAutofit/>
-        </a:bodyPr>
-        <a:lstStyle/>
-        <a:p>
-          <a:pPr lvl="0" algn="l" defTabSz="755650">
-            <a:lnSpc>
-              <a:spcPct val="90000"/>
-            </a:lnSpc>
-            <a:spcBef>
-              <a:spcPct val="0"/>
-            </a:spcBef>
-            <a:spcAft>
-              <a:spcPct val="35000"/>
-            </a:spcAft>
-          </a:pPr>
-          <a:r>
-            <a:rPr lang="en-US" sz="1700" kern="1200" smtClean="0">
-              <a:latin typeface="+mn-lt"/>
-              <a:cs typeface="Arial" panose="020B0604020202020204" pitchFamily="34" charset="0"/>
-            </a:rPr>
-            <a:t>Võ Thị Minh Châu</a:t>
-          </a:r>
-          <a:endParaRPr lang="en-US" sz="1700" kern="1200" dirty="0">
-            <a:latin typeface="+mn-lt"/>
-            <a:cs typeface="Arial" panose="020B0604020202020204" pitchFamily="34" charset="0"/>
-          </a:endParaRPr>
-        </a:p>
-      </dsp:txBody>
-      <dsp:txXfrm>
-        <a:off x="454313" y="854436"/>
-        <a:ext cx="5968422" cy="452844"/>
-      </dsp:txXfrm>
-    </dsp:sp>
-    <dsp:sp modelId="{C68C39B0-AFAA-4F4C-8C62-75168747EDA9}">
-      <dsp:nvSpPr>
-        <dsp:cNvPr id="0" name=""/>
-        <dsp:cNvSpPr/>
-      </dsp:nvSpPr>
-      <dsp:spPr>
-        <a:xfrm>
-          <a:off x="0" y="1851978"/>
-          <a:ext cx="8596312" cy="428400"/>
-        </a:xfrm>
-        <a:prstGeom prst="rect">
-          <a:avLst/>
-        </a:prstGeom>
-        <a:solidFill>
-          <a:schemeClr val="lt1">
-            <a:alpha val="90000"/>
-            <a:hueOff val="0"/>
-            <a:satOff val="0"/>
-            <a:lumOff val="0"/>
-            <a:alphaOff val="0"/>
-          </a:schemeClr>
-        </a:solidFill>
-        <a:ln w="19050" cap="rnd" cmpd="sng" algn="ctr">
-          <a:solidFill>
-            <a:schemeClr val="accent1">
-              <a:hueOff val="0"/>
-              <a:satOff val="0"/>
-              <a:lumOff val="0"/>
-              <a:alphaOff val="0"/>
-            </a:schemeClr>
-          </a:solidFill>
-          <a:prstDash val="solid"/>
-        </a:ln>
-        <a:effectLst/>
-      </dsp:spPr>
-      <dsp:style>
-        <a:lnRef idx="2">
-          <a:scrgbClr r="0" g="0" b="0"/>
-        </a:lnRef>
-        <a:fillRef idx="1">
-          <a:scrgbClr r="0" g="0" b="0"/>
-        </a:fillRef>
-        <a:effectRef idx="0">
-          <a:scrgbClr r="0" g="0" b="0"/>
-        </a:effectRef>
-        <a:fontRef idx="minor"/>
-      </dsp:style>
-    </dsp:sp>
-    <dsp:sp modelId="{26107A49-F3E7-4FF8-987F-B52360DE0CF9}">
-      <dsp:nvSpPr>
-        <dsp:cNvPr id="0" name=""/>
-        <dsp:cNvSpPr/>
-      </dsp:nvSpPr>
-      <dsp:spPr>
-        <a:xfrm>
-          <a:off x="429815" y="1601058"/>
-          <a:ext cx="6017418" cy="501840"/>
-        </a:xfrm>
-        <a:prstGeom prst="roundRect">
-          <a:avLst/>
-        </a:prstGeom>
-        <a:solidFill>
-          <a:schemeClr val="accent1">
-            <a:hueOff val="0"/>
-            <a:satOff val="0"/>
-            <a:lumOff val="0"/>
-            <a:alphaOff val="0"/>
-          </a:schemeClr>
-        </a:solidFill>
-        <a:ln w="19050" cap="rnd" cmpd="sng" algn="ctr">
-          <a:solidFill>
-            <a:schemeClr val="lt1">
-              <a:hueOff val="0"/>
-              <a:satOff val="0"/>
-              <a:lumOff val="0"/>
-              <a:alphaOff val="0"/>
-            </a:schemeClr>
-          </a:solidFill>
-          <a:prstDash val="solid"/>
-        </a:ln>
-        <a:effectLst/>
-      </dsp:spPr>
-      <dsp:style>
-        <a:lnRef idx="2">
-          <a:scrgbClr r="0" g="0" b="0"/>
-        </a:lnRef>
-        <a:fillRef idx="1">
-          <a:scrgbClr r="0" g="0" b="0"/>
-        </a:fillRef>
-        <a:effectRef idx="0">
-          <a:scrgbClr r="0" g="0" b="0"/>
-        </a:effectRef>
-        <a:fontRef idx="minor">
-          <a:schemeClr val="lt1"/>
-        </a:fontRef>
-      </dsp:style>
-      <dsp:txBody>
-        <a:bodyPr spcFirstLastPara="0" vert="horz" wrap="square" lIns="227444" tIns="0" rIns="227444" bIns="0" numCol="1" spcCol="1270" anchor="ctr" anchorCtr="0">
-          <a:noAutofit/>
-        </a:bodyPr>
-        <a:lstStyle/>
-        <a:p>
-          <a:pPr lvl="0" algn="l" defTabSz="755650">
-            <a:lnSpc>
-              <a:spcPct val="90000"/>
-            </a:lnSpc>
-            <a:spcBef>
-              <a:spcPct val="0"/>
-            </a:spcBef>
-            <a:spcAft>
-              <a:spcPct val="35000"/>
-            </a:spcAft>
-          </a:pPr>
-          <a:r>
-            <a:rPr lang="en-US" sz="1700" kern="1200" smtClean="0">
-              <a:latin typeface="+mn-lt"/>
-              <a:cs typeface="Arial" panose="020B0604020202020204" pitchFamily="34" charset="0"/>
-            </a:rPr>
-            <a:t>Nguyễn Văn Hơn (Dropped out)</a:t>
-          </a:r>
-          <a:endParaRPr lang="en-US" sz="1700" kern="1200" dirty="0">
-            <a:latin typeface="+mn-lt"/>
-            <a:cs typeface="Arial" panose="020B0604020202020204" pitchFamily="34" charset="0"/>
-          </a:endParaRPr>
-        </a:p>
-      </dsp:txBody>
-      <dsp:txXfrm>
-        <a:off x="454313" y="1625556"/>
-        <a:ext cx="5968422" cy="452844"/>
-      </dsp:txXfrm>
-    </dsp:sp>
-    <dsp:sp modelId="{32A26F07-CDDE-4F79-B11B-5969CD89CEDF}">
-      <dsp:nvSpPr>
-        <dsp:cNvPr id="0" name=""/>
-        <dsp:cNvSpPr/>
-      </dsp:nvSpPr>
-      <dsp:spPr>
-        <a:xfrm>
-          <a:off x="0" y="2623098"/>
-          <a:ext cx="8596312" cy="428400"/>
-        </a:xfrm>
-        <a:prstGeom prst="rect">
-          <a:avLst/>
-        </a:prstGeom>
-        <a:solidFill>
-          <a:schemeClr val="lt1">
-            <a:alpha val="90000"/>
-            <a:hueOff val="0"/>
-            <a:satOff val="0"/>
-            <a:lumOff val="0"/>
-            <a:alphaOff val="0"/>
-          </a:schemeClr>
-        </a:solidFill>
-        <a:ln w="19050" cap="rnd" cmpd="sng" algn="ctr">
-          <a:solidFill>
-            <a:schemeClr val="accent1">
-              <a:hueOff val="0"/>
-              <a:satOff val="0"/>
-              <a:lumOff val="0"/>
-              <a:alphaOff val="0"/>
-            </a:schemeClr>
-          </a:solidFill>
-          <a:prstDash val="solid"/>
-        </a:ln>
-        <a:effectLst/>
-      </dsp:spPr>
-      <dsp:style>
-        <a:lnRef idx="2">
-          <a:scrgbClr r="0" g="0" b="0"/>
-        </a:lnRef>
-        <a:fillRef idx="1">
-          <a:scrgbClr r="0" g="0" b="0"/>
-        </a:fillRef>
-        <a:effectRef idx="0">
-          <a:scrgbClr r="0" g="0" b="0"/>
-        </a:effectRef>
-        <a:fontRef idx="minor"/>
-      </dsp:style>
-    </dsp:sp>
-    <dsp:sp modelId="{7E196D49-A2A9-4C9E-96AB-923CC9BC339C}">
-      <dsp:nvSpPr>
-        <dsp:cNvPr id="0" name=""/>
-        <dsp:cNvSpPr/>
-      </dsp:nvSpPr>
-      <dsp:spPr>
-        <a:xfrm>
-          <a:off x="429815" y="2372178"/>
-          <a:ext cx="6017418" cy="501840"/>
-        </a:xfrm>
-        <a:prstGeom prst="roundRect">
-          <a:avLst/>
-        </a:prstGeom>
-        <a:solidFill>
-          <a:schemeClr val="accent1">
-            <a:hueOff val="0"/>
-            <a:satOff val="0"/>
-            <a:lumOff val="0"/>
-            <a:alphaOff val="0"/>
-          </a:schemeClr>
-        </a:solidFill>
-        <a:ln w="19050" cap="rnd" cmpd="sng" algn="ctr">
-          <a:solidFill>
-            <a:schemeClr val="lt1">
-              <a:hueOff val="0"/>
-              <a:satOff val="0"/>
-              <a:lumOff val="0"/>
-              <a:alphaOff val="0"/>
-            </a:schemeClr>
-          </a:solidFill>
-          <a:prstDash val="solid"/>
-        </a:ln>
-        <a:effectLst/>
-      </dsp:spPr>
-      <dsp:style>
-        <a:lnRef idx="2">
-          <a:scrgbClr r="0" g="0" b="0"/>
-        </a:lnRef>
-        <a:fillRef idx="1">
-          <a:scrgbClr r="0" g="0" b="0"/>
-        </a:fillRef>
-        <a:effectRef idx="0">
-          <a:scrgbClr r="0" g="0" b="0"/>
-        </a:effectRef>
-        <a:fontRef idx="minor">
-          <a:schemeClr val="lt1"/>
-        </a:fontRef>
-      </dsp:style>
-      <dsp:txBody>
-        <a:bodyPr spcFirstLastPara="0" vert="horz" wrap="square" lIns="227444" tIns="0" rIns="227444" bIns="0" numCol="1" spcCol="1270" anchor="ctr" anchorCtr="0">
-          <a:noAutofit/>
-        </a:bodyPr>
-        <a:lstStyle/>
-        <a:p>
-          <a:pPr lvl="0" algn="l" defTabSz="755650">
-            <a:lnSpc>
-              <a:spcPct val="90000"/>
-            </a:lnSpc>
-            <a:spcBef>
-              <a:spcPct val="0"/>
-            </a:spcBef>
-            <a:spcAft>
-              <a:spcPct val="35000"/>
-            </a:spcAft>
-          </a:pPr>
-          <a:r>
-            <a:rPr lang="en-US" sz="1700" kern="1200" smtClean="0">
-              <a:latin typeface="+mn-lt"/>
-              <a:cs typeface="Arial" panose="020B0604020202020204" pitchFamily="34" charset="0"/>
-            </a:rPr>
-            <a:t>Đinh Hữu Toàn</a:t>
-          </a:r>
-          <a:endParaRPr lang="en-US" sz="1700" kern="1200" dirty="0">
-            <a:latin typeface="+mn-lt"/>
-            <a:cs typeface="Arial" panose="020B0604020202020204" pitchFamily="34" charset="0"/>
-          </a:endParaRPr>
-        </a:p>
-      </dsp:txBody>
-      <dsp:txXfrm>
-        <a:off x="454313" y="2396676"/>
-        <a:ext cx="5968422" cy="452844"/>
-      </dsp:txXfrm>
-    </dsp:sp>
-    <dsp:sp modelId="{9210F838-80AB-491A-BF7F-79F02E5AF258}">
-      <dsp:nvSpPr>
-        <dsp:cNvPr id="0" name=""/>
-        <dsp:cNvSpPr/>
-      </dsp:nvSpPr>
-      <dsp:spPr>
-        <a:xfrm>
-          <a:off x="0" y="3394218"/>
-          <a:ext cx="8596312" cy="428400"/>
-        </a:xfrm>
-        <a:prstGeom prst="rect">
-          <a:avLst/>
-        </a:prstGeom>
-        <a:solidFill>
-          <a:schemeClr val="lt1">
-            <a:alpha val="90000"/>
-            <a:hueOff val="0"/>
-            <a:satOff val="0"/>
-            <a:lumOff val="0"/>
-            <a:alphaOff val="0"/>
-          </a:schemeClr>
-        </a:solidFill>
-        <a:ln w="19050" cap="rnd" cmpd="sng" algn="ctr">
-          <a:solidFill>
-            <a:schemeClr val="accent1">
-              <a:hueOff val="0"/>
-              <a:satOff val="0"/>
-              <a:lumOff val="0"/>
-              <a:alphaOff val="0"/>
-            </a:schemeClr>
-          </a:solidFill>
-          <a:prstDash val="solid"/>
-        </a:ln>
-        <a:effectLst/>
-      </dsp:spPr>
-      <dsp:style>
-        <a:lnRef idx="2">
-          <a:scrgbClr r="0" g="0" b="0"/>
-        </a:lnRef>
-        <a:fillRef idx="1">
-          <a:scrgbClr r="0" g="0" b="0"/>
-        </a:fillRef>
-        <a:effectRef idx="0">
-          <a:scrgbClr r="0" g="0" b="0"/>
-        </a:effectRef>
-        <a:fontRef idx="minor"/>
-      </dsp:style>
-    </dsp:sp>
-    <dsp:sp modelId="{7C1901E6-FDBA-4CC7-AB56-D83CAE005503}">
-      <dsp:nvSpPr>
-        <dsp:cNvPr id="0" name=""/>
-        <dsp:cNvSpPr/>
-      </dsp:nvSpPr>
-      <dsp:spPr>
-        <a:xfrm>
-          <a:off x="429815" y="3143298"/>
-          <a:ext cx="6017418" cy="501840"/>
-        </a:xfrm>
-        <a:prstGeom prst="roundRect">
-          <a:avLst/>
-        </a:prstGeom>
-        <a:solidFill>
-          <a:schemeClr val="accent1">
-            <a:hueOff val="0"/>
-            <a:satOff val="0"/>
-            <a:lumOff val="0"/>
-            <a:alphaOff val="0"/>
-          </a:schemeClr>
-        </a:solidFill>
-        <a:ln w="19050" cap="rnd" cmpd="sng" algn="ctr">
-          <a:solidFill>
-            <a:schemeClr val="lt1">
-              <a:hueOff val="0"/>
-              <a:satOff val="0"/>
-              <a:lumOff val="0"/>
-              <a:alphaOff val="0"/>
-            </a:schemeClr>
-          </a:solidFill>
-          <a:prstDash val="solid"/>
-        </a:ln>
-        <a:effectLst/>
-      </dsp:spPr>
-      <dsp:style>
-        <a:lnRef idx="2">
-          <a:scrgbClr r="0" g="0" b="0"/>
-        </a:lnRef>
-        <a:fillRef idx="1">
-          <a:scrgbClr r="0" g="0" b="0"/>
-        </a:fillRef>
-        <a:effectRef idx="0">
-          <a:scrgbClr r="0" g="0" b="0"/>
-        </a:effectRef>
-        <a:fontRef idx="minor">
-          <a:schemeClr val="lt1"/>
-        </a:fontRef>
-      </dsp:style>
-      <dsp:txBody>
-        <a:bodyPr spcFirstLastPara="0" vert="horz" wrap="square" lIns="227444" tIns="0" rIns="227444" bIns="0" numCol="1" spcCol="1270" anchor="ctr" anchorCtr="0">
-          <a:noAutofit/>
-        </a:bodyPr>
-        <a:lstStyle/>
-        <a:p>
-          <a:pPr lvl="0" algn="l" defTabSz="755650">
-            <a:lnSpc>
-              <a:spcPct val="90000"/>
-            </a:lnSpc>
-            <a:spcBef>
-              <a:spcPct val="0"/>
-            </a:spcBef>
-            <a:spcAft>
-              <a:spcPct val="35000"/>
-            </a:spcAft>
-          </a:pPr>
-          <a:r>
-            <a:rPr lang="en-US" sz="1700" kern="1200" smtClean="0">
-              <a:latin typeface="+mn-lt"/>
-              <a:cs typeface="Arial" panose="020B0604020202020204" pitchFamily="34" charset="0"/>
-            </a:rPr>
-            <a:t>Nguyễn Mạnh Khương</a:t>
-          </a:r>
-          <a:endParaRPr lang="en-US" sz="1700" kern="1200" dirty="0">
-            <a:latin typeface="+mn-lt"/>
-            <a:cs typeface="Arial" panose="020B0604020202020204" pitchFamily="34" charset="0"/>
-          </a:endParaRPr>
-        </a:p>
-      </dsp:txBody>
-      <dsp:txXfrm>
-        <a:off x="454313" y="3167796"/>
-        <a:ext cx="5968422" cy="452844"/>
-      </dsp:txXfrm>
-    </dsp:sp>
   </dsp:spTree>
 </dsp:drawing>
 </file>
@@ -7185,795 +6496,6 @@
       <dsp:cNvGrpSpPr/>
     </dsp:nvGrpSpPr>
     <dsp:grpSpPr/>
-    <dsp:sp modelId="{C910D5EA-8AFD-434E-8158-334518A10346}">
-      <dsp:nvSpPr>
-        <dsp:cNvPr id="0" name=""/>
-        <dsp:cNvSpPr/>
-      </dsp:nvSpPr>
-      <dsp:spPr>
-        <a:xfrm>
-          <a:off x="-4387787" y="-673007"/>
-          <a:ext cx="5227451" cy="5227451"/>
-        </a:xfrm>
-        <a:prstGeom prst="blockArc">
-          <a:avLst>
-            <a:gd name="adj1" fmla="val 18900000"/>
-            <a:gd name="adj2" fmla="val 2700000"/>
-            <a:gd name="adj3" fmla="val 413"/>
-          </a:avLst>
-        </a:prstGeom>
-        <a:noFill/>
-        <a:ln w="19050" cap="rnd" cmpd="sng" algn="ctr">
-          <a:solidFill>
-            <a:schemeClr val="accent1">
-              <a:shade val="60000"/>
-              <a:hueOff val="0"/>
-              <a:satOff val="0"/>
-              <a:lumOff val="0"/>
-              <a:alphaOff val="0"/>
-            </a:schemeClr>
-          </a:solidFill>
-          <a:prstDash val="solid"/>
-        </a:ln>
-        <a:effectLst/>
-      </dsp:spPr>
-      <dsp:style>
-        <a:lnRef idx="2">
-          <a:scrgbClr r="0" g="0" b="0"/>
-        </a:lnRef>
-        <a:fillRef idx="0">
-          <a:scrgbClr r="0" g="0" b="0"/>
-        </a:fillRef>
-        <a:effectRef idx="0">
-          <a:scrgbClr r="0" g="0" b="0"/>
-        </a:effectRef>
-        <a:fontRef idx="minor"/>
-      </dsp:style>
-    </dsp:sp>
-    <dsp:sp modelId="{B7992BCE-B142-45A5-B992-B9BFD54A33DC}">
-      <dsp:nvSpPr>
-        <dsp:cNvPr id="0" name=""/>
-        <dsp:cNvSpPr/>
-      </dsp:nvSpPr>
-      <dsp:spPr>
-        <a:xfrm>
-          <a:off x="313716" y="204396"/>
-          <a:ext cx="8230292" cy="408637"/>
-        </a:xfrm>
-        <a:prstGeom prst="rect">
-          <a:avLst/>
-        </a:prstGeom>
-        <a:solidFill>
-          <a:schemeClr val="accent1">
-            <a:hueOff val="0"/>
-            <a:satOff val="0"/>
-            <a:lumOff val="0"/>
-            <a:alphaOff val="0"/>
-          </a:schemeClr>
-        </a:solidFill>
-        <a:ln w="19050" cap="rnd" cmpd="sng" algn="ctr">
-          <a:solidFill>
-            <a:schemeClr val="lt1">
-              <a:hueOff val="0"/>
-              <a:satOff val="0"/>
-              <a:lumOff val="0"/>
-              <a:alphaOff val="0"/>
-            </a:schemeClr>
-          </a:solidFill>
-          <a:prstDash val="solid"/>
-        </a:ln>
-        <a:effectLst/>
-      </dsp:spPr>
-      <dsp:style>
-        <a:lnRef idx="2">
-          <a:scrgbClr r="0" g="0" b="0"/>
-        </a:lnRef>
-        <a:fillRef idx="1">
-          <a:scrgbClr r="0" g="0" b="0"/>
-        </a:fillRef>
-        <a:effectRef idx="0">
-          <a:scrgbClr r="0" g="0" b="0"/>
-        </a:effectRef>
-        <a:fontRef idx="minor">
-          <a:schemeClr val="lt1"/>
-        </a:fontRef>
-      </dsp:style>
-      <dsp:txBody>
-        <a:bodyPr spcFirstLastPara="0" vert="horz" wrap="square" lIns="324356" tIns="55880" rIns="55880" bIns="55880" numCol="1" spcCol="1270" anchor="ctr" anchorCtr="0">
-          <a:noAutofit/>
-        </a:bodyPr>
-        <a:lstStyle/>
-        <a:p>
-          <a:pPr lvl="0" algn="l" defTabSz="977900">
-            <a:lnSpc>
-              <a:spcPct val="90000"/>
-            </a:lnSpc>
-            <a:spcBef>
-              <a:spcPct val="0"/>
-            </a:spcBef>
-            <a:spcAft>
-              <a:spcPct val="35000"/>
-            </a:spcAft>
-          </a:pPr>
-          <a:r>
-            <a:rPr lang="en-US" sz="2200" kern="1200" dirty="0" smtClean="0"/>
-            <a:t>Scenario problem</a:t>
-          </a:r>
-          <a:endParaRPr lang="en-US" sz="2200" kern="1200" dirty="0"/>
-        </a:p>
-      </dsp:txBody>
-      <dsp:txXfrm>
-        <a:off x="313716" y="204396"/>
-        <a:ext cx="8230292" cy="408637"/>
-      </dsp:txXfrm>
-    </dsp:sp>
-    <dsp:sp modelId="{C9E57088-7F31-4051-BBDF-42D864EC9EBE}">
-      <dsp:nvSpPr>
-        <dsp:cNvPr id="0" name=""/>
-        <dsp:cNvSpPr/>
-      </dsp:nvSpPr>
-      <dsp:spPr>
-        <a:xfrm>
-          <a:off x="58317" y="153316"/>
-          <a:ext cx="510797" cy="510797"/>
-        </a:xfrm>
-        <a:prstGeom prst="ellipse">
-          <a:avLst/>
-        </a:prstGeom>
-        <a:solidFill>
-          <a:schemeClr val="lt1">
-            <a:hueOff val="0"/>
-            <a:satOff val="0"/>
-            <a:lumOff val="0"/>
-            <a:alphaOff val="0"/>
-          </a:schemeClr>
-        </a:solidFill>
-        <a:ln w="19050" cap="rnd" cmpd="sng" algn="ctr">
-          <a:solidFill>
-            <a:schemeClr val="accent1">
-              <a:hueOff val="0"/>
-              <a:satOff val="0"/>
-              <a:lumOff val="0"/>
-              <a:alphaOff val="0"/>
-            </a:schemeClr>
-          </a:solidFill>
-          <a:prstDash val="solid"/>
-        </a:ln>
-        <a:effectLst/>
-      </dsp:spPr>
-      <dsp:style>
-        <a:lnRef idx="2">
-          <a:scrgbClr r="0" g="0" b="0"/>
-        </a:lnRef>
-        <a:fillRef idx="1">
-          <a:scrgbClr r="0" g="0" b="0"/>
-        </a:fillRef>
-        <a:effectRef idx="0">
-          <a:scrgbClr r="0" g="0" b="0"/>
-        </a:effectRef>
-        <a:fontRef idx="minor"/>
-      </dsp:style>
-    </dsp:sp>
-    <dsp:sp modelId="{DBEA5A4D-DC1C-462E-A97D-F8D8F0DBA4EA}">
-      <dsp:nvSpPr>
-        <dsp:cNvPr id="0" name=""/>
-        <dsp:cNvSpPr/>
-      </dsp:nvSpPr>
-      <dsp:spPr>
-        <a:xfrm>
-          <a:off x="649848" y="817275"/>
-          <a:ext cx="7894160" cy="408637"/>
-        </a:xfrm>
-        <a:prstGeom prst="rect">
-          <a:avLst/>
-        </a:prstGeom>
-        <a:solidFill>
-          <a:schemeClr val="accent1">
-            <a:hueOff val="0"/>
-            <a:satOff val="0"/>
-            <a:lumOff val="0"/>
-            <a:alphaOff val="0"/>
-          </a:schemeClr>
-        </a:solidFill>
-        <a:ln w="19050" cap="rnd" cmpd="sng" algn="ctr">
-          <a:solidFill>
-            <a:schemeClr val="lt1">
-              <a:hueOff val="0"/>
-              <a:satOff val="0"/>
-              <a:lumOff val="0"/>
-              <a:alphaOff val="0"/>
-            </a:schemeClr>
-          </a:solidFill>
-          <a:prstDash val="solid"/>
-        </a:ln>
-        <a:effectLst/>
-      </dsp:spPr>
-      <dsp:style>
-        <a:lnRef idx="2">
-          <a:scrgbClr r="0" g="0" b="0"/>
-        </a:lnRef>
-        <a:fillRef idx="1">
-          <a:scrgbClr r="0" g="0" b="0"/>
-        </a:fillRef>
-        <a:effectRef idx="0">
-          <a:scrgbClr r="0" g="0" b="0"/>
-        </a:effectRef>
-        <a:fontRef idx="minor">
-          <a:schemeClr val="lt1"/>
-        </a:fontRef>
-      </dsp:style>
-      <dsp:txBody>
-        <a:bodyPr spcFirstLastPara="0" vert="horz" wrap="square" lIns="324356" tIns="55880" rIns="55880" bIns="55880" numCol="1" spcCol="1270" anchor="ctr" anchorCtr="0">
-          <a:noAutofit/>
-        </a:bodyPr>
-        <a:lstStyle/>
-        <a:p>
-          <a:pPr lvl="0" algn="l" defTabSz="977900">
-            <a:lnSpc>
-              <a:spcPct val="90000"/>
-            </a:lnSpc>
-            <a:spcBef>
-              <a:spcPct val="0"/>
-            </a:spcBef>
-            <a:spcAft>
-              <a:spcPct val="35000"/>
-            </a:spcAft>
-          </a:pPr>
-          <a:r>
-            <a:rPr lang="en-US" sz="2200" kern="1200" dirty="0" smtClean="0"/>
-            <a:t>Our solution</a:t>
-          </a:r>
-          <a:endParaRPr lang="en-US" sz="2200" kern="1200" dirty="0"/>
-        </a:p>
-      </dsp:txBody>
-      <dsp:txXfrm>
-        <a:off x="649848" y="817275"/>
-        <a:ext cx="7894160" cy="408637"/>
-      </dsp:txXfrm>
-    </dsp:sp>
-    <dsp:sp modelId="{3F9611C8-2EA6-4382-A181-A07FAC782B2A}">
-      <dsp:nvSpPr>
-        <dsp:cNvPr id="0" name=""/>
-        <dsp:cNvSpPr/>
-      </dsp:nvSpPr>
-      <dsp:spPr>
-        <a:xfrm>
-          <a:off x="394450" y="766195"/>
-          <a:ext cx="510797" cy="510797"/>
-        </a:xfrm>
-        <a:prstGeom prst="ellipse">
-          <a:avLst/>
-        </a:prstGeom>
-        <a:solidFill>
-          <a:schemeClr val="lt1">
-            <a:hueOff val="0"/>
-            <a:satOff val="0"/>
-            <a:lumOff val="0"/>
-            <a:alphaOff val="0"/>
-          </a:schemeClr>
-        </a:solidFill>
-        <a:ln w="19050" cap="rnd" cmpd="sng" algn="ctr">
-          <a:solidFill>
-            <a:schemeClr val="accent1">
-              <a:hueOff val="0"/>
-              <a:satOff val="0"/>
-              <a:lumOff val="0"/>
-              <a:alphaOff val="0"/>
-            </a:schemeClr>
-          </a:solidFill>
-          <a:prstDash val="solid"/>
-        </a:ln>
-        <a:effectLst/>
-      </dsp:spPr>
-      <dsp:style>
-        <a:lnRef idx="2">
-          <a:scrgbClr r="0" g="0" b="0"/>
-        </a:lnRef>
-        <a:fillRef idx="1">
-          <a:scrgbClr r="0" g="0" b="0"/>
-        </a:fillRef>
-        <a:effectRef idx="0">
-          <a:scrgbClr r="0" g="0" b="0"/>
-        </a:effectRef>
-        <a:fontRef idx="minor"/>
-      </dsp:style>
-    </dsp:sp>
-    <dsp:sp modelId="{DEAD63F9-F31B-4458-82AD-896585277AE5}">
-      <dsp:nvSpPr>
-        <dsp:cNvPr id="0" name=""/>
-        <dsp:cNvSpPr/>
-      </dsp:nvSpPr>
-      <dsp:spPr>
-        <a:xfrm>
-          <a:off x="803553" y="1430154"/>
-          <a:ext cx="7740455" cy="408637"/>
-        </a:xfrm>
-        <a:prstGeom prst="rect">
-          <a:avLst/>
-        </a:prstGeom>
-        <a:solidFill>
-          <a:schemeClr val="accent1">
-            <a:hueOff val="0"/>
-            <a:satOff val="0"/>
-            <a:lumOff val="0"/>
-            <a:alphaOff val="0"/>
-          </a:schemeClr>
-        </a:solidFill>
-        <a:ln w="19050" cap="rnd" cmpd="sng" algn="ctr">
-          <a:solidFill>
-            <a:schemeClr val="lt1">
-              <a:hueOff val="0"/>
-              <a:satOff val="0"/>
-              <a:lumOff val="0"/>
-              <a:alphaOff val="0"/>
-            </a:schemeClr>
-          </a:solidFill>
-          <a:prstDash val="solid"/>
-        </a:ln>
-        <a:effectLst/>
-      </dsp:spPr>
-      <dsp:style>
-        <a:lnRef idx="2">
-          <a:scrgbClr r="0" g="0" b="0"/>
-        </a:lnRef>
-        <a:fillRef idx="1">
-          <a:scrgbClr r="0" g="0" b="0"/>
-        </a:fillRef>
-        <a:effectRef idx="0">
-          <a:scrgbClr r="0" g="0" b="0"/>
-        </a:effectRef>
-        <a:fontRef idx="minor">
-          <a:schemeClr val="lt1"/>
-        </a:fontRef>
-      </dsp:style>
-      <dsp:txBody>
-        <a:bodyPr spcFirstLastPara="0" vert="horz" wrap="square" lIns="324356" tIns="55880" rIns="55880" bIns="55880" numCol="1" spcCol="1270" anchor="ctr" anchorCtr="0">
-          <a:noAutofit/>
-        </a:bodyPr>
-        <a:lstStyle/>
-        <a:p>
-          <a:pPr lvl="0" algn="l" defTabSz="977900">
-            <a:lnSpc>
-              <a:spcPct val="90000"/>
-            </a:lnSpc>
-            <a:spcBef>
-              <a:spcPct val="0"/>
-            </a:spcBef>
-            <a:spcAft>
-              <a:spcPct val="35000"/>
-            </a:spcAft>
-          </a:pPr>
-          <a:r>
-            <a:rPr lang="en-US" sz="2200" kern="1200" dirty="0" smtClean="0"/>
-            <a:t>Demonstration</a:t>
-          </a:r>
-          <a:endParaRPr lang="en-US" sz="2200" kern="1200" dirty="0"/>
-        </a:p>
-      </dsp:txBody>
-      <dsp:txXfrm>
-        <a:off x="803553" y="1430154"/>
-        <a:ext cx="7740455" cy="408637"/>
-      </dsp:txXfrm>
-    </dsp:sp>
-    <dsp:sp modelId="{010430AD-B9EC-40B7-8F4B-70207320A234}">
-      <dsp:nvSpPr>
-        <dsp:cNvPr id="0" name=""/>
-        <dsp:cNvSpPr/>
-      </dsp:nvSpPr>
-      <dsp:spPr>
-        <a:xfrm>
-          <a:off x="548155" y="1379074"/>
-          <a:ext cx="510797" cy="510797"/>
-        </a:xfrm>
-        <a:prstGeom prst="ellipse">
-          <a:avLst/>
-        </a:prstGeom>
-        <a:solidFill>
-          <a:schemeClr val="lt1">
-            <a:hueOff val="0"/>
-            <a:satOff val="0"/>
-            <a:lumOff val="0"/>
-            <a:alphaOff val="0"/>
-          </a:schemeClr>
-        </a:solidFill>
-        <a:ln w="19050" cap="rnd" cmpd="sng" algn="ctr">
-          <a:solidFill>
-            <a:schemeClr val="accent1">
-              <a:hueOff val="0"/>
-              <a:satOff val="0"/>
-              <a:lumOff val="0"/>
-              <a:alphaOff val="0"/>
-            </a:schemeClr>
-          </a:solidFill>
-          <a:prstDash val="solid"/>
-        </a:ln>
-        <a:effectLst/>
-      </dsp:spPr>
-      <dsp:style>
-        <a:lnRef idx="2">
-          <a:scrgbClr r="0" g="0" b="0"/>
-        </a:lnRef>
-        <a:fillRef idx="1">
-          <a:scrgbClr r="0" g="0" b="0"/>
-        </a:fillRef>
-        <a:effectRef idx="0">
-          <a:scrgbClr r="0" g="0" b="0"/>
-        </a:effectRef>
-        <a:fontRef idx="minor"/>
-      </dsp:style>
-    </dsp:sp>
-    <dsp:sp modelId="{0535E955-B7AE-48FC-969B-539B2C245666}">
-      <dsp:nvSpPr>
-        <dsp:cNvPr id="0" name=""/>
-        <dsp:cNvSpPr/>
-      </dsp:nvSpPr>
-      <dsp:spPr>
-        <a:xfrm>
-          <a:off x="803553" y="2042645"/>
-          <a:ext cx="7740455" cy="408637"/>
-        </a:xfrm>
-        <a:prstGeom prst="rect">
-          <a:avLst/>
-        </a:prstGeom>
-        <a:solidFill>
-          <a:schemeClr val="accent1">
-            <a:hueOff val="0"/>
-            <a:satOff val="0"/>
-            <a:lumOff val="0"/>
-            <a:alphaOff val="0"/>
-          </a:schemeClr>
-        </a:solidFill>
-        <a:ln w="19050" cap="rnd" cmpd="sng" algn="ctr">
-          <a:solidFill>
-            <a:schemeClr val="lt1">
-              <a:hueOff val="0"/>
-              <a:satOff val="0"/>
-              <a:lumOff val="0"/>
-              <a:alphaOff val="0"/>
-            </a:schemeClr>
-          </a:solidFill>
-          <a:prstDash val="solid"/>
-        </a:ln>
-        <a:effectLst/>
-      </dsp:spPr>
-      <dsp:style>
-        <a:lnRef idx="2">
-          <a:scrgbClr r="0" g="0" b="0"/>
-        </a:lnRef>
-        <a:fillRef idx="1">
-          <a:scrgbClr r="0" g="0" b="0"/>
-        </a:fillRef>
-        <a:effectRef idx="0">
-          <a:scrgbClr r="0" g="0" b="0"/>
-        </a:effectRef>
-        <a:fontRef idx="minor">
-          <a:schemeClr val="lt1"/>
-        </a:fontRef>
-      </dsp:style>
-      <dsp:txBody>
-        <a:bodyPr spcFirstLastPara="0" vert="horz" wrap="square" lIns="324356" tIns="55880" rIns="55880" bIns="55880" numCol="1" spcCol="1270" anchor="ctr" anchorCtr="0">
-          <a:noAutofit/>
-        </a:bodyPr>
-        <a:lstStyle/>
-        <a:p>
-          <a:pPr lvl="0" algn="l" defTabSz="977900">
-            <a:lnSpc>
-              <a:spcPct val="90000"/>
-            </a:lnSpc>
-            <a:spcBef>
-              <a:spcPct val="0"/>
-            </a:spcBef>
-            <a:spcAft>
-              <a:spcPct val="35000"/>
-            </a:spcAft>
-          </a:pPr>
-          <a:r>
-            <a:rPr lang="en-US" sz="2200" kern="1200" dirty="0" smtClean="0"/>
-            <a:t>Advantages and disadvantages of current solution</a:t>
-          </a:r>
-          <a:endParaRPr lang="en-US" sz="2200" kern="1200" dirty="0"/>
-        </a:p>
-      </dsp:txBody>
-      <dsp:txXfrm>
-        <a:off x="803553" y="2042645"/>
-        <a:ext cx="7740455" cy="408637"/>
-      </dsp:txXfrm>
-    </dsp:sp>
-    <dsp:sp modelId="{6FD9C734-BB88-4BF5-89B2-11AEF22AF11D}">
-      <dsp:nvSpPr>
-        <dsp:cNvPr id="0" name=""/>
-        <dsp:cNvSpPr/>
-      </dsp:nvSpPr>
-      <dsp:spPr>
-        <a:xfrm>
-          <a:off x="548155" y="1991565"/>
-          <a:ext cx="510797" cy="510797"/>
-        </a:xfrm>
-        <a:prstGeom prst="ellipse">
-          <a:avLst/>
-        </a:prstGeom>
-        <a:solidFill>
-          <a:schemeClr val="lt1">
-            <a:hueOff val="0"/>
-            <a:satOff val="0"/>
-            <a:lumOff val="0"/>
-            <a:alphaOff val="0"/>
-          </a:schemeClr>
-        </a:solidFill>
-        <a:ln w="19050" cap="rnd" cmpd="sng" algn="ctr">
-          <a:solidFill>
-            <a:schemeClr val="accent1">
-              <a:hueOff val="0"/>
-              <a:satOff val="0"/>
-              <a:lumOff val="0"/>
-              <a:alphaOff val="0"/>
-            </a:schemeClr>
-          </a:solidFill>
-          <a:prstDash val="solid"/>
-        </a:ln>
-        <a:effectLst/>
-      </dsp:spPr>
-      <dsp:style>
-        <a:lnRef idx="2">
-          <a:scrgbClr r="0" g="0" b="0"/>
-        </a:lnRef>
-        <a:fillRef idx="1">
-          <a:scrgbClr r="0" g="0" b="0"/>
-        </a:fillRef>
-        <a:effectRef idx="0">
-          <a:scrgbClr r="0" g="0" b="0"/>
-        </a:effectRef>
-        <a:fontRef idx="minor"/>
-      </dsp:style>
-    </dsp:sp>
-    <dsp:sp modelId="{5E7565C0-5287-4E4D-8626-67E866958165}">
-      <dsp:nvSpPr>
-        <dsp:cNvPr id="0" name=""/>
-        <dsp:cNvSpPr/>
-      </dsp:nvSpPr>
-      <dsp:spPr>
-        <a:xfrm>
-          <a:off x="649848" y="2655523"/>
-          <a:ext cx="7894160" cy="408637"/>
-        </a:xfrm>
-        <a:prstGeom prst="rect">
-          <a:avLst/>
-        </a:prstGeom>
-        <a:solidFill>
-          <a:schemeClr val="accent1">
-            <a:hueOff val="0"/>
-            <a:satOff val="0"/>
-            <a:lumOff val="0"/>
-            <a:alphaOff val="0"/>
-          </a:schemeClr>
-        </a:solidFill>
-        <a:ln w="19050" cap="rnd" cmpd="sng" algn="ctr">
-          <a:solidFill>
-            <a:schemeClr val="lt1">
-              <a:hueOff val="0"/>
-              <a:satOff val="0"/>
-              <a:lumOff val="0"/>
-              <a:alphaOff val="0"/>
-            </a:schemeClr>
-          </a:solidFill>
-          <a:prstDash val="solid"/>
-        </a:ln>
-        <a:effectLst/>
-      </dsp:spPr>
-      <dsp:style>
-        <a:lnRef idx="2">
-          <a:scrgbClr r="0" g="0" b="0"/>
-        </a:lnRef>
-        <a:fillRef idx="1">
-          <a:scrgbClr r="0" g="0" b="0"/>
-        </a:fillRef>
-        <a:effectRef idx="0">
-          <a:scrgbClr r="0" g="0" b="0"/>
-        </a:effectRef>
-        <a:fontRef idx="minor">
-          <a:schemeClr val="lt1"/>
-        </a:fontRef>
-      </dsp:style>
-      <dsp:txBody>
-        <a:bodyPr spcFirstLastPara="0" vert="horz" wrap="square" lIns="324356" tIns="55880" rIns="55880" bIns="55880" numCol="1" spcCol="1270" anchor="ctr" anchorCtr="0">
-          <a:noAutofit/>
-        </a:bodyPr>
-        <a:lstStyle/>
-        <a:p>
-          <a:pPr lvl="0" algn="l" defTabSz="977900">
-            <a:lnSpc>
-              <a:spcPct val="90000"/>
-            </a:lnSpc>
-            <a:spcBef>
-              <a:spcPct val="0"/>
-            </a:spcBef>
-            <a:spcAft>
-              <a:spcPct val="35000"/>
-            </a:spcAft>
-          </a:pPr>
-          <a:r>
-            <a:rPr lang="en-US" sz="2200" kern="1200" dirty="0" smtClean="0"/>
-            <a:t>Future Plans</a:t>
-          </a:r>
-          <a:endParaRPr lang="en-US" sz="2200" kern="1200" dirty="0"/>
-        </a:p>
-      </dsp:txBody>
-      <dsp:txXfrm>
-        <a:off x="649848" y="2655523"/>
-        <a:ext cx="7894160" cy="408637"/>
-      </dsp:txXfrm>
-    </dsp:sp>
-    <dsp:sp modelId="{EDBC188B-E862-403F-B5EF-6CB003C2307F}">
-      <dsp:nvSpPr>
-        <dsp:cNvPr id="0" name=""/>
-        <dsp:cNvSpPr/>
-      </dsp:nvSpPr>
-      <dsp:spPr>
-        <a:xfrm>
-          <a:off x="394450" y="2604444"/>
-          <a:ext cx="510797" cy="510797"/>
-        </a:xfrm>
-        <a:prstGeom prst="ellipse">
-          <a:avLst/>
-        </a:prstGeom>
-        <a:solidFill>
-          <a:schemeClr val="lt1">
-            <a:hueOff val="0"/>
-            <a:satOff val="0"/>
-            <a:lumOff val="0"/>
-            <a:alphaOff val="0"/>
-          </a:schemeClr>
-        </a:solidFill>
-        <a:ln w="19050" cap="rnd" cmpd="sng" algn="ctr">
-          <a:solidFill>
-            <a:schemeClr val="accent1">
-              <a:hueOff val="0"/>
-              <a:satOff val="0"/>
-              <a:lumOff val="0"/>
-              <a:alphaOff val="0"/>
-            </a:schemeClr>
-          </a:solidFill>
-          <a:prstDash val="solid"/>
-        </a:ln>
-        <a:effectLst/>
-      </dsp:spPr>
-      <dsp:style>
-        <a:lnRef idx="2">
-          <a:scrgbClr r="0" g="0" b="0"/>
-        </a:lnRef>
-        <a:fillRef idx="1">
-          <a:scrgbClr r="0" g="0" b="0"/>
-        </a:fillRef>
-        <a:effectRef idx="0">
-          <a:scrgbClr r="0" g="0" b="0"/>
-        </a:effectRef>
-        <a:fontRef idx="minor"/>
-      </dsp:style>
-    </dsp:sp>
-    <dsp:sp modelId="{FAB83880-1EBC-461E-8EE0-4812DFE2F361}">
-      <dsp:nvSpPr>
-        <dsp:cNvPr id="0" name=""/>
-        <dsp:cNvSpPr/>
-      </dsp:nvSpPr>
-      <dsp:spPr>
-        <a:xfrm>
-          <a:off x="313716" y="3268402"/>
-          <a:ext cx="8230292" cy="408637"/>
-        </a:xfrm>
-        <a:prstGeom prst="rect">
-          <a:avLst/>
-        </a:prstGeom>
-        <a:solidFill>
-          <a:schemeClr val="accent1">
-            <a:hueOff val="0"/>
-            <a:satOff val="0"/>
-            <a:lumOff val="0"/>
-            <a:alphaOff val="0"/>
-          </a:schemeClr>
-        </a:solidFill>
-        <a:ln w="19050" cap="rnd" cmpd="sng" algn="ctr">
-          <a:solidFill>
-            <a:schemeClr val="lt1">
-              <a:hueOff val="0"/>
-              <a:satOff val="0"/>
-              <a:lumOff val="0"/>
-              <a:alphaOff val="0"/>
-            </a:schemeClr>
-          </a:solidFill>
-          <a:prstDash val="solid"/>
-        </a:ln>
-        <a:effectLst/>
-      </dsp:spPr>
-      <dsp:style>
-        <a:lnRef idx="2">
-          <a:scrgbClr r="0" g="0" b="0"/>
-        </a:lnRef>
-        <a:fillRef idx="1">
-          <a:scrgbClr r="0" g="0" b="0"/>
-        </a:fillRef>
-        <a:effectRef idx="0">
-          <a:scrgbClr r="0" g="0" b="0"/>
-        </a:effectRef>
-        <a:fontRef idx="minor">
-          <a:schemeClr val="lt1"/>
-        </a:fontRef>
-      </dsp:style>
-      <dsp:txBody>
-        <a:bodyPr spcFirstLastPara="0" vert="horz" wrap="square" lIns="324356" tIns="55880" rIns="55880" bIns="55880" numCol="1" spcCol="1270" anchor="ctr" anchorCtr="0">
-          <a:noAutofit/>
-        </a:bodyPr>
-        <a:lstStyle/>
-        <a:p>
-          <a:pPr lvl="0" algn="l" defTabSz="977900">
-            <a:lnSpc>
-              <a:spcPct val="90000"/>
-            </a:lnSpc>
-            <a:spcBef>
-              <a:spcPct val="0"/>
-            </a:spcBef>
-            <a:spcAft>
-              <a:spcPct val="35000"/>
-            </a:spcAft>
-          </a:pPr>
-          <a:r>
-            <a:rPr lang="en-US" sz="2200" kern="1200" dirty="0" smtClean="0"/>
-            <a:t>Questions and answers</a:t>
-          </a:r>
-          <a:endParaRPr lang="en-US" sz="2200" kern="1200" dirty="0"/>
-        </a:p>
-      </dsp:txBody>
-      <dsp:txXfrm>
-        <a:off x="313716" y="3268402"/>
-        <a:ext cx="8230292" cy="408637"/>
-      </dsp:txXfrm>
-    </dsp:sp>
-    <dsp:sp modelId="{8123A840-A704-4828-A5B4-AE7CA5C16305}">
-      <dsp:nvSpPr>
-        <dsp:cNvPr id="0" name=""/>
-        <dsp:cNvSpPr/>
-      </dsp:nvSpPr>
-      <dsp:spPr>
-        <a:xfrm>
-          <a:off x="58317" y="3217323"/>
-          <a:ext cx="510797" cy="510797"/>
-        </a:xfrm>
-        <a:prstGeom prst="ellipse">
-          <a:avLst/>
-        </a:prstGeom>
-        <a:solidFill>
-          <a:schemeClr val="lt1">
-            <a:hueOff val="0"/>
-            <a:satOff val="0"/>
-            <a:lumOff val="0"/>
-            <a:alphaOff val="0"/>
-          </a:schemeClr>
-        </a:solidFill>
-        <a:ln w="19050" cap="rnd" cmpd="sng" algn="ctr">
-          <a:solidFill>
-            <a:schemeClr val="accent1">
-              <a:hueOff val="0"/>
-              <a:satOff val="0"/>
-              <a:lumOff val="0"/>
-              <a:alphaOff val="0"/>
-            </a:schemeClr>
-          </a:solidFill>
-          <a:prstDash val="solid"/>
-        </a:ln>
-        <a:effectLst/>
-      </dsp:spPr>
-      <dsp:style>
-        <a:lnRef idx="2">
-          <a:scrgbClr r="0" g="0" b="0"/>
-        </a:lnRef>
-        <a:fillRef idx="1">
-          <a:scrgbClr r="0" g="0" b="0"/>
-        </a:fillRef>
-        <a:effectRef idx="0">
-          <a:scrgbClr r="0" g="0" b="0"/>
-        </a:effectRef>
-        <a:fontRef idx="minor"/>
-      </dsp:style>
-    </dsp:sp>
   </dsp:spTree>
 </dsp:drawing>
 </file>
@@ -9467,6 +7989,643 @@
       <dsp:cNvGrpSpPr/>
     </dsp:nvGrpSpPr>
     <dsp:grpSpPr/>
+    <dsp:sp modelId="{38D94112-4B62-4450-BAB0-6C010E898920}">
+      <dsp:nvSpPr>
+        <dsp:cNvPr id="0" name=""/>
+        <dsp:cNvSpPr/>
+      </dsp:nvSpPr>
+      <dsp:spPr>
+        <a:xfrm>
+          <a:off x="841796" y="699"/>
+          <a:ext cx="1808986" cy="1246392"/>
+        </a:xfrm>
+        <a:prstGeom prst="roundRect">
+          <a:avLst/>
+        </a:prstGeom>
+        <a:blipFill dpi="0" rotWithShape="1">
+          <a:blip xmlns:r="http://schemas.openxmlformats.org/officeDocument/2006/relationships" r:embed="rId1" cstate="print">
+            <a:extLst>
+              <a:ext uri="{28A0092B-C50C-407E-A947-70E740481C1C}">
+                <a14:useLocalDpi xmlns:a14="http://schemas.microsoft.com/office/drawing/2010/main" val="0"/>
+              </a:ext>
+            </a:extLst>
+          </a:blip>
+          <a:srcRect/>
+          <a:stretch>
+            <a:fillRect l="15550" r="15550"/>
+          </a:stretch>
+        </a:blipFill>
+        <a:ln>
+          <a:noFill/>
+        </a:ln>
+        <a:effectLst>
+          <a:outerShdw blurRad="38100" dist="25400" dir="5400000" rotWithShape="0">
+            <a:srgbClr val="000000">
+              <a:alpha val="35000"/>
+            </a:srgbClr>
+          </a:outerShdw>
+        </a:effectLst>
+        <a:scene3d>
+          <a:camera prst="orthographicFront">
+            <a:rot lat="0" lon="0" rev="0"/>
+          </a:camera>
+          <a:lightRig rig="contrasting" dir="t">
+            <a:rot lat="0" lon="0" rev="1200000"/>
+          </a:lightRig>
+        </a:scene3d>
+        <a:sp3d contourW="19050" prstMaterial="metal">
+          <a:bevelT w="88900" h="203200"/>
+          <a:bevelB w="165100" h="254000"/>
+        </a:sp3d>
+      </dsp:spPr>
+      <dsp:style>
+        <a:lnRef idx="0">
+          <a:scrgbClr r="0" g="0" b="0"/>
+        </a:lnRef>
+        <a:fillRef idx="1">
+          <a:scrgbClr r="0" g="0" b="0"/>
+        </a:fillRef>
+        <a:effectRef idx="2">
+          <a:scrgbClr r="0" g="0" b="0"/>
+        </a:effectRef>
+        <a:fontRef idx="minor">
+          <a:schemeClr val="lt1"/>
+        </a:fontRef>
+      </dsp:style>
+    </dsp:sp>
+    <dsp:sp modelId="{50032E18-2E0A-4D65-A348-2C9C3E9B8328}">
+      <dsp:nvSpPr>
+        <dsp:cNvPr id="0" name=""/>
+        <dsp:cNvSpPr/>
+      </dsp:nvSpPr>
+      <dsp:spPr>
+        <a:xfrm>
+          <a:off x="841796" y="1247091"/>
+          <a:ext cx="1808986" cy="671134"/>
+        </a:xfrm>
+        <a:prstGeom prst="rect">
+          <a:avLst/>
+        </a:prstGeom>
+        <a:noFill/>
+        <a:ln w="12700" cap="rnd" cmpd="sng" algn="ctr">
+          <a:solidFill>
+            <a:schemeClr val="dk1">
+              <a:alpha val="0"/>
+              <a:hueOff val="0"/>
+              <a:satOff val="0"/>
+              <a:lumOff val="0"/>
+              <a:alphaOff val="0"/>
+            </a:schemeClr>
+          </a:solidFill>
+          <a:prstDash val="solid"/>
+        </a:ln>
+        <a:effectLst/>
+      </dsp:spPr>
+      <dsp:style>
+        <a:lnRef idx="1">
+          <a:scrgbClr r="0" g="0" b="0"/>
+        </a:lnRef>
+        <a:fillRef idx="0">
+          <a:scrgbClr r="0" g="0" b="0"/>
+        </a:fillRef>
+        <a:effectRef idx="0">
+          <a:scrgbClr r="0" g="0" b="0"/>
+        </a:effectRef>
+        <a:fontRef idx="minor"/>
+      </dsp:style>
+      <dsp:txBody>
+        <a:bodyPr spcFirstLastPara="0" vert="horz" wrap="square" lIns="135128" tIns="135128" rIns="135128" bIns="0" numCol="1" spcCol="1270" anchor="t" anchorCtr="0">
+          <a:noAutofit/>
+        </a:bodyPr>
+        <a:lstStyle/>
+        <a:p>
+          <a:pPr lvl="0" algn="ctr" defTabSz="844550">
+            <a:lnSpc>
+              <a:spcPct val="90000"/>
+            </a:lnSpc>
+            <a:spcBef>
+              <a:spcPct val="0"/>
+            </a:spcBef>
+            <a:spcAft>
+              <a:spcPct val="35000"/>
+            </a:spcAft>
+          </a:pPr>
+          <a:r>
+            <a:rPr lang="en-US" sz="1900" kern="1200" dirty="0" smtClean="0"/>
+            <a:t>Search</a:t>
+          </a:r>
+          <a:endParaRPr lang="en-GB" sz="1900" kern="1200" dirty="0"/>
+        </a:p>
+      </dsp:txBody>
+      <dsp:txXfrm>
+        <a:off x="841796" y="1247091"/>
+        <a:ext cx="1808986" cy="671134"/>
+      </dsp:txXfrm>
+    </dsp:sp>
+    <dsp:sp modelId="{36FAAB07-1BD4-42B4-8036-62B0F623ED4C}">
+      <dsp:nvSpPr>
+        <dsp:cNvPr id="0" name=""/>
+        <dsp:cNvSpPr/>
+      </dsp:nvSpPr>
+      <dsp:spPr>
+        <a:xfrm>
+          <a:off x="2831758" y="699"/>
+          <a:ext cx="1808986" cy="1246392"/>
+        </a:xfrm>
+        <a:prstGeom prst="roundRect">
+          <a:avLst/>
+        </a:prstGeom>
+        <a:blipFill rotWithShape="1">
+          <a:blip xmlns:r="http://schemas.openxmlformats.org/officeDocument/2006/relationships" r:embed="rId2"/>
+          <a:stretch>
+            <a:fillRect/>
+          </a:stretch>
+        </a:blipFill>
+        <a:ln>
+          <a:noFill/>
+        </a:ln>
+        <a:effectLst>
+          <a:outerShdw blurRad="38100" dist="25400" dir="5400000" rotWithShape="0">
+            <a:srgbClr val="000000">
+              <a:alpha val="35000"/>
+            </a:srgbClr>
+          </a:outerShdw>
+        </a:effectLst>
+        <a:scene3d>
+          <a:camera prst="orthographicFront">
+            <a:rot lat="0" lon="0" rev="0"/>
+          </a:camera>
+          <a:lightRig rig="contrasting" dir="t">
+            <a:rot lat="0" lon="0" rev="1200000"/>
+          </a:lightRig>
+        </a:scene3d>
+        <a:sp3d contourW="19050" prstMaterial="metal">
+          <a:bevelT w="88900" h="203200"/>
+          <a:bevelB w="165100" h="254000"/>
+        </a:sp3d>
+      </dsp:spPr>
+      <dsp:style>
+        <a:lnRef idx="0">
+          <a:scrgbClr r="0" g="0" b="0"/>
+        </a:lnRef>
+        <a:fillRef idx="1">
+          <a:scrgbClr r="0" g="0" b="0"/>
+        </a:fillRef>
+        <a:effectRef idx="2">
+          <a:scrgbClr r="0" g="0" b="0"/>
+        </a:effectRef>
+        <a:fontRef idx="minor">
+          <a:schemeClr val="lt1"/>
+        </a:fontRef>
+      </dsp:style>
+    </dsp:sp>
+    <dsp:sp modelId="{AB026361-32AF-4200-8E3C-B6BC87A0F3C1}">
+      <dsp:nvSpPr>
+        <dsp:cNvPr id="0" name=""/>
+        <dsp:cNvSpPr/>
+      </dsp:nvSpPr>
+      <dsp:spPr>
+        <a:xfrm>
+          <a:off x="2831758" y="1247091"/>
+          <a:ext cx="1808986" cy="671134"/>
+        </a:xfrm>
+        <a:prstGeom prst="rect">
+          <a:avLst/>
+        </a:prstGeom>
+        <a:noFill/>
+        <a:ln w="12700" cap="rnd" cmpd="sng" algn="ctr">
+          <a:solidFill>
+            <a:schemeClr val="dk1">
+              <a:alpha val="0"/>
+              <a:hueOff val="0"/>
+              <a:satOff val="0"/>
+              <a:lumOff val="0"/>
+              <a:alphaOff val="0"/>
+            </a:schemeClr>
+          </a:solidFill>
+          <a:prstDash val="solid"/>
+        </a:ln>
+        <a:effectLst/>
+      </dsp:spPr>
+      <dsp:style>
+        <a:lnRef idx="1">
+          <a:scrgbClr r="0" g="0" b="0"/>
+        </a:lnRef>
+        <a:fillRef idx="0">
+          <a:scrgbClr r="0" g="0" b="0"/>
+        </a:fillRef>
+        <a:effectRef idx="0">
+          <a:scrgbClr r="0" g="0" b="0"/>
+        </a:effectRef>
+        <a:fontRef idx="minor"/>
+      </dsp:style>
+      <dsp:txBody>
+        <a:bodyPr spcFirstLastPara="0" vert="horz" wrap="square" lIns="135128" tIns="135128" rIns="135128" bIns="0" numCol="1" spcCol="1270" anchor="t" anchorCtr="0">
+          <a:noAutofit/>
+        </a:bodyPr>
+        <a:lstStyle/>
+        <a:p>
+          <a:pPr lvl="0" algn="ctr" defTabSz="844550">
+            <a:lnSpc>
+              <a:spcPct val="90000"/>
+            </a:lnSpc>
+            <a:spcBef>
+              <a:spcPct val="0"/>
+            </a:spcBef>
+            <a:spcAft>
+              <a:spcPct val="35000"/>
+            </a:spcAft>
+          </a:pPr>
+          <a:r>
+            <a:rPr lang="en-US" sz="1900" kern="1200" smtClean="0"/>
+            <a:t>Recommend product</a:t>
+          </a:r>
+          <a:endParaRPr lang="en-GB" sz="1900" kern="1200" dirty="0"/>
+        </a:p>
+      </dsp:txBody>
+      <dsp:txXfrm>
+        <a:off x="2831758" y="1247091"/>
+        <a:ext cx="1808986" cy="671134"/>
+      </dsp:txXfrm>
+    </dsp:sp>
+    <dsp:sp modelId="{DB4DFF25-2111-49EB-BC56-4ACC6D2E3C4A}">
+      <dsp:nvSpPr>
+        <dsp:cNvPr id="0" name=""/>
+        <dsp:cNvSpPr/>
+      </dsp:nvSpPr>
+      <dsp:spPr>
+        <a:xfrm>
+          <a:off x="4821720" y="699"/>
+          <a:ext cx="1808986" cy="1246392"/>
+        </a:xfrm>
+        <a:prstGeom prst="roundRect">
+          <a:avLst/>
+        </a:prstGeom>
+        <a:blipFill rotWithShape="1">
+          <a:blip xmlns:r="http://schemas.openxmlformats.org/officeDocument/2006/relationships" r:embed="rId3"/>
+          <a:stretch>
+            <a:fillRect/>
+          </a:stretch>
+        </a:blipFill>
+        <a:ln>
+          <a:noFill/>
+        </a:ln>
+        <a:effectLst>
+          <a:outerShdw blurRad="38100" dist="25400" dir="5400000" rotWithShape="0">
+            <a:srgbClr val="000000">
+              <a:alpha val="35000"/>
+            </a:srgbClr>
+          </a:outerShdw>
+        </a:effectLst>
+        <a:scene3d>
+          <a:camera prst="orthographicFront">
+            <a:rot lat="0" lon="0" rev="0"/>
+          </a:camera>
+          <a:lightRig rig="contrasting" dir="t">
+            <a:rot lat="0" lon="0" rev="1200000"/>
+          </a:lightRig>
+        </a:scene3d>
+        <a:sp3d contourW="19050" prstMaterial="metal">
+          <a:bevelT w="88900" h="203200"/>
+          <a:bevelB w="165100" h="254000"/>
+        </a:sp3d>
+      </dsp:spPr>
+      <dsp:style>
+        <a:lnRef idx="0">
+          <a:scrgbClr r="0" g="0" b="0"/>
+        </a:lnRef>
+        <a:fillRef idx="1">
+          <a:scrgbClr r="0" g="0" b="0"/>
+        </a:fillRef>
+        <a:effectRef idx="2">
+          <a:scrgbClr r="0" g="0" b="0"/>
+        </a:effectRef>
+        <a:fontRef idx="minor">
+          <a:schemeClr val="lt1"/>
+        </a:fontRef>
+      </dsp:style>
+    </dsp:sp>
+    <dsp:sp modelId="{E88444CE-513E-46DB-98BB-1DE2BC38E1BB}">
+      <dsp:nvSpPr>
+        <dsp:cNvPr id="0" name=""/>
+        <dsp:cNvSpPr/>
+      </dsp:nvSpPr>
+      <dsp:spPr>
+        <a:xfrm>
+          <a:off x="4821720" y="1247091"/>
+          <a:ext cx="1808986" cy="671134"/>
+        </a:xfrm>
+        <a:prstGeom prst="rect">
+          <a:avLst/>
+        </a:prstGeom>
+        <a:noFill/>
+        <a:ln w="12700" cap="rnd" cmpd="sng" algn="ctr">
+          <a:solidFill>
+            <a:schemeClr val="dk1">
+              <a:alpha val="0"/>
+              <a:hueOff val="0"/>
+              <a:satOff val="0"/>
+              <a:lumOff val="0"/>
+              <a:alphaOff val="0"/>
+            </a:schemeClr>
+          </a:solidFill>
+          <a:prstDash val="solid"/>
+        </a:ln>
+        <a:effectLst/>
+      </dsp:spPr>
+      <dsp:style>
+        <a:lnRef idx="1">
+          <a:scrgbClr r="0" g="0" b="0"/>
+        </a:lnRef>
+        <a:fillRef idx="0">
+          <a:scrgbClr r="0" g="0" b="0"/>
+        </a:fillRef>
+        <a:effectRef idx="0">
+          <a:scrgbClr r="0" g="0" b="0"/>
+        </a:effectRef>
+        <a:fontRef idx="minor"/>
+      </dsp:style>
+      <dsp:txBody>
+        <a:bodyPr spcFirstLastPara="0" vert="horz" wrap="square" lIns="135128" tIns="135128" rIns="135128" bIns="0" numCol="1" spcCol="1270" anchor="t" anchorCtr="0">
+          <a:noAutofit/>
+        </a:bodyPr>
+        <a:lstStyle/>
+        <a:p>
+          <a:pPr lvl="0" algn="ctr" defTabSz="844550">
+            <a:lnSpc>
+              <a:spcPct val="90000"/>
+            </a:lnSpc>
+            <a:spcBef>
+              <a:spcPct val="0"/>
+            </a:spcBef>
+            <a:spcAft>
+              <a:spcPct val="35000"/>
+            </a:spcAft>
+          </a:pPr>
+          <a:r>
+            <a:rPr lang="en-US" sz="1900" kern="1200" smtClean="0"/>
+            <a:t>Report comment</a:t>
+          </a:r>
+          <a:endParaRPr lang="en-GB" sz="1900" kern="1200" dirty="0"/>
+        </a:p>
+      </dsp:txBody>
+      <dsp:txXfrm>
+        <a:off x="4821720" y="1247091"/>
+        <a:ext cx="1808986" cy="671134"/>
+      </dsp:txXfrm>
+    </dsp:sp>
+    <dsp:sp modelId="{B77A94D5-558B-4298-8C2F-665637DEF3C5}">
+      <dsp:nvSpPr>
+        <dsp:cNvPr id="0" name=""/>
+        <dsp:cNvSpPr/>
+      </dsp:nvSpPr>
+      <dsp:spPr>
+        <a:xfrm>
+          <a:off x="1836777" y="2099124"/>
+          <a:ext cx="1808986" cy="1246392"/>
+        </a:xfrm>
+        <a:prstGeom prst="roundRect">
+          <a:avLst/>
+        </a:prstGeom>
+        <a:blipFill rotWithShape="1">
+          <a:blip xmlns:r="http://schemas.openxmlformats.org/officeDocument/2006/relationships" r:embed="rId4"/>
+          <a:stretch>
+            <a:fillRect/>
+          </a:stretch>
+        </a:blipFill>
+        <a:ln>
+          <a:noFill/>
+        </a:ln>
+        <a:effectLst>
+          <a:outerShdw blurRad="38100" dist="25400" dir="5400000" rotWithShape="0">
+            <a:srgbClr val="000000">
+              <a:alpha val="35000"/>
+            </a:srgbClr>
+          </a:outerShdw>
+        </a:effectLst>
+        <a:scene3d>
+          <a:camera prst="orthographicFront">
+            <a:rot lat="0" lon="0" rev="0"/>
+          </a:camera>
+          <a:lightRig rig="contrasting" dir="t">
+            <a:rot lat="0" lon="0" rev="1200000"/>
+          </a:lightRig>
+        </a:scene3d>
+        <a:sp3d contourW="19050" prstMaterial="metal">
+          <a:bevelT w="88900" h="203200"/>
+          <a:bevelB w="165100" h="254000"/>
+        </a:sp3d>
+      </dsp:spPr>
+      <dsp:style>
+        <a:lnRef idx="0">
+          <a:scrgbClr r="0" g="0" b="0"/>
+        </a:lnRef>
+        <a:fillRef idx="1">
+          <a:scrgbClr r="0" g="0" b="0"/>
+        </a:fillRef>
+        <a:effectRef idx="2">
+          <a:scrgbClr r="0" g="0" b="0"/>
+        </a:effectRef>
+        <a:fontRef idx="minor">
+          <a:schemeClr val="lt1"/>
+        </a:fontRef>
+      </dsp:style>
+    </dsp:sp>
+    <dsp:sp modelId="{0DA19ACC-408E-4451-802F-CB6DD2B511B0}">
+      <dsp:nvSpPr>
+        <dsp:cNvPr id="0" name=""/>
+        <dsp:cNvSpPr/>
+      </dsp:nvSpPr>
+      <dsp:spPr>
+        <a:xfrm>
+          <a:off x="1836777" y="3345516"/>
+          <a:ext cx="1808986" cy="671134"/>
+        </a:xfrm>
+        <a:prstGeom prst="rect">
+          <a:avLst/>
+        </a:prstGeom>
+        <a:noFill/>
+        <a:ln w="12700" cap="rnd" cmpd="sng" algn="ctr">
+          <a:solidFill>
+            <a:schemeClr val="dk1">
+              <a:alpha val="0"/>
+              <a:hueOff val="0"/>
+              <a:satOff val="0"/>
+              <a:lumOff val="0"/>
+              <a:alphaOff val="0"/>
+            </a:schemeClr>
+          </a:solidFill>
+          <a:prstDash val="solid"/>
+        </a:ln>
+        <a:effectLst/>
+      </dsp:spPr>
+      <dsp:style>
+        <a:lnRef idx="1">
+          <a:scrgbClr r="0" g="0" b="0"/>
+        </a:lnRef>
+        <a:fillRef idx="0">
+          <a:scrgbClr r="0" g="0" b="0"/>
+        </a:fillRef>
+        <a:effectRef idx="0">
+          <a:scrgbClr r="0" g="0" b="0"/>
+        </a:effectRef>
+        <a:fontRef idx="minor"/>
+      </dsp:style>
+      <dsp:txBody>
+        <a:bodyPr spcFirstLastPara="0" vert="horz" wrap="square" lIns="135128" tIns="135128" rIns="135128" bIns="0" numCol="1" spcCol="1270" anchor="t" anchorCtr="0">
+          <a:noAutofit/>
+        </a:bodyPr>
+        <a:lstStyle/>
+        <a:p>
+          <a:pPr lvl="0" algn="ctr" defTabSz="844550">
+            <a:lnSpc>
+              <a:spcPct val="90000"/>
+            </a:lnSpc>
+            <a:spcBef>
+              <a:spcPct val="0"/>
+            </a:spcBef>
+            <a:spcAft>
+              <a:spcPct val="35000"/>
+            </a:spcAft>
+          </a:pPr>
+          <a:r>
+            <a:rPr lang="en-GB" sz="1900" kern="1200" smtClean="0"/>
+            <a:t>Add favorite product</a:t>
+          </a:r>
+          <a:endParaRPr lang="en-GB" sz="1900" kern="1200" dirty="0"/>
+        </a:p>
+      </dsp:txBody>
+      <dsp:txXfrm>
+        <a:off x="1836777" y="3345516"/>
+        <a:ext cx="1808986" cy="671134"/>
+      </dsp:txXfrm>
+    </dsp:sp>
+    <dsp:sp modelId="{42108F33-182C-4014-975C-104417C9CEFC}">
+      <dsp:nvSpPr>
+        <dsp:cNvPr id="0" name=""/>
+        <dsp:cNvSpPr/>
+      </dsp:nvSpPr>
+      <dsp:spPr>
+        <a:xfrm>
+          <a:off x="3826739" y="2099124"/>
+          <a:ext cx="1808986" cy="1246392"/>
+        </a:xfrm>
+        <a:prstGeom prst="roundRect">
+          <a:avLst/>
+        </a:prstGeom>
+        <a:blipFill rotWithShape="1">
+          <a:blip xmlns:r="http://schemas.openxmlformats.org/officeDocument/2006/relationships" r:embed="rId5"/>
+          <a:stretch>
+            <a:fillRect/>
+          </a:stretch>
+        </a:blipFill>
+        <a:ln>
+          <a:noFill/>
+        </a:ln>
+        <a:effectLst>
+          <a:outerShdw blurRad="38100" dist="25400" dir="5400000" rotWithShape="0">
+            <a:srgbClr val="000000">
+              <a:alpha val="35000"/>
+            </a:srgbClr>
+          </a:outerShdw>
+        </a:effectLst>
+        <a:scene3d>
+          <a:camera prst="orthographicFront">
+            <a:rot lat="0" lon="0" rev="0"/>
+          </a:camera>
+          <a:lightRig rig="contrasting" dir="t">
+            <a:rot lat="0" lon="0" rev="1200000"/>
+          </a:lightRig>
+        </a:scene3d>
+        <a:sp3d contourW="19050" prstMaterial="metal">
+          <a:bevelT w="88900" h="203200"/>
+          <a:bevelB w="165100" h="254000"/>
+        </a:sp3d>
+      </dsp:spPr>
+      <dsp:style>
+        <a:lnRef idx="0">
+          <a:scrgbClr r="0" g="0" b="0"/>
+        </a:lnRef>
+        <a:fillRef idx="1">
+          <a:scrgbClr r="0" g="0" b="0"/>
+        </a:fillRef>
+        <a:effectRef idx="2">
+          <a:scrgbClr r="0" g="0" b="0"/>
+        </a:effectRef>
+        <a:fontRef idx="minor">
+          <a:schemeClr val="lt1"/>
+        </a:fontRef>
+      </dsp:style>
+    </dsp:sp>
+    <dsp:sp modelId="{8ABD6398-AAB5-46D3-9A57-5E4F4E5ECD95}">
+      <dsp:nvSpPr>
+        <dsp:cNvPr id="0" name=""/>
+        <dsp:cNvSpPr/>
+      </dsp:nvSpPr>
+      <dsp:spPr>
+        <a:xfrm>
+          <a:off x="3826739" y="3345516"/>
+          <a:ext cx="1808986" cy="671134"/>
+        </a:xfrm>
+        <a:prstGeom prst="rect">
+          <a:avLst/>
+        </a:prstGeom>
+        <a:noFill/>
+        <a:ln w="12700" cap="rnd" cmpd="sng" algn="ctr">
+          <a:solidFill>
+            <a:schemeClr val="dk1">
+              <a:alpha val="0"/>
+              <a:hueOff val="0"/>
+              <a:satOff val="0"/>
+              <a:lumOff val="0"/>
+              <a:alphaOff val="0"/>
+            </a:schemeClr>
+          </a:solidFill>
+          <a:prstDash val="solid"/>
+        </a:ln>
+        <a:effectLst/>
+      </dsp:spPr>
+      <dsp:style>
+        <a:lnRef idx="1">
+          <a:scrgbClr r="0" g="0" b="0"/>
+        </a:lnRef>
+        <a:fillRef idx="0">
+          <a:scrgbClr r="0" g="0" b="0"/>
+        </a:fillRef>
+        <a:effectRef idx="0">
+          <a:scrgbClr r="0" g="0" b="0"/>
+        </a:effectRef>
+        <a:fontRef idx="minor"/>
+      </dsp:style>
+      <dsp:txBody>
+        <a:bodyPr spcFirstLastPara="0" vert="horz" wrap="square" lIns="135128" tIns="135128" rIns="135128" bIns="0" numCol="1" spcCol="1270" anchor="t" anchorCtr="0">
+          <a:noAutofit/>
+        </a:bodyPr>
+        <a:lstStyle/>
+        <a:p>
+          <a:pPr lvl="0" algn="ctr" defTabSz="844550">
+            <a:lnSpc>
+              <a:spcPct val="90000"/>
+            </a:lnSpc>
+            <a:spcBef>
+              <a:spcPct val="0"/>
+            </a:spcBef>
+            <a:spcAft>
+              <a:spcPct val="35000"/>
+            </a:spcAft>
+          </a:pPr>
+          <a:r>
+            <a:rPr lang="en-GB" sz="1900" kern="1200" smtClean="0"/>
+            <a:t>Write comment</a:t>
+          </a:r>
+          <a:endParaRPr lang="en-GB" sz="1900" kern="1200" dirty="0"/>
+        </a:p>
+      </dsp:txBody>
+      <dsp:txXfrm>
+        <a:off x="3826739" y="3345516"/>
+        <a:ext cx="1808986" cy="671134"/>
+      </dsp:txXfrm>
+    </dsp:sp>
   </dsp:spTree>
 </dsp:drawing>
 </file>
@@ -17380,7 +16539,7 @@
           <a:p>
             <a:fld id="{4BF059D3-F8BC-4118-9975-2A0C6A5195F6}" type="datetimeFigureOut">
               <a:rPr lang="en-US" smtClean="0"/>
-              <a:t>8/16/2015</a:t>
+              <a:t>6/18/2015</a:t>
             </a:fld>
             <a:endParaRPr lang="en-US"/>
           </a:p>
@@ -18769,7 +17928,7 @@
           <a:p>
             <a:fld id="{E1B8EC2A-EA42-4617-8E10-85116FAD5ACA}" type="datetimeFigureOut">
               <a:rPr lang="en-US" smtClean="0"/>
-              <a:t>8/16/2015</a:t>
+              <a:t>6/18/2015</a:t>
             </a:fld>
             <a:endParaRPr lang="en-US"/>
           </a:p>
@@ -19020,7 +18179,7 @@
           <a:p>
             <a:fld id="{E1B8EC2A-EA42-4617-8E10-85116FAD5ACA}" type="datetimeFigureOut">
               <a:rPr lang="en-US" smtClean="0"/>
-              <a:t>8/16/2015</a:t>
+              <a:t>6/18/2015</a:t>
             </a:fld>
             <a:endParaRPr lang="en-US"/>
           </a:p>
@@ -19334,7 +18493,7 @@
           <a:p>
             <a:fld id="{E1B8EC2A-EA42-4617-8E10-85116FAD5ACA}" type="datetimeFigureOut">
               <a:rPr lang="en-US" smtClean="0"/>
-              <a:t>8/16/2015</a:t>
+              <a:t>6/18/2015</a:t>
             </a:fld>
             <a:endParaRPr lang="en-US"/>
           </a:p>
@@ -19667,7 +18826,7 @@
           <a:p>
             <a:fld id="{E1B8EC2A-EA42-4617-8E10-85116FAD5ACA}" type="datetimeFigureOut">
               <a:rPr lang="en-US" smtClean="0"/>
-              <a:t>8/16/2015</a:t>
+              <a:t>6/18/2015</a:t>
             </a:fld>
             <a:endParaRPr lang="en-US"/>
           </a:p>
@@ -19981,7 +19140,7 @@
           <a:p>
             <a:fld id="{E1B8EC2A-EA42-4617-8E10-85116FAD5ACA}" type="datetimeFigureOut">
               <a:rPr lang="en-US" smtClean="0"/>
-              <a:t>8/16/2015</a:t>
+              <a:t>6/18/2015</a:t>
             </a:fld>
             <a:endParaRPr lang="en-US"/>
           </a:p>
@@ -20374,7 +19533,7 @@
           <a:p>
             <a:fld id="{E1B8EC2A-EA42-4617-8E10-85116FAD5ACA}" type="datetimeFigureOut">
               <a:rPr lang="en-US" smtClean="0"/>
-              <a:t>8/16/2015</a:t>
+              <a:t>6/18/2015</a:t>
             </a:fld>
             <a:endParaRPr lang="en-US"/>
           </a:p>
@@ -20544,7 +19703,7 @@
           <a:p>
             <a:fld id="{E1B8EC2A-EA42-4617-8E10-85116FAD5ACA}" type="datetimeFigureOut">
               <a:rPr lang="en-US" smtClean="0"/>
-              <a:t>8/16/2015</a:t>
+              <a:t>6/18/2015</a:t>
             </a:fld>
             <a:endParaRPr lang="en-US"/>
           </a:p>
@@ -20724,7 +19883,7 @@
           <a:p>
             <a:fld id="{E1B8EC2A-EA42-4617-8E10-85116FAD5ACA}" type="datetimeFigureOut">
               <a:rPr lang="en-US" smtClean="0"/>
-              <a:t>8/16/2015</a:t>
+              <a:t>6/18/2015</a:t>
             </a:fld>
             <a:endParaRPr lang="en-US"/>
           </a:p>
@@ -20894,7 +20053,7 @@
           <a:p>
             <a:fld id="{E1B8EC2A-EA42-4617-8E10-85116FAD5ACA}" type="datetimeFigureOut">
               <a:rPr lang="en-US" smtClean="0"/>
-              <a:t>8/16/2015</a:t>
+              <a:t>6/18/2015</a:t>
             </a:fld>
             <a:endParaRPr lang="en-US"/>
           </a:p>
@@ -21141,7 +20300,7 @@
           <a:p>
             <a:fld id="{E1B8EC2A-EA42-4617-8E10-85116FAD5ACA}" type="datetimeFigureOut">
               <a:rPr lang="en-US" smtClean="0"/>
-              <a:t>8/16/2015</a:t>
+              <a:t>6/18/2015</a:t>
             </a:fld>
             <a:endParaRPr lang="en-US"/>
           </a:p>
@@ -21373,7 +20532,7 @@
           <a:p>
             <a:fld id="{E1B8EC2A-EA42-4617-8E10-85116FAD5ACA}" type="datetimeFigureOut">
               <a:rPr lang="en-US" smtClean="0"/>
-              <a:t>8/16/2015</a:t>
+              <a:t>6/18/2015</a:t>
             </a:fld>
             <a:endParaRPr lang="en-US"/>
           </a:p>
@@ -21747,7 +20906,7 @@
           <a:p>
             <a:fld id="{E1B8EC2A-EA42-4617-8E10-85116FAD5ACA}" type="datetimeFigureOut">
               <a:rPr lang="en-US" smtClean="0"/>
-              <a:t>8/16/2015</a:t>
+              <a:t>6/18/2015</a:t>
             </a:fld>
             <a:endParaRPr lang="en-US"/>
           </a:p>
@@ -21870,7 +21029,7 @@
           <a:p>
             <a:fld id="{E1B8EC2A-EA42-4617-8E10-85116FAD5ACA}" type="datetimeFigureOut">
               <a:rPr lang="en-US" smtClean="0"/>
-              <a:t>8/16/2015</a:t>
+              <a:t>6/18/2015</a:t>
             </a:fld>
             <a:endParaRPr lang="en-US"/>
           </a:p>
@@ -21965,7 +21124,7 @@
           <a:p>
             <a:fld id="{E1B8EC2A-EA42-4617-8E10-85116FAD5ACA}" type="datetimeFigureOut">
               <a:rPr lang="en-US" smtClean="0"/>
-              <a:t>8/16/2015</a:t>
+              <a:t>6/18/2015</a:t>
             </a:fld>
             <a:endParaRPr lang="en-US"/>
           </a:p>
@@ -22220,7 +21379,7 @@
           <a:p>
             <a:fld id="{E1B8EC2A-EA42-4617-8E10-85116FAD5ACA}" type="datetimeFigureOut">
               <a:rPr lang="en-US" smtClean="0"/>
-              <a:t>8/16/2015</a:t>
+              <a:t>6/18/2015</a:t>
             </a:fld>
             <a:endParaRPr lang="en-US"/>
           </a:p>
@@ -22525,7 +21684,7 @@
           <a:p>
             <a:fld id="{E1B8EC2A-EA42-4617-8E10-85116FAD5ACA}" type="datetimeFigureOut">
               <a:rPr lang="en-US" smtClean="0"/>
-              <a:t>8/16/2015</a:t>
+              <a:t>6/18/2015</a:t>
             </a:fld>
             <a:endParaRPr lang="en-US"/>
           </a:p>
@@ -23227,7 +22386,7 @@
           <a:p>
             <a:fld id="{E1B8EC2A-EA42-4617-8E10-85116FAD5ACA}" type="datetimeFigureOut">
               <a:rPr lang="en-US" smtClean="0"/>
-              <a:t>8/16/2015</a:t>
+              <a:t>6/18/2015</a:t>
             </a:fld>
             <a:endParaRPr lang="en-US"/>
           </a:p>
@@ -44026,10 +43185,10 @@
           <a:lstStyle/>
           <a:p>
             <a:r>
-              <a:rPr lang="en-US" sz="2400" smtClean="0"/>
+              <a:rPr lang="en-US" sz="2400" dirty="0" smtClean="0"/>
               <a:t>Scenario 4: Mobile application</a:t>
             </a:r>
-            <a:endParaRPr lang="en-US" sz="2400"/>
+            <a:endParaRPr lang="en-US" sz="2400" dirty="0"/>
           </a:p>
         </p:txBody>
       </p:sp>
@@ -44480,14 +43639,14 @@
           <a:lstStyle/>
           <a:p>
             <a:r>
-              <a:rPr lang="en-US"/>
-              <a:t>Advantages AND  </a:t>
+              <a:rPr lang="en-US" dirty="0"/>
+              <a:t>Advantages AND </a:t>
             </a:r>
             <a:r>
-              <a:rPr lang="en-US" smtClean="0"/>
+              <a:rPr lang="en-US" dirty="0" smtClean="0"/>
               <a:t>Disadvantages</a:t>
             </a:r>
-            <a:endParaRPr lang="en-US"/>
+            <a:endParaRPr lang="en-US" dirty="0"/>
           </a:p>
         </p:txBody>
       </p:sp>
@@ -44503,10 +43662,74 @@
         </p:nvSpPr>
         <p:spPr/>
         <p:txBody>
-          <a:bodyPr/>
+          <a:bodyPr>
+            <a:normAutofit/>
+          </a:bodyPr>
           <a:lstStyle/>
           <a:p>
-            <a:endParaRPr lang="en-US"/>
+            <a:r>
+              <a:rPr lang="en-US" sz="2500" dirty="0" smtClean="0"/>
+              <a:t>Many resources</a:t>
+            </a:r>
+          </a:p>
+          <a:p>
+            <a:r>
+              <a:rPr lang="en-US" sz="2500" dirty="0"/>
+              <a:t>Classify </a:t>
+            </a:r>
+            <a:r>
+              <a:rPr lang="en-US" sz="2500" dirty="0" smtClean="0"/>
+              <a:t>comments</a:t>
+            </a:r>
+            <a:endParaRPr lang="en-US" sz="2500" dirty="0"/>
+          </a:p>
+          <a:p>
+            <a:r>
+              <a:rPr lang="en-US" sz="2500" dirty="0" smtClean="0"/>
+              <a:t>Training machine (work with duplicate products).</a:t>
+            </a:r>
+          </a:p>
+          <a:p>
+            <a:r>
+              <a:rPr lang="en-US" sz="2500" dirty="0" smtClean="0"/>
+              <a:t>Subscribe</a:t>
+            </a:r>
+          </a:p>
+          <a:p>
+            <a:endParaRPr lang="en-US" sz="2200" dirty="0" smtClean="0"/>
+          </a:p>
+        </p:txBody>
+      </p:sp>
+      <p:sp>
+        <p:nvSpPr>
+          <p:cNvPr id="4" name="TextBox 3"/>
+          <p:cNvSpPr txBox="1"/>
+          <p:nvPr/>
+        </p:nvSpPr>
+        <p:spPr>
+          <a:xfrm>
+            <a:off x="677334" y="1468735"/>
+            <a:ext cx="2364750" cy="553998"/>
+          </a:xfrm>
+          <a:prstGeom prst="rect">
+            <a:avLst/>
+          </a:prstGeom>
+          <a:noFill/>
+        </p:spPr>
+        <p:txBody>
+          <a:bodyPr wrap="none" rtlCol="0">
+            <a:spAutoFit/>
+          </a:bodyPr>
+          <a:lstStyle/>
+          <a:p>
+            <a:r>
+              <a:rPr lang="en-US" sz="3000" b="1" dirty="0">
+                <a:solidFill>
+                  <a:schemeClr val="accent1"/>
+                </a:solidFill>
+              </a:rPr>
+              <a:t>Advantages:</a:t>
+            </a:r>
           </a:p>
         </p:txBody>
       </p:sp>
@@ -44524,6 +43747,147 @@
 </file>
 
 <file path=ppt/slides/slide37.xml><?xml version="1.0" encoding="utf-8"?>
+<p:sld xmlns:a="http://schemas.openxmlformats.org/drawingml/2006/main" xmlns:r="http://schemas.openxmlformats.org/officeDocument/2006/relationships" xmlns:p="http://schemas.openxmlformats.org/presentationml/2006/main">
+  <p:cSld>
+    <p:spTree>
+      <p:nvGrpSpPr>
+        <p:cNvPr id="1" name=""/>
+        <p:cNvGrpSpPr/>
+        <p:nvPr/>
+      </p:nvGrpSpPr>
+      <p:grpSpPr>
+        <a:xfrm>
+          <a:off x="0" y="0"/>
+          <a:ext cx="0" cy="0"/>
+          <a:chOff x="0" y="0"/>
+          <a:chExt cx="0" cy="0"/>
+        </a:xfrm>
+      </p:grpSpPr>
+      <p:sp>
+        <p:nvSpPr>
+          <p:cNvPr id="2" name="Title 1"/>
+          <p:cNvSpPr>
+            <a:spLocks noGrp="1"/>
+          </p:cNvSpPr>
+          <p:nvPr>
+            <p:ph type="title"/>
+          </p:nvPr>
+        </p:nvSpPr>
+        <p:spPr/>
+        <p:txBody>
+          <a:bodyPr/>
+          <a:lstStyle/>
+          <a:p>
+            <a:r>
+              <a:rPr lang="en-US" dirty="0"/>
+              <a:t>Advantages AND </a:t>
+            </a:r>
+            <a:r>
+              <a:rPr lang="en-US" dirty="0" smtClean="0"/>
+              <a:t>Disadvantages</a:t>
+            </a:r>
+            <a:endParaRPr lang="en-US" dirty="0"/>
+          </a:p>
+        </p:txBody>
+      </p:sp>
+      <p:sp>
+        <p:nvSpPr>
+          <p:cNvPr id="3" name="Content Placeholder 2"/>
+          <p:cNvSpPr>
+            <a:spLocks noGrp="1"/>
+          </p:cNvSpPr>
+          <p:nvPr>
+            <p:ph idx="1"/>
+          </p:nvPr>
+        </p:nvSpPr>
+        <p:spPr/>
+        <p:txBody>
+          <a:bodyPr>
+            <a:normAutofit/>
+          </a:bodyPr>
+          <a:lstStyle/>
+          <a:p>
+            <a:r>
+              <a:rPr lang="en-US" sz="2500" dirty="0" smtClean="0"/>
+              <a:t>Spend time for training.</a:t>
+            </a:r>
+          </a:p>
+          <a:p>
+            <a:r>
+              <a:rPr lang="en-US" sz="2500" dirty="0" smtClean="0"/>
+              <a:t>Spend time for re-check reported comments.</a:t>
+            </a:r>
+          </a:p>
+          <a:p>
+            <a:r>
+              <a:rPr lang="en-US" sz="2500" dirty="0" smtClean="0"/>
+              <a:t>Not support Vietnamese language.</a:t>
+            </a:r>
+          </a:p>
+          <a:p>
+            <a:r>
+              <a:rPr lang="en-US" sz="2500" dirty="0" smtClean="0"/>
+              <a:t>Mobile application is developed for Android Platform.  </a:t>
+            </a:r>
+            <a:endParaRPr lang="en-US" sz="2500" dirty="0"/>
+          </a:p>
+        </p:txBody>
+      </p:sp>
+      <p:sp>
+        <p:nvSpPr>
+          <p:cNvPr id="4" name="TextBox 3"/>
+          <p:cNvSpPr txBox="1"/>
+          <p:nvPr/>
+        </p:nvSpPr>
+        <p:spPr>
+          <a:xfrm>
+            <a:off x="677334" y="1468735"/>
+            <a:ext cx="2853666" cy="553998"/>
+          </a:xfrm>
+          <a:prstGeom prst="rect">
+            <a:avLst/>
+          </a:prstGeom>
+          <a:noFill/>
+        </p:spPr>
+        <p:txBody>
+          <a:bodyPr wrap="none" rtlCol="0">
+            <a:spAutoFit/>
+          </a:bodyPr>
+          <a:lstStyle/>
+          <a:p>
+            <a:r>
+              <a:rPr lang="en-US" sz="3000" b="1" dirty="0" smtClean="0">
+                <a:solidFill>
+                  <a:schemeClr val="accent1"/>
+                </a:solidFill>
+              </a:rPr>
+              <a:t>Disadvantages</a:t>
+            </a:r>
+            <a:r>
+              <a:rPr lang="en-US" sz="3000" b="1" dirty="0">
+                <a:solidFill>
+                  <a:schemeClr val="accent1"/>
+                </a:solidFill>
+              </a:rPr>
+              <a:t>:</a:t>
+            </a:r>
+          </a:p>
+        </p:txBody>
+      </p:sp>
+    </p:spTree>
+    <p:extLst>
+      <p:ext uri="{BB962C8B-B14F-4D97-AF65-F5344CB8AC3E}">
+        <p14:creationId xmlns:p14="http://schemas.microsoft.com/office/powerpoint/2010/main" val="3454550136"/>
+      </p:ext>
+    </p:extLst>
+  </p:cSld>
+  <p:clrMapOvr>
+    <a:masterClrMapping/>
+  </p:clrMapOvr>
+</p:sld>
+</file>
+
+<file path=ppt/slides/slide38.xml><?xml version="1.0" encoding="utf-8"?>
 <p:sld xmlns:a="http://schemas.openxmlformats.org/drawingml/2006/main" xmlns:r="http://schemas.openxmlformats.org/officeDocument/2006/relationships" xmlns:p="http://schemas.openxmlformats.org/presentationml/2006/main">
   <p:cSld>
     <p:spTree>
@@ -44575,10 +43939,28 @@
         </p:nvSpPr>
         <p:spPr/>
         <p:txBody>
-          <a:bodyPr/>
+          <a:bodyPr>
+            <a:normAutofit/>
+          </a:bodyPr>
           <a:lstStyle/>
           <a:p>
-            <a:endParaRPr lang="en-US"/>
+            <a:r>
+              <a:rPr lang="en-US" sz="2500" dirty="0" smtClean="0"/>
+              <a:t>Optimize algorithm for analyze comment.</a:t>
+            </a:r>
+          </a:p>
+          <a:p>
+            <a:r>
+              <a:rPr lang="en-US" sz="2500" dirty="0" smtClean="0"/>
+              <a:t>Support more mobile platforms</a:t>
+            </a:r>
+          </a:p>
+          <a:p>
+            <a:r>
+              <a:rPr lang="en-US" sz="2500" dirty="0" smtClean="0"/>
+              <a:t>Support Vietnamese language</a:t>
+            </a:r>
+            <a:endParaRPr lang="en-US" sz="2500" dirty="0"/>
           </a:p>
         </p:txBody>
       </p:sp>
@@ -44595,7 +43977,7 @@
 </p:sld>
 </file>
 
-<file path=ppt/slides/slide38.xml><?xml version="1.0" encoding="utf-8"?>
+<file path=ppt/slides/slide39.xml><?xml version="1.0" encoding="utf-8"?>
 <p:sld xmlns:a="http://schemas.openxmlformats.org/drawingml/2006/main" xmlns:r="http://schemas.openxmlformats.org/officeDocument/2006/relationships" xmlns:p="http://schemas.openxmlformats.org/presentationml/2006/main">
   <p:cSld>
     <p:spTree>
@@ -44646,112 +44028,6 @@
     <p:extLst>
       <p:ext uri="{BB962C8B-B14F-4D97-AF65-F5344CB8AC3E}">
         <p14:creationId xmlns:p14="http://schemas.microsoft.com/office/powerpoint/2010/main" val="1293187926"/>
-      </p:ext>
-    </p:extLst>
-  </p:cSld>
-  <p:clrMapOvr>
-    <a:masterClrMapping/>
-  </p:clrMapOvr>
-</p:sld>
-</file>
-
-<file path=ppt/slides/slide39.xml><?xml version="1.0" encoding="utf-8"?>
-<p:sld xmlns:a="http://schemas.openxmlformats.org/drawingml/2006/main" xmlns:r="http://schemas.openxmlformats.org/officeDocument/2006/relationships" xmlns:p="http://schemas.openxmlformats.org/presentationml/2006/main">
-  <p:cSld>
-    <p:spTree>
-      <p:nvGrpSpPr>
-        <p:cNvPr id="1" name=""/>
-        <p:cNvGrpSpPr/>
-        <p:nvPr/>
-      </p:nvGrpSpPr>
-      <p:grpSpPr>
-        <a:xfrm>
-          <a:off x="0" y="0"/>
-          <a:ext cx="0" cy="0"/>
-          <a:chOff x="0" y="0"/>
-          <a:chExt cx="0" cy="0"/>
-        </a:xfrm>
-      </p:grpSpPr>
-      <p:sp>
-        <p:nvSpPr>
-          <p:cNvPr id="5" name="TextBox 4"/>
-          <p:cNvSpPr txBox="1"/>
-          <p:nvPr/>
-        </p:nvSpPr>
-        <p:spPr>
-          <a:xfrm>
-            <a:off x="2276060" y="2763076"/>
-            <a:ext cx="6440556" cy="1323439"/>
-          </a:xfrm>
-          <a:prstGeom prst="rect">
-            <a:avLst/>
-          </a:prstGeom>
-          <a:noFill/>
-        </p:spPr>
-        <p:txBody>
-          <a:bodyPr wrap="square" rtlCol="0">
-            <a:spAutoFit/>
-          </a:bodyPr>
-          <a:lstStyle/>
-          <a:p>
-            <a:r>
-              <a:rPr lang="en-US" sz="8000" b="1" smtClean="0">
-                <a:ln w="12700">
-                  <a:solidFill>
-                    <a:schemeClr val="accent1"/>
-                  </a:solidFill>
-                  <a:prstDash val="solid"/>
-                </a:ln>
-                <a:pattFill prst="pct50">
-                  <a:fgClr>
-                    <a:schemeClr val="accent1"/>
-                  </a:fgClr>
-                  <a:bgClr>
-                    <a:schemeClr val="accent1">
-                      <a:lumMod val="20000"/>
-                      <a:lumOff val="80000"/>
-                    </a:schemeClr>
-                  </a:bgClr>
-                </a:pattFill>
-                <a:effectLst>
-                  <a:outerShdw dist="38100" dir="2640000" algn="bl" rotWithShape="0">
-                    <a:schemeClr val="accent1"/>
-                  </a:outerShdw>
-                </a:effectLst>
-              </a:rPr>
-              <a:t>Thank You!</a:t>
-            </a:r>
-            <a:endParaRPr lang="en-US" sz="8000" b="1">
-              <a:ln w="12700">
-                <a:solidFill>
-                  <a:schemeClr val="accent1"/>
-                </a:solidFill>
-                <a:prstDash val="solid"/>
-              </a:ln>
-              <a:pattFill prst="pct50">
-                <a:fgClr>
-                  <a:schemeClr val="accent1"/>
-                </a:fgClr>
-                <a:bgClr>
-                  <a:schemeClr val="accent1">
-                    <a:lumMod val="20000"/>
-                    <a:lumOff val="80000"/>
-                  </a:schemeClr>
-                </a:bgClr>
-              </a:pattFill>
-              <a:effectLst>
-                <a:outerShdw dist="38100" dir="2640000" algn="bl" rotWithShape="0">
-                  <a:schemeClr val="accent1"/>
-                </a:outerShdw>
-              </a:effectLst>
-            </a:endParaRPr>
-          </a:p>
-        </p:txBody>
-      </p:sp>
-    </p:spTree>
-    <p:extLst>
-      <p:ext uri="{BB962C8B-B14F-4D97-AF65-F5344CB8AC3E}">
-        <p14:creationId xmlns:p14="http://schemas.microsoft.com/office/powerpoint/2010/main" val="1987316609"/>
       </p:ext>
     </p:extLst>
   </p:cSld>
@@ -44920,6 +44196,112 @@
       </p:par>
     </p:tnLst>
   </p:timing>
+</p:sld>
+</file>
+
+<file path=ppt/slides/slide40.xml><?xml version="1.0" encoding="utf-8"?>
+<p:sld xmlns:a="http://schemas.openxmlformats.org/drawingml/2006/main" xmlns:r="http://schemas.openxmlformats.org/officeDocument/2006/relationships" xmlns:p="http://schemas.openxmlformats.org/presentationml/2006/main">
+  <p:cSld>
+    <p:spTree>
+      <p:nvGrpSpPr>
+        <p:cNvPr id="1" name=""/>
+        <p:cNvGrpSpPr/>
+        <p:nvPr/>
+      </p:nvGrpSpPr>
+      <p:grpSpPr>
+        <a:xfrm>
+          <a:off x="0" y="0"/>
+          <a:ext cx="0" cy="0"/>
+          <a:chOff x="0" y="0"/>
+          <a:chExt cx="0" cy="0"/>
+        </a:xfrm>
+      </p:grpSpPr>
+      <p:sp>
+        <p:nvSpPr>
+          <p:cNvPr id="5" name="TextBox 4"/>
+          <p:cNvSpPr txBox="1"/>
+          <p:nvPr/>
+        </p:nvSpPr>
+        <p:spPr>
+          <a:xfrm>
+            <a:off x="2276060" y="2763076"/>
+            <a:ext cx="6440556" cy="1323439"/>
+          </a:xfrm>
+          <a:prstGeom prst="rect">
+            <a:avLst/>
+          </a:prstGeom>
+          <a:noFill/>
+        </p:spPr>
+        <p:txBody>
+          <a:bodyPr wrap="square" rtlCol="0">
+            <a:spAutoFit/>
+          </a:bodyPr>
+          <a:lstStyle/>
+          <a:p>
+            <a:r>
+              <a:rPr lang="en-US" sz="8000" b="1" smtClean="0">
+                <a:ln w="12700">
+                  <a:solidFill>
+                    <a:schemeClr val="accent1"/>
+                  </a:solidFill>
+                  <a:prstDash val="solid"/>
+                </a:ln>
+                <a:pattFill prst="pct50">
+                  <a:fgClr>
+                    <a:schemeClr val="accent1"/>
+                  </a:fgClr>
+                  <a:bgClr>
+                    <a:schemeClr val="accent1">
+                      <a:lumMod val="20000"/>
+                      <a:lumOff val="80000"/>
+                    </a:schemeClr>
+                  </a:bgClr>
+                </a:pattFill>
+                <a:effectLst>
+                  <a:outerShdw dist="38100" dir="2640000" algn="bl" rotWithShape="0">
+                    <a:schemeClr val="accent1"/>
+                  </a:outerShdw>
+                </a:effectLst>
+              </a:rPr>
+              <a:t>Thank You!</a:t>
+            </a:r>
+            <a:endParaRPr lang="en-US" sz="8000" b="1">
+              <a:ln w="12700">
+                <a:solidFill>
+                  <a:schemeClr val="accent1"/>
+                </a:solidFill>
+                <a:prstDash val="solid"/>
+              </a:ln>
+              <a:pattFill prst="pct50">
+                <a:fgClr>
+                  <a:schemeClr val="accent1"/>
+                </a:fgClr>
+                <a:bgClr>
+                  <a:schemeClr val="accent1">
+                    <a:lumMod val="20000"/>
+                    <a:lumOff val="80000"/>
+                  </a:schemeClr>
+                </a:bgClr>
+              </a:pattFill>
+              <a:effectLst>
+                <a:outerShdw dist="38100" dir="2640000" algn="bl" rotWithShape="0">
+                  <a:schemeClr val="accent1"/>
+                </a:outerShdw>
+              </a:effectLst>
+            </a:endParaRPr>
+          </a:p>
+        </p:txBody>
+      </p:sp>
+    </p:spTree>
+    <p:extLst>
+      <p:ext uri="{BB962C8B-B14F-4D97-AF65-F5344CB8AC3E}">
+        <p14:creationId xmlns:p14="http://schemas.microsoft.com/office/powerpoint/2010/main" val="1987316609"/>
+      </p:ext>
+    </p:extLst>
+  </p:cSld>
+  <p:clrMapOvr>
+    <a:masterClrMapping/>
+  </p:clrMapOvr>
 </p:sld>
 </file>
 

--- a/Reports/LRA.pptx
+++ b/Reports/LRA.pptx
@@ -43669,17 +43669,13 @@
           <a:p>
             <a:r>
               <a:rPr lang="en-US" sz="2500" dirty="0" smtClean="0"/>
-              <a:t>Many resources</a:t>
+              <a:t>Collect data from many resources</a:t>
             </a:r>
           </a:p>
           <a:p>
             <a:r>
-              <a:rPr lang="en-US" sz="2500" dirty="0"/>
-              <a:t>Classify </a:t>
-            </a:r>
-            <a:r>
               <a:rPr lang="en-US" sz="2500" dirty="0" smtClean="0"/>
-              <a:t>comments</a:t>
+              <a:t>Analyze comments</a:t>
             </a:r>
             <a:endParaRPr lang="en-US" sz="2500" dirty="0"/>
           </a:p>
@@ -43815,7 +43811,7 @@
           <a:p>
             <a:r>
               <a:rPr lang="en-US" sz="2500" dirty="0" smtClean="0"/>
-              <a:t>Spend time for re-check reported comments.</a:t>
+              <a:t>Spend time for check reported comments.</a:t>
             </a:r>
           </a:p>
           <a:p>
